--- a/reports/Unconstrained  Optimization Presentation.pptx
+++ b/reports/Unconstrained  Optimization Presentation.pptx
@@ -1,6 +1,6 @@
 
 <file path=ppt/presentation.xml><?xml version="1.0" encoding="utf-8"?>
-<p:presentation xmlns:a="http://schemas.openxmlformats.org/drawingml/2006/main" xmlns:r="http://schemas.openxmlformats.org/officeDocument/2006/relationships" xmlns:mc="http://schemas.openxmlformats.org/markup-compatibility/2006" xmlns:mv="urn:schemas-microsoft-com:mac:vml" xmlns:p="http://schemas.openxmlformats.org/presentationml/2006/main" xmlns:c="http://schemas.openxmlformats.org/drawingml/2006/chart" xmlns:dgm="http://schemas.openxmlformats.org/drawingml/2006/diagram" xmlns:o="urn:schemas-microsoft-com:office:office" xmlns:v="urn:schemas-microsoft-com:vml" xmlns:pvml="urn:schemas-microsoft-com:office:powerpoint" xmlns:com="http://schemas.openxmlformats.org/drawingml/2006/compatibility" xmlns:p14="http://schemas.microsoft.com/office/powerpoint/2010/main" xmlns:p15="http://schemas.microsoft.com/office/powerpoint/2012/main" xmlns:ahyp="http://schemas.microsoft.com/office/drawing/2018/hyperlinkcolor" autoCompressPictures="0" strictFirstAndLastChars="0" saveSubsetFonts="1">
+<p:presentation xmlns:a="http://schemas.openxmlformats.org/drawingml/2006/main" xmlns:r="http://schemas.openxmlformats.org/officeDocument/2006/relationships" xmlns:mc="http://schemas.openxmlformats.org/markup-compatibility/2006" xmlns:mv="urn:schemas-microsoft-com:mac:vml" xmlns:p="http://schemas.openxmlformats.org/presentationml/2006/main" xmlns:c="http://schemas.openxmlformats.org/drawingml/2006/chart" xmlns:dgm="http://schemas.openxmlformats.org/drawingml/2006/diagram" xmlns:o="urn:schemas-microsoft-com:office:office" xmlns:v="urn:schemas-microsoft-com:vml" xmlns:pvml="urn:schemas-microsoft-com:office:powerpoint" xmlns:com="http://schemas.openxmlformats.org/drawingml/2006/compatibility" xmlns:p14="http://schemas.microsoft.com/office/powerpoint/2010/main" xmlns:p15="http://schemas.microsoft.com/office/powerpoint/2012/main" xmlns:ahyp="http://schemas.microsoft.com/office/drawing/2018/hyperlinkcolor" autoCompressPictures="0" embedTrueTypeFonts="1" strictFirstAndLastChars="0" saveSubsetFonts="1">
   <p:sldMasterIdLst>
     <p:sldMasterId id="2147483659" r:id="rId4"/>
   </p:sldMasterIdLst>
@@ -22,6 +22,22 @@
   </p:sldIdLst>
   <p:sldSz cy="5143500" cx="9144000"/>
   <p:notesSz cx="6858000" cy="9144000"/>
+  <p:embeddedFontLst>
+    <p:embeddedFont>
+      <p:font typeface="Raleway"/>
+      <p:regular r:id="rId17"/>
+      <p:bold r:id="rId18"/>
+      <p:italic r:id="rId19"/>
+      <p:boldItalic r:id="rId20"/>
+    </p:embeddedFont>
+    <p:embeddedFont>
+      <p:font typeface="Lato"/>
+      <p:regular r:id="rId21"/>
+      <p:bold r:id="rId22"/>
+      <p:italic r:id="rId23"/>
+      <p:boldItalic r:id="rId24"/>
+    </p:embeddedFont>
+  </p:embeddedFontLst>
   <p:defaultTextStyle>
     <a:defPPr lvl="0" marR="0" rtl="0" algn="l">
       <a:lnSpc>
@@ -701,7 +717,7 @@
   <p:cSld>
     <p:spTree>
       <p:nvGrpSpPr>
-        <p:cNvPr id="50" name="Shape 50"/>
+        <p:cNvPr id="82" name="Shape 82"/>
         <p:cNvGrpSpPr/>
         <p:nvPr/>
       </p:nvGrpSpPr>
@@ -715,106 +731,7 @@
       </p:grpSpPr>
       <p:sp>
         <p:nvSpPr>
-          <p:cNvPr id="51" name="Google Shape;51;p:notes"/>
-          <p:cNvSpPr/>
-          <p:nvPr>
-            <p:ph idx="2" type="sldImg"/>
-          </p:nvPr>
-        </p:nvSpPr>
-        <p:spPr>
-          <a:xfrm>
-            <a:off x="381300" y="685800"/>
-            <a:ext cx="6096075" cy="3429000"/>
-          </a:xfrm>
-          <a:custGeom>
-            <a:rect b="b" l="l" r="r" t="t"/>
-            <a:pathLst>
-              <a:path extrusionOk="0" h="120000" w="120000">
-                <a:moveTo>
-                  <a:pt x="0" y="0"/>
-                </a:moveTo>
-                <a:lnTo>
-                  <a:pt x="120000" y="0"/>
-                </a:lnTo>
-                <a:lnTo>
-                  <a:pt x="120000" y="120000"/>
-                </a:lnTo>
-                <a:lnTo>
-                  <a:pt x="0" y="120000"/>
-                </a:lnTo>
-                <a:close/>
-              </a:path>
-            </a:pathLst>
-          </a:custGeom>
-        </p:spPr>
-      </p:sp>
-      <p:sp>
-        <p:nvSpPr>
-          <p:cNvPr id="52" name="Google Shape;52;p:notes"/>
-          <p:cNvSpPr txBox="1"/>
-          <p:nvPr>
-            <p:ph idx="1" type="body"/>
-          </p:nvPr>
-        </p:nvSpPr>
-        <p:spPr>
-          <a:xfrm>
-            <a:off x="685800" y="4343400"/>
-            <a:ext cx="5486400" cy="4114800"/>
-          </a:xfrm>
-          <a:prstGeom prst="rect">
-            <a:avLst/>
-          </a:prstGeom>
-        </p:spPr>
-        <p:txBody>
-          <a:bodyPr anchorCtr="0" anchor="t" bIns="91425" lIns="91425" spcFirstLastPara="1" rIns="91425" wrap="square" tIns="91425">
-            <a:noAutofit/>
-          </a:bodyPr>
-          <a:lstStyle/>
-          <a:p>
-            <a:pPr indent="0" lvl="0" marL="0" rtl="0" algn="l">
-              <a:spcBef>
-                <a:spcPts val="0"/>
-              </a:spcBef>
-              <a:spcAft>
-                <a:spcPts val="0"/>
-              </a:spcAft>
-              <a:buNone/>
-            </a:pPr>
-            <a:r>
-              <a:t/>
-            </a:r>
-            <a:endParaRPr/>
-          </a:p>
-        </p:txBody>
-      </p:sp>
-    </p:spTree>
-  </p:cSld>
-  <p:clrMapOvr>
-    <a:masterClrMapping/>
-  </p:clrMapOvr>
-</p:notes>
-</file>
-
-<file path=ppt/notesSlides/notesSlide10.xml><?xml version="1.0" encoding="utf-8"?>
-<p:notes xmlns:a="http://schemas.openxmlformats.org/drawingml/2006/main" xmlns:r="http://schemas.openxmlformats.org/officeDocument/2006/relationships" xmlns:mc="http://schemas.openxmlformats.org/markup-compatibility/2006" xmlns:mv="urn:schemas-microsoft-com:mac:vml" xmlns:p="http://schemas.openxmlformats.org/presentationml/2006/main" xmlns:c="http://schemas.openxmlformats.org/drawingml/2006/chart" xmlns:dgm="http://schemas.openxmlformats.org/drawingml/2006/diagram" xmlns:o="urn:schemas-microsoft-com:office:office" xmlns:v="urn:schemas-microsoft-com:vml" xmlns:pvml="urn:schemas-microsoft-com:office:powerpoint" xmlns:com="http://schemas.openxmlformats.org/drawingml/2006/compatibility" xmlns:p14="http://schemas.microsoft.com/office/powerpoint/2010/main" xmlns:p15="http://schemas.microsoft.com/office/powerpoint/2012/main" xmlns:ahyp="http://schemas.microsoft.com/office/drawing/2018/hyperlinkcolor" showMasterPhAnim="0" showMasterSp="0">
-  <p:cSld>
-    <p:spTree>
-      <p:nvGrpSpPr>
-        <p:cNvPr id="114" name="Shape 114"/>
-        <p:cNvGrpSpPr/>
-        <p:nvPr/>
-      </p:nvGrpSpPr>
-      <p:grpSpPr>
-        <a:xfrm>
-          <a:off x="0" y="0"/>
-          <a:ext cx="0" cy="0"/>
-          <a:chOff x="0" y="0"/>
-          <a:chExt cx="0" cy="0"/>
-        </a:xfrm>
-      </p:grpSpPr>
-      <p:sp>
-        <p:nvSpPr>
-          <p:cNvPr id="115" name="Google Shape;115;g30f9e60537a_0_55:notes"/>
+          <p:cNvPr id="83" name="Google Shape;83;g30f9e60537a_0_220:notes"/>
           <p:cNvSpPr/>
           <p:nvPr>
             <p:ph idx="2" type="sldImg"/>
@@ -849,7 +766,7 @@
       </p:sp>
       <p:sp>
         <p:nvSpPr>
-          <p:cNvPr id="116" name="Google Shape;116;g30f9e60537a_0_55:notes"/>
+          <p:cNvPr id="84" name="Google Shape;84;g30f9e60537a_0_220:notes"/>
           <p:cNvSpPr txBox="1"/>
           <p:nvPr>
             <p:ph idx="1" type="body"/>
@@ -894,12 +811,12 @@
 </p:notes>
 </file>
 
-<file path=ppt/notesSlides/notesSlide11.xml><?xml version="1.0" encoding="utf-8"?>
+<file path=ppt/notesSlides/notesSlide10.xml><?xml version="1.0" encoding="utf-8"?>
 <p:notes xmlns:a="http://schemas.openxmlformats.org/drawingml/2006/main" xmlns:r="http://schemas.openxmlformats.org/officeDocument/2006/relationships" xmlns:mc="http://schemas.openxmlformats.org/markup-compatibility/2006" xmlns:mv="urn:schemas-microsoft-com:mac:vml" xmlns:p="http://schemas.openxmlformats.org/presentationml/2006/main" xmlns:c="http://schemas.openxmlformats.org/drawingml/2006/chart" xmlns:dgm="http://schemas.openxmlformats.org/drawingml/2006/diagram" xmlns:o="urn:schemas-microsoft-com:office:office" xmlns:v="urn:schemas-microsoft-com:vml" xmlns:pvml="urn:schemas-microsoft-com:office:powerpoint" xmlns:com="http://schemas.openxmlformats.org/drawingml/2006/compatibility" xmlns:p14="http://schemas.microsoft.com/office/powerpoint/2010/main" xmlns:p15="http://schemas.microsoft.com/office/powerpoint/2012/main" xmlns:ahyp="http://schemas.microsoft.com/office/drawing/2018/hyperlinkcolor" showMasterPhAnim="0" showMasterSp="0">
   <p:cSld>
     <p:spTree>
       <p:nvGrpSpPr>
-        <p:cNvPr id="122" name="Shape 122"/>
+        <p:cNvPr id="146" name="Shape 146"/>
         <p:cNvGrpSpPr/>
         <p:nvPr/>
       </p:nvGrpSpPr>
@@ -913,7 +830,7 @@
       </p:grpSpPr>
       <p:sp>
         <p:nvSpPr>
-          <p:cNvPr id="123" name="Google Shape;123;g30f9e60537a_0_82:notes"/>
+          <p:cNvPr id="147" name="Google Shape;147;g30f9e60537a_0_55:notes"/>
           <p:cNvSpPr/>
           <p:nvPr>
             <p:ph idx="2" type="sldImg"/>
@@ -948,7 +865,7 @@
       </p:sp>
       <p:sp>
         <p:nvSpPr>
-          <p:cNvPr id="124" name="Google Shape;124;g30f9e60537a_0_82:notes"/>
+          <p:cNvPr id="148" name="Google Shape;148;g30f9e60537a_0_55:notes"/>
           <p:cNvSpPr txBox="1"/>
           <p:nvPr>
             <p:ph idx="1" type="body"/>
@@ -993,12 +910,12 @@
 </p:notes>
 </file>
 
-<file path=ppt/notesSlides/notesSlide2.xml><?xml version="1.0" encoding="utf-8"?>
+<file path=ppt/notesSlides/notesSlide11.xml><?xml version="1.0" encoding="utf-8"?>
 <p:notes xmlns:a="http://schemas.openxmlformats.org/drawingml/2006/main" xmlns:r="http://schemas.openxmlformats.org/officeDocument/2006/relationships" xmlns:mc="http://schemas.openxmlformats.org/markup-compatibility/2006" xmlns:mv="urn:schemas-microsoft-com:mac:vml" xmlns:p="http://schemas.openxmlformats.org/presentationml/2006/main" xmlns:c="http://schemas.openxmlformats.org/drawingml/2006/chart" xmlns:dgm="http://schemas.openxmlformats.org/drawingml/2006/diagram" xmlns:o="urn:schemas-microsoft-com:office:office" xmlns:v="urn:schemas-microsoft-com:vml" xmlns:pvml="urn:schemas-microsoft-com:office:powerpoint" xmlns:com="http://schemas.openxmlformats.org/drawingml/2006/compatibility" xmlns:p14="http://schemas.microsoft.com/office/powerpoint/2010/main" xmlns:p15="http://schemas.microsoft.com/office/powerpoint/2012/main" xmlns:ahyp="http://schemas.microsoft.com/office/drawing/2018/hyperlinkcolor" showMasterPhAnim="0" showMasterSp="0">
   <p:cSld>
     <p:spTree>
       <p:nvGrpSpPr>
-        <p:cNvPr id="56" name="Shape 56"/>
+        <p:cNvPr id="154" name="Shape 154"/>
         <p:cNvGrpSpPr/>
         <p:nvPr/>
       </p:nvGrpSpPr>
@@ -1012,7 +929,7 @@
       </p:grpSpPr>
       <p:sp>
         <p:nvSpPr>
-          <p:cNvPr id="57" name="Google Shape;57;g30f9e60537a_0_0:notes"/>
+          <p:cNvPr id="155" name="Google Shape;155;g30f9e60537a_0_82:notes"/>
           <p:cNvSpPr/>
           <p:nvPr>
             <p:ph idx="2" type="sldImg"/>
@@ -1047,7 +964,7 @@
       </p:sp>
       <p:sp>
         <p:nvSpPr>
-          <p:cNvPr id="58" name="Google Shape;58;g30f9e60537a_0_0:notes"/>
+          <p:cNvPr id="156" name="Google Shape;156;g30f9e60537a_0_82:notes"/>
           <p:cNvSpPr txBox="1"/>
           <p:nvPr>
             <p:ph idx="1" type="body"/>
@@ -1092,12 +1009,12 @@
 </p:notes>
 </file>
 
-<file path=ppt/notesSlides/notesSlide3.xml><?xml version="1.0" encoding="utf-8"?>
+<file path=ppt/notesSlides/notesSlide2.xml><?xml version="1.0" encoding="utf-8"?>
 <p:notes xmlns:a="http://schemas.openxmlformats.org/drawingml/2006/main" xmlns:r="http://schemas.openxmlformats.org/officeDocument/2006/relationships" xmlns:mc="http://schemas.openxmlformats.org/markup-compatibility/2006" xmlns:mv="urn:schemas-microsoft-com:mac:vml" xmlns:p="http://schemas.openxmlformats.org/presentationml/2006/main" xmlns:c="http://schemas.openxmlformats.org/drawingml/2006/chart" xmlns:dgm="http://schemas.openxmlformats.org/drawingml/2006/diagram" xmlns:o="urn:schemas-microsoft-com:office:office" xmlns:v="urn:schemas-microsoft-com:vml" xmlns:pvml="urn:schemas-microsoft-com:office:powerpoint" xmlns:com="http://schemas.openxmlformats.org/drawingml/2006/compatibility" xmlns:p14="http://schemas.microsoft.com/office/powerpoint/2010/main" xmlns:p15="http://schemas.microsoft.com/office/powerpoint/2012/main" xmlns:ahyp="http://schemas.microsoft.com/office/drawing/2018/hyperlinkcolor" showMasterPhAnim="0" showMasterSp="0">
   <p:cSld>
     <p:spTree>
       <p:nvGrpSpPr>
-        <p:cNvPr id="62" name="Shape 62"/>
+        <p:cNvPr id="88" name="Shape 88"/>
         <p:cNvGrpSpPr/>
         <p:nvPr/>
       </p:nvGrpSpPr>
@@ -1111,7 +1028,7 @@
       </p:grpSpPr>
       <p:sp>
         <p:nvSpPr>
-          <p:cNvPr id="63" name="Google Shape;63;g30f9e60537a_0_5:notes"/>
+          <p:cNvPr id="89" name="Google Shape;89;g30f9e60537a_0_0:notes"/>
           <p:cNvSpPr/>
           <p:nvPr>
             <p:ph idx="2" type="sldImg"/>
@@ -1146,7 +1063,7 @@
       </p:sp>
       <p:sp>
         <p:nvSpPr>
-          <p:cNvPr id="64" name="Google Shape;64;g30f9e60537a_0_5:notes"/>
+          <p:cNvPr id="90" name="Google Shape;90;g30f9e60537a_0_0:notes"/>
           <p:cNvSpPr txBox="1"/>
           <p:nvPr>
             <p:ph idx="1" type="body"/>
@@ -1191,12 +1108,12 @@
 </p:notes>
 </file>
 
-<file path=ppt/notesSlides/notesSlide4.xml><?xml version="1.0" encoding="utf-8"?>
+<file path=ppt/notesSlides/notesSlide3.xml><?xml version="1.0" encoding="utf-8"?>
 <p:notes xmlns:a="http://schemas.openxmlformats.org/drawingml/2006/main" xmlns:r="http://schemas.openxmlformats.org/officeDocument/2006/relationships" xmlns:mc="http://schemas.openxmlformats.org/markup-compatibility/2006" xmlns:mv="urn:schemas-microsoft-com:mac:vml" xmlns:p="http://schemas.openxmlformats.org/presentationml/2006/main" xmlns:c="http://schemas.openxmlformats.org/drawingml/2006/chart" xmlns:dgm="http://schemas.openxmlformats.org/drawingml/2006/diagram" xmlns:o="urn:schemas-microsoft-com:office:office" xmlns:v="urn:schemas-microsoft-com:vml" xmlns:pvml="urn:schemas-microsoft-com:office:powerpoint" xmlns:com="http://schemas.openxmlformats.org/drawingml/2006/compatibility" xmlns:p14="http://schemas.microsoft.com/office/powerpoint/2010/main" xmlns:p15="http://schemas.microsoft.com/office/powerpoint/2012/main" xmlns:ahyp="http://schemas.microsoft.com/office/drawing/2018/hyperlinkcolor" showMasterPhAnim="0" showMasterSp="0">
   <p:cSld>
     <p:spTree>
       <p:nvGrpSpPr>
-        <p:cNvPr id="70" name="Shape 70"/>
+        <p:cNvPr id="94" name="Shape 94"/>
         <p:cNvGrpSpPr/>
         <p:nvPr/>
       </p:nvGrpSpPr>
@@ -1210,7 +1127,7 @@
       </p:grpSpPr>
       <p:sp>
         <p:nvSpPr>
-          <p:cNvPr id="71" name="Google Shape;71;g30f9e60537a_0_49:notes"/>
+          <p:cNvPr id="95" name="Google Shape;95;g30f9e60537a_0_5:notes"/>
           <p:cNvSpPr/>
           <p:nvPr>
             <p:ph idx="2" type="sldImg"/>
@@ -1245,7 +1162,7 @@
       </p:sp>
       <p:sp>
         <p:nvSpPr>
-          <p:cNvPr id="72" name="Google Shape;72;g30f9e60537a_0_49:notes"/>
+          <p:cNvPr id="96" name="Google Shape;96;g30f9e60537a_0_5:notes"/>
           <p:cNvSpPr txBox="1"/>
           <p:nvPr>
             <p:ph idx="1" type="body"/>
@@ -1290,12 +1207,12 @@
 </p:notes>
 </file>
 
-<file path=ppt/notesSlides/notesSlide5.xml><?xml version="1.0" encoding="utf-8"?>
+<file path=ppt/notesSlides/notesSlide4.xml><?xml version="1.0" encoding="utf-8"?>
 <p:notes xmlns:a="http://schemas.openxmlformats.org/drawingml/2006/main" xmlns:r="http://schemas.openxmlformats.org/officeDocument/2006/relationships" xmlns:mc="http://schemas.openxmlformats.org/markup-compatibility/2006" xmlns:mv="urn:schemas-microsoft-com:mac:vml" xmlns:p="http://schemas.openxmlformats.org/presentationml/2006/main" xmlns:c="http://schemas.openxmlformats.org/drawingml/2006/chart" xmlns:dgm="http://schemas.openxmlformats.org/drawingml/2006/diagram" xmlns:o="urn:schemas-microsoft-com:office:office" xmlns:v="urn:schemas-microsoft-com:vml" xmlns:pvml="urn:schemas-microsoft-com:office:powerpoint" xmlns:com="http://schemas.openxmlformats.org/drawingml/2006/compatibility" xmlns:p14="http://schemas.microsoft.com/office/powerpoint/2010/main" xmlns:p15="http://schemas.microsoft.com/office/powerpoint/2012/main" xmlns:ahyp="http://schemas.microsoft.com/office/drawing/2018/hyperlinkcolor" showMasterPhAnim="0" showMasterSp="0">
   <p:cSld>
     <p:spTree>
       <p:nvGrpSpPr>
-        <p:cNvPr id="78" name="Shape 78"/>
+        <p:cNvPr id="102" name="Shape 102"/>
         <p:cNvGrpSpPr/>
         <p:nvPr/>
       </p:nvGrpSpPr>
@@ -1309,7 +1226,7 @@
       </p:grpSpPr>
       <p:sp>
         <p:nvSpPr>
-          <p:cNvPr id="79" name="Google Shape;79;g30f9e60537a_0_10:notes"/>
+          <p:cNvPr id="103" name="Google Shape;103;g30f9e60537a_0_49:notes"/>
           <p:cNvSpPr/>
           <p:nvPr>
             <p:ph idx="2" type="sldImg"/>
@@ -1344,7 +1261,7 @@
       </p:sp>
       <p:sp>
         <p:nvSpPr>
-          <p:cNvPr id="80" name="Google Shape;80;g30f9e60537a_0_10:notes"/>
+          <p:cNvPr id="104" name="Google Shape;104;g30f9e60537a_0_49:notes"/>
           <p:cNvSpPr txBox="1"/>
           <p:nvPr>
             <p:ph idx="1" type="body"/>
@@ -1389,12 +1306,12 @@
 </p:notes>
 </file>
 
-<file path=ppt/notesSlides/notesSlide6.xml><?xml version="1.0" encoding="utf-8"?>
+<file path=ppt/notesSlides/notesSlide5.xml><?xml version="1.0" encoding="utf-8"?>
 <p:notes xmlns:a="http://schemas.openxmlformats.org/drawingml/2006/main" xmlns:r="http://schemas.openxmlformats.org/officeDocument/2006/relationships" xmlns:mc="http://schemas.openxmlformats.org/markup-compatibility/2006" xmlns:mv="urn:schemas-microsoft-com:mac:vml" xmlns:p="http://schemas.openxmlformats.org/presentationml/2006/main" xmlns:c="http://schemas.openxmlformats.org/drawingml/2006/chart" xmlns:dgm="http://schemas.openxmlformats.org/drawingml/2006/diagram" xmlns:o="urn:schemas-microsoft-com:office:office" xmlns:v="urn:schemas-microsoft-com:vml" xmlns:pvml="urn:schemas-microsoft-com:office:powerpoint" xmlns:com="http://schemas.openxmlformats.org/drawingml/2006/compatibility" xmlns:p14="http://schemas.microsoft.com/office/powerpoint/2010/main" xmlns:p15="http://schemas.microsoft.com/office/powerpoint/2012/main" xmlns:ahyp="http://schemas.microsoft.com/office/drawing/2018/hyperlinkcolor" showMasterPhAnim="0" showMasterSp="0">
   <p:cSld>
     <p:spTree>
       <p:nvGrpSpPr>
-        <p:cNvPr id="84" name="Shape 84"/>
+        <p:cNvPr id="110" name="Shape 110"/>
         <p:cNvGrpSpPr/>
         <p:nvPr/>
       </p:nvGrpSpPr>
@@ -1408,7 +1325,7 @@
       </p:grpSpPr>
       <p:sp>
         <p:nvSpPr>
-          <p:cNvPr id="85" name="Google Shape;85;g30f9e60537a_0_30:notes"/>
+          <p:cNvPr id="111" name="Google Shape;111;g30f9e60537a_0_10:notes"/>
           <p:cNvSpPr/>
           <p:nvPr>
             <p:ph idx="2" type="sldImg"/>
@@ -1443,7 +1360,7 @@
       </p:sp>
       <p:sp>
         <p:nvSpPr>
-          <p:cNvPr id="86" name="Google Shape;86;g30f9e60537a_0_30:notes"/>
+          <p:cNvPr id="112" name="Google Shape;112;g30f9e60537a_0_10:notes"/>
           <p:cNvSpPr txBox="1"/>
           <p:nvPr>
             <p:ph idx="1" type="body"/>
@@ -1488,12 +1405,12 @@
 </p:notes>
 </file>
 
-<file path=ppt/notesSlides/notesSlide7.xml><?xml version="1.0" encoding="utf-8"?>
+<file path=ppt/notesSlides/notesSlide6.xml><?xml version="1.0" encoding="utf-8"?>
 <p:notes xmlns:a="http://schemas.openxmlformats.org/drawingml/2006/main" xmlns:r="http://schemas.openxmlformats.org/officeDocument/2006/relationships" xmlns:mc="http://schemas.openxmlformats.org/markup-compatibility/2006" xmlns:mv="urn:schemas-microsoft-com:mac:vml" xmlns:p="http://schemas.openxmlformats.org/presentationml/2006/main" xmlns:c="http://schemas.openxmlformats.org/drawingml/2006/chart" xmlns:dgm="http://schemas.openxmlformats.org/drawingml/2006/diagram" xmlns:o="urn:schemas-microsoft-com:office:office" xmlns:v="urn:schemas-microsoft-com:vml" xmlns:pvml="urn:schemas-microsoft-com:office:powerpoint" xmlns:com="http://schemas.openxmlformats.org/drawingml/2006/compatibility" xmlns:p14="http://schemas.microsoft.com/office/powerpoint/2010/main" xmlns:p15="http://schemas.microsoft.com/office/powerpoint/2012/main" xmlns:ahyp="http://schemas.microsoft.com/office/drawing/2018/hyperlinkcolor" showMasterPhAnim="0" showMasterSp="0">
   <p:cSld>
     <p:spTree>
       <p:nvGrpSpPr>
-        <p:cNvPr id="92" name="Shape 92"/>
+        <p:cNvPr id="116" name="Shape 116"/>
         <p:cNvGrpSpPr/>
         <p:nvPr/>
       </p:nvGrpSpPr>
@@ -1507,7 +1424,7 @@
       </p:grpSpPr>
       <p:sp>
         <p:nvSpPr>
-          <p:cNvPr id="93" name="Google Shape;93;g30f9e60537a_0_52:notes"/>
+          <p:cNvPr id="117" name="Google Shape;117;g30f9e60537a_0_30:notes"/>
           <p:cNvSpPr/>
           <p:nvPr>
             <p:ph idx="2" type="sldImg"/>
@@ -1542,7 +1459,7 @@
       </p:sp>
       <p:sp>
         <p:nvSpPr>
-          <p:cNvPr id="94" name="Google Shape;94;g30f9e60537a_0_52:notes"/>
+          <p:cNvPr id="118" name="Google Shape;118;g30f9e60537a_0_30:notes"/>
           <p:cNvSpPr txBox="1"/>
           <p:nvPr>
             <p:ph idx="1" type="body"/>
@@ -1587,12 +1504,12 @@
 </p:notes>
 </file>
 
-<file path=ppt/notesSlides/notesSlide8.xml><?xml version="1.0" encoding="utf-8"?>
+<file path=ppt/notesSlides/notesSlide7.xml><?xml version="1.0" encoding="utf-8"?>
 <p:notes xmlns:a="http://schemas.openxmlformats.org/drawingml/2006/main" xmlns:r="http://schemas.openxmlformats.org/officeDocument/2006/relationships" xmlns:mc="http://schemas.openxmlformats.org/markup-compatibility/2006" xmlns:mv="urn:schemas-microsoft-com:mac:vml" xmlns:p="http://schemas.openxmlformats.org/presentationml/2006/main" xmlns:c="http://schemas.openxmlformats.org/drawingml/2006/chart" xmlns:dgm="http://schemas.openxmlformats.org/drawingml/2006/diagram" xmlns:o="urn:schemas-microsoft-com:office:office" xmlns:v="urn:schemas-microsoft-com:vml" xmlns:pvml="urn:schemas-microsoft-com:office:powerpoint" xmlns:com="http://schemas.openxmlformats.org/drawingml/2006/compatibility" xmlns:p14="http://schemas.microsoft.com/office/powerpoint/2010/main" xmlns:p15="http://schemas.microsoft.com/office/powerpoint/2012/main" xmlns:ahyp="http://schemas.microsoft.com/office/drawing/2018/hyperlinkcolor" showMasterPhAnim="0" showMasterSp="0">
   <p:cSld>
     <p:spTree>
       <p:nvGrpSpPr>
-        <p:cNvPr id="100" name="Shape 100"/>
+        <p:cNvPr id="124" name="Shape 124"/>
         <p:cNvGrpSpPr/>
         <p:nvPr/>
       </p:nvGrpSpPr>
@@ -1606,7 +1523,7 @@
       </p:grpSpPr>
       <p:sp>
         <p:nvSpPr>
-          <p:cNvPr id="101" name="Google Shape;101;g30f9e60537a_0_20:notes"/>
+          <p:cNvPr id="125" name="Google Shape;125;g30f9e60537a_0_52:notes"/>
           <p:cNvSpPr/>
           <p:nvPr>
             <p:ph idx="2" type="sldImg"/>
@@ -1641,7 +1558,7 @@
       </p:sp>
       <p:sp>
         <p:nvSpPr>
-          <p:cNvPr id="102" name="Google Shape;102;g30f9e60537a_0_20:notes"/>
+          <p:cNvPr id="126" name="Google Shape;126;g30f9e60537a_0_52:notes"/>
           <p:cNvSpPr txBox="1"/>
           <p:nvPr>
             <p:ph idx="1" type="body"/>
@@ -1686,12 +1603,12 @@
 </p:notes>
 </file>
 
-<file path=ppt/notesSlides/notesSlide9.xml><?xml version="1.0" encoding="utf-8"?>
+<file path=ppt/notesSlides/notesSlide8.xml><?xml version="1.0" encoding="utf-8"?>
 <p:notes xmlns:a="http://schemas.openxmlformats.org/drawingml/2006/main" xmlns:r="http://schemas.openxmlformats.org/officeDocument/2006/relationships" xmlns:mc="http://schemas.openxmlformats.org/markup-compatibility/2006" xmlns:mv="urn:schemas-microsoft-com:mac:vml" xmlns:p="http://schemas.openxmlformats.org/presentationml/2006/main" xmlns:c="http://schemas.openxmlformats.org/drawingml/2006/chart" xmlns:dgm="http://schemas.openxmlformats.org/drawingml/2006/diagram" xmlns:o="urn:schemas-microsoft-com:office:office" xmlns:v="urn:schemas-microsoft-com:vml" xmlns:pvml="urn:schemas-microsoft-com:office:powerpoint" xmlns:com="http://schemas.openxmlformats.org/drawingml/2006/compatibility" xmlns:p14="http://schemas.microsoft.com/office/powerpoint/2010/main" xmlns:p15="http://schemas.microsoft.com/office/powerpoint/2012/main" xmlns:ahyp="http://schemas.microsoft.com/office/drawing/2018/hyperlinkcolor" showMasterPhAnim="0" showMasterSp="0">
   <p:cSld>
     <p:spTree>
       <p:nvGrpSpPr>
-        <p:cNvPr id="106" name="Shape 106"/>
+        <p:cNvPr id="132" name="Shape 132"/>
         <p:cNvGrpSpPr/>
         <p:nvPr/>
       </p:nvGrpSpPr>
@@ -1705,7 +1622,7 @@
       </p:grpSpPr>
       <p:sp>
         <p:nvSpPr>
-          <p:cNvPr id="107" name="Google Shape;107;g30f9e60537a_0_33:notes"/>
+          <p:cNvPr id="133" name="Google Shape;133;g30f9e60537a_0_20:notes"/>
           <p:cNvSpPr/>
           <p:nvPr>
             <p:ph idx="2" type="sldImg"/>
@@ -1740,7 +1657,7 @@
       </p:sp>
       <p:sp>
         <p:nvSpPr>
-          <p:cNvPr id="108" name="Google Shape;108;g30f9e60537a_0_33:notes"/>
+          <p:cNvPr id="134" name="Google Shape;134;g30f9e60537a_0_20:notes"/>
           <p:cNvSpPr txBox="1"/>
           <p:nvPr>
             <p:ph idx="1" type="body"/>
@@ -1785,9 +1702,115 @@
 </p:notes>
 </file>
 
+<file path=ppt/notesSlides/notesSlide9.xml><?xml version="1.0" encoding="utf-8"?>
+<p:notes xmlns:a="http://schemas.openxmlformats.org/drawingml/2006/main" xmlns:r="http://schemas.openxmlformats.org/officeDocument/2006/relationships" xmlns:mc="http://schemas.openxmlformats.org/markup-compatibility/2006" xmlns:mv="urn:schemas-microsoft-com:mac:vml" xmlns:p="http://schemas.openxmlformats.org/presentationml/2006/main" xmlns:c="http://schemas.openxmlformats.org/drawingml/2006/chart" xmlns:dgm="http://schemas.openxmlformats.org/drawingml/2006/diagram" xmlns:o="urn:schemas-microsoft-com:office:office" xmlns:v="urn:schemas-microsoft-com:vml" xmlns:pvml="urn:schemas-microsoft-com:office:powerpoint" xmlns:com="http://schemas.openxmlformats.org/drawingml/2006/compatibility" xmlns:p14="http://schemas.microsoft.com/office/powerpoint/2010/main" xmlns:p15="http://schemas.microsoft.com/office/powerpoint/2012/main" xmlns:ahyp="http://schemas.microsoft.com/office/drawing/2018/hyperlinkcolor" showMasterPhAnim="0" showMasterSp="0">
+  <p:cSld>
+    <p:spTree>
+      <p:nvGrpSpPr>
+        <p:cNvPr id="138" name="Shape 138"/>
+        <p:cNvGrpSpPr/>
+        <p:nvPr/>
+      </p:nvGrpSpPr>
+      <p:grpSpPr>
+        <a:xfrm>
+          <a:off x="0" y="0"/>
+          <a:ext cx="0" cy="0"/>
+          <a:chOff x="0" y="0"/>
+          <a:chExt cx="0" cy="0"/>
+        </a:xfrm>
+      </p:grpSpPr>
+      <p:sp>
+        <p:nvSpPr>
+          <p:cNvPr id="139" name="Google Shape;139;g30f9e60537a_0_33:notes"/>
+          <p:cNvSpPr/>
+          <p:nvPr>
+            <p:ph idx="2" type="sldImg"/>
+          </p:nvPr>
+        </p:nvSpPr>
+        <p:spPr>
+          <a:xfrm>
+            <a:off x="381300" y="685800"/>
+            <a:ext cx="6096000" cy="3429000"/>
+          </a:xfrm>
+          <a:custGeom>
+            <a:rect b="b" l="l" r="r" t="t"/>
+            <a:pathLst>
+              <a:path extrusionOk="0" h="120000" w="120000">
+                <a:moveTo>
+                  <a:pt x="0" y="0"/>
+                </a:moveTo>
+                <a:lnTo>
+                  <a:pt x="120000" y="0"/>
+                </a:lnTo>
+                <a:lnTo>
+                  <a:pt x="120000" y="120000"/>
+                </a:lnTo>
+                <a:lnTo>
+                  <a:pt x="0" y="120000"/>
+                </a:lnTo>
+                <a:close/>
+              </a:path>
+            </a:pathLst>
+          </a:custGeom>
+        </p:spPr>
+      </p:sp>
+      <p:sp>
+        <p:nvSpPr>
+          <p:cNvPr id="140" name="Google Shape;140;g30f9e60537a_0_33:notes"/>
+          <p:cNvSpPr txBox="1"/>
+          <p:nvPr>
+            <p:ph idx="1" type="body"/>
+          </p:nvPr>
+        </p:nvSpPr>
+        <p:spPr>
+          <a:xfrm>
+            <a:off x="685800" y="4343400"/>
+            <a:ext cx="5486400" cy="4114800"/>
+          </a:xfrm>
+          <a:prstGeom prst="rect">
+            <a:avLst/>
+          </a:prstGeom>
+        </p:spPr>
+        <p:txBody>
+          <a:bodyPr anchorCtr="0" anchor="t" bIns="91425" lIns="91425" spcFirstLastPara="1" rIns="91425" wrap="square" tIns="91425">
+            <a:noAutofit/>
+          </a:bodyPr>
+          <a:lstStyle/>
+          <a:p>
+            <a:pPr indent="0" lvl="0" marL="0" rtl="0" algn="l">
+              <a:spcBef>
+                <a:spcPts val="0"/>
+              </a:spcBef>
+              <a:spcAft>
+                <a:spcPts val="0"/>
+              </a:spcAft>
+              <a:buNone/>
+            </a:pPr>
+            <a:r>
+              <a:t/>
+            </a:r>
+            <a:endParaRPr/>
+          </a:p>
+        </p:txBody>
+      </p:sp>
+    </p:spTree>
+  </p:cSld>
+  <p:clrMapOvr>
+    <a:masterClrMapping/>
+  </p:clrMapOvr>
+</p:notes>
+</file>
+
 <file path=ppt/slideLayouts/slideLayout1.xml><?xml version="1.0" encoding="utf-8"?>
 <p:sldLayout xmlns:a="http://schemas.openxmlformats.org/drawingml/2006/main" xmlns:r="http://schemas.openxmlformats.org/officeDocument/2006/relationships" xmlns:mc="http://schemas.openxmlformats.org/markup-compatibility/2006" xmlns:mv="urn:schemas-microsoft-com:mac:vml" xmlns:p="http://schemas.openxmlformats.org/presentationml/2006/main" xmlns:c="http://schemas.openxmlformats.org/drawingml/2006/chart" xmlns:dgm="http://schemas.openxmlformats.org/drawingml/2006/diagram" xmlns:o="urn:schemas-microsoft-com:office:office" xmlns:v="urn:schemas-microsoft-com:vml" xmlns:pvml="urn:schemas-microsoft-com:office:powerpoint" xmlns:com="http://schemas.openxmlformats.org/drawingml/2006/compatibility" xmlns:p14="http://schemas.microsoft.com/office/powerpoint/2010/main" xmlns:p15="http://schemas.microsoft.com/office/powerpoint/2012/main" xmlns:ahyp="http://schemas.microsoft.com/office/drawing/2018/hyperlinkcolor" matchingName="Title slide" type="title">
   <p:cSld name="TITLE">
+    <p:bg>
+      <p:bgPr>
+        <a:solidFill>
+          <a:schemeClr val="lt2"/>
+        </a:solidFill>
+      </p:bgPr>
+    </p:bg>
     <p:spTree>
       <p:nvGrpSpPr>
         <p:cNvPr id="9" name="Shape 9"/>
@@ -1805,6 +1828,150 @@
       <p:sp>
         <p:nvSpPr>
           <p:cNvPr id="10" name="Google Shape;10;p2"/>
+          <p:cNvSpPr/>
+          <p:nvPr/>
+        </p:nvSpPr>
+        <p:spPr>
+          <a:xfrm>
+            <a:off x="0" y="0"/>
+            <a:ext cx="9144000" cy="487800"/>
+          </a:xfrm>
+          <a:prstGeom prst="rect">
+            <a:avLst/>
+          </a:prstGeom>
+          <a:solidFill>
+            <a:schemeClr val="lt1"/>
+          </a:solidFill>
+          <a:ln>
+            <a:noFill/>
+          </a:ln>
+        </p:spPr>
+        <p:txBody>
+          <a:bodyPr anchorCtr="0" anchor="ctr" bIns="91425" lIns="91425" spcFirstLastPara="1" rIns="91425" wrap="square" tIns="91425">
+            <a:noAutofit/>
+          </a:bodyPr>
+          <a:lstStyle/>
+          <a:p>
+            <a:pPr indent="0" lvl="0" marL="0" rtl="0" algn="l">
+              <a:spcBef>
+                <a:spcPts val="0"/>
+              </a:spcBef>
+              <a:spcAft>
+                <a:spcPts val="0"/>
+              </a:spcAft>
+              <a:buNone/>
+            </a:pPr>
+            <a:r>
+              <a:t/>
+            </a:r>
+            <a:endParaRPr/>
+          </a:p>
+        </p:txBody>
+      </p:sp>
+      <p:grpSp>
+        <p:nvGrpSpPr>
+          <p:cNvPr id="11" name="Google Shape;11;p2"/>
+          <p:cNvGrpSpPr/>
+          <p:nvPr/>
+        </p:nvGrpSpPr>
+        <p:grpSpPr>
+          <a:xfrm>
+            <a:off x="830392" y="1191256"/>
+            <a:ext cx="745763" cy="45826"/>
+            <a:chOff x="4580561" y="2589004"/>
+            <a:chExt cx="1064464" cy="25200"/>
+          </a:xfrm>
+        </p:grpSpPr>
+        <p:sp>
+          <p:nvSpPr>
+            <p:cNvPr id="12" name="Google Shape;12;p2"/>
+            <p:cNvSpPr/>
+            <p:nvPr/>
+          </p:nvSpPr>
+          <p:spPr>
+            <a:xfrm rot="-5400000">
+              <a:off x="5366325" y="2335504"/>
+              <a:ext cx="25200" cy="532200"/>
+            </a:xfrm>
+            <a:prstGeom prst="rect">
+              <a:avLst/>
+            </a:prstGeom>
+            <a:solidFill>
+              <a:schemeClr val="accent3"/>
+            </a:solidFill>
+            <a:ln>
+              <a:noFill/>
+            </a:ln>
+          </p:spPr>
+          <p:txBody>
+            <a:bodyPr anchorCtr="0" anchor="ctr" bIns="91425" lIns="91425" spcFirstLastPara="1" rIns="91425" wrap="square" tIns="91425">
+              <a:noAutofit/>
+            </a:bodyPr>
+            <a:lstStyle/>
+            <a:p>
+              <a:pPr indent="0" lvl="0" marL="0" rtl="0" algn="l">
+                <a:spcBef>
+                  <a:spcPts val="0"/>
+                </a:spcBef>
+                <a:spcAft>
+                  <a:spcPts val="0"/>
+                </a:spcAft>
+                <a:buNone/>
+              </a:pPr>
+              <a:r>
+                <a:t/>
+              </a:r>
+              <a:endParaRPr/>
+            </a:p>
+          </p:txBody>
+        </p:sp>
+        <p:sp>
+          <p:nvSpPr>
+            <p:cNvPr id="13" name="Google Shape;13;p2"/>
+            <p:cNvSpPr/>
+            <p:nvPr/>
+          </p:nvSpPr>
+          <p:spPr>
+            <a:xfrm rot="-5400000">
+              <a:off x="4836311" y="2333254"/>
+              <a:ext cx="25200" cy="536700"/>
+            </a:xfrm>
+            <a:prstGeom prst="rect">
+              <a:avLst/>
+            </a:prstGeom>
+            <a:solidFill>
+              <a:schemeClr val="dk1"/>
+            </a:solidFill>
+            <a:ln>
+              <a:noFill/>
+            </a:ln>
+          </p:spPr>
+          <p:txBody>
+            <a:bodyPr anchorCtr="0" anchor="ctr" bIns="91425" lIns="91425" spcFirstLastPara="1" rIns="91425" wrap="square" tIns="91425">
+              <a:noAutofit/>
+            </a:bodyPr>
+            <a:lstStyle/>
+            <a:p>
+              <a:pPr indent="0" lvl="0" marL="0" rtl="0" algn="l">
+                <a:spcBef>
+                  <a:spcPts val="0"/>
+                </a:spcBef>
+                <a:spcAft>
+                  <a:spcPts val="0"/>
+                </a:spcAft>
+                <a:buNone/>
+              </a:pPr>
+              <a:r>
+                <a:t/>
+              </a:r>
+              <a:endParaRPr/>
+            </a:p>
+          </p:txBody>
+        </p:sp>
+      </p:grpSp>
+      <p:sp>
+        <p:nvSpPr>
+          <p:cNvPr id="14" name="Google Shape;14;p2"/>
           <p:cNvSpPr txBox="1"/>
           <p:nvPr>
             <p:ph type="ctrTitle"/>
@@ -1812,133 +1979,8 @@
         </p:nvSpPr>
         <p:spPr>
           <a:xfrm>
-            <a:off x="311708" y="744575"/>
-            <a:ext cx="8520600" cy="2052600"/>
-          </a:xfrm>
-          <a:prstGeom prst="rect">
-            <a:avLst/>
-          </a:prstGeom>
-        </p:spPr>
-        <p:txBody>
-          <a:bodyPr anchorCtr="0" anchor="b" bIns="91425" lIns="91425" spcFirstLastPara="1" rIns="91425" wrap="square" tIns="91425">
-            <a:normAutofit/>
-          </a:bodyPr>
-          <a:lstStyle>
-            <a:lvl1pPr lvl="0" algn="ctr">
-              <a:spcBef>
-                <a:spcPts val="0"/>
-              </a:spcBef>
-              <a:spcAft>
-                <a:spcPts val="0"/>
-              </a:spcAft>
-              <a:buSzPts val="5200"/>
-              <a:buNone/>
-              <a:defRPr sz="5200"/>
-            </a:lvl1pPr>
-            <a:lvl2pPr lvl="1" algn="ctr">
-              <a:spcBef>
-                <a:spcPts val="0"/>
-              </a:spcBef>
-              <a:spcAft>
-                <a:spcPts val="0"/>
-              </a:spcAft>
-              <a:buSzPts val="5200"/>
-              <a:buNone/>
-              <a:defRPr sz="5200"/>
-            </a:lvl2pPr>
-            <a:lvl3pPr lvl="2" algn="ctr">
-              <a:spcBef>
-                <a:spcPts val="0"/>
-              </a:spcBef>
-              <a:spcAft>
-                <a:spcPts val="0"/>
-              </a:spcAft>
-              <a:buSzPts val="5200"/>
-              <a:buNone/>
-              <a:defRPr sz="5200"/>
-            </a:lvl3pPr>
-            <a:lvl4pPr lvl="3" algn="ctr">
-              <a:spcBef>
-                <a:spcPts val="0"/>
-              </a:spcBef>
-              <a:spcAft>
-                <a:spcPts val="0"/>
-              </a:spcAft>
-              <a:buSzPts val="5200"/>
-              <a:buNone/>
-              <a:defRPr sz="5200"/>
-            </a:lvl4pPr>
-            <a:lvl5pPr lvl="4" algn="ctr">
-              <a:spcBef>
-                <a:spcPts val="0"/>
-              </a:spcBef>
-              <a:spcAft>
-                <a:spcPts val="0"/>
-              </a:spcAft>
-              <a:buSzPts val="5200"/>
-              <a:buNone/>
-              <a:defRPr sz="5200"/>
-            </a:lvl5pPr>
-            <a:lvl6pPr lvl="5" algn="ctr">
-              <a:spcBef>
-                <a:spcPts val="0"/>
-              </a:spcBef>
-              <a:spcAft>
-                <a:spcPts val="0"/>
-              </a:spcAft>
-              <a:buSzPts val="5200"/>
-              <a:buNone/>
-              <a:defRPr sz="5200"/>
-            </a:lvl6pPr>
-            <a:lvl7pPr lvl="6" algn="ctr">
-              <a:spcBef>
-                <a:spcPts val="0"/>
-              </a:spcBef>
-              <a:spcAft>
-                <a:spcPts val="0"/>
-              </a:spcAft>
-              <a:buSzPts val="5200"/>
-              <a:buNone/>
-              <a:defRPr sz="5200"/>
-            </a:lvl7pPr>
-            <a:lvl8pPr lvl="7" algn="ctr">
-              <a:spcBef>
-                <a:spcPts val="0"/>
-              </a:spcBef>
-              <a:spcAft>
-                <a:spcPts val="0"/>
-              </a:spcAft>
-              <a:buSzPts val="5200"/>
-              <a:buNone/>
-              <a:defRPr sz="5200"/>
-            </a:lvl8pPr>
-            <a:lvl9pPr lvl="8" algn="ctr">
-              <a:spcBef>
-                <a:spcPts val="0"/>
-              </a:spcBef>
-              <a:spcAft>
-                <a:spcPts val="0"/>
-              </a:spcAft>
-              <a:buSzPts val="5200"/>
-              <a:buNone/>
-              <a:defRPr sz="5200"/>
-            </a:lvl9pPr>
-          </a:lstStyle>
-          <a:p/>
-        </p:txBody>
-      </p:sp>
-      <p:sp>
-        <p:nvSpPr>
-          <p:cNvPr id="11" name="Google Shape;11;p2"/>
-          <p:cNvSpPr txBox="1"/>
-          <p:nvPr>
-            <p:ph idx="1" type="subTitle"/>
-          </p:nvPr>
-        </p:nvSpPr>
-        <p:spPr>
-          <a:xfrm>
-            <a:off x="311700" y="2834125"/>
-            <a:ext cx="8520600" cy="792600"/>
+            <a:off x="729450" y="1322450"/>
+            <a:ext cx="7688100" cy="1664700"/>
           </a:xfrm>
           <a:prstGeom prst="rect">
             <a:avLst/>
@@ -1949,131 +1991,104 @@
             <a:normAutofit/>
           </a:bodyPr>
           <a:lstStyle>
-            <a:lvl1pPr lvl="0" algn="ctr">
-              <a:lnSpc>
-                <a:spcPct val="100000"/>
-              </a:lnSpc>
-              <a:spcBef>
-                <a:spcPts val="0"/>
-              </a:spcBef>
-              <a:spcAft>
-                <a:spcPts val="0"/>
-              </a:spcAft>
-              <a:buSzPts val="2800"/>
-              <a:buNone/>
-              <a:defRPr sz="2800"/>
+            <a:lvl1pPr lvl="0">
+              <a:spcBef>
+                <a:spcPts val="0"/>
+              </a:spcBef>
+              <a:spcAft>
+                <a:spcPts val="0"/>
+              </a:spcAft>
+              <a:buSzPts val="4200"/>
+              <a:buNone/>
+              <a:defRPr sz="4200"/>
             </a:lvl1pPr>
-            <a:lvl2pPr lvl="1" algn="ctr">
-              <a:lnSpc>
-                <a:spcPct val="100000"/>
-              </a:lnSpc>
-              <a:spcBef>
-                <a:spcPts val="0"/>
-              </a:spcBef>
-              <a:spcAft>
-                <a:spcPts val="0"/>
-              </a:spcAft>
-              <a:buSzPts val="2800"/>
-              <a:buNone/>
-              <a:defRPr sz="2800"/>
+            <a:lvl2pPr lvl="1">
+              <a:spcBef>
+                <a:spcPts val="0"/>
+              </a:spcBef>
+              <a:spcAft>
+                <a:spcPts val="0"/>
+              </a:spcAft>
+              <a:buSzPts val="4200"/>
+              <a:buNone/>
+              <a:defRPr sz="4200"/>
             </a:lvl2pPr>
-            <a:lvl3pPr lvl="2" algn="ctr">
-              <a:lnSpc>
-                <a:spcPct val="100000"/>
-              </a:lnSpc>
-              <a:spcBef>
-                <a:spcPts val="0"/>
-              </a:spcBef>
-              <a:spcAft>
-                <a:spcPts val="0"/>
-              </a:spcAft>
-              <a:buSzPts val="2800"/>
-              <a:buNone/>
-              <a:defRPr sz="2800"/>
+            <a:lvl3pPr lvl="2">
+              <a:spcBef>
+                <a:spcPts val="0"/>
+              </a:spcBef>
+              <a:spcAft>
+                <a:spcPts val="0"/>
+              </a:spcAft>
+              <a:buSzPts val="4200"/>
+              <a:buNone/>
+              <a:defRPr sz="4200"/>
             </a:lvl3pPr>
-            <a:lvl4pPr lvl="3" algn="ctr">
-              <a:lnSpc>
-                <a:spcPct val="100000"/>
-              </a:lnSpc>
-              <a:spcBef>
-                <a:spcPts val="0"/>
-              </a:spcBef>
-              <a:spcAft>
-                <a:spcPts val="0"/>
-              </a:spcAft>
-              <a:buSzPts val="2800"/>
-              <a:buNone/>
-              <a:defRPr sz="2800"/>
+            <a:lvl4pPr lvl="3">
+              <a:spcBef>
+                <a:spcPts val="0"/>
+              </a:spcBef>
+              <a:spcAft>
+                <a:spcPts val="0"/>
+              </a:spcAft>
+              <a:buSzPts val="4200"/>
+              <a:buNone/>
+              <a:defRPr sz="4200"/>
             </a:lvl4pPr>
-            <a:lvl5pPr lvl="4" algn="ctr">
-              <a:lnSpc>
-                <a:spcPct val="100000"/>
-              </a:lnSpc>
-              <a:spcBef>
-                <a:spcPts val="0"/>
-              </a:spcBef>
-              <a:spcAft>
-                <a:spcPts val="0"/>
-              </a:spcAft>
-              <a:buSzPts val="2800"/>
-              <a:buNone/>
-              <a:defRPr sz="2800"/>
+            <a:lvl5pPr lvl="4">
+              <a:spcBef>
+                <a:spcPts val="0"/>
+              </a:spcBef>
+              <a:spcAft>
+                <a:spcPts val="0"/>
+              </a:spcAft>
+              <a:buSzPts val="4200"/>
+              <a:buNone/>
+              <a:defRPr sz="4200"/>
             </a:lvl5pPr>
-            <a:lvl6pPr lvl="5" algn="ctr">
-              <a:lnSpc>
-                <a:spcPct val="100000"/>
-              </a:lnSpc>
-              <a:spcBef>
-                <a:spcPts val="0"/>
-              </a:spcBef>
-              <a:spcAft>
-                <a:spcPts val="0"/>
-              </a:spcAft>
-              <a:buSzPts val="2800"/>
-              <a:buNone/>
-              <a:defRPr sz="2800"/>
+            <a:lvl6pPr lvl="5">
+              <a:spcBef>
+                <a:spcPts val="0"/>
+              </a:spcBef>
+              <a:spcAft>
+                <a:spcPts val="0"/>
+              </a:spcAft>
+              <a:buSzPts val="4200"/>
+              <a:buNone/>
+              <a:defRPr sz="4200"/>
             </a:lvl6pPr>
-            <a:lvl7pPr lvl="6" algn="ctr">
-              <a:lnSpc>
-                <a:spcPct val="100000"/>
-              </a:lnSpc>
-              <a:spcBef>
-                <a:spcPts val="0"/>
-              </a:spcBef>
-              <a:spcAft>
-                <a:spcPts val="0"/>
-              </a:spcAft>
-              <a:buSzPts val="2800"/>
-              <a:buNone/>
-              <a:defRPr sz="2800"/>
+            <a:lvl7pPr lvl="6">
+              <a:spcBef>
+                <a:spcPts val="0"/>
+              </a:spcBef>
+              <a:spcAft>
+                <a:spcPts val="0"/>
+              </a:spcAft>
+              <a:buSzPts val="4200"/>
+              <a:buNone/>
+              <a:defRPr sz="4200"/>
             </a:lvl7pPr>
-            <a:lvl8pPr lvl="7" algn="ctr">
-              <a:lnSpc>
-                <a:spcPct val="100000"/>
-              </a:lnSpc>
-              <a:spcBef>
-                <a:spcPts val="0"/>
-              </a:spcBef>
-              <a:spcAft>
-                <a:spcPts val="0"/>
-              </a:spcAft>
-              <a:buSzPts val="2800"/>
-              <a:buNone/>
-              <a:defRPr sz="2800"/>
+            <a:lvl8pPr lvl="7">
+              <a:spcBef>
+                <a:spcPts val="0"/>
+              </a:spcBef>
+              <a:spcAft>
+                <a:spcPts val="0"/>
+              </a:spcAft>
+              <a:buSzPts val="4200"/>
+              <a:buNone/>
+              <a:defRPr sz="4200"/>
             </a:lvl8pPr>
-            <a:lvl9pPr lvl="8" algn="ctr">
-              <a:lnSpc>
-                <a:spcPct val="100000"/>
-              </a:lnSpc>
-              <a:spcBef>
-                <a:spcPts val="0"/>
-              </a:spcBef>
-              <a:spcAft>
-                <a:spcPts val="0"/>
-              </a:spcAft>
-              <a:buSzPts val="2800"/>
-              <a:buNone/>
-              <a:defRPr sz="2800"/>
+            <a:lvl9pPr lvl="8">
+              <a:spcBef>
+                <a:spcPts val="0"/>
+              </a:spcBef>
+              <a:spcAft>
+                <a:spcPts val="0"/>
+              </a:spcAft>
+              <a:buSzPts val="4200"/>
+              <a:buNone/>
+              <a:defRPr sz="4200"/>
             </a:lvl9pPr>
           </a:lstStyle>
           <a:p/>
@@ -2081,7 +2096,159 @@
       </p:sp>
       <p:sp>
         <p:nvSpPr>
-          <p:cNvPr id="12" name="Google Shape;12;p2"/>
+          <p:cNvPr id="15" name="Google Shape;15;p2"/>
+          <p:cNvSpPr txBox="1"/>
+          <p:nvPr>
+            <p:ph idx="1" type="subTitle"/>
+          </p:nvPr>
+        </p:nvSpPr>
+        <p:spPr>
+          <a:xfrm>
+            <a:off x="729627" y="3172900"/>
+            <a:ext cx="7688100" cy="541200"/>
+          </a:xfrm>
+          <a:prstGeom prst="rect">
+            <a:avLst/>
+          </a:prstGeom>
+        </p:spPr>
+        <p:txBody>
+          <a:bodyPr anchorCtr="0" anchor="t" bIns="91425" lIns="91425" spcFirstLastPara="1" rIns="91425" wrap="square" tIns="91425">
+            <a:normAutofit/>
+          </a:bodyPr>
+          <a:lstStyle>
+            <a:lvl1pPr lvl="0">
+              <a:lnSpc>
+                <a:spcPct val="100000"/>
+              </a:lnSpc>
+              <a:spcBef>
+                <a:spcPts val="0"/>
+              </a:spcBef>
+              <a:spcAft>
+                <a:spcPts val="0"/>
+              </a:spcAft>
+              <a:buSzPts val="1600"/>
+              <a:buNone/>
+              <a:defRPr sz="1600"/>
+            </a:lvl1pPr>
+            <a:lvl2pPr lvl="1">
+              <a:lnSpc>
+                <a:spcPct val="100000"/>
+              </a:lnSpc>
+              <a:spcBef>
+                <a:spcPts val="0"/>
+              </a:spcBef>
+              <a:spcAft>
+                <a:spcPts val="0"/>
+              </a:spcAft>
+              <a:buSzPts val="1600"/>
+              <a:buNone/>
+              <a:defRPr sz="1600"/>
+            </a:lvl2pPr>
+            <a:lvl3pPr lvl="2">
+              <a:lnSpc>
+                <a:spcPct val="100000"/>
+              </a:lnSpc>
+              <a:spcBef>
+                <a:spcPts val="0"/>
+              </a:spcBef>
+              <a:spcAft>
+                <a:spcPts val="0"/>
+              </a:spcAft>
+              <a:buSzPts val="1600"/>
+              <a:buNone/>
+              <a:defRPr sz="1600"/>
+            </a:lvl3pPr>
+            <a:lvl4pPr lvl="3">
+              <a:lnSpc>
+                <a:spcPct val="100000"/>
+              </a:lnSpc>
+              <a:spcBef>
+                <a:spcPts val="0"/>
+              </a:spcBef>
+              <a:spcAft>
+                <a:spcPts val="0"/>
+              </a:spcAft>
+              <a:buSzPts val="1600"/>
+              <a:buNone/>
+              <a:defRPr sz="1600"/>
+            </a:lvl4pPr>
+            <a:lvl5pPr lvl="4">
+              <a:lnSpc>
+                <a:spcPct val="100000"/>
+              </a:lnSpc>
+              <a:spcBef>
+                <a:spcPts val="0"/>
+              </a:spcBef>
+              <a:spcAft>
+                <a:spcPts val="0"/>
+              </a:spcAft>
+              <a:buSzPts val="1600"/>
+              <a:buNone/>
+              <a:defRPr sz="1600"/>
+            </a:lvl5pPr>
+            <a:lvl6pPr lvl="5">
+              <a:lnSpc>
+                <a:spcPct val="100000"/>
+              </a:lnSpc>
+              <a:spcBef>
+                <a:spcPts val="0"/>
+              </a:spcBef>
+              <a:spcAft>
+                <a:spcPts val="0"/>
+              </a:spcAft>
+              <a:buSzPts val="1600"/>
+              <a:buNone/>
+              <a:defRPr sz="1600"/>
+            </a:lvl6pPr>
+            <a:lvl7pPr lvl="6">
+              <a:lnSpc>
+                <a:spcPct val="100000"/>
+              </a:lnSpc>
+              <a:spcBef>
+                <a:spcPts val="0"/>
+              </a:spcBef>
+              <a:spcAft>
+                <a:spcPts val="0"/>
+              </a:spcAft>
+              <a:buSzPts val="1600"/>
+              <a:buNone/>
+              <a:defRPr sz="1600"/>
+            </a:lvl7pPr>
+            <a:lvl8pPr lvl="7">
+              <a:lnSpc>
+                <a:spcPct val="100000"/>
+              </a:lnSpc>
+              <a:spcBef>
+                <a:spcPts val="0"/>
+              </a:spcBef>
+              <a:spcAft>
+                <a:spcPts val="0"/>
+              </a:spcAft>
+              <a:buSzPts val="1600"/>
+              <a:buNone/>
+              <a:defRPr sz="1600"/>
+            </a:lvl8pPr>
+            <a:lvl9pPr lvl="8">
+              <a:lnSpc>
+                <a:spcPct val="100000"/>
+              </a:lnSpc>
+              <a:spcBef>
+                <a:spcPts val="0"/>
+              </a:spcBef>
+              <a:spcAft>
+                <a:spcPts val="0"/>
+              </a:spcAft>
+              <a:buSzPts val="1600"/>
+              <a:buNone/>
+              <a:defRPr sz="1600"/>
+            </a:lvl9pPr>
+          </a:lstStyle>
+          <a:p/>
+        </p:txBody>
+      </p:sp>
+      <p:sp>
+        <p:nvSpPr>
+          <p:cNvPr id="16" name="Google Shape;16;p2"/>
           <p:cNvSpPr txBox="1"/>
           <p:nvPr>
             <p:ph idx="12" type="sldNum"/>
@@ -2089,7 +2256,7 @@
         </p:nvSpPr>
         <p:spPr>
           <a:xfrm>
-            <a:off x="8472458" y="4663217"/>
+            <a:off x="8536302" y="4749851"/>
             <a:ext cx="548700" cy="393600"/>
           </a:xfrm>
           <a:prstGeom prst="rect">
@@ -2167,9 +2334,16 @@
 <file path=ppt/slideLayouts/slideLayout10.xml><?xml version="1.0" encoding="utf-8"?>
 <p:sldLayout xmlns:a="http://schemas.openxmlformats.org/drawingml/2006/main" xmlns:r="http://schemas.openxmlformats.org/officeDocument/2006/relationships" xmlns:mc="http://schemas.openxmlformats.org/markup-compatibility/2006" xmlns:mv="urn:schemas-microsoft-com:mac:vml" xmlns:p="http://schemas.openxmlformats.org/presentationml/2006/main" xmlns:c="http://schemas.openxmlformats.org/drawingml/2006/chart" xmlns:dgm="http://schemas.openxmlformats.org/drawingml/2006/diagram" xmlns:o="urn:schemas-microsoft-com:office:office" xmlns:v="urn:schemas-microsoft-com:vml" xmlns:pvml="urn:schemas-microsoft-com:office:powerpoint" xmlns:com="http://schemas.openxmlformats.org/drawingml/2006/compatibility" xmlns:p14="http://schemas.microsoft.com/office/powerpoint/2010/main" xmlns:p15="http://schemas.microsoft.com/office/powerpoint/2012/main" xmlns:ahyp="http://schemas.microsoft.com/office/drawing/2018/hyperlinkcolor" matchingName="Big number">
   <p:cSld name="BIG_NUMBER">
+    <p:bg>
+      <p:bgPr>
+        <a:solidFill>
+          <a:schemeClr val="dk1"/>
+        </a:solidFill>
+      </p:bgPr>
+    </p:bg>
     <p:spTree>
       <p:nvGrpSpPr>
-        <p:cNvPr id="44" name="Shape 44"/>
+        <p:cNvPr id="73" name="Shape 73"/>
         <p:cNvGrpSpPr/>
         <p:nvPr/>
       </p:nvGrpSpPr>
@@ -2181,9 +2355,110 @@
           <a:chExt cx="0" cy="0"/>
         </a:xfrm>
       </p:grpSpPr>
+      <p:grpSp>
+        <p:nvGrpSpPr>
+          <p:cNvPr id="74" name="Google Shape;74;p11"/>
+          <p:cNvGrpSpPr/>
+          <p:nvPr/>
+        </p:nvGrpSpPr>
+        <p:grpSpPr>
+          <a:xfrm>
+            <a:off x="830392" y="4169130"/>
+            <a:ext cx="745763" cy="45826"/>
+            <a:chOff x="4580561" y="2589004"/>
+            <a:chExt cx="1064464" cy="25200"/>
+          </a:xfrm>
+        </p:grpSpPr>
+        <p:sp>
+          <p:nvSpPr>
+            <p:cNvPr id="75" name="Google Shape;75;p11"/>
+            <p:cNvSpPr/>
+            <p:nvPr/>
+          </p:nvSpPr>
+          <p:spPr>
+            <a:xfrm rot="-5400000">
+              <a:off x="5366325" y="2335504"/>
+              <a:ext cx="25200" cy="532200"/>
+            </a:xfrm>
+            <a:prstGeom prst="rect">
+              <a:avLst/>
+            </a:prstGeom>
+            <a:solidFill>
+              <a:schemeClr val="lt1"/>
+            </a:solidFill>
+            <a:ln>
+              <a:noFill/>
+            </a:ln>
+          </p:spPr>
+          <p:txBody>
+            <a:bodyPr anchorCtr="0" anchor="ctr" bIns="91425" lIns="91425" spcFirstLastPara="1" rIns="91425" wrap="square" tIns="91425">
+              <a:noAutofit/>
+            </a:bodyPr>
+            <a:lstStyle/>
+            <a:p>
+              <a:pPr indent="0" lvl="0" marL="0" rtl="0" algn="l">
+                <a:spcBef>
+                  <a:spcPts val="0"/>
+                </a:spcBef>
+                <a:spcAft>
+                  <a:spcPts val="0"/>
+                </a:spcAft>
+                <a:buNone/>
+              </a:pPr>
+              <a:r>
+                <a:t/>
+              </a:r>
+              <a:endParaRPr/>
+            </a:p>
+          </p:txBody>
+        </p:sp>
+        <p:sp>
+          <p:nvSpPr>
+            <p:cNvPr id="76" name="Google Shape;76;p11"/>
+            <p:cNvSpPr/>
+            <p:nvPr/>
+          </p:nvSpPr>
+          <p:spPr>
+            <a:xfrm rot="-5400000">
+              <a:off x="4836311" y="2333254"/>
+              <a:ext cx="25200" cy="536700"/>
+            </a:xfrm>
+            <a:prstGeom prst="rect">
+              <a:avLst/>
+            </a:prstGeom>
+            <a:solidFill>
+              <a:schemeClr val="lt1"/>
+            </a:solidFill>
+            <a:ln>
+              <a:noFill/>
+            </a:ln>
+          </p:spPr>
+          <p:txBody>
+            <a:bodyPr anchorCtr="0" anchor="ctr" bIns="91425" lIns="91425" spcFirstLastPara="1" rIns="91425" wrap="square" tIns="91425">
+              <a:noAutofit/>
+            </a:bodyPr>
+            <a:lstStyle/>
+            <a:p>
+              <a:pPr indent="0" lvl="0" marL="0" rtl="0" algn="l">
+                <a:spcBef>
+                  <a:spcPts val="0"/>
+                </a:spcBef>
+                <a:spcAft>
+                  <a:spcPts val="0"/>
+                </a:spcAft>
+                <a:buNone/>
+              </a:pPr>
+              <a:r>
+                <a:t/>
+              </a:r>
+              <a:endParaRPr/>
+            </a:p>
+          </p:txBody>
+        </p:sp>
+      </p:grpSp>
       <p:sp>
         <p:nvSpPr>
-          <p:cNvPr id="45" name="Google Shape;45;p11"/>
+          <p:cNvPr id="77" name="Google Shape;77;p11"/>
           <p:cNvSpPr txBox="1"/>
           <p:nvPr>
             <p:ph hasCustomPrompt="1" type="title"/>
@@ -2191,116 +2466,179 @@
         </p:nvSpPr>
         <p:spPr>
           <a:xfrm>
-            <a:off x="311700" y="1106125"/>
-            <a:ext cx="8520600" cy="1963500"/>
+            <a:off x="729450" y="733950"/>
+            <a:ext cx="7688400" cy="1244700"/>
           </a:xfrm>
           <a:prstGeom prst="rect">
             <a:avLst/>
           </a:prstGeom>
         </p:spPr>
         <p:txBody>
-          <a:bodyPr anchorCtr="0" anchor="b" bIns="91425" lIns="91425" spcFirstLastPara="1" rIns="91425" wrap="square" tIns="91425">
+          <a:bodyPr anchorCtr="0" anchor="t" bIns="91425" lIns="91425" spcFirstLastPara="1" rIns="91425" wrap="square" tIns="91425">
             <a:normAutofit/>
           </a:bodyPr>
           <a:lstStyle>
-            <a:lvl1pPr lvl="0" algn="ctr">
-              <a:spcBef>
-                <a:spcPts val="0"/>
-              </a:spcBef>
-              <a:spcAft>
-                <a:spcPts val="0"/>
-              </a:spcAft>
-              <a:buSzPts val="12000"/>
-              <a:buNone/>
-              <a:defRPr sz="12000"/>
+            <a:lvl1pPr lvl="0">
+              <a:spcBef>
+                <a:spcPts val="0"/>
+              </a:spcBef>
+              <a:spcAft>
+                <a:spcPts val="0"/>
+              </a:spcAft>
+              <a:buClr>
+                <a:schemeClr val="lt1"/>
+              </a:buClr>
+              <a:buSzPts val="8000"/>
+              <a:buNone/>
+              <a:defRPr sz="8000">
+                <a:solidFill>
+                  <a:schemeClr val="lt1"/>
+                </a:solidFill>
+              </a:defRPr>
             </a:lvl1pPr>
-            <a:lvl2pPr lvl="1" algn="ctr">
-              <a:spcBef>
-                <a:spcPts val="0"/>
-              </a:spcBef>
-              <a:spcAft>
-                <a:spcPts val="0"/>
-              </a:spcAft>
-              <a:buSzPts val="12000"/>
-              <a:buNone/>
-              <a:defRPr sz="12000"/>
+            <a:lvl2pPr lvl="1">
+              <a:spcBef>
+                <a:spcPts val="0"/>
+              </a:spcBef>
+              <a:spcAft>
+                <a:spcPts val="0"/>
+              </a:spcAft>
+              <a:buClr>
+                <a:schemeClr val="lt1"/>
+              </a:buClr>
+              <a:buSzPts val="8000"/>
+              <a:buNone/>
+              <a:defRPr sz="8000">
+                <a:solidFill>
+                  <a:schemeClr val="lt1"/>
+                </a:solidFill>
+              </a:defRPr>
             </a:lvl2pPr>
-            <a:lvl3pPr lvl="2" algn="ctr">
-              <a:spcBef>
-                <a:spcPts val="0"/>
-              </a:spcBef>
-              <a:spcAft>
-                <a:spcPts val="0"/>
-              </a:spcAft>
-              <a:buSzPts val="12000"/>
-              <a:buNone/>
-              <a:defRPr sz="12000"/>
+            <a:lvl3pPr lvl="2">
+              <a:spcBef>
+                <a:spcPts val="0"/>
+              </a:spcBef>
+              <a:spcAft>
+                <a:spcPts val="0"/>
+              </a:spcAft>
+              <a:buClr>
+                <a:schemeClr val="lt1"/>
+              </a:buClr>
+              <a:buSzPts val="8000"/>
+              <a:buNone/>
+              <a:defRPr sz="8000">
+                <a:solidFill>
+                  <a:schemeClr val="lt1"/>
+                </a:solidFill>
+              </a:defRPr>
             </a:lvl3pPr>
-            <a:lvl4pPr lvl="3" algn="ctr">
-              <a:spcBef>
-                <a:spcPts val="0"/>
-              </a:spcBef>
-              <a:spcAft>
-                <a:spcPts val="0"/>
-              </a:spcAft>
-              <a:buSzPts val="12000"/>
-              <a:buNone/>
-              <a:defRPr sz="12000"/>
+            <a:lvl4pPr lvl="3">
+              <a:spcBef>
+                <a:spcPts val="0"/>
+              </a:spcBef>
+              <a:spcAft>
+                <a:spcPts val="0"/>
+              </a:spcAft>
+              <a:buClr>
+                <a:schemeClr val="lt1"/>
+              </a:buClr>
+              <a:buSzPts val="8000"/>
+              <a:buNone/>
+              <a:defRPr sz="8000">
+                <a:solidFill>
+                  <a:schemeClr val="lt1"/>
+                </a:solidFill>
+              </a:defRPr>
             </a:lvl4pPr>
-            <a:lvl5pPr lvl="4" algn="ctr">
-              <a:spcBef>
-                <a:spcPts val="0"/>
-              </a:spcBef>
-              <a:spcAft>
-                <a:spcPts val="0"/>
-              </a:spcAft>
-              <a:buSzPts val="12000"/>
-              <a:buNone/>
-              <a:defRPr sz="12000"/>
+            <a:lvl5pPr lvl="4">
+              <a:spcBef>
+                <a:spcPts val="0"/>
+              </a:spcBef>
+              <a:spcAft>
+                <a:spcPts val="0"/>
+              </a:spcAft>
+              <a:buClr>
+                <a:schemeClr val="lt1"/>
+              </a:buClr>
+              <a:buSzPts val="8000"/>
+              <a:buNone/>
+              <a:defRPr sz="8000">
+                <a:solidFill>
+                  <a:schemeClr val="lt1"/>
+                </a:solidFill>
+              </a:defRPr>
             </a:lvl5pPr>
-            <a:lvl6pPr lvl="5" algn="ctr">
-              <a:spcBef>
-                <a:spcPts val="0"/>
-              </a:spcBef>
-              <a:spcAft>
-                <a:spcPts val="0"/>
-              </a:spcAft>
-              <a:buSzPts val="12000"/>
-              <a:buNone/>
-              <a:defRPr sz="12000"/>
+            <a:lvl6pPr lvl="5">
+              <a:spcBef>
+                <a:spcPts val="0"/>
+              </a:spcBef>
+              <a:spcAft>
+                <a:spcPts val="0"/>
+              </a:spcAft>
+              <a:buClr>
+                <a:schemeClr val="lt1"/>
+              </a:buClr>
+              <a:buSzPts val="8000"/>
+              <a:buNone/>
+              <a:defRPr sz="8000">
+                <a:solidFill>
+                  <a:schemeClr val="lt1"/>
+                </a:solidFill>
+              </a:defRPr>
             </a:lvl6pPr>
-            <a:lvl7pPr lvl="6" algn="ctr">
-              <a:spcBef>
-                <a:spcPts val="0"/>
-              </a:spcBef>
-              <a:spcAft>
-                <a:spcPts val="0"/>
-              </a:spcAft>
-              <a:buSzPts val="12000"/>
-              <a:buNone/>
-              <a:defRPr sz="12000"/>
+            <a:lvl7pPr lvl="6">
+              <a:spcBef>
+                <a:spcPts val="0"/>
+              </a:spcBef>
+              <a:spcAft>
+                <a:spcPts val="0"/>
+              </a:spcAft>
+              <a:buClr>
+                <a:schemeClr val="lt1"/>
+              </a:buClr>
+              <a:buSzPts val="8000"/>
+              <a:buNone/>
+              <a:defRPr sz="8000">
+                <a:solidFill>
+                  <a:schemeClr val="lt1"/>
+                </a:solidFill>
+              </a:defRPr>
             </a:lvl7pPr>
-            <a:lvl8pPr lvl="7" algn="ctr">
-              <a:spcBef>
-                <a:spcPts val="0"/>
-              </a:spcBef>
-              <a:spcAft>
-                <a:spcPts val="0"/>
-              </a:spcAft>
-              <a:buSzPts val="12000"/>
-              <a:buNone/>
-              <a:defRPr sz="12000"/>
+            <a:lvl8pPr lvl="7">
+              <a:spcBef>
+                <a:spcPts val="0"/>
+              </a:spcBef>
+              <a:spcAft>
+                <a:spcPts val="0"/>
+              </a:spcAft>
+              <a:buClr>
+                <a:schemeClr val="lt1"/>
+              </a:buClr>
+              <a:buSzPts val="8000"/>
+              <a:buNone/>
+              <a:defRPr sz="8000">
+                <a:solidFill>
+                  <a:schemeClr val="lt1"/>
+                </a:solidFill>
+              </a:defRPr>
             </a:lvl8pPr>
-            <a:lvl9pPr lvl="8" algn="ctr">
-              <a:spcBef>
-                <a:spcPts val="0"/>
-              </a:spcBef>
-              <a:spcAft>
-                <a:spcPts val="0"/>
-              </a:spcAft>
-              <a:buSzPts val="12000"/>
-              <a:buNone/>
-              <a:defRPr sz="12000"/>
+            <a:lvl9pPr lvl="8">
+              <a:spcBef>
+                <a:spcPts val="0"/>
+              </a:spcBef>
+              <a:spcAft>
+                <a:spcPts val="0"/>
+              </a:spcAft>
+              <a:buClr>
+                <a:schemeClr val="lt1"/>
+              </a:buClr>
+              <a:buSzPts val="8000"/>
+              <a:buNone/>
+              <a:defRPr sz="8000">
+                <a:solidFill>
+                  <a:schemeClr val="lt1"/>
+                </a:solidFill>
+              </a:defRPr>
             </a:lvl9pPr>
           </a:lstStyle>
           <a:p>
@@ -2312,7 +2650,7 @@
       </p:sp>
       <p:sp>
         <p:nvSpPr>
-          <p:cNvPr id="46" name="Google Shape;46;p11"/>
+          <p:cNvPr id="78" name="Google Shape;78;p11"/>
           <p:cNvSpPr txBox="1"/>
           <p:nvPr>
             <p:ph idx="1" type="body"/>
@@ -2320,8 +2658,8 @@
         </p:nvSpPr>
         <p:spPr>
           <a:xfrm>
-            <a:off x="311700" y="3152225"/>
-            <a:ext cx="8520600" cy="1300800"/>
+            <a:off x="729450" y="2272888"/>
+            <a:ext cx="7688400" cy="1580400"/>
           </a:xfrm>
           <a:prstGeom prst="rect">
             <a:avLst/>
@@ -2332,104 +2670,167 @@
             <a:normAutofit/>
           </a:bodyPr>
           <a:lstStyle>
-            <a:lvl1pPr indent="-342900" lvl="0" marL="457200" algn="ctr">
-              <a:spcBef>
-                <a:spcPts val="0"/>
-              </a:spcBef>
-              <a:spcAft>
-                <a:spcPts val="0"/>
-              </a:spcAft>
-              <a:buSzPts val="1800"/>
+            <a:lvl1pPr indent="-311150" lvl="0" marL="457200">
+              <a:spcBef>
+                <a:spcPts val="0"/>
+              </a:spcBef>
+              <a:spcAft>
+                <a:spcPts val="0"/>
+              </a:spcAft>
+              <a:buClr>
+                <a:schemeClr val="lt1"/>
+              </a:buClr>
+              <a:buSzPts val="1300"/>
               <a:buChar char="●"/>
-              <a:defRPr/>
+              <a:defRPr>
+                <a:solidFill>
+                  <a:schemeClr val="lt1"/>
+                </a:solidFill>
+              </a:defRPr>
             </a:lvl1pPr>
-            <a:lvl2pPr indent="-317500" lvl="1" marL="914400" algn="ctr">
-              <a:spcBef>
-                <a:spcPts val="0"/>
-              </a:spcBef>
-              <a:spcAft>
-                <a:spcPts val="0"/>
-              </a:spcAft>
-              <a:buSzPts val="1400"/>
+            <a:lvl2pPr indent="-298450" lvl="1" marL="914400">
+              <a:spcBef>
+                <a:spcPts val="0"/>
+              </a:spcBef>
+              <a:spcAft>
+                <a:spcPts val="0"/>
+              </a:spcAft>
+              <a:buClr>
+                <a:schemeClr val="lt1"/>
+              </a:buClr>
+              <a:buSzPts val="1100"/>
               <a:buChar char="○"/>
-              <a:defRPr/>
+              <a:defRPr>
+                <a:solidFill>
+                  <a:schemeClr val="lt1"/>
+                </a:solidFill>
+              </a:defRPr>
             </a:lvl2pPr>
-            <a:lvl3pPr indent="-317500" lvl="2" marL="1371600" algn="ctr">
-              <a:spcBef>
-                <a:spcPts val="0"/>
-              </a:spcBef>
-              <a:spcAft>
-                <a:spcPts val="0"/>
-              </a:spcAft>
-              <a:buSzPts val="1400"/>
+            <a:lvl3pPr indent="-298450" lvl="2" marL="1371600">
+              <a:spcBef>
+                <a:spcPts val="0"/>
+              </a:spcBef>
+              <a:spcAft>
+                <a:spcPts val="0"/>
+              </a:spcAft>
+              <a:buClr>
+                <a:schemeClr val="lt1"/>
+              </a:buClr>
+              <a:buSzPts val="1100"/>
               <a:buChar char="■"/>
-              <a:defRPr/>
+              <a:defRPr>
+                <a:solidFill>
+                  <a:schemeClr val="lt1"/>
+                </a:solidFill>
+              </a:defRPr>
             </a:lvl3pPr>
-            <a:lvl4pPr indent="-317500" lvl="3" marL="1828800" algn="ctr">
-              <a:spcBef>
-                <a:spcPts val="0"/>
-              </a:spcBef>
-              <a:spcAft>
-                <a:spcPts val="0"/>
-              </a:spcAft>
-              <a:buSzPts val="1400"/>
+            <a:lvl4pPr indent="-298450" lvl="3" marL="1828800">
+              <a:spcBef>
+                <a:spcPts val="0"/>
+              </a:spcBef>
+              <a:spcAft>
+                <a:spcPts val="0"/>
+              </a:spcAft>
+              <a:buClr>
+                <a:schemeClr val="lt1"/>
+              </a:buClr>
+              <a:buSzPts val="1100"/>
               <a:buChar char="●"/>
-              <a:defRPr/>
+              <a:defRPr>
+                <a:solidFill>
+                  <a:schemeClr val="lt1"/>
+                </a:solidFill>
+              </a:defRPr>
             </a:lvl4pPr>
-            <a:lvl5pPr indent="-317500" lvl="4" marL="2286000" algn="ctr">
-              <a:spcBef>
-                <a:spcPts val="0"/>
-              </a:spcBef>
-              <a:spcAft>
-                <a:spcPts val="0"/>
-              </a:spcAft>
-              <a:buSzPts val="1400"/>
+            <a:lvl5pPr indent="-298450" lvl="4" marL="2286000">
+              <a:spcBef>
+                <a:spcPts val="0"/>
+              </a:spcBef>
+              <a:spcAft>
+                <a:spcPts val="0"/>
+              </a:spcAft>
+              <a:buClr>
+                <a:schemeClr val="lt1"/>
+              </a:buClr>
+              <a:buSzPts val="1100"/>
               <a:buChar char="○"/>
-              <a:defRPr/>
+              <a:defRPr>
+                <a:solidFill>
+                  <a:schemeClr val="lt1"/>
+                </a:solidFill>
+              </a:defRPr>
             </a:lvl5pPr>
-            <a:lvl6pPr indent="-317500" lvl="5" marL="2743200" algn="ctr">
-              <a:spcBef>
-                <a:spcPts val="0"/>
-              </a:spcBef>
-              <a:spcAft>
-                <a:spcPts val="0"/>
-              </a:spcAft>
-              <a:buSzPts val="1400"/>
+            <a:lvl6pPr indent="-298450" lvl="5" marL="2743200">
+              <a:spcBef>
+                <a:spcPts val="0"/>
+              </a:spcBef>
+              <a:spcAft>
+                <a:spcPts val="0"/>
+              </a:spcAft>
+              <a:buClr>
+                <a:schemeClr val="lt1"/>
+              </a:buClr>
+              <a:buSzPts val="1100"/>
               <a:buChar char="■"/>
-              <a:defRPr/>
+              <a:defRPr>
+                <a:solidFill>
+                  <a:schemeClr val="lt1"/>
+                </a:solidFill>
+              </a:defRPr>
             </a:lvl6pPr>
-            <a:lvl7pPr indent="-317500" lvl="6" marL="3200400" algn="ctr">
-              <a:spcBef>
-                <a:spcPts val="0"/>
-              </a:spcBef>
-              <a:spcAft>
-                <a:spcPts val="0"/>
-              </a:spcAft>
-              <a:buSzPts val="1400"/>
+            <a:lvl7pPr indent="-298450" lvl="6" marL="3200400">
+              <a:spcBef>
+                <a:spcPts val="0"/>
+              </a:spcBef>
+              <a:spcAft>
+                <a:spcPts val="0"/>
+              </a:spcAft>
+              <a:buClr>
+                <a:schemeClr val="lt1"/>
+              </a:buClr>
+              <a:buSzPts val="1100"/>
               <a:buChar char="●"/>
-              <a:defRPr/>
+              <a:defRPr>
+                <a:solidFill>
+                  <a:schemeClr val="lt1"/>
+                </a:solidFill>
+              </a:defRPr>
             </a:lvl7pPr>
-            <a:lvl8pPr indent="-317500" lvl="7" marL="3657600" algn="ctr">
-              <a:spcBef>
-                <a:spcPts val="0"/>
-              </a:spcBef>
-              <a:spcAft>
-                <a:spcPts val="0"/>
-              </a:spcAft>
-              <a:buSzPts val="1400"/>
+            <a:lvl8pPr indent="-298450" lvl="7" marL="3657600">
+              <a:spcBef>
+                <a:spcPts val="0"/>
+              </a:spcBef>
+              <a:spcAft>
+                <a:spcPts val="0"/>
+              </a:spcAft>
+              <a:buClr>
+                <a:schemeClr val="lt1"/>
+              </a:buClr>
+              <a:buSzPts val="1100"/>
               <a:buChar char="○"/>
-              <a:defRPr/>
+              <a:defRPr>
+                <a:solidFill>
+                  <a:schemeClr val="lt1"/>
+                </a:solidFill>
+              </a:defRPr>
             </a:lvl8pPr>
-            <a:lvl9pPr indent="-317500" lvl="8" marL="4114800" algn="ctr">
-              <a:spcBef>
-                <a:spcPts val="0"/>
-              </a:spcBef>
-              <a:spcAft>
-                <a:spcPts val="0"/>
-              </a:spcAft>
-              <a:buSzPts val="1400"/>
+            <a:lvl9pPr indent="-298450" lvl="8" marL="4114800">
+              <a:spcBef>
+                <a:spcPts val="0"/>
+              </a:spcBef>
+              <a:spcAft>
+                <a:spcPts val="0"/>
+              </a:spcAft>
+              <a:buClr>
+                <a:schemeClr val="lt1"/>
+              </a:buClr>
+              <a:buSzPts val="1100"/>
               <a:buChar char="■"/>
-              <a:defRPr/>
+              <a:defRPr>
+                <a:solidFill>
+                  <a:schemeClr val="lt1"/>
+                </a:solidFill>
+              </a:defRPr>
             </a:lvl9pPr>
           </a:lstStyle>
           <a:p/>
@@ -2437,7 +2838,7 @@
       </p:sp>
       <p:sp>
         <p:nvSpPr>
-          <p:cNvPr id="47" name="Google Shape;47;p11"/>
+          <p:cNvPr id="79" name="Google Shape;79;p11"/>
           <p:cNvSpPr txBox="1"/>
           <p:nvPr>
             <p:ph idx="12" type="sldNum"/>
@@ -2445,7 +2846,7 @@
         </p:nvSpPr>
         <p:spPr>
           <a:xfrm>
-            <a:off x="8472458" y="4663217"/>
+            <a:off x="8536302" y="4749851"/>
             <a:ext cx="548700" cy="393600"/>
           </a:xfrm>
           <a:prstGeom prst="rect">
@@ -2459,39 +2860,75 @@
           <a:lstStyle>
             <a:lvl1pPr lvl="0">
               <a:buNone/>
-              <a:defRPr/>
+              <a:defRPr>
+                <a:solidFill>
+                  <a:schemeClr val="lt1"/>
+                </a:solidFill>
+              </a:defRPr>
             </a:lvl1pPr>
             <a:lvl2pPr lvl="1">
               <a:buNone/>
-              <a:defRPr/>
+              <a:defRPr>
+                <a:solidFill>
+                  <a:schemeClr val="lt1"/>
+                </a:solidFill>
+              </a:defRPr>
             </a:lvl2pPr>
             <a:lvl3pPr lvl="2">
               <a:buNone/>
-              <a:defRPr/>
+              <a:defRPr>
+                <a:solidFill>
+                  <a:schemeClr val="lt1"/>
+                </a:solidFill>
+              </a:defRPr>
             </a:lvl3pPr>
             <a:lvl4pPr lvl="3">
               <a:buNone/>
-              <a:defRPr/>
+              <a:defRPr>
+                <a:solidFill>
+                  <a:schemeClr val="lt1"/>
+                </a:solidFill>
+              </a:defRPr>
             </a:lvl4pPr>
             <a:lvl5pPr lvl="4">
               <a:buNone/>
-              <a:defRPr/>
+              <a:defRPr>
+                <a:solidFill>
+                  <a:schemeClr val="lt1"/>
+                </a:solidFill>
+              </a:defRPr>
             </a:lvl5pPr>
             <a:lvl6pPr lvl="5">
               <a:buNone/>
-              <a:defRPr/>
+              <a:defRPr>
+                <a:solidFill>
+                  <a:schemeClr val="lt1"/>
+                </a:solidFill>
+              </a:defRPr>
             </a:lvl6pPr>
             <a:lvl7pPr lvl="6">
               <a:buNone/>
-              <a:defRPr/>
+              <a:defRPr>
+                <a:solidFill>
+                  <a:schemeClr val="lt1"/>
+                </a:solidFill>
+              </a:defRPr>
             </a:lvl7pPr>
             <a:lvl8pPr lvl="7">
               <a:buNone/>
-              <a:defRPr/>
+              <a:defRPr>
+                <a:solidFill>
+                  <a:schemeClr val="lt1"/>
+                </a:solidFill>
+              </a:defRPr>
             </a:lvl8pPr>
             <a:lvl9pPr lvl="8">
               <a:buNone/>
-              <a:defRPr/>
+              <a:defRPr>
+                <a:solidFill>
+                  <a:schemeClr val="lt1"/>
+                </a:solidFill>
+              </a:defRPr>
             </a:lvl9pPr>
           </a:lstStyle>
           <a:p>
@@ -2525,7 +2962,7 @@
   <p:cSld name="BLANK">
     <p:spTree>
       <p:nvGrpSpPr>
-        <p:cNvPr id="48" name="Shape 48"/>
+        <p:cNvPr id="80" name="Shape 80"/>
         <p:cNvGrpSpPr/>
         <p:nvPr/>
       </p:nvGrpSpPr>
@@ -2539,7 +2976,7 @@
       </p:grpSpPr>
       <p:sp>
         <p:nvSpPr>
-          <p:cNvPr id="49" name="Google Shape;49;p12"/>
+          <p:cNvPr id="81" name="Google Shape;81;p12"/>
           <p:cNvSpPr txBox="1"/>
           <p:nvPr>
             <p:ph idx="12" type="sldNum"/>
@@ -2547,7 +2984,7 @@
         </p:nvSpPr>
         <p:spPr>
           <a:xfrm>
-            <a:off x="8472458" y="4663217"/>
+            <a:off x="8536302" y="4749851"/>
             <a:ext cx="548700" cy="393600"/>
           </a:xfrm>
           <a:prstGeom prst="rect">
@@ -2625,9 +3062,16 @@
 <file path=ppt/slideLayouts/slideLayout2.xml><?xml version="1.0" encoding="utf-8"?>
 <p:sldLayout xmlns:a="http://schemas.openxmlformats.org/drawingml/2006/main" xmlns:r="http://schemas.openxmlformats.org/officeDocument/2006/relationships" xmlns:mc="http://schemas.openxmlformats.org/markup-compatibility/2006" xmlns:mv="urn:schemas-microsoft-com:mac:vml" xmlns:p="http://schemas.openxmlformats.org/presentationml/2006/main" xmlns:c="http://schemas.openxmlformats.org/drawingml/2006/chart" xmlns:dgm="http://schemas.openxmlformats.org/drawingml/2006/diagram" xmlns:o="urn:schemas-microsoft-com:office:office" xmlns:v="urn:schemas-microsoft-com:vml" xmlns:pvml="urn:schemas-microsoft-com:office:powerpoint" xmlns:com="http://schemas.openxmlformats.org/drawingml/2006/compatibility" xmlns:p14="http://schemas.microsoft.com/office/powerpoint/2010/main" xmlns:p15="http://schemas.microsoft.com/office/powerpoint/2012/main" xmlns:ahyp="http://schemas.microsoft.com/office/drawing/2018/hyperlinkcolor" matchingName="Section header" type="secHead">
   <p:cSld name="SECTION_HEADER">
+    <p:bg>
+      <p:bgPr>
+        <a:solidFill>
+          <a:schemeClr val="dk1"/>
+        </a:solidFill>
+      </p:bgPr>
+    </p:bg>
     <p:spTree>
       <p:nvGrpSpPr>
-        <p:cNvPr id="13" name="Shape 13"/>
+        <p:cNvPr id="17" name="Shape 17"/>
         <p:cNvGrpSpPr/>
         <p:nvPr/>
       </p:nvGrpSpPr>
@@ -2639,9 +3083,110 @@
           <a:chExt cx="0" cy="0"/>
         </a:xfrm>
       </p:grpSpPr>
+      <p:grpSp>
+        <p:nvGrpSpPr>
+          <p:cNvPr id="18" name="Google Shape;18;p3"/>
+          <p:cNvGrpSpPr/>
+          <p:nvPr/>
+        </p:nvGrpSpPr>
+        <p:grpSpPr>
+          <a:xfrm>
+            <a:off x="830392" y="1191256"/>
+            <a:ext cx="745763" cy="45826"/>
+            <a:chOff x="4580561" y="2589004"/>
+            <a:chExt cx="1064464" cy="25200"/>
+          </a:xfrm>
+        </p:grpSpPr>
+        <p:sp>
+          <p:nvSpPr>
+            <p:cNvPr id="19" name="Google Shape;19;p3"/>
+            <p:cNvSpPr/>
+            <p:nvPr/>
+          </p:nvSpPr>
+          <p:spPr>
+            <a:xfrm rot="-5400000">
+              <a:off x="5366325" y="2335504"/>
+              <a:ext cx="25200" cy="532200"/>
+            </a:xfrm>
+            <a:prstGeom prst="rect">
+              <a:avLst/>
+            </a:prstGeom>
+            <a:solidFill>
+              <a:schemeClr val="lt1"/>
+            </a:solidFill>
+            <a:ln>
+              <a:noFill/>
+            </a:ln>
+          </p:spPr>
+          <p:txBody>
+            <a:bodyPr anchorCtr="0" anchor="ctr" bIns="91425" lIns="91425" spcFirstLastPara="1" rIns="91425" wrap="square" tIns="91425">
+              <a:noAutofit/>
+            </a:bodyPr>
+            <a:lstStyle/>
+            <a:p>
+              <a:pPr indent="0" lvl="0" marL="0" rtl="0" algn="l">
+                <a:spcBef>
+                  <a:spcPts val="0"/>
+                </a:spcBef>
+                <a:spcAft>
+                  <a:spcPts val="0"/>
+                </a:spcAft>
+                <a:buNone/>
+              </a:pPr>
+              <a:r>
+                <a:t/>
+              </a:r>
+              <a:endParaRPr/>
+            </a:p>
+          </p:txBody>
+        </p:sp>
+        <p:sp>
+          <p:nvSpPr>
+            <p:cNvPr id="20" name="Google Shape;20;p3"/>
+            <p:cNvSpPr/>
+            <p:nvPr/>
+          </p:nvSpPr>
+          <p:spPr>
+            <a:xfrm rot="-5400000">
+              <a:off x="4836311" y="2333254"/>
+              <a:ext cx="25200" cy="536700"/>
+            </a:xfrm>
+            <a:prstGeom prst="rect">
+              <a:avLst/>
+            </a:prstGeom>
+            <a:solidFill>
+              <a:schemeClr val="lt1"/>
+            </a:solidFill>
+            <a:ln>
+              <a:noFill/>
+            </a:ln>
+          </p:spPr>
+          <p:txBody>
+            <a:bodyPr anchorCtr="0" anchor="ctr" bIns="91425" lIns="91425" spcFirstLastPara="1" rIns="91425" wrap="square" tIns="91425">
+              <a:noAutofit/>
+            </a:bodyPr>
+            <a:lstStyle/>
+            <a:p>
+              <a:pPr indent="0" lvl="0" marL="0" rtl="0" algn="l">
+                <a:spcBef>
+                  <a:spcPts val="0"/>
+                </a:spcBef>
+                <a:spcAft>
+                  <a:spcPts val="0"/>
+                </a:spcAft>
+                <a:buNone/>
+              </a:pPr>
+              <a:r>
+                <a:t/>
+              </a:r>
+              <a:endParaRPr/>
+            </a:p>
+          </p:txBody>
+        </p:sp>
+      </p:grpSp>
       <p:sp>
         <p:nvSpPr>
-          <p:cNvPr id="14" name="Google Shape;14;p3"/>
+          <p:cNvPr id="21" name="Google Shape;21;p3"/>
           <p:cNvSpPr txBox="1"/>
           <p:nvPr>
             <p:ph type="title"/>
@@ -2649,116 +3194,179 @@
         </p:nvSpPr>
         <p:spPr>
           <a:xfrm>
-            <a:off x="311700" y="2150850"/>
-            <a:ext cx="8520600" cy="841800"/>
+            <a:off x="729450" y="1322450"/>
+            <a:ext cx="7688400" cy="1518600"/>
           </a:xfrm>
           <a:prstGeom prst="rect">
             <a:avLst/>
           </a:prstGeom>
         </p:spPr>
         <p:txBody>
-          <a:bodyPr anchorCtr="0" anchor="ctr" bIns="91425" lIns="91425" spcFirstLastPara="1" rIns="91425" wrap="square" tIns="91425">
+          <a:bodyPr anchorCtr="0" anchor="t" bIns="91425" lIns="91425" spcFirstLastPara="1" rIns="91425" wrap="square" tIns="91425">
             <a:normAutofit/>
           </a:bodyPr>
           <a:lstStyle>
-            <a:lvl1pPr lvl="0" algn="ctr">
-              <a:spcBef>
-                <a:spcPts val="0"/>
-              </a:spcBef>
-              <a:spcAft>
-                <a:spcPts val="0"/>
-              </a:spcAft>
+            <a:lvl1pPr lvl="0">
+              <a:spcBef>
+                <a:spcPts val="0"/>
+              </a:spcBef>
+              <a:spcAft>
+                <a:spcPts val="0"/>
+              </a:spcAft>
+              <a:buClr>
+                <a:schemeClr val="lt1"/>
+              </a:buClr>
               <a:buSzPts val="3600"/>
               <a:buNone/>
-              <a:defRPr sz="3600"/>
+              <a:defRPr sz="3600">
+                <a:solidFill>
+                  <a:schemeClr val="lt1"/>
+                </a:solidFill>
+              </a:defRPr>
             </a:lvl1pPr>
-            <a:lvl2pPr lvl="1" algn="ctr">
-              <a:spcBef>
-                <a:spcPts val="0"/>
-              </a:spcBef>
-              <a:spcAft>
-                <a:spcPts val="0"/>
-              </a:spcAft>
+            <a:lvl2pPr lvl="1">
+              <a:spcBef>
+                <a:spcPts val="0"/>
+              </a:spcBef>
+              <a:spcAft>
+                <a:spcPts val="0"/>
+              </a:spcAft>
+              <a:buClr>
+                <a:schemeClr val="lt1"/>
+              </a:buClr>
               <a:buSzPts val="3600"/>
               <a:buNone/>
-              <a:defRPr sz="3600"/>
+              <a:defRPr sz="3600">
+                <a:solidFill>
+                  <a:schemeClr val="lt1"/>
+                </a:solidFill>
+              </a:defRPr>
             </a:lvl2pPr>
-            <a:lvl3pPr lvl="2" algn="ctr">
-              <a:spcBef>
-                <a:spcPts val="0"/>
-              </a:spcBef>
-              <a:spcAft>
-                <a:spcPts val="0"/>
-              </a:spcAft>
+            <a:lvl3pPr lvl="2">
+              <a:spcBef>
+                <a:spcPts val="0"/>
+              </a:spcBef>
+              <a:spcAft>
+                <a:spcPts val="0"/>
+              </a:spcAft>
+              <a:buClr>
+                <a:schemeClr val="lt1"/>
+              </a:buClr>
               <a:buSzPts val="3600"/>
               <a:buNone/>
-              <a:defRPr sz="3600"/>
+              <a:defRPr sz="3600">
+                <a:solidFill>
+                  <a:schemeClr val="lt1"/>
+                </a:solidFill>
+              </a:defRPr>
             </a:lvl3pPr>
-            <a:lvl4pPr lvl="3" algn="ctr">
-              <a:spcBef>
-                <a:spcPts val="0"/>
-              </a:spcBef>
-              <a:spcAft>
-                <a:spcPts val="0"/>
-              </a:spcAft>
+            <a:lvl4pPr lvl="3">
+              <a:spcBef>
+                <a:spcPts val="0"/>
+              </a:spcBef>
+              <a:spcAft>
+                <a:spcPts val="0"/>
+              </a:spcAft>
+              <a:buClr>
+                <a:schemeClr val="lt1"/>
+              </a:buClr>
               <a:buSzPts val="3600"/>
               <a:buNone/>
-              <a:defRPr sz="3600"/>
+              <a:defRPr sz="3600">
+                <a:solidFill>
+                  <a:schemeClr val="lt1"/>
+                </a:solidFill>
+              </a:defRPr>
             </a:lvl4pPr>
-            <a:lvl5pPr lvl="4" algn="ctr">
-              <a:spcBef>
-                <a:spcPts val="0"/>
-              </a:spcBef>
-              <a:spcAft>
-                <a:spcPts val="0"/>
-              </a:spcAft>
+            <a:lvl5pPr lvl="4">
+              <a:spcBef>
+                <a:spcPts val="0"/>
+              </a:spcBef>
+              <a:spcAft>
+                <a:spcPts val="0"/>
+              </a:spcAft>
+              <a:buClr>
+                <a:schemeClr val="lt1"/>
+              </a:buClr>
               <a:buSzPts val="3600"/>
               <a:buNone/>
-              <a:defRPr sz="3600"/>
+              <a:defRPr sz="3600">
+                <a:solidFill>
+                  <a:schemeClr val="lt1"/>
+                </a:solidFill>
+              </a:defRPr>
             </a:lvl5pPr>
-            <a:lvl6pPr lvl="5" algn="ctr">
-              <a:spcBef>
-                <a:spcPts val="0"/>
-              </a:spcBef>
-              <a:spcAft>
-                <a:spcPts val="0"/>
-              </a:spcAft>
+            <a:lvl6pPr lvl="5">
+              <a:spcBef>
+                <a:spcPts val="0"/>
+              </a:spcBef>
+              <a:spcAft>
+                <a:spcPts val="0"/>
+              </a:spcAft>
+              <a:buClr>
+                <a:schemeClr val="lt1"/>
+              </a:buClr>
               <a:buSzPts val="3600"/>
               <a:buNone/>
-              <a:defRPr sz="3600"/>
+              <a:defRPr sz="3600">
+                <a:solidFill>
+                  <a:schemeClr val="lt1"/>
+                </a:solidFill>
+              </a:defRPr>
             </a:lvl6pPr>
-            <a:lvl7pPr lvl="6" algn="ctr">
-              <a:spcBef>
-                <a:spcPts val="0"/>
-              </a:spcBef>
-              <a:spcAft>
-                <a:spcPts val="0"/>
-              </a:spcAft>
+            <a:lvl7pPr lvl="6">
+              <a:spcBef>
+                <a:spcPts val="0"/>
+              </a:spcBef>
+              <a:spcAft>
+                <a:spcPts val="0"/>
+              </a:spcAft>
+              <a:buClr>
+                <a:schemeClr val="lt1"/>
+              </a:buClr>
               <a:buSzPts val="3600"/>
               <a:buNone/>
-              <a:defRPr sz="3600"/>
+              <a:defRPr sz="3600">
+                <a:solidFill>
+                  <a:schemeClr val="lt1"/>
+                </a:solidFill>
+              </a:defRPr>
             </a:lvl7pPr>
-            <a:lvl8pPr lvl="7" algn="ctr">
-              <a:spcBef>
-                <a:spcPts val="0"/>
-              </a:spcBef>
-              <a:spcAft>
-                <a:spcPts val="0"/>
-              </a:spcAft>
+            <a:lvl8pPr lvl="7">
+              <a:spcBef>
+                <a:spcPts val="0"/>
+              </a:spcBef>
+              <a:spcAft>
+                <a:spcPts val="0"/>
+              </a:spcAft>
+              <a:buClr>
+                <a:schemeClr val="lt1"/>
+              </a:buClr>
               <a:buSzPts val="3600"/>
               <a:buNone/>
-              <a:defRPr sz="3600"/>
+              <a:defRPr sz="3600">
+                <a:solidFill>
+                  <a:schemeClr val="lt1"/>
+                </a:solidFill>
+              </a:defRPr>
             </a:lvl8pPr>
-            <a:lvl9pPr lvl="8" algn="ctr">
-              <a:spcBef>
-                <a:spcPts val="0"/>
-              </a:spcBef>
-              <a:spcAft>
-                <a:spcPts val="0"/>
-              </a:spcAft>
+            <a:lvl9pPr lvl="8">
+              <a:spcBef>
+                <a:spcPts val="0"/>
+              </a:spcBef>
+              <a:spcAft>
+                <a:spcPts val="0"/>
+              </a:spcAft>
+              <a:buClr>
+                <a:schemeClr val="lt1"/>
+              </a:buClr>
               <a:buSzPts val="3600"/>
               <a:buNone/>
-              <a:defRPr sz="3600"/>
+              <a:defRPr sz="3600">
+                <a:solidFill>
+                  <a:schemeClr val="lt1"/>
+                </a:solidFill>
+              </a:defRPr>
             </a:lvl9pPr>
           </a:lstStyle>
           <a:p/>
@@ -2766,7 +3374,7 @@
       </p:sp>
       <p:sp>
         <p:nvSpPr>
-          <p:cNvPr id="15" name="Google Shape;15;p3"/>
+          <p:cNvPr id="22" name="Google Shape;22;p3"/>
           <p:cNvSpPr txBox="1"/>
           <p:nvPr>
             <p:ph idx="12" type="sldNum"/>
@@ -2774,7 +3382,7 @@
         </p:nvSpPr>
         <p:spPr>
           <a:xfrm>
-            <a:off x="8472458" y="4663217"/>
+            <a:off x="8536302" y="4749851"/>
             <a:ext cx="548700" cy="393600"/>
           </a:xfrm>
           <a:prstGeom prst="rect">
@@ -2788,39 +3396,75 @@
           <a:lstStyle>
             <a:lvl1pPr lvl="0">
               <a:buNone/>
-              <a:defRPr/>
+              <a:defRPr>
+                <a:solidFill>
+                  <a:schemeClr val="lt1"/>
+                </a:solidFill>
+              </a:defRPr>
             </a:lvl1pPr>
             <a:lvl2pPr lvl="1">
               <a:buNone/>
-              <a:defRPr/>
+              <a:defRPr>
+                <a:solidFill>
+                  <a:schemeClr val="lt1"/>
+                </a:solidFill>
+              </a:defRPr>
             </a:lvl2pPr>
             <a:lvl3pPr lvl="2">
               <a:buNone/>
-              <a:defRPr/>
+              <a:defRPr>
+                <a:solidFill>
+                  <a:schemeClr val="lt1"/>
+                </a:solidFill>
+              </a:defRPr>
             </a:lvl3pPr>
             <a:lvl4pPr lvl="3">
               <a:buNone/>
-              <a:defRPr/>
+              <a:defRPr>
+                <a:solidFill>
+                  <a:schemeClr val="lt1"/>
+                </a:solidFill>
+              </a:defRPr>
             </a:lvl4pPr>
             <a:lvl5pPr lvl="4">
               <a:buNone/>
-              <a:defRPr/>
+              <a:defRPr>
+                <a:solidFill>
+                  <a:schemeClr val="lt1"/>
+                </a:solidFill>
+              </a:defRPr>
             </a:lvl5pPr>
             <a:lvl6pPr lvl="5">
               <a:buNone/>
-              <a:defRPr/>
+              <a:defRPr>
+                <a:solidFill>
+                  <a:schemeClr val="lt1"/>
+                </a:solidFill>
+              </a:defRPr>
             </a:lvl6pPr>
             <a:lvl7pPr lvl="6">
               <a:buNone/>
-              <a:defRPr/>
+              <a:defRPr>
+                <a:solidFill>
+                  <a:schemeClr val="lt1"/>
+                </a:solidFill>
+              </a:defRPr>
             </a:lvl7pPr>
             <a:lvl8pPr lvl="7">
               <a:buNone/>
-              <a:defRPr/>
+              <a:defRPr>
+                <a:solidFill>
+                  <a:schemeClr val="lt1"/>
+                </a:solidFill>
+              </a:defRPr>
             </a:lvl8pPr>
             <a:lvl9pPr lvl="8">
               <a:buNone/>
-              <a:defRPr/>
+              <a:defRPr>
+                <a:solidFill>
+                  <a:schemeClr val="lt1"/>
+                </a:solidFill>
+              </a:defRPr>
             </a:lvl9pPr>
           </a:lstStyle>
           <a:p>
@@ -2854,7 +3498,7 @@
   <p:cSld name="TITLE_AND_BODY">
     <p:spTree>
       <p:nvGrpSpPr>
-        <p:cNvPr id="16" name="Shape 16"/>
+        <p:cNvPr id="23" name="Shape 23"/>
         <p:cNvGrpSpPr/>
         <p:nvPr/>
       </p:nvGrpSpPr>
@@ -2868,7 +3512,151 @@
       </p:grpSpPr>
       <p:sp>
         <p:nvSpPr>
-          <p:cNvPr id="17" name="Google Shape;17;p4"/>
+          <p:cNvPr id="24" name="Google Shape;24;p4"/>
+          <p:cNvSpPr/>
+          <p:nvPr/>
+        </p:nvSpPr>
+        <p:spPr>
+          <a:xfrm>
+            <a:off x="0" y="0"/>
+            <a:ext cx="9144000" cy="487800"/>
+          </a:xfrm>
+          <a:prstGeom prst="rect">
+            <a:avLst/>
+          </a:prstGeom>
+          <a:solidFill>
+            <a:schemeClr val="lt2"/>
+          </a:solidFill>
+          <a:ln>
+            <a:noFill/>
+          </a:ln>
+        </p:spPr>
+        <p:txBody>
+          <a:bodyPr anchorCtr="0" anchor="ctr" bIns="91425" lIns="91425" spcFirstLastPara="1" rIns="91425" wrap="square" tIns="91425">
+            <a:noAutofit/>
+          </a:bodyPr>
+          <a:lstStyle/>
+          <a:p>
+            <a:pPr indent="0" lvl="0" marL="0" rtl="0" algn="l">
+              <a:spcBef>
+                <a:spcPts val="0"/>
+              </a:spcBef>
+              <a:spcAft>
+                <a:spcPts val="0"/>
+              </a:spcAft>
+              <a:buNone/>
+            </a:pPr>
+            <a:r>
+              <a:t/>
+            </a:r>
+            <a:endParaRPr/>
+          </a:p>
+        </p:txBody>
+      </p:sp>
+      <p:grpSp>
+        <p:nvGrpSpPr>
+          <p:cNvPr id="25" name="Google Shape;25;p4"/>
+          <p:cNvGrpSpPr/>
+          <p:nvPr/>
+        </p:nvGrpSpPr>
+        <p:grpSpPr>
+          <a:xfrm>
+            <a:off x="830392" y="1191256"/>
+            <a:ext cx="745763" cy="45826"/>
+            <a:chOff x="4580561" y="2589004"/>
+            <a:chExt cx="1064464" cy="25200"/>
+          </a:xfrm>
+        </p:grpSpPr>
+        <p:sp>
+          <p:nvSpPr>
+            <p:cNvPr id="26" name="Google Shape;26;p4"/>
+            <p:cNvSpPr/>
+            <p:nvPr/>
+          </p:nvSpPr>
+          <p:spPr>
+            <a:xfrm rot="-5400000">
+              <a:off x="5366325" y="2335504"/>
+              <a:ext cx="25200" cy="532200"/>
+            </a:xfrm>
+            <a:prstGeom prst="rect">
+              <a:avLst/>
+            </a:prstGeom>
+            <a:solidFill>
+              <a:schemeClr val="accent3"/>
+            </a:solidFill>
+            <a:ln>
+              <a:noFill/>
+            </a:ln>
+          </p:spPr>
+          <p:txBody>
+            <a:bodyPr anchorCtr="0" anchor="ctr" bIns="91425" lIns="91425" spcFirstLastPara="1" rIns="91425" wrap="square" tIns="91425">
+              <a:noAutofit/>
+            </a:bodyPr>
+            <a:lstStyle/>
+            <a:p>
+              <a:pPr indent="0" lvl="0" marL="0" rtl="0" algn="l">
+                <a:spcBef>
+                  <a:spcPts val="0"/>
+                </a:spcBef>
+                <a:spcAft>
+                  <a:spcPts val="0"/>
+                </a:spcAft>
+                <a:buNone/>
+              </a:pPr>
+              <a:r>
+                <a:t/>
+              </a:r>
+              <a:endParaRPr/>
+            </a:p>
+          </p:txBody>
+        </p:sp>
+        <p:sp>
+          <p:nvSpPr>
+            <p:cNvPr id="27" name="Google Shape;27;p4"/>
+            <p:cNvSpPr/>
+            <p:nvPr/>
+          </p:nvSpPr>
+          <p:spPr>
+            <a:xfrm rot="-5400000">
+              <a:off x="4836311" y="2333254"/>
+              <a:ext cx="25200" cy="536700"/>
+            </a:xfrm>
+            <a:prstGeom prst="rect">
+              <a:avLst/>
+            </a:prstGeom>
+            <a:solidFill>
+              <a:schemeClr val="dk1"/>
+            </a:solidFill>
+            <a:ln>
+              <a:noFill/>
+            </a:ln>
+          </p:spPr>
+          <p:txBody>
+            <a:bodyPr anchorCtr="0" anchor="ctr" bIns="91425" lIns="91425" spcFirstLastPara="1" rIns="91425" wrap="square" tIns="91425">
+              <a:noAutofit/>
+            </a:bodyPr>
+            <a:lstStyle/>
+            <a:p>
+              <a:pPr indent="0" lvl="0" marL="0" rtl="0" algn="l">
+                <a:spcBef>
+                  <a:spcPts val="0"/>
+                </a:spcBef>
+                <a:spcAft>
+                  <a:spcPts val="0"/>
+                </a:spcAft>
+                <a:buNone/>
+              </a:pPr>
+              <a:r>
+                <a:t/>
+              </a:r>
+              <a:endParaRPr/>
+            </a:p>
+          </p:txBody>
+        </p:sp>
+      </p:grpSp>
+      <p:sp>
+        <p:nvSpPr>
+          <p:cNvPr id="28" name="Google Shape;28;p4"/>
           <p:cNvSpPr txBox="1"/>
           <p:nvPr>
             <p:ph type="title"/>
@@ -2876,8 +3664,8 @@
         </p:nvSpPr>
         <p:spPr>
           <a:xfrm>
-            <a:off x="311700" y="445025"/>
-            <a:ext cx="8520600" cy="572700"/>
+            <a:off x="729450" y="1318650"/>
+            <a:ext cx="7688700" cy="535200"/>
           </a:xfrm>
           <a:prstGeom prst="rect">
             <a:avLst/>
@@ -2895,9 +3683,9 @@
               <a:spcAft>
                 <a:spcPts val="0"/>
               </a:spcAft>
-              <a:buSzPts val="2800"/>
-              <a:buNone/>
-              <a:defRPr/>
+              <a:buSzPts val="2600"/>
+              <a:buNone/>
+              <a:defRPr sz="2600"/>
             </a:lvl1pPr>
             <a:lvl2pPr lvl="1">
               <a:spcBef>
@@ -2906,9 +3694,9 @@
               <a:spcAft>
                 <a:spcPts val="0"/>
               </a:spcAft>
-              <a:buSzPts val="2800"/>
-              <a:buNone/>
-              <a:defRPr/>
+              <a:buSzPts val="2600"/>
+              <a:buNone/>
+              <a:defRPr sz="2600"/>
             </a:lvl2pPr>
             <a:lvl3pPr lvl="2">
               <a:spcBef>
@@ -2917,9 +3705,9 @@
               <a:spcAft>
                 <a:spcPts val="0"/>
               </a:spcAft>
-              <a:buSzPts val="2800"/>
-              <a:buNone/>
-              <a:defRPr/>
+              <a:buSzPts val="2600"/>
+              <a:buNone/>
+              <a:defRPr sz="2600"/>
             </a:lvl3pPr>
             <a:lvl4pPr lvl="3">
               <a:spcBef>
@@ -2928,9 +3716,9 @@
               <a:spcAft>
                 <a:spcPts val="0"/>
               </a:spcAft>
-              <a:buSzPts val="2800"/>
-              <a:buNone/>
-              <a:defRPr/>
+              <a:buSzPts val="2600"/>
+              <a:buNone/>
+              <a:defRPr sz="2600"/>
             </a:lvl4pPr>
             <a:lvl5pPr lvl="4">
               <a:spcBef>
@@ -2939,9 +3727,9 @@
               <a:spcAft>
                 <a:spcPts val="0"/>
               </a:spcAft>
-              <a:buSzPts val="2800"/>
-              <a:buNone/>
-              <a:defRPr/>
+              <a:buSzPts val="2600"/>
+              <a:buNone/>
+              <a:defRPr sz="2600"/>
             </a:lvl5pPr>
             <a:lvl6pPr lvl="5">
               <a:spcBef>
@@ -2950,9 +3738,9 @@
               <a:spcAft>
                 <a:spcPts val="0"/>
               </a:spcAft>
-              <a:buSzPts val="2800"/>
-              <a:buNone/>
-              <a:defRPr/>
+              <a:buSzPts val="2600"/>
+              <a:buNone/>
+              <a:defRPr sz="2600"/>
             </a:lvl6pPr>
             <a:lvl7pPr lvl="6">
               <a:spcBef>
@@ -2961,9 +3749,9 @@
               <a:spcAft>
                 <a:spcPts val="0"/>
               </a:spcAft>
-              <a:buSzPts val="2800"/>
-              <a:buNone/>
-              <a:defRPr/>
+              <a:buSzPts val="2600"/>
+              <a:buNone/>
+              <a:defRPr sz="2600"/>
             </a:lvl7pPr>
             <a:lvl8pPr lvl="7">
               <a:spcBef>
@@ -2972,9 +3760,9 @@
               <a:spcAft>
                 <a:spcPts val="0"/>
               </a:spcAft>
-              <a:buSzPts val="2800"/>
-              <a:buNone/>
-              <a:defRPr/>
+              <a:buSzPts val="2600"/>
+              <a:buNone/>
+              <a:defRPr sz="2600"/>
             </a:lvl8pPr>
             <a:lvl9pPr lvl="8">
               <a:spcBef>
@@ -2983,9 +3771,9 @@
               <a:spcAft>
                 <a:spcPts val="0"/>
               </a:spcAft>
-              <a:buSzPts val="2800"/>
-              <a:buNone/>
-              <a:defRPr/>
+              <a:buSzPts val="2600"/>
+              <a:buNone/>
+              <a:defRPr sz="2600"/>
             </a:lvl9pPr>
           </a:lstStyle>
           <a:p/>
@@ -2993,7 +3781,7 @@
       </p:sp>
       <p:sp>
         <p:nvSpPr>
-          <p:cNvPr id="18" name="Google Shape;18;p4"/>
+          <p:cNvPr id="29" name="Google Shape;29;p4"/>
           <p:cNvSpPr txBox="1"/>
           <p:nvPr>
             <p:ph idx="1" type="body"/>
@@ -3001,8 +3789,8 @@
         </p:nvSpPr>
         <p:spPr>
           <a:xfrm>
-            <a:off x="311700" y="1152475"/>
-            <a:ext cx="8520600" cy="3416400"/>
+            <a:off x="729450" y="2078875"/>
+            <a:ext cx="7688700" cy="2261100"/>
           </a:xfrm>
           <a:prstGeom prst="rect">
             <a:avLst/>
@@ -3013,102 +3801,102 @@
             <a:normAutofit/>
           </a:bodyPr>
           <a:lstStyle>
-            <a:lvl1pPr indent="-342900" lvl="0" marL="457200">
-              <a:spcBef>
-                <a:spcPts val="0"/>
-              </a:spcBef>
-              <a:spcAft>
-                <a:spcPts val="0"/>
-              </a:spcAft>
-              <a:buSzPts val="1800"/>
+            <a:lvl1pPr indent="-311150" lvl="0" marL="457200">
+              <a:spcBef>
+                <a:spcPts val="0"/>
+              </a:spcBef>
+              <a:spcAft>
+                <a:spcPts val="0"/>
+              </a:spcAft>
+              <a:buSzPts val="1300"/>
               <a:buChar char="●"/>
               <a:defRPr/>
             </a:lvl1pPr>
-            <a:lvl2pPr indent="-317500" lvl="1" marL="914400">
-              <a:spcBef>
-                <a:spcPts val="0"/>
-              </a:spcBef>
-              <a:spcAft>
-                <a:spcPts val="0"/>
-              </a:spcAft>
-              <a:buSzPts val="1400"/>
+            <a:lvl2pPr indent="-298450" lvl="1" marL="914400">
+              <a:spcBef>
+                <a:spcPts val="0"/>
+              </a:spcBef>
+              <a:spcAft>
+                <a:spcPts val="0"/>
+              </a:spcAft>
+              <a:buSzPts val="1100"/>
               <a:buChar char="○"/>
               <a:defRPr/>
             </a:lvl2pPr>
-            <a:lvl3pPr indent="-317500" lvl="2" marL="1371600">
-              <a:spcBef>
-                <a:spcPts val="0"/>
-              </a:spcBef>
-              <a:spcAft>
-                <a:spcPts val="0"/>
-              </a:spcAft>
-              <a:buSzPts val="1400"/>
+            <a:lvl3pPr indent="-298450" lvl="2" marL="1371600">
+              <a:spcBef>
+                <a:spcPts val="0"/>
+              </a:spcBef>
+              <a:spcAft>
+                <a:spcPts val="0"/>
+              </a:spcAft>
+              <a:buSzPts val="1100"/>
               <a:buChar char="■"/>
               <a:defRPr/>
             </a:lvl3pPr>
-            <a:lvl4pPr indent="-317500" lvl="3" marL="1828800">
-              <a:spcBef>
-                <a:spcPts val="0"/>
-              </a:spcBef>
-              <a:spcAft>
-                <a:spcPts val="0"/>
-              </a:spcAft>
-              <a:buSzPts val="1400"/>
+            <a:lvl4pPr indent="-298450" lvl="3" marL="1828800">
+              <a:spcBef>
+                <a:spcPts val="0"/>
+              </a:spcBef>
+              <a:spcAft>
+                <a:spcPts val="0"/>
+              </a:spcAft>
+              <a:buSzPts val="1100"/>
               <a:buChar char="●"/>
               <a:defRPr/>
             </a:lvl4pPr>
-            <a:lvl5pPr indent="-317500" lvl="4" marL="2286000">
-              <a:spcBef>
-                <a:spcPts val="0"/>
-              </a:spcBef>
-              <a:spcAft>
-                <a:spcPts val="0"/>
-              </a:spcAft>
-              <a:buSzPts val="1400"/>
+            <a:lvl5pPr indent="-298450" lvl="4" marL="2286000">
+              <a:spcBef>
+                <a:spcPts val="0"/>
+              </a:spcBef>
+              <a:spcAft>
+                <a:spcPts val="0"/>
+              </a:spcAft>
+              <a:buSzPts val="1100"/>
               <a:buChar char="○"/>
               <a:defRPr/>
             </a:lvl5pPr>
-            <a:lvl6pPr indent="-317500" lvl="5" marL="2743200">
-              <a:spcBef>
-                <a:spcPts val="0"/>
-              </a:spcBef>
-              <a:spcAft>
-                <a:spcPts val="0"/>
-              </a:spcAft>
-              <a:buSzPts val="1400"/>
+            <a:lvl6pPr indent="-298450" lvl="5" marL="2743200">
+              <a:spcBef>
+                <a:spcPts val="0"/>
+              </a:spcBef>
+              <a:spcAft>
+                <a:spcPts val="0"/>
+              </a:spcAft>
+              <a:buSzPts val="1100"/>
               <a:buChar char="■"/>
               <a:defRPr/>
             </a:lvl6pPr>
-            <a:lvl7pPr indent="-317500" lvl="6" marL="3200400">
-              <a:spcBef>
-                <a:spcPts val="0"/>
-              </a:spcBef>
-              <a:spcAft>
-                <a:spcPts val="0"/>
-              </a:spcAft>
-              <a:buSzPts val="1400"/>
+            <a:lvl7pPr indent="-298450" lvl="6" marL="3200400">
+              <a:spcBef>
+                <a:spcPts val="0"/>
+              </a:spcBef>
+              <a:spcAft>
+                <a:spcPts val="0"/>
+              </a:spcAft>
+              <a:buSzPts val="1100"/>
               <a:buChar char="●"/>
               <a:defRPr/>
             </a:lvl7pPr>
-            <a:lvl8pPr indent="-317500" lvl="7" marL="3657600">
-              <a:spcBef>
-                <a:spcPts val="0"/>
-              </a:spcBef>
-              <a:spcAft>
-                <a:spcPts val="0"/>
-              </a:spcAft>
-              <a:buSzPts val="1400"/>
+            <a:lvl8pPr indent="-298450" lvl="7" marL="3657600">
+              <a:spcBef>
+                <a:spcPts val="0"/>
+              </a:spcBef>
+              <a:spcAft>
+                <a:spcPts val="0"/>
+              </a:spcAft>
+              <a:buSzPts val="1100"/>
               <a:buChar char="○"/>
               <a:defRPr/>
             </a:lvl8pPr>
-            <a:lvl9pPr indent="-317500" lvl="8" marL="4114800">
-              <a:spcBef>
-                <a:spcPts val="0"/>
-              </a:spcBef>
-              <a:spcAft>
-                <a:spcPts val="0"/>
-              </a:spcAft>
-              <a:buSzPts val="1400"/>
+            <a:lvl9pPr indent="-298450" lvl="8" marL="4114800">
+              <a:spcBef>
+                <a:spcPts val="0"/>
+              </a:spcBef>
+              <a:spcAft>
+                <a:spcPts val="0"/>
+              </a:spcAft>
+              <a:buSzPts val="1100"/>
               <a:buChar char="■"/>
               <a:defRPr/>
             </a:lvl9pPr>
@@ -3118,7 +3906,7 @@
       </p:sp>
       <p:sp>
         <p:nvSpPr>
-          <p:cNvPr id="19" name="Google Shape;19;p4"/>
+          <p:cNvPr id="30" name="Google Shape;30;p4"/>
           <p:cNvSpPr txBox="1"/>
           <p:nvPr>
             <p:ph idx="12" type="sldNum"/>
@@ -3126,7 +3914,7 @@
         </p:nvSpPr>
         <p:spPr>
           <a:xfrm>
-            <a:off x="8472458" y="4663217"/>
+            <a:off x="8536302" y="4749851"/>
             <a:ext cx="548700" cy="393600"/>
           </a:xfrm>
           <a:prstGeom prst="rect">
@@ -3206,7 +3994,7 @@
   <p:cSld name="TITLE_AND_TWO_COLUMNS">
     <p:spTree>
       <p:nvGrpSpPr>
-        <p:cNvPr id="20" name="Shape 20"/>
+        <p:cNvPr id="31" name="Shape 31"/>
         <p:cNvGrpSpPr/>
         <p:nvPr/>
       </p:nvGrpSpPr>
@@ -3220,7 +4008,151 @@
       </p:grpSpPr>
       <p:sp>
         <p:nvSpPr>
-          <p:cNvPr id="21" name="Google Shape;21;p5"/>
+          <p:cNvPr id="32" name="Google Shape;32;p5"/>
+          <p:cNvSpPr/>
+          <p:nvPr/>
+        </p:nvSpPr>
+        <p:spPr>
+          <a:xfrm>
+            <a:off x="0" y="0"/>
+            <a:ext cx="9144000" cy="487800"/>
+          </a:xfrm>
+          <a:prstGeom prst="rect">
+            <a:avLst/>
+          </a:prstGeom>
+          <a:solidFill>
+            <a:schemeClr val="lt2"/>
+          </a:solidFill>
+          <a:ln>
+            <a:noFill/>
+          </a:ln>
+        </p:spPr>
+        <p:txBody>
+          <a:bodyPr anchorCtr="0" anchor="ctr" bIns="91425" lIns="91425" spcFirstLastPara="1" rIns="91425" wrap="square" tIns="91425">
+            <a:noAutofit/>
+          </a:bodyPr>
+          <a:lstStyle/>
+          <a:p>
+            <a:pPr indent="0" lvl="0" marL="0" rtl="0" algn="l">
+              <a:spcBef>
+                <a:spcPts val="0"/>
+              </a:spcBef>
+              <a:spcAft>
+                <a:spcPts val="0"/>
+              </a:spcAft>
+              <a:buNone/>
+            </a:pPr>
+            <a:r>
+              <a:t/>
+            </a:r>
+            <a:endParaRPr/>
+          </a:p>
+        </p:txBody>
+      </p:sp>
+      <p:grpSp>
+        <p:nvGrpSpPr>
+          <p:cNvPr id="33" name="Google Shape;33;p5"/>
+          <p:cNvGrpSpPr/>
+          <p:nvPr/>
+        </p:nvGrpSpPr>
+        <p:grpSpPr>
+          <a:xfrm>
+            <a:off x="830392" y="1191256"/>
+            <a:ext cx="745763" cy="45826"/>
+            <a:chOff x="4580561" y="2589004"/>
+            <a:chExt cx="1064464" cy="25200"/>
+          </a:xfrm>
+        </p:grpSpPr>
+        <p:sp>
+          <p:nvSpPr>
+            <p:cNvPr id="34" name="Google Shape;34;p5"/>
+            <p:cNvSpPr/>
+            <p:nvPr/>
+          </p:nvSpPr>
+          <p:spPr>
+            <a:xfrm rot="-5400000">
+              <a:off x="5366325" y="2335504"/>
+              <a:ext cx="25200" cy="532200"/>
+            </a:xfrm>
+            <a:prstGeom prst="rect">
+              <a:avLst/>
+            </a:prstGeom>
+            <a:solidFill>
+              <a:schemeClr val="accent3"/>
+            </a:solidFill>
+            <a:ln>
+              <a:noFill/>
+            </a:ln>
+          </p:spPr>
+          <p:txBody>
+            <a:bodyPr anchorCtr="0" anchor="ctr" bIns="91425" lIns="91425" spcFirstLastPara="1" rIns="91425" wrap="square" tIns="91425">
+              <a:noAutofit/>
+            </a:bodyPr>
+            <a:lstStyle/>
+            <a:p>
+              <a:pPr indent="0" lvl="0" marL="0" rtl="0" algn="l">
+                <a:spcBef>
+                  <a:spcPts val="0"/>
+                </a:spcBef>
+                <a:spcAft>
+                  <a:spcPts val="0"/>
+                </a:spcAft>
+                <a:buNone/>
+              </a:pPr>
+              <a:r>
+                <a:t/>
+              </a:r>
+              <a:endParaRPr/>
+            </a:p>
+          </p:txBody>
+        </p:sp>
+        <p:sp>
+          <p:nvSpPr>
+            <p:cNvPr id="35" name="Google Shape;35;p5"/>
+            <p:cNvSpPr/>
+            <p:nvPr/>
+          </p:nvSpPr>
+          <p:spPr>
+            <a:xfrm rot="-5400000">
+              <a:off x="4836311" y="2333254"/>
+              <a:ext cx="25200" cy="536700"/>
+            </a:xfrm>
+            <a:prstGeom prst="rect">
+              <a:avLst/>
+            </a:prstGeom>
+            <a:solidFill>
+              <a:schemeClr val="dk1"/>
+            </a:solidFill>
+            <a:ln>
+              <a:noFill/>
+            </a:ln>
+          </p:spPr>
+          <p:txBody>
+            <a:bodyPr anchorCtr="0" anchor="ctr" bIns="91425" lIns="91425" spcFirstLastPara="1" rIns="91425" wrap="square" tIns="91425">
+              <a:noAutofit/>
+            </a:bodyPr>
+            <a:lstStyle/>
+            <a:p>
+              <a:pPr indent="0" lvl="0" marL="0" rtl="0" algn="l">
+                <a:spcBef>
+                  <a:spcPts val="0"/>
+                </a:spcBef>
+                <a:spcAft>
+                  <a:spcPts val="0"/>
+                </a:spcAft>
+                <a:buNone/>
+              </a:pPr>
+              <a:r>
+                <a:t/>
+              </a:r>
+              <a:endParaRPr/>
+            </a:p>
+          </p:txBody>
+        </p:sp>
+      </p:grpSp>
+      <p:sp>
+        <p:nvSpPr>
+          <p:cNvPr id="36" name="Google Shape;36;p5"/>
           <p:cNvSpPr txBox="1"/>
           <p:nvPr>
             <p:ph type="title"/>
@@ -3228,8 +4160,8 @@
         </p:nvSpPr>
         <p:spPr>
           <a:xfrm>
-            <a:off x="311700" y="445025"/>
-            <a:ext cx="8520600" cy="572700"/>
+            <a:off x="729450" y="1318650"/>
+            <a:ext cx="7688400" cy="535200"/>
           </a:xfrm>
           <a:prstGeom prst="rect">
             <a:avLst/>
@@ -3247,9 +4179,9 @@
               <a:spcAft>
                 <a:spcPts val="0"/>
               </a:spcAft>
-              <a:buSzPts val="2800"/>
-              <a:buNone/>
-              <a:defRPr/>
+              <a:buSzPts val="2600"/>
+              <a:buNone/>
+              <a:defRPr sz="2600"/>
             </a:lvl1pPr>
             <a:lvl2pPr lvl="1">
               <a:spcBef>
@@ -3258,9 +4190,9 @@
               <a:spcAft>
                 <a:spcPts val="0"/>
               </a:spcAft>
-              <a:buSzPts val="2800"/>
-              <a:buNone/>
-              <a:defRPr/>
+              <a:buSzPts val="2600"/>
+              <a:buNone/>
+              <a:defRPr sz="2600"/>
             </a:lvl2pPr>
             <a:lvl3pPr lvl="2">
               <a:spcBef>
@@ -3269,9 +4201,9 @@
               <a:spcAft>
                 <a:spcPts val="0"/>
               </a:spcAft>
-              <a:buSzPts val="2800"/>
-              <a:buNone/>
-              <a:defRPr/>
+              <a:buSzPts val="2600"/>
+              <a:buNone/>
+              <a:defRPr sz="2600"/>
             </a:lvl3pPr>
             <a:lvl4pPr lvl="3">
               <a:spcBef>
@@ -3280,9 +4212,9 @@
               <a:spcAft>
                 <a:spcPts val="0"/>
               </a:spcAft>
-              <a:buSzPts val="2800"/>
-              <a:buNone/>
-              <a:defRPr/>
+              <a:buSzPts val="2600"/>
+              <a:buNone/>
+              <a:defRPr sz="2600"/>
             </a:lvl4pPr>
             <a:lvl5pPr lvl="4">
               <a:spcBef>
@@ -3291,9 +4223,9 @@
               <a:spcAft>
                 <a:spcPts val="0"/>
               </a:spcAft>
-              <a:buSzPts val="2800"/>
-              <a:buNone/>
-              <a:defRPr/>
+              <a:buSzPts val="2600"/>
+              <a:buNone/>
+              <a:defRPr sz="2600"/>
             </a:lvl5pPr>
             <a:lvl6pPr lvl="5">
               <a:spcBef>
@@ -3302,9 +4234,9 @@
               <a:spcAft>
                 <a:spcPts val="0"/>
               </a:spcAft>
-              <a:buSzPts val="2800"/>
-              <a:buNone/>
-              <a:defRPr/>
+              <a:buSzPts val="2600"/>
+              <a:buNone/>
+              <a:defRPr sz="2600"/>
             </a:lvl6pPr>
             <a:lvl7pPr lvl="6">
               <a:spcBef>
@@ -3313,9 +4245,9 @@
               <a:spcAft>
                 <a:spcPts val="0"/>
               </a:spcAft>
-              <a:buSzPts val="2800"/>
-              <a:buNone/>
-              <a:defRPr/>
+              <a:buSzPts val="2600"/>
+              <a:buNone/>
+              <a:defRPr sz="2600"/>
             </a:lvl7pPr>
             <a:lvl8pPr lvl="7">
               <a:spcBef>
@@ -3324,9 +4256,9 @@
               <a:spcAft>
                 <a:spcPts val="0"/>
               </a:spcAft>
-              <a:buSzPts val="2800"/>
-              <a:buNone/>
-              <a:defRPr/>
+              <a:buSzPts val="2600"/>
+              <a:buNone/>
+              <a:defRPr sz="2600"/>
             </a:lvl8pPr>
             <a:lvl9pPr lvl="8">
               <a:spcBef>
@@ -3335,9 +4267,9 @@
               <a:spcAft>
                 <a:spcPts val="0"/>
               </a:spcAft>
-              <a:buSzPts val="2800"/>
-              <a:buNone/>
-              <a:defRPr/>
+              <a:buSzPts val="2600"/>
+              <a:buNone/>
+              <a:defRPr sz="2600"/>
             </a:lvl9pPr>
           </a:lstStyle>
           <a:p/>
@@ -3345,7 +4277,7 @@
       </p:sp>
       <p:sp>
         <p:nvSpPr>
-          <p:cNvPr id="22" name="Google Shape;22;p5"/>
+          <p:cNvPr id="37" name="Google Shape;37;p5"/>
           <p:cNvSpPr txBox="1"/>
           <p:nvPr>
             <p:ph idx="1" type="body"/>
@@ -3353,8 +4285,8 @@
         </p:nvSpPr>
         <p:spPr>
           <a:xfrm>
-            <a:off x="311700" y="1152475"/>
-            <a:ext cx="3999900" cy="3416400"/>
+            <a:off x="729325" y="2078875"/>
+            <a:ext cx="3774300" cy="2261100"/>
           </a:xfrm>
           <a:prstGeom prst="rect">
             <a:avLst/>
@@ -3365,104 +4297,104 @@
             <a:normAutofit/>
           </a:bodyPr>
           <a:lstStyle>
-            <a:lvl1pPr indent="-317500" lvl="0" marL="457200">
-              <a:spcBef>
-                <a:spcPts val="0"/>
-              </a:spcBef>
-              <a:spcAft>
-                <a:spcPts val="0"/>
-              </a:spcAft>
-              <a:buSzPts val="1400"/>
+            <a:lvl1pPr indent="-311150" lvl="0" marL="457200">
+              <a:spcBef>
+                <a:spcPts val="0"/>
+              </a:spcBef>
+              <a:spcAft>
+                <a:spcPts val="0"/>
+              </a:spcAft>
+              <a:buSzPts val="1300"/>
               <a:buChar char="●"/>
-              <a:defRPr sz="1400"/>
+              <a:defRPr/>
             </a:lvl1pPr>
-            <a:lvl2pPr indent="-304800" lvl="1" marL="914400">
-              <a:spcBef>
-                <a:spcPts val="0"/>
-              </a:spcBef>
-              <a:spcAft>
-                <a:spcPts val="0"/>
-              </a:spcAft>
-              <a:buSzPts val="1200"/>
+            <a:lvl2pPr indent="-298450" lvl="1" marL="914400">
+              <a:spcBef>
+                <a:spcPts val="0"/>
+              </a:spcBef>
+              <a:spcAft>
+                <a:spcPts val="0"/>
+              </a:spcAft>
+              <a:buSzPts val="1100"/>
               <a:buChar char="○"/>
-              <a:defRPr sz="1200"/>
+              <a:defRPr/>
             </a:lvl2pPr>
-            <a:lvl3pPr indent="-304800" lvl="2" marL="1371600">
-              <a:spcBef>
-                <a:spcPts val="0"/>
-              </a:spcBef>
-              <a:spcAft>
-                <a:spcPts val="0"/>
-              </a:spcAft>
-              <a:buSzPts val="1200"/>
+            <a:lvl3pPr indent="-298450" lvl="2" marL="1371600">
+              <a:spcBef>
+                <a:spcPts val="0"/>
+              </a:spcBef>
+              <a:spcAft>
+                <a:spcPts val="0"/>
+              </a:spcAft>
+              <a:buSzPts val="1100"/>
               <a:buChar char="■"/>
-              <a:defRPr sz="1200"/>
+              <a:defRPr/>
             </a:lvl3pPr>
-            <a:lvl4pPr indent="-304800" lvl="3" marL="1828800">
-              <a:spcBef>
-                <a:spcPts val="0"/>
-              </a:spcBef>
-              <a:spcAft>
-                <a:spcPts val="0"/>
-              </a:spcAft>
-              <a:buSzPts val="1200"/>
+            <a:lvl4pPr indent="-298450" lvl="3" marL="1828800">
+              <a:spcBef>
+                <a:spcPts val="0"/>
+              </a:spcBef>
+              <a:spcAft>
+                <a:spcPts val="0"/>
+              </a:spcAft>
+              <a:buSzPts val="1100"/>
               <a:buChar char="●"/>
-              <a:defRPr sz="1200"/>
+              <a:defRPr/>
             </a:lvl4pPr>
-            <a:lvl5pPr indent="-304800" lvl="4" marL="2286000">
-              <a:spcBef>
-                <a:spcPts val="0"/>
-              </a:spcBef>
-              <a:spcAft>
-                <a:spcPts val="0"/>
-              </a:spcAft>
-              <a:buSzPts val="1200"/>
+            <a:lvl5pPr indent="-298450" lvl="4" marL="2286000">
+              <a:spcBef>
+                <a:spcPts val="0"/>
+              </a:spcBef>
+              <a:spcAft>
+                <a:spcPts val="0"/>
+              </a:spcAft>
+              <a:buSzPts val="1100"/>
               <a:buChar char="○"/>
-              <a:defRPr sz="1200"/>
+              <a:defRPr/>
             </a:lvl5pPr>
-            <a:lvl6pPr indent="-304800" lvl="5" marL="2743200">
-              <a:spcBef>
-                <a:spcPts val="0"/>
-              </a:spcBef>
-              <a:spcAft>
-                <a:spcPts val="0"/>
-              </a:spcAft>
-              <a:buSzPts val="1200"/>
+            <a:lvl6pPr indent="-298450" lvl="5" marL="2743200">
+              <a:spcBef>
+                <a:spcPts val="0"/>
+              </a:spcBef>
+              <a:spcAft>
+                <a:spcPts val="0"/>
+              </a:spcAft>
+              <a:buSzPts val="1100"/>
               <a:buChar char="■"/>
-              <a:defRPr sz="1200"/>
+              <a:defRPr/>
             </a:lvl6pPr>
-            <a:lvl7pPr indent="-304800" lvl="6" marL="3200400">
-              <a:spcBef>
-                <a:spcPts val="0"/>
-              </a:spcBef>
-              <a:spcAft>
-                <a:spcPts val="0"/>
-              </a:spcAft>
-              <a:buSzPts val="1200"/>
+            <a:lvl7pPr indent="-298450" lvl="6" marL="3200400">
+              <a:spcBef>
+                <a:spcPts val="0"/>
+              </a:spcBef>
+              <a:spcAft>
+                <a:spcPts val="0"/>
+              </a:spcAft>
+              <a:buSzPts val="1100"/>
               <a:buChar char="●"/>
-              <a:defRPr sz="1200"/>
+              <a:defRPr/>
             </a:lvl7pPr>
-            <a:lvl8pPr indent="-304800" lvl="7" marL="3657600">
-              <a:spcBef>
-                <a:spcPts val="0"/>
-              </a:spcBef>
-              <a:spcAft>
-                <a:spcPts val="0"/>
-              </a:spcAft>
-              <a:buSzPts val="1200"/>
+            <a:lvl8pPr indent="-298450" lvl="7" marL="3657600">
+              <a:spcBef>
+                <a:spcPts val="0"/>
+              </a:spcBef>
+              <a:spcAft>
+                <a:spcPts val="0"/>
+              </a:spcAft>
+              <a:buSzPts val="1100"/>
               <a:buChar char="○"/>
-              <a:defRPr sz="1200"/>
+              <a:defRPr/>
             </a:lvl8pPr>
-            <a:lvl9pPr indent="-304800" lvl="8" marL="4114800">
-              <a:spcBef>
-                <a:spcPts val="0"/>
-              </a:spcBef>
-              <a:spcAft>
-                <a:spcPts val="0"/>
-              </a:spcAft>
-              <a:buSzPts val="1200"/>
+            <a:lvl9pPr indent="-298450" lvl="8" marL="4114800">
+              <a:spcBef>
+                <a:spcPts val="0"/>
+              </a:spcBef>
+              <a:spcAft>
+                <a:spcPts val="0"/>
+              </a:spcAft>
+              <a:buSzPts val="1100"/>
               <a:buChar char="■"/>
-              <a:defRPr sz="1200"/>
+              <a:defRPr/>
             </a:lvl9pPr>
           </a:lstStyle>
           <a:p/>
@@ -3470,7 +4402,7 @@
       </p:sp>
       <p:sp>
         <p:nvSpPr>
-          <p:cNvPr id="23" name="Google Shape;23;p5"/>
+          <p:cNvPr id="38" name="Google Shape;38;p5"/>
           <p:cNvSpPr txBox="1"/>
           <p:nvPr>
             <p:ph idx="2" type="body"/>
@@ -3478,8 +4410,8 @@
         </p:nvSpPr>
         <p:spPr>
           <a:xfrm>
-            <a:off x="4832400" y="1152475"/>
-            <a:ext cx="3999900" cy="3416400"/>
+            <a:off x="4643604" y="2078875"/>
+            <a:ext cx="3774300" cy="2261100"/>
           </a:xfrm>
           <a:prstGeom prst="rect">
             <a:avLst/>
@@ -3490,104 +4422,104 @@
             <a:normAutofit/>
           </a:bodyPr>
           <a:lstStyle>
-            <a:lvl1pPr indent="-317500" lvl="0" marL="457200">
-              <a:spcBef>
-                <a:spcPts val="0"/>
-              </a:spcBef>
-              <a:spcAft>
-                <a:spcPts val="0"/>
-              </a:spcAft>
-              <a:buSzPts val="1400"/>
+            <a:lvl1pPr indent="-311150" lvl="0" marL="457200">
+              <a:spcBef>
+                <a:spcPts val="0"/>
+              </a:spcBef>
+              <a:spcAft>
+                <a:spcPts val="0"/>
+              </a:spcAft>
+              <a:buSzPts val="1300"/>
               <a:buChar char="●"/>
-              <a:defRPr sz="1400"/>
+              <a:defRPr/>
             </a:lvl1pPr>
-            <a:lvl2pPr indent="-304800" lvl="1" marL="914400">
-              <a:spcBef>
-                <a:spcPts val="0"/>
-              </a:spcBef>
-              <a:spcAft>
-                <a:spcPts val="0"/>
-              </a:spcAft>
-              <a:buSzPts val="1200"/>
+            <a:lvl2pPr indent="-298450" lvl="1" marL="914400">
+              <a:spcBef>
+                <a:spcPts val="0"/>
+              </a:spcBef>
+              <a:spcAft>
+                <a:spcPts val="0"/>
+              </a:spcAft>
+              <a:buSzPts val="1100"/>
               <a:buChar char="○"/>
-              <a:defRPr sz="1200"/>
+              <a:defRPr/>
             </a:lvl2pPr>
-            <a:lvl3pPr indent="-304800" lvl="2" marL="1371600">
-              <a:spcBef>
-                <a:spcPts val="0"/>
-              </a:spcBef>
-              <a:spcAft>
-                <a:spcPts val="0"/>
-              </a:spcAft>
-              <a:buSzPts val="1200"/>
+            <a:lvl3pPr indent="-298450" lvl="2" marL="1371600">
+              <a:spcBef>
+                <a:spcPts val="0"/>
+              </a:spcBef>
+              <a:spcAft>
+                <a:spcPts val="0"/>
+              </a:spcAft>
+              <a:buSzPts val="1100"/>
               <a:buChar char="■"/>
-              <a:defRPr sz="1200"/>
+              <a:defRPr/>
             </a:lvl3pPr>
-            <a:lvl4pPr indent="-304800" lvl="3" marL="1828800">
-              <a:spcBef>
-                <a:spcPts val="0"/>
-              </a:spcBef>
-              <a:spcAft>
-                <a:spcPts val="0"/>
-              </a:spcAft>
-              <a:buSzPts val="1200"/>
+            <a:lvl4pPr indent="-298450" lvl="3" marL="1828800">
+              <a:spcBef>
+                <a:spcPts val="0"/>
+              </a:spcBef>
+              <a:spcAft>
+                <a:spcPts val="0"/>
+              </a:spcAft>
+              <a:buSzPts val="1100"/>
               <a:buChar char="●"/>
-              <a:defRPr sz="1200"/>
+              <a:defRPr/>
             </a:lvl4pPr>
-            <a:lvl5pPr indent="-304800" lvl="4" marL="2286000">
-              <a:spcBef>
-                <a:spcPts val="0"/>
-              </a:spcBef>
-              <a:spcAft>
-                <a:spcPts val="0"/>
-              </a:spcAft>
-              <a:buSzPts val="1200"/>
+            <a:lvl5pPr indent="-298450" lvl="4" marL="2286000">
+              <a:spcBef>
+                <a:spcPts val="0"/>
+              </a:spcBef>
+              <a:spcAft>
+                <a:spcPts val="0"/>
+              </a:spcAft>
+              <a:buSzPts val="1100"/>
               <a:buChar char="○"/>
-              <a:defRPr sz="1200"/>
+              <a:defRPr/>
             </a:lvl5pPr>
-            <a:lvl6pPr indent="-304800" lvl="5" marL="2743200">
-              <a:spcBef>
-                <a:spcPts val="0"/>
-              </a:spcBef>
-              <a:spcAft>
-                <a:spcPts val="0"/>
-              </a:spcAft>
-              <a:buSzPts val="1200"/>
+            <a:lvl6pPr indent="-298450" lvl="5" marL="2743200">
+              <a:spcBef>
+                <a:spcPts val="0"/>
+              </a:spcBef>
+              <a:spcAft>
+                <a:spcPts val="0"/>
+              </a:spcAft>
+              <a:buSzPts val="1100"/>
               <a:buChar char="■"/>
-              <a:defRPr sz="1200"/>
+              <a:defRPr/>
             </a:lvl6pPr>
-            <a:lvl7pPr indent="-304800" lvl="6" marL="3200400">
-              <a:spcBef>
-                <a:spcPts val="0"/>
-              </a:spcBef>
-              <a:spcAft>
-                <a:spcPts val="0"/>
-              </a:spcAft>
-              <a:buSzPts val="1200"/>
+            <a:lvl7pPr indent="-298450" lvl="6" marL="3200400">
+              <a:spcBef>
+                <a:spcPts val="0"/>
+              </a:spcBef>
+              <a:spcAft>
+                <a:spcPts val="0"/>
+              </a:spcAft>
+              <a:buSzPts val="1100"/>
               <a:buChar char="●"/>
-              <a:defRPr sz="1200"/>
+              <a:defRPr/>
             </a:lvl7pPr>
-            <a:lvl8pPr indent="-304800" lvl="7" marL="3657600">
-              <a:spcBef>
-                <a:spcPts val="0"/>
-              </a:spcBef>
-              <a:spcAft>
-                <a:spcPts val="0"/>
-              </a:spcAft>
-              <a:buSzPts val="1200"/>
+            <a:lvl8pPr indent="-298450" lvl="7" marL="3657600">
+              <a:spcBef>
+                <a:spcPts val="0"/>
+              </a:spcBef>
+              <a:spcAft>
+                <a:spcPts val="0"/>
+              </a:spcAft>
+              <a:buSzPts val="1100"/>
               <a:buChar char="○"/>
-              <a:defRPr sz="1200"/>
+              <a:defRPr/>
             </a:lvl8pPr>
-            <a:lvl9pPr indent="-304800" lvl="8" marL="4114800">
-              <a:spcBef>
-                <a:spcPts val="0"/>
-              </a:spcBef>
-              <a:spcAft>
-                <a:spcPts val="0"/>
-              </a:spcAft>
-              <a:buSzPts val="1200"/>
+            <a:lvl9pPr indent="-298450" lvl="8" marL="4114800">
+              <a:spcBef>
+                <a:spcPts val="0"/>
+              </a:spcBef>
+              <a:spcAft>
+                <a:spcPts val="0"/>
+              </a:spcAft>
+              <a:buSzPts val="1100"/>
               <a:buChar char="■"/>
-              <a:defRPr sz="1200"/>
+              <a:defRPr/>
             </a:lvl9pPr>
           </a:lstStyle>
           <a:p/>
@@ -3595,7 +4527,7 @@
       </p:sp>
       <p:sp>
         <p:nvSpPr>
-          <p:cNvPr id="24" name="Google Shape;24;p5"/>
+          <p:cNvPr id="39" name="Google Shape;39;p5"/>
           <p:cNvSpPr txBox="1"/>
           <p:nvPr>
             <p:ph idx="12" type="sldNum"/>
@@ -3603,7 +4535,7 @@
         </p:nvSpPr>
         <p:spPr>
           <a:xfrm>
-            <a:off x="8472458" y="4663217"/>
+            <a:off x="8536302" y="4749851"/>
             <a:ext cx="548700" cy="393600"/>
           </a:xfrm>
           <a:prstGeom prst="rect">
@@ -3683,7 +4615,7 @@
   <p:cSld name="TITLE_ONLY">
     <p:spTree>
       <p:nvGrpSpPr>
-        <p:cNvPr id="25" name="Shape 25"/>
+        <p:cNvPr id="40" name="Shape 40"/>
         <p:cNvGrpSpPr/>
         <p:nvPr/>
       </p:nvGrpSpPr>
@@ -3697,7 +4629,151 @@
       </p:grpSpPr>
       <p:sp>
         <p:nvSpPr>
-          <p:cNvPr id="26" name="Google Shape;26;p6"/>
+          <p:cNvPr id="41" name="Google Shape;41;p6"/>
+          <p:cNvSpPr/>
+          <p:nvPr/>
+        </p:nvSpPr>
+        <p:spPr>
+          <a:xfrm>
+            <a:off x="0" y="0"/>
+            <a:ext cx="9144000" cy="487800"/>
+          </a:xfrm>
+          <a:prstGeom prst="rect">
+            <a:avLst/>
+          </a:prstGeom>
+          <a:solidFill>
+            <a:schemeClr val="lt2"/>
+          </a:solidFill>
+          <a:ln>
+            <a:noFill/>
+          </a:ln>
+        </p:spPr>
+        <p:txBody>
+          <a:bodyPr anchorCtr="0" anchor="ctr" bIns="91425" lIns="91425" spcFirstLastPara="1" rIns="91425" wrap="square" tIns="91425">
+            <a:noAutofit/>
+          </a:bodyPr>
+          <a:lstStyle/>
+          <a:p>
+            <a:pPr indent="0" lvl="0" marL="0" rtl="0" algn="l">
+              <a:spcBef>
+                <a:spcPts val="0"/>
+              </a:spcBef>
+              <a:spcAft>
+                <a:spcPts val="0"/>
+              </a:spcAft>
+              <a:buNone/>
+            </a:pPr>
+            <a:r>
+              <a:t/>
+            </a:r>
+            <a:endParaRPr/>
+          </a:p>
+        </p:txBody>
+      </p:sp>
+      <p:grpSp>
+        <p:nvGrpSpPr>
+          <p:cNvPr id="42" name="Google Shape;42;p6"/>
+          <p:cNvGrpSpPr/>
+          <p:nvPr/>
+        </p:nvGrpSpPr>
+        <p:grpSpPr>
+          <a:xfrm>
+            <a:off x="830392" y="1191256"/>
+            <a:ext cx="745763" cy="45826"/>
+            <a:chOff x="4580561" y="2589004"/>
+            <a:chExt cx="1064464" cy="25200"/>
+          </a:xfrm>
+        </p:grpSpPr>
+        <p:sp>
+          <p:nvSpPr>
+            <p:cNvPr id="43" name="Google Shape;43;p6"/>
+            <p:cNvSpPr/>
+            <p:nvPr/>
+          </p:nvSpPr>
+          <p:spPr>
+            <a:xfrm rot="-5400000">
+              <a:off x="5366325" y="2335504"/>
+              <a:ext cx="25200" cy="532200"/>
+            </a:xfrm>
+            <a:prstGeom prst="rect">
+              <a:avLst/>
+            </a:prstGeom>
+            <a:solidFill>
+              <a:schemeClr val="accent3"/>
+            </a:solidFill>
+            <a:ln>
+              <a:noFill/>
+            </a:ln>
+          </p:spPr>
+          <p:txBody>
+            <a:bodyPr anchorCtr="0" anchor="ctr" bIns="91425" lIns="91425" spcFirstLastPara="1" rIns="91425" wrap="square" tIns="91425">
+              <a:noAutofit/>
+            </a:bodyPr>
+            <a:lstStyle/>
+            <a:p>
+              <a:pPr indent="0" lvl="0" marL="0" rtl="0" algn="l">
+                <a:spcBef>
+                  <a:spcPts val="0"/>
+                </a:spcBef>
+                <a:spcAft>
+                  <a:spcPts val="0"/>
+                </a:spcAft>
+                <a:buNone/>
+              </a:pPr>
+              <a:r>
+                <a:t/>
+              </a:r>
+              <a:endParaRPr/>
+            </a:p>
+          </p:txBody>
+        </p:sp>
+        <p:sp>
+          <p:nvSpPr>
+            <p:cNvPr id="44" name="Google Shape;44;p6"/>
+            <p:cNvSpPr/>
+            <p:nvPr/>
+          </p:nvSpPr>
+          <p:spPr>
+            <a:xfrm rot="-5400000">
+              <a:off x="4836311" y="2333254"/>
+              <a:ext cx="25200" cy="536700"/>
+            </a:xfrm>
+            <a:prstGeom prst="rect">
+              <a:avLst/>
+            </a:prstGeom>
+            <a:solidFill>
+              <a:schemeClr val="dk1"/>
+            </a:solidFill>
+            <a:ln>
+              <a:noFill/>
+            </a:ln>
+          </p:spPr>
+          <p:txBody>
+            <a:bodyPr anchorCtr="0" anchor="ctr" bIns="91425" lIns="91425" spcFirstLastPara="1" rIns="91425" wrap="square" tIns="91425">
+              <a:noAutofit/>
+            </a:bodyPr>
+            <a:lstStyle/>
+            <a:p>
+              <a:pPr indent="0" lvl="0" marL="0" rtl="0" algn="l">
+                <a:spcBef>
+                  <a:spcPts val="0"/>
+                </a:spcBef>
+                <a:spcAft>
+                  <a:spcPts val="0"/>
+                </a:spcAft>
+                <a:buNone/>
+              </a:pPr>
+              <a:r>
+                <a:t/>
+              </a:r>
+              <a:endParaRPr/>
+            </a:p>
+          </p:txBody>
+        </p:sp>
+      </p:grpSp>
+      <p:sp>
+        <p:nvSpPr>
+          <p:cNvPr id="45" name="Google Shape;45;p6"/>
           <p:cNvSpPr txBox="1"/>
           <p:nvPr>
             <p:ph type="title"/>
@@ -3705,8 +4781,8 @@
         </p:nvSpPr>
         <p:spPr>
           <a:xfrm>
-            <a:off x="311700" y="445025"/>
-            <a:ext cx="8520600" cy="572700"/>
+            <a:off x="729450" y="1318650"/>
+            <a:ext cx="7688400" cy="535200"/>
           </a:xfrm>
           <a:prstGeom prst="rect">
             <a:avLst/>
@@ -3724,9 +4800,9 @@
               <a:spcAft>
                 <a:spcPts val="0"/>
               </a:spcAft>
-              <a:buSzPts val="2800"/>
-              <a:buNone/>
-              <a:defRPr/>
+              <a:buSzPts val="2600"/>
+              <a:buNone/>
+              <a:defRPr sz="2600"/>
             </a:lvl1pPr>
             <a:lvl2pPr lvl="1">
               <a:spcBef>
@@ -3735,9 +4811,9 @@
               <a:spcAft>
                 <a:spcPts val="0"/>
               </a:spcAft>
-              <a:buSzPts val="2800"/>
-              <a:buNone/>
-              <a:defRPr/>
+              <a:buSzPts val="2600"/>
+              <a:buNone/>
+              <a:defRPr sz="2600"/>
             </a:lvl2pPr>
             <a:lvl3pPr lvl="2">
               <a:spcBef>
@@ -3746,9 +4822,9 @@
               <a:spcAft>
                 <a:spcPts val="0"/>
               </a:spcAft>
-              <a:buSzPts val="2800"/>
-              <a:buNone/>
-              <a:defRPr/>
+              <a:buSzPts val="2600"/>
+              <a:buNone/>
+              <a:defRPr sz="2600"/>
             </a:lvl3pPr>
             <a:lvl4pPr lvl="3">
               <a:spcBef>
@@ -3757,9 +4833,9 @@
               <a:spcAft>
                 <a:spcPts val="0"/>
               </a:spcAft>
-              <a:buSzPts val="2800"/>
-              <a:buNone/>
-              <a:defRPr/>
+              <a:buSzPts val="2600"/>
+              <a:buNone/>
+              <a:defRPr sz="2600"/>
             </a:lvl4pPr>
             <a:lvl5pPr lvl="4">
               <a:spcBef>
@@ -3768,9 +4844,9 @@
               <a:spcAft>
                 <a:spcPts val="0"/>
               </a:spcAft>
-              <a:buSzPts val="2800"/>
-              <a:buNone/>
-              <a:defRPr/>
+              <a:buSzPts val="2600"/>
+              <a:buNone/>
+              <a:defRPr sz="2600"/>
             </a:lvl5pPr>
             <a:lvl6pPr lvl="5">
               <a:spcBef>
@@ -3779,9 +4855,9 @@
               <a:spcAft>
                 <a:spcPts val="0"/>
               </a:spcAft>
-              <a:buSzPts val="2800"/>
-              <a:buNone/>
-              <a:defRPr/>
+              <a:buSzPts val="2600"/>
+              <a:buNone/>
+              <a:defRPr sz="2600"/>
             </a:lvl6pPr>
             <a:lvl7pPr lvl="6">
               <a:spcBef>
@@ -3790,9 +4866,9 @@
               <a:spcAft>
                 <a:spcPts val="0"/>
               </a:spcAft>
-              <a:buSzPts val="2800"/>
-              <a:buNone/>
-              <a:defRPr/>
+              <a:buSzPts val="2600"/>
+              <a:buNone/>
+              <a:defRPr sz="2600"/>
             </a:lvl7pPr>
             <a:lvl8pPr lvl="7">
               <a:spcBef>
@@ -3801,9 +4877,9 @@
               <a:spcAft>
                 <a:spcPts val="0"/>
               </a:spcAft>
-              <a:buSzPts val="2800"/>
-              <a:buNone/>
-              <a:defRPr/>
+              <a:buSzPts val="2600"/>
+              <a:buNone/>
+              <a:defRPr sz="2600"/>
             </a:lvl8pPr>
             <a:lvl9pPr lvl="8">
               <a:spcBef>
@@ -3812,9 +4888,9 @@
               <a:spcAft>
                 <a:spcPts val="0"/>
               </a:spcAft>
-              <a:buSzPts val="2800"/>
-              <a:buNone/>
-              <a:defRPr/>
+              <a:buSzPts val="2600"/>
+              <a:buNone/>
+              <a:defRPr sz="2600"/>
             </a:lvl9pPr>
           </a:lstStyle>
           <a:p/>
@@ -3822,7 +4898,7 @@
       </p:sp>
       <p:sp>
         <p:nvSpPr>
-          <p:cNvPr id="27" name="Google Shape;27;p6"/>
+          <p:cNvPr id="46" name="Google Shape;46;p6"/>
           <p:cNvSpPr txBox="1"/>
           <p:nvPr>
             <p:ph idx="12" type="sldNum"/>
@@ -3830,7 +4906,7 @@
         </p:nvSpPr>
         <p:spPr>
           <a:xfrm>
-            <a:off x="8472458" y="4663217"/>
+            <a:off x="8536302" y="4749851"/>
             <a:ext cx="548700" cy="393600"/>
           </a:xfrm>
           <a:prstGeom prst="rect">
@@ -3910,7 +4986,7 @@
   <p:cSld name="ONE_COLUMN_TEXT">
     <p:spTree>
       <p:nvGrpSpPr>
-        <p:cNvPr id="28" name="Shape 28"/>
+        <p:cNvPr id="47" name="Shape 47"/>
         <p:cNvGrpSpPr/>
         <p:nvPr/>
       </p:nvGrpSpPr>
@@ -3924,7 +5000,151 @@
       </p:grpSpPr>
       <p:sp>
         <p:nvSpPr>
-          <p:cNvPr id="29" name="Google Shape;29;p7"/>
+          <p:cNvPr id="48" name="Google Shape;48;p7"/>
+          <p:cNvSpPr/>
+          <p:nvPr/>
+        </p:nvSpPr>
+        <p:spPr>
+          <a:xfrm>
+            <a:off x="0" y="0"/>
+            <a:ext cx="9144000" cy="487800"/>
+          </a:xfrm>
+          <a:prstGeom prst="rect">
+            <a:avLst/>
+          </a:prstGeom>
+          <a:solidFill>
+            <a:schemeClr val="lt2"/>
+          </a:solidFill>
+          <a:ln>
+            <a:noFill/>
+          </a:ln>
+        </p:spPr>
+        <p:txBody>
+          <a:bodyPr anchorCtr="0" anchor="ctr" bIns="91425" lIns="91425" spcFirstLastPara="1" rIns="91425" wrap="square" tIns="91425">
+            <a:noAutofit/>
+          </a:bodyPr>
+          <a:lstStyle/>
+          <a:p>
+            <a:pPr indent="0" lvl="0" marL="0" rtl="0" algn="l">
+              <a:spcBef>
+                <a:spcPts val="0"/>
+              </a:spcBef>
+              <a:spcAft>
+                <a:spcPts val="0"/>
+              </a:spcAft>
+              <a:buNone/>
+            </a:pPr>
+            <a:r>
+              <a:t/>
+            </a:r>
+            <a:endParaRPr/>
+          </a:p>
+        </p:txBody>
+      </p:sp>
+      <p:grpSp>
+        <p:nvGrpSpPr>
+          <p:cNvPr id="49" name="Google Shape;49;p7"/>
+          <p:cNvGrpSpPr/>
+          <p:nvPr/>
+        </p:nvGrpSpPr>
+        <p:grpSpPr>
+          <a:xfrm>
+            <a:off x="830392" y="1191256"/>
+            <a:ext cx="745763" cy="45826"/>
+            <a:chOff x="4580561" y="2589004"/>
+            <a:chExt cx="1064464" cy="25200"/>
+          </a:xfrm>
+        </p:grpSpPr>
+        <p:sp>
+          <p:nvSpPr>
+            <p:cNvPr id="50" name="Google Shape;50;p7"/>
+            <p:cNvSpPr/>
+            <p:nvPr/>
+          </p:nvSpPr>
+          <p:spPr>
+            <a:xfrm rot="-5400000">
+              <a:off x="5366325" y="2335504"/>
+              <a:ext cx="25200" cy="532200"/>
+            </a:xfrm>
+            <a:prstGeom prst="rect">
+              <a:avLst/>
+            </a:prstGeom>
+            <a:solidFill>
+              <a:schemeClr val="accent3"/>
+            </a:solidFill>
+            <a:ln>
+              <a:noFill/>
+            </a:ln>
+          </p:spPr>
+          <p:txBody>
+            <a:bodyPr anchorCtr="0" anchor="ctr" bIns="91425" lIns="91425" spcFirstLastPara="1" rIns="91425" wrap="square" tIns="91425">
+              <a:noAutofit/>
+            </a:bodyPr>
+            <a:lstStyle/>
+            <a:p>
+              <a:pPr indent="0" lvl="0" marL="0" rtl="0" algn="l">
+                <a:spcBef>
+                  <a:spcPts val="0"/>
+                </a:spcBef>
+                <a:spcAft>
+                  <a:spcPts val="0"/>
+                </a:spcAft>
+                <a:buNone/>
+              </a:pPr>
+              <a:r>
+                <a:t/>
+              </a:r>
+              <a:endParaRPr/>
+            </a:p>
+          </p:txBody>
+        </p:sp>
+        <p:sp>
+          <p:nvSpPr>
+            <p:cNvPr id="51" name="Google Shape;51;p7"/>
+            <p:cNvSpPr/>
+            <p:nvPr/>
+          </p:nvSpPr>
+          <p:spPr>
+            <a:xfrm rot="-5400000">
+              <a:off x="4836311" y="2333254"/>
+              <a:ext cx="25200" cy="536700"/>
+            </a:xfrm>
+            <a:prstGeom prst="rect">
+              <a:avLst/>
+            </a:prstGeom>
+            <a:solidFill>
+              <a:schemeClr val="dk1"/>
+            </a:solidFill>
+            <a:ln>
+              <a:noFill/>
+            </a:ln>
+          </p:spPr>
+          <p:txBody>
+            <a:bodyPr anchorCtr="0" anchor="ctr" bIns="91425" lIns="91425" spcFirstLastPara="1" rIns="91425" wrap="square" tIns="91425">
+              <a:noAutofit/>
+            </a:bodyPr>
+            <a:lstStyle/>
+            <a:p>
+              <a:pPr indent="0" lvl="0" marL="0" rtl="0" algn="l">
+                <a:spcBef>
+                  <a:spcPts val="0"/>
+                </a:spcBef>
+                <a:spcAft>
+                  <a:spcPts val="0"/>
+                </a:spcAft>
+                <a:buNone/>
+              </a:pPr>
+              <a:r>
+                <a:t/>
+              </a:r>
+              <a:endParaRPr/>
+            </a:p>
+          </p:txBody>
+        </p:sp>
+      </p:grpSp>
+      <p:sp>
+        <p:nvSpPr>
+          <p:cNvPr id="52" name="Google Shape;52;p7"/>
           <p:cNvSpPr txBox="1"/>
           <p:nvPr>
             <p:ph type="title"/>
@@ -3932,133 +5152,8 @@
         </p:nvSpPr>
         <p:spPr>
           <a:xfrm>
-            <a:off x="311700" y="555600"/>
-            <a:ext cx="2808000" cy="755700"/>
-          </a:xfrm>
-          <a:prstGeom prst="rect">
-            <a:avLst/>
-          </a:prstGeom>
-        </p:spPr>
-        <p:txBody>
-          <a:bodyPr anchorCtr="0" anchor="b" bIns="91425" lIns="91425" spcFirstLastPara="1" rIns="91425" wrap="square" tIns="91425">
-            <a:normAutofit/>
-          </a:bodyPr>
-          <a:lstStyle>
-            <a:lvl1pPr lvl="0">
-              <a:spcBef>
-                <a:spcPts val="0"/>
-              </a:spcBef>
-              <a:spcAft>
-                <a:spcPts val="0"/>
-              </a:spcAft>
-              <a:buSzPts val="2400"/>
-              <a:buNone/>
-              <a:defRPr sz="2400"/>
-            </a:lvl1pPr>
-            <a:lvl2pPr lvl="1">
-              <a:spcBef>
-                <a:spcPts val="0"/>
-              </a:spcBef>
-              <a:spcAft>
-                <a:spcPts val="0"/>
-              </a:spcAft>
-              <a:buSzPts val="2400"/>
-              <a:buNone/>
-              <a:defRPr sz="2400"/>
-            </a:lvl2pPr>
-            <a:lvl3pPr lvl="2">
-              <a:spcBef>
-                <a:spcPts val="0"/>
-              </a:spcBef>
-              <a:spcAft>
-                <a:spcPts val="0"/>
-              </a:spcAft>
-              <a:buSzPts val="2400"/>
-              <a:buNone/>
-              <a:defRPr sz="2400"/>
-            </a:lvl3pPr>
-            <a:lvl4pPr lvl="3">
-              <a:spcBef>
-                <a:spcPts val="0"/>
-              </a:spcBef>
-              <a:spcAft>
-                <a:spcPts val="0"/>
-              </a:spcAft>
-              <a:buSzPts val="2400"/>
-              <a:buNone/>
-              <a:defRPr sz="2400"/>
-            </a:lvl4pPr>
-            <a:lvl5pPr lvl="4">
-              <a:spcBef>
-                <a:spcPts val="0"/>
-              </a:spcBef>
-              <a:spcAft>
-                <a:spcPts val="0"/>
-              </a:spcAft>
-              <a:buSzPts val="2400"/>
-              <a:buNone/>
-              <a:defRPr sz="2400"/>
-            </a:lvl5pPr>
-            <a:lvl6pPr lvl="5">
-              <a:spcBef>
-                <a:spcPts val="0"/>
-              </a:spcBef>
-              <a:spcAft>
-                <a:spcPts val="0"/>
-              </a:spcAft>
-              <a:buSzPts val="2400"/>
-              <a:buNone/>
-              <a:defRPr sz="2400"/>
-            </a:lvl6pPr>
-            <a:lvl7pPr lvl="6">
-              <a:spcBef>
-                <a:spcPts val="0"/>
-              </a:spcBef>
-              <a:spcAft>
-                <a:spcPts val="0"/>
-              </a:spcAft>
-              <a:buSzPts val="2400"/>
-              <a:buNone/>
-              <a:defRPr sz="2400"/>
-            </a:lvl7pPr>
-            <a:lvl8pPr lvl="7">
-              <a:spcBef>
-                <a:spcPts val="0"/>
-              </a:spcBef>
-              <a:spcAft>
-                <a:spcPts val="0"/>
-              </a:spcAft>
-              <a:buSzPts val="2400"/>
-              <a:buNone/>
-              <a:defRPr sz="2400"/>
-            </a:lvl8pPr>
-            <a:lvl9pPr lvl="8">
-              <a:spcBef>
-                <a:spcPts val="0"/>
-              </a:spcBef>
-              <a:spcAft>
-                <a:spcPts val="0"/>
-              </a:spcAft>
-              <a:buSzPts val="2400"/>
-              <a:buNone/>
-              <a:defRPr sz="2400"/>
-            </a:lvl9pPr>
-          </a:lstStyle>
-          <a:p/>
-        </p:txBody>
-      </p:sp>
-      <p:sp>
-        <p:nvSpPr>
-          <p:cNvPr id="30" name="Google Shape;30;p7"/>
-          <p:cNvSpPr txBox="1"/>
-          <p:nvPr>
-            <p:ph idx="1" type="body"/>
-          </p:nvPr>
-        </p:nvSpPr>
-        <p:spPr>
-          <a:xfrm>
-            <a:off x="311700" y="1389600"/>
-            <a:ext cx="2808000" cy="3179400"/>
+            <a:off x="730000" y="1318650"/>
+            <a:ext cx="3300900" cy="1381500"/>
           </a:xfrm>
           <a:prstGeom prst="rect">
             <a:avLst/>
@@ -4069,104 +5164,104 @@
             <a:normAutofit/>
           </a:bodyPr>
           <a:lstStyle>
-            <a:lvl1pPr indent="-304800" lvl="0" marL="457200">
-              <a:spcBef>
-                <a:spcPts val="0"/>
-              </a:spcBef>
-              <a:spcAft>
-                <a:spcPts val="0"/>
-              </a:spcAft>
-              <a:buSzPts val="1200"/>
-              <a:buChar char="●"/>
-              <a:defRPr sz="1200"/>
+            <a:lvl1pPr lvl="0">
+              <a:spcBef>
+                <a:spcPts val="0"/>
+              </a:spcBef>
+              <a:spcAft>
+                <a:spcPts val="0"/>
+              </a:spcAft>
+              <a:buSzPts val="2600"/>
+              <a:buNone/>
+              <a:defRPr sz="2600"/>
             </a:lvl1pPr>
-            <a:lvl2pPr indent="-304800" lvl="1" marL="914400">
-              <a:spcBef>
-                <a:spcPts val="0"/>
-              </a:spcBef>
-              <a:spcAft>
-                <a:spcPts val="0"/>
-              </a:spcAft>
-              <a:buSzPts val="1200"/>
-              <a:buChar char="○"/>
-              <a:defRPr sz="1200"/>
+            <a:lvl2pPr lvl="1">
+              <a:spcBef>
+                <a:spcPts val="0"/>
+              </a:spcBef>
+              <a:spcAft>
+                <a:spcPts val="0"/>
+              </a:spcAft>
+              <a:buSzPts val="2600"/>
+              <a:buNone/>
+              <a:defRPr sz="2600"/>
             </a:lvl2pPr>
-            <a:lvl3pPr indent="-304800" lvl="2" marL="1371600">
-              <a:spcBef>
-                <a:spcPts val="0"/>
-              </a:spcBef>
-              <a:spcAft>
-                <a:spcPts val="0"/>
-              </a:spcAft>
-              <a:buSzPts val="1200"/>
-              <a:buChar char="■"/>
-              <a:defRPr sz="1200"/>
+            <a:lvl3pPr lvl="2">
+              <a:spcBef>
+                <a:spcPts val="0"/>
+              </a:spcBef>
+              <a:spcAft>
+                <a:spcPts val="0"/>
+              </a:spcAft>
+              <a:buSzPts val="2600"/>
+              <a:buNone/>
+              <a:defRPr sz="2600"/>
             </a:lvl3pPr>
-            <a:lvl4pPr indent="-304800" lvl="3" marL="1828800">
-              <a:spcBef>
-                <a:spcPts val="0"/>
-              </a:spcBef>
-              <a:spcAft>
-                <a:spcPts val="0"/>
-              </a:spcAft>
-              <a:buSzPts val="1200"/>
-              <a:buChar char="●"/>
-              <a:defRPr sz="1200"/>
+            <a:lvl4pPr lvl="3">
+              <a:spcBef>
+                <a:spcPts val="0"/>
+              </a:spcBef>
+              <a:spcAft>
+                <a:spcPts val="0"/>
+              </a:spcAft>
+              <a:buSzPts val="2600"/>
+              <a:buNone/>
+              <a:defRPr sz="2600"/>
             </a:lvl4pPr>
-            <a:lvl5pPr indent="-304800" lvl="4" marL="2286000">
-              <a:spcBef>
-                <a:spcPts val="0"/>
-              </a:spcBef>
-              <a:spcAft>
-                <a:spcPts val="0"/>
-              </a:spcAft>
-              <a:buSzPts val="1200"/>
-              <a:buChar char="○"/>
-              <a:defRPr sz="1200"/>
+            <a:lvl5pPr lvl="4">
+              <a:spcBef>
+                <a:spcPts val="0"/>
+              </a:spcBef>
+              <a:spcAft>
+                <a:spcPts val="0"/>
+              </a:spcAft>
+              <a:buSzPts val="2600"/>
+              <a:buNone/>
+              <a:defRPr sz="2600"/>
             </a:lvl5pPr>
-            <a:lvl6pPr indent="-304800" lvl="5" marL="2743200">
-              <a:spcBef>
-                <a:spcPts val="0"/>
-              </a:spcBef>
-              <a:spcAft>
-                <a:spcPts val="0"/>
-              </a:spcAft>
-              <a:buSzPts val="1200"/>
-              <a:buChar char="■"/>
-              <a:defRPr sz="1200"/>
+            <a:lvl6pPr lvl="5">
+              <a:spcBef>
+                <a:spcPts val="0"/>
+              </a:spcBef>
+              <a:spcAft>
+                <a:spcPts val="0"/>
+              </a:spcAft>
+              <a:buSzPts val="2600"/>
+              <a:buNone/>
+              <a:defRPr sz="2600"/>
             </a:lvl6pPr>
-            <a:lvl7pPr indent="-304800" lvl="6" marL="3200400">
-              <a:spcBef>
-                <a:spcPts val="0"/>
-              </a:spcBef>
-              <a:spcAft>
-                <a:spcPts val="0"/>
-              </a:spcAft>
-              <a:buSzPts val="1200"/>
-              <a:buChar char="●"/>
-              <a:defRPr sz="1200"/>
+            <a:lvl7pPr lvl="6">
+              <a:spcBef>
+                <a:spcPts val="0"/>
+              </a:spcBef>
+              <a:spcAft>
+                <a:spcPts val="0"/>
+              </a:spcAft>
+              <a:buSzPts val="2600"/>
+              <a:buNone/>
+              <a:defRPr sz="2600"/>
             </a:lvl7pPr>
-            <a:lvl8pPr indent="-304800" lvl="7" marL="3657600">
-              <a:spcBef>
-                <a:spcPts val="0"/>
-              </a:spcBef>
-              <a:spcAft>
-                <a:spcPts val="0"/>
-              </a:spcAft>
-              <a:buSzPts val="1200"/>
-              <a:buChar char="○"/>
-              <a:defRPr sz="1200"/>
+            <a:lvl8pPr lvl="7">
+              <a:spcBef>
+                <a:spcPts val="0"/>
+              </a:spcBef>
+              <a:spcAft>
+                <a:spcPts val="0"/>
+              </a:spcAft>
+              <a:buSzPts val="2600"/>
+              <a:buNone/>
+              <a:defRPr sz="2600"/>
             </a:lvl8pPr>
-            <a:lvl9pPr indent="-304800" lvl="8" marL="4114800">
-              <a:spcBef>
-                <a:spcPts val="0"/>
-              </a:spcBef>
-              <a:spcAft>
-                <a:spcPts val="0"/>
-              </a:spcAft>
-              <a:buSzPts val="1200"/>
-              <a:buChar char="■"/>
-              <a:defRPr sz="1200"/>
+            <a:lvl9pPr lvl="8">
+              <a:spcBef>
+                <a:spcPts val="0"/>
+              </a:spcBef>
+              <a:spcAft>
+                <a:spcPts val="0"/>
+              </a:spcAft>
+              <a:buSzPts val="2600"/>
+              <a:buNone/>
+              <a:defRPr sz="2600"/>
             </a:lvl9pPr>
           </a:lstStyle>
           <a:p/>
@@ -4174,7 +5269,132 @@
       </p:sp>
       <p:sp>
         <p:nvSpPr>
-          <p:cNvPr id="31" name="Google Shape;31;p7"/>
+          <p:cNvPr id="53" name="Google Shape;53;p7"/>
+          <p:cNvSpPr txBox="1"/>
+          <p:nvPr>
+            <p:ph idx="1" type="body"/>
+          </p:nvPr>
+        </p:nvSpPr>
+        <p:spPr>
+          <a:xfrm>
+            <a:off x="721225" y="2781725"/>
+            <a:ext cx="3300900" cy="1597500"/>
+          </a:xfrm>
+          <a:prstGeom prst="rect">
+            <a:avLst/>
+          </a:prstGeom>
+        </p:spPr>
+        <p:txBody>
+          <a:bodyPr anchorCtr="0" anchor="t" bIns="91425" lIns="91425" spcFirstLastPara="1" rIns="91425" wrap="square" tIns="91425">
+            <a:normAutofit/>
+          </a:bodyPr>
+          <a:lstStyle>
+            <a:lvl1pPr indent="-311150" lvl="0" marL="457200">
+              <a:spcBef>
+                <a:spcPts val="0"/>
+              </a:spcBef>
+              <a:spcAft>
+                <a:spcPts val="0"/>
+              </a:spcAft>
+              <a:buSzPts val="1300"/>
+              <a:buChar char="●"/>
+              <a:defRPr/>
+            </a:lvl1pPr>
+            <a:lvl2pPr indent="-298450" lvl="1" marL="914400">
+              <a:spcBef>
+                <a:spcPts val="0"/>
+              </a:spcBef>
+              <a:spcAft>
+                <a:spcPts val="0"/>
+              </a:spcAft>
+              <a:buSzPts val="1100"/>
+              <a:buChar char="○"/>
+              <a:defRPr/>
+            </a:lvl2pPr>
+            <a:lvl3pPr indent="-298450" lvl="2" marL="1371600">
+              <a:spcBef>
+                <a:spcPts val="0"/>
+              </a:spcBef>
+              <a:spcAft>
+                <a:spcPts val="0"/>
+              </a:spcAft>
+              <a:buSzPts val="1100"/>
+              <a:buChar char="■"/>
+              <a:defRPr/>
+            </a:lvl3pPr>
+            <a:lvl4pPr indent="-298450" lvl="3" marL="1828800">
+              <a:spcBef>
+                <a:spcPts val="0"/>
+              </a:spcBef>
+              <a:spcAft>
+                <a:spcPts val="0"/>
+              </a:spcAft>
+              <a:buSzPts val="1100"/>
+              <a:buChar char="●"/>
+              <a:defRPr/>
+            </a:lvl4pPr>
+            <a:lvl5pPr indent="-298450" lvl="4" marL="2286000">
+              <a:spcBef>
+                <a:spcPts val="0"/>
+              </a:spcBef>
+              <a:spcAft>
+                <a:spcPts val="0"/>
+              </a:spcAft>
+              <a:buSzPts val="1100"/>
+              <a:buChar char="○"/>
+              <a:defRPr/>
+            </a:lvl5pPr>
+            <a:lvl6pPr indent="-298450" lvl="5" marL="2743200">
+              <a:spcBef>
+                <a:spcPts val="0"/>
+              </a:spcBef>
+              <a:spcAft>
+                <a:spcPts val="0"/>
+              </a:spcAft>
+              <a:buSzPts val="1100"/>
+              <a:buChar char="■"/>
+              <a:defRPr/>
+            </a:lvl6pPr>
+            <a:lvl7pPr indent="-298450" lvl="6" marL="3200400">
+              <a:spcBef>
+                <a:spcPts val="0"/>
+              </a:spcBef>
+              <a:spcAft>
+                <a:spcPts val="0"/>
+              </a:spcAft>
+              <a:buSzPts val="1100"/>
+              <a:buChar char="●"/>
+              <a:defRPr/>
+            </a:lvl7pPr>
+            <a:lvl8pPr indent="-298450" lvl="7" marL="3657600">
+              <a:spcBef>
+                <a:spcPts val="0"/>
+              </a:spcBef>
+              <a:spcAft>
+                <a:spcPts val="0"/>
+              </a:spcAft>
+              <a:buSzPts val="1100"/>
+              <a:buChar char="○"/>
+              <a:defRPr/>
+            </a:lvl8pPr>
+            <a:lvl9pPr indent="-298450" lvl="8" marL="4114800">
+              <a:spcBef>
+                <a:spcPts val="0"/>
+              </a:spcBef>
+              <a:spcAft>
+                <a:spcPts val="0"/>
+              </a:spcAft>
+              <a:buSzPts val="1100"/>
+              <a:buChar char="■"/>
+              <a:defRPr/>
+            </a:lvl9pPr>
+          </a:lstStyle>
+          <a:p/>
+        </p:txBody>
+      </p:sp>
+      <p:sp>
+        <p:nvSpPr>
+          <p:cNvPr id="54" name="Google Shape;54;p7"/>
           <p:cNvSpPr txBox="1"/>
           <p:nvPr>
             <p:ph idx="12" type="sldNum"/>
@@ -4182,7 +5402,7 @@
         </p:nvSpPr>
         <p:spPr>
           <a:xfrm>
-            <a:off x="8472458" y="4663217"/>
+            <a:off x="8536302" y="4749851"/>
             <a:ext cx="548700" cy="393600"/>
           </a:xfrm>
           <a:prstGeom prst="rect">
@@ -4260,9 +5480,16 @@
 <file path=ppt/slideLayouts/slideLayout7.xml><?xml version="1.0" encoding="utf-8"?>
 <p:sldLayout xmlns:a="http://schemas.openxmlformats.org/drawingml/2006/main" xmlns:r="http://schemas.openxmlformats.org/officeDocument/2006/relationships" xmlns:mc="http://schemas.openxmlformats.org/markup-compatibility/2006" xmlns:mv="urn:schemas-microsoft-com:mac:vml" xmlns:p="http://schemas.openxmlformats.org/presentationml/2006/main" xmlns:c="http://schemas.openxmlformats.org/drawingml/2006/chart" xmlns:dgm="http://schemas.openxmlformats.org/drawingml/2006/diagram" xmlns:o="urn:schemas-microsoft-com:office:office" xmlns:v="urn:schemas-microsoft-com:vml" xmlns:pvml="urn:schemas-microsoft-com:office:powerpoint" xmlns:com="http://schemas.openxmlformats.org/drawingml/2006/compatibility" xmlns:p14="http://schemas.microsoft.com/office/powerpoint/2010/main" xmlns:p15="http://schemas.microsoft.com/office/powerpoint/2012/main" xmlns:ahyp="http://schemas.microsoft.com/office/drawing/2018/hyperlinkcolor" matchingName="Main point">
   <p:cSld name="MAIN_POINT">
+    <p:bg>
+      <p:bgPr>
+        <a:solidFill>
+          <a:schemeClr val="accent3"/>
+        </a:solidFill>
+      </p:bgPr>
+    </p:bg>
     <p:spTree>
       <p:nvGrpSpPr>
-        <p:cNvPr id="32" name="Shape 32"/>
+        <p:cNvPr id="55" name="Shape 55"/>
         <p:cNvGrpSpPr/>
         <p:nvPr/>
       </p:nvGrpSpPr>
@@ -4274,9 +5501,110 @@
           <a:chExt cx="0" cy="0"/>
         </a:xfrm>
       </p:grpSpPr>
+      <p:grpSp>
+        <p:nvGrpSpPr>
+          <p:cNvPr id="56" name="Google Shape;56;p8"/>
+          <p:cNvGrpSpPr/>
+          <p:nvPr/>
+        </p:nvGrpSpPr>
+        <p:grpSpPr>
+          <a:xfrm>
+            <a:off x="830392" y="4169130"/>
+            <a:ext cx="745763" cy="45826"/>
+            <a:chOff x="4580561" y="2589004"/>
+            <a:chExt cx="1064464" cy="25200"/>
+          </a:xfrm>
+        </p:grpSpPr>
+        <p:sp>
+          <p:nvSpPr>
+            <p:cNvPr id="57" name="Google Shape;57;p8"/>
+            <p:cNvSpPr/>
+            <p:nvPr/>
+          </p:nvSpPr>
+          <p:spPr>
+            <a:xfrm rot="-5400000">
+              <a:off x="5366325" y="2335504"/>
+              <a:ext cx="25200" cy="532200"/>
+            </a:xfrm>
+            <a:prstGeom prst="rect">
+              <a:avLst/>
+            </a:prstGeom>
+            <a:solidFill>
+              <a:schemeClr val="lt1"/>
+            </a:solidFill>
+            <a:ln>
+              <a:noFill/>
+            </a:ln>
+          </p:spPr>
+          <p:txBody>
+            <a:bodyPr anchorCtr="0" anchor="ctr" bIns="91425" lIns="91425" spcFirstLastPara="1" rIns="91425" wrap="square" tIns="91425">
+              <a:noAutofit/>
+            </a:bodyPr>
+            <a:lstStyle/>
+            <a:p>
+              <a:pPr indent="0" lvl="0" marL="0" rtl="0" algn="l">
+                <a:spcBef>
+                  <a:spcPts val="0"/>
+                </a:spcBef>
+                <a:spcAft>
+                  <a:spcPts val="0"/>
+                </a:spcAft>
+                <a:buNone/>
+              </a:pPr>
+              <a:r>
+                <a:t/>
+              </a:r>
+              <a:endParaRPr/>
+            </a:p>
+          </p:txBody>
+        </p:sp>
+        <p:sp>
+          <p:nvSpPr>
+            <p:cNvPr id="58" name="Google Shape;58;p8"/>
+            <p:cNvSpPr/>
+            <p:nvPr/>
+          </p:nvSpPr>
+          <p:spPr>
+            <a:xfrm rot="-5400000">
+              <a:off x="4836311" y="2333254"/>
+              <a:ext cx="25200" cy="536700"/>
+            </a:xfrm>
+            <a:prstGeom prst="rect">
+              <a:avLst/>
+            </a:prstGeom>
+            <a:solidFill>
+              <a:schemeClr val="lt1"/>
+            </a:solidFill>
+            <a:ln>
+              <a:noFill/>
+            </a:ln>
+          </p:spPr>
+          <p:txBody>
+            <a:bodyPr anchorCtr="0" anchor="ctr" bIns="91425" lIns="91425" spcFirstLastPara="1" rIns="91425" wrap="square" tIns="91425">
+              <a:noAutofit/>
+            </a:bodyPr>
+            <a:lstStyle/>
+            <a:p>
+              <a:pPr indent="0" lvl="0" marL="0" rtl="0" algn="l">
+                <a:spcBef>
+                  <a:spcPts val="0"/>
+                </a:spcBef>
+                <a:spcAft>
+                  <a:spcPts val="0"/>
+                </a:spcAft>
+                <a:buNone/>
+              </a:pPr>
+              <a:r>
+                <a:t/>
+              </a:r>
+              <a:endParaRPr/>
+            </a:p>
+          </p:txBody>
+        </p:sp>
+      </p:grpSp>
       <p:sp>
         <p:nvSpPr>
-          <p:cNvPr id="33" name="Google Shape;33;p8"/>
+          <p:cNvPr id="59" name="Google Shape;59;p8"/>
           <p:cNvSpPr txBox="1"/>
           <p:nvPr>
             <p:ph type="title"/>
@@ -4284,8 +5612,8 @@
         </p:nvSpPr>
         <p:spPr>
           <a:xfrm>
-            <a:off x="490250" y="450150"/>
-            <a:ext cx="6367800" cy="4090800"/>
+            <a:off x="729450" y="864300"/>
+            <a:ext cx="7021200" cy="2985000"/>
           </a:xfrm>
           <a:prstGeom prst="rect">
             <a:avLst/>
@@ -4303,9 +5631,16 @@
               <a:spcAft>
                 <a:spcPts val="0"/>
               </a:spcAft>
-              <a:buSzPts val="4800"/>
-              <a:buNone/>
-              <a:defRPr sz="4800"/>
+              <a:buClr>
+                <a:schemeClr val="lt1"/>
+              </a:buClr>
+              <a:buSzPts val="3600"/>
+              <a:buNone/>
+              <a:defRPr sz="3600">
+                <a:solidFill>
+                  <a:schemeClr val="lt1"/>
+                </a:solidFill>
+              </a:defRPr>
             </a:lvl1pPr>
             <a:lvl2pPr lvl="1">
               <a:spcBef>
@@ -4314,9 +5649,16 @@
               <a:spcAft>
                 <a:spcPts val="0"/>
               </a:spcAft>
-              <a:buSzPts val="4800"/>
-              <a:buNone/>
-              <a:defRPr sz="4800"/>
+              <a:buClr>
+                <a:schemeClr val="lt1"/>
+              </a:buClr>
+              <a:buSzPts val="3600"/>
+              <a:buNone/>
+              <a:defRPr sz="3600">
+                <a:solidFill>
+                  <a:schemeClr val="lt1"/>
+                </a:solidFill>
+              </a:defRPr>
             </a:lvl2pPr>
             <a:lvl3pPr lvl="2">
               <a:spcBef>
@@ -4325,9 +5667,16 @@
               <a:spcAft>
                 <a:spcPts val="0"/>
               </a:spcAft>
-              <a:buSzPts val="4800"/>
-              <a:buNone/>
-              <a:defRPr sz="4800"/>
+              <a:buClr>
+                <a:schemeClr val="lt1"/>
+              </a:buClr>
+              <a:buSzPts val="3600"/>
+              <a:buNone/>
+              <a:defRPr sz="3600">
+                <a:solidFill>
+                  <a:schemeClr val="lt1"/>
+                </a:solidFill>
+              </a:defRPr>
             </a:lvl3pPr>
             <a:lvl4pPr lvl="3">
               <a:spcBef>
@@ -4336,9 +5685,16 @@
               <a:spcAft>
                 <a:spcPts val="0"/>
               </a:spcAft>
-              <a:buSzPts val="4800"/>
-              <a:buNone/>
-              <a:defRPr sz="4800"/>
+              <a:buClr>
+                <a:schemeClr val="lt1"/>
+              </a:buClr>
+              <a:buSzPts val="3600"/>
+              <a:buNone/>
+              <a:defRPr sz="3600">
+                <a:solidFill>
+                  <a:schemeClr val="lt1"/>
+                </a:solidFill>
+              </a:defRPr>
             </a:lvl4pPr>
             <a:lvl5pPr lvl="4">
               <a:spcBef>
@@ -4347,9 +5703,16 @@
               <a:spcAft>
                 <a:spcPts val="0"/>
               </a:spcAft>
-              <a:buSzPts val="4800"/>
-              <a:buNone/>
-              <a:defRPr sz="4800"/>
+              <a:buClr>
+                <a:schemeClr val="lt1"/>
+              </a:buClr>
+              <a:buSzPts val="3600"/>
+              <a:buNone/>
+              <a:defRPr sz="3600">
+                <a:solidFill>
+                  <a:schemeClr val="lt1"/>
+                </a:solidFill>
+              </a:defRPr>
             </a:lvl5pPr>
             <a:lvl6pPr lvl="5">
               <a:spcBef>
@@ -4358,9 +5721,16 @@
               <a:spcAft>
                 <a:spcPts val="0"/>
               </a:spcAft>
-              <a:buSzPts val="4800"/>
-              <a:buNone/>
-              <a:defRPr sz="4800"/>
+              <a:buClr>
+                <a:schemeClr val="lt1"/>
+              </a:buClr>
+              <a:buSzPts val="3600"/>
+              <a:buNone/>
+              <a:defRPr sz="3600">
+                <a:solidFill>
+                  <a:schemeClr val="lt1"/>
+                </a:solidFill>
+              </a:defRPr>
             </a:lvl6pPr>
             <a:lvl7pPr lvl="6">
               <a:spcBef>
@@ -4369,9 +5739,16 @@
               <a:spcAft>
                 <a:spcPts val="0"/>
               </a:spcAft>
-              <a:buSzPts val="4800"/>
-              <a:buNone/>
-              <a:defRPr sz="4800"/>
+              <a:buClr>
+                <a:schemeClr val="lt1"/>
+              </a:buClr>
+              <a:buSzPts val="3600"/>
+              <a:buNone/>
+              <a:defRPr sz="3600">
+                <a:solidFill>
+                  <a:schemeClr val="lt1"/>
+                </a:solidFill>
+              </a:defRPr>
             </a:lvl7pPr>
             <a:lvl8pPr lvl="7">
               <a:spcBef>
@@ -4380,9 +5757,16 @@
               <a:spcAft>
                 <a:spcPts val="0"/>
               </a:spcAft>
-              <a:buSzPts val="4800"/>
-              <a:buNone/>
-              <a:defRPr sz="4800"/>
+              <a:buClr>
+                <a:schemeClr val="lt1"/>
+              </a:buClr>
+              <a:buSzPts val="3600"/>
+              <a:buNone/>
+              <a:defRPr sz="3600">
+                <a:solidFill>
+                  <a:schemeClr val="lt1"/>
+                </a:solidFill>
+              </a:defRPr>
             </a:lvl8pPr>
             <a:lvl9pPr lvl="8">
               <a:spcBef>
@@ -4391,9 +5775,16 @@
               <a:spcAft>
                 <a:spcPts val="0"/>
               </a:spcAft>
-              <a:buSzPts val="4800"/>
-              <a:buNone/>
-              <a:defRPr sz="4800"/>
+              <a:buClr>
+                <a:schemeClr val="lt1"/>
+              </a:buClr>
+              <a:buSzPts val="3600"/>
+              <a:buNone/>
+              <a:defRPr sz="3600">
+                <a:solidFill>
+                  <a:schemeClr val="lt1"/>
+                </a:solidFill>
+              </a:defRPr>
             </a:lvl9pPr>
           </a:lstStyle>
           <a:p/>
@@ -4401,7 +5792,7 @@
       </p:sp>
       <p:sp>
         <p:nvSpPr>
-          <p:cNvPr id="34" name="Google Shape;34;p8"/>
+          <p:cNvPr id="60" name="Google Shape;60;p8"/>
           <p:cNvSpPr txBox="1"/>
           <p:nvPr>
             <p:ph idx="12" type="sldNum"/>
@@ -4409,7 +5800,7 @@
         </p:nvSpPr>
         <p:spPr>
           <a:xfrm>
-            <a:off x="8472458" y="4663217"/>
+            <a:off x="8536302" y="4749851"/>
             <a:ext cx="548700" cy="393600"/>
           </a:xfrm>
           <a:prstGeom prst="rect">
@@ -4423,39 +5814,75 @@
           <a:lstStyle>
             <a:lvl1pPr lvl="0">
               <a:buNone/>
-              <a:defRPr/>
+              <a:defRPr>
+                <a:solidFill>
+                  <a:schemeClr val="lt1"/>
+                </a:solidFill>
+              </a:defRPr>
             </a:lvl1pPr>
             <a:lvl2pPr lvl="1">
               <a:buNone/>
-              <a:defRPr/>
+              <a:defRPr>
+                <a:solidFill>
+                  <a:schemeClr val="lt1"/>
+                </a:solidFill>
+              </a:defRPr>
             </a:lvl2pPr>
             <a:lvl3pPr lvl="2">
               <a:buNone/>
-              <a:defRPr/>
+              <a:defRPr>
+                <a:solidFill>
+                  <a:schemeClr val="lt1"/>
+                </a:solidFill>
+              </a:defRPr>
             </a:lvl3pPr>
             <a:lvl4pPr lvl="3">
               <a:buNone/>
-              <a:defRPr/>
+              <a:defRPr>
+                <a:solidFill>
+                  <a:schemeClr val="lt1"/>
+                </a:solidFill>
+              </a:defRPr>
             </a:lvl4pPr>
             <a:lvl5pPr lvl="4">
               <a:buNone/>
-              <a:defRPr/>
+              <a:defRPr>
+                <a:solidFill>
+                  <a:schemeClr val="lt1"/>
+                </a:solidFill>
+              </a:defRPr>
             </a:lvl5pPr>
             <a:lvl6pPr lvl="5">
               <a:buNone/>
-              <a:defRPr/>
+              <a:defRPr>
+                <a:solidFill>
+                  <a:schemeClr val="lt1"/>
+                </a:solidFill>
+              </a:defRPr>
             </a:lvl6pPr>
             <a:lvl7pPr lvl="6">
               <a:buNone/>
-              <a:defRPr/>
+              <a:defRPr>
+                <a:solidFill>
+                  <a:schemeClr val="lt1"/>
+                </a:solidFill>
+              </a:defRPr>
             </a:lvl7pPr>
             <a:lvl8pPr lvl="7">
               <a:buNone/>
-              <a:defRPr/>
+              <a:defRPr>
+                <a:solidFill>
+                  <a:schemeClr val="lt1"/>
+                </a:solidFill>
+              </a:defRPr>
             </a:lvl8pPr>
             <a:lvl9pPr lvl="8">
               <a:buNone/>
-              <a:defRPr/>
+              <a:defRPr>
+                <a:solidFill>
+                  <a:schemeClr val="lt1"/>
+                </a:solidFill>
+              </a:defRPr>
             </a:lvl9pPr>
           </a:lstStyle>
           <a:p>
@@ -4489,7 +5916,7 @@
   <p:cSld name="SECTION_TITLE_AND_DESCRIPTION">
     <p:spTree>
       <p:nvGrpSpPr>
-        <p:cNvPr id="35" name="Shape 35"/>
+        <p:cNvPr id="61" name="Shape 61"/>
         <p:cNvGrpSpPr/>
         <p:nvPr/>
       </p:nvGrpSpPr>
@@ -4503,13 +5930,13 @@
       </p:grpSpPr>
       <p:sp>
         <p:nvSpPr>
-          <p:cNvPr id="36" name="Google Shape;36;p9"/>
+          <p:cNvPr id="62" name="Google Shape;62;p9"/>
           <p:cNvSpPr/>
           <p:nvPr/>
         </p:nvSpPr>
         <p:spPr>
           <a:xfrm>
-            <a:off x="4572000" y="-125"/>
+            <a:off x="0" y="0"/>
             <a:ext cx="4572000" cy="5143500"/>
           </a:xfrm>
           <a:prstGeom prst="rect">
@@ -4544,9 +5971,110 @@
           </a:p>
         </p:txBody>
       </p:sp>
+      <p:grpSp>
+        <p:nvGrpSpPr>
+          <p:cNvPr id="63" name="Google Shape;63;p9"/>
+          <p:cNvGrpSpPr/>
+          <p:nvPr/>
+        </p:nvGrpSpPr>
+        <p:grpSpPr>
+          <a:xfrm>
+            <a:off x="830392" y="1191256"/>
+            <a:ext cx="745763" cy="45826"/>
+            <a:chOff x="4580561" y="2589004"/>
+            <a:chExt cx="1064464" cy="25200"/>
+          </a:xfrm>
+        </p:grpSpPr>
+        <p:sp>
+          <p:nvSpPr>
+            <p:cNvPr id="64" name="Google Shape;64;p9"/>
+            <p:cNvSpPr/>
+            <p:nvPr/>
+          </p:nvSpPr>
+          <p:spPr>
+            <a:xfrm rot="-5400000">
+              <a:off x="5366325" y="2335504"/>
+              <a:ext cx="25200" cy="532200"/>
+            </a:xfrm>
+            <a:prstGeom prst="rect">
+              <a:avLst/>
+            </a:prstGeom>
+            <a:solidFill>
+              <a:schemeClr val="accent3"/>
+            </a:solidFill>
+            <a:ln>
+              <a:noFill/>
+            </a:ln>
+          </p:spPr>
+          <p:txBody>
+            <a:bodyPr anchorCtr="0" anchor="ctr" bIns="91425" lIns="91425" spcFirstLastPara="1" rIns="91425" wrap="square" tIns="91425">
+              <a:noAutofit/>
+            </a:bodyPr>
+            <a:lstStyle/>
+            <a:p>
+              <a:pPr indent="0" lvl="0" marL="0" rtl="0" algn="l">
+                <a:spcBef>
+                  <a:spcPts val="0"/>
+                </a:spcBef>
+                <a:spcAft>
+                  <a:spcPts val="0"/>
+                </a:spcAft>
+                <a:buNone/>
+              </a:pPr>
+              <a:r>
+                <a:t/>
+              </a:r>
+              <a:endParaRPr/>
+            </a:p>
+          </p:txBody>
+        </p:sp>
+        <p:sp>
+          <p:nvSpPr>
+            <p:cNvPr id="65" name="Google Shape;65;p9"/>
+            <p:cNvSpPr/>
+            <p:nvPr/>
+          </p:nvSpPr>
+          <p:spPr>
+            <a:xfrm rot="-5400000">
+              <a:off x="4836311" y="2333254"/>
+              <a:ext cx="25200" cy="536700"/>
+            </a:xfrm>
+            <a:prstGeom prst="rect">
+              <a:avLst/>
+            </a:prstGeom>
+            <a:solidFill>
+              <a:schemeClr val="dk1"/>
+            </a:solidFill>
+            <a:ln>
+              <a:noFill/>
+            </a:ln>
+          </p:spPr>
+          <p:txBody>
+            <a:bodyPr anchorCtr="0" anchor="ctr" bIns="91425" lIns="91425" spcFirstLastPara="1" rIns="91425" wrap="square" tIns="91425">
+              <a:noAutofit/>
+            </a:bodyPr>
+            <a:lstStyle/>
+            <a:p>
+              <a:pPr indent="0" lvl="0" marL="0" rtl="0" algn="l">
+                <a:spcBef>
+                  <a:spcPts val="0"/>
+                </a:spcBef>
+                <a:spcAft>
+                  <a:spcPts val="0"/>
+                </a:spcAft>
+                <a:buNone/>
+              </a:pPr>
+              <a:r>
+                <a:t/>
+              </a:r>
+              <a:endParaRPr/>
+            </a:p>
+          </p:txBody>
+        </p:sp>
+      </p:grpSp>
       <p:sp>
         <p:nvSpPr>
-          <p:cNvPr id="37" name="Google Shape;37;p9"/>
+          <p:cNvPr id="66" name="Google Shape;66;p9"/>
           <p:cNvSpPr txBox="1"/>
           <p:nvPr>
             <p:ph type="title"/>
@@ -4554,133 +6082,8 @@
         </p:nvSpPr>
         <p:spPr>
           <a:xfrm>
-            <a:off x="265500" y="1233175"/>
-            <a:ext cx="4045200" cy="1482300"/>
-          </a:xfrm>
-          <a:prstGeom prst="rect">
-            <a:avLst/>
-          </a:prstGeom>
-        </p:spPr>
-        <p:txBody>
-          <a:bodyPr anchorCtr="0" anchor="b" bIns="91425" lIns="91425" spcFirstLastPara="1" rIns="91425" wrap="square" tIns="91425">
-            <a:normAutofit/>
-          </a:bodyPr>
-          <a:lstStyle>
-            <a:lvl1pPr lvl="0" algn="ctr">
-              <a:spcBef>
-                <a:spcPts val="0"/>
-              </a:spcBef>
-              <a:spcAft>
-                <a:spcPts val="0"/>
-              </a:spcAft>
-              <a:buSzPts val="4200"/>
-              <a:buNone/>
-              <a:defRPr sz="4200"/>
-            </a:lvl1pPr>
-            <a:lvl2pPr lvl="1" algn="ctr">
-              <a:spcBef>
-                <a:spcPts val="0"/>
-              </a:spcBef>
-              <a:spcAft>
-                <a:spcPts val="0"/>
-              </a:spcAft>
-              <a:buSzPts val="4200"/>
-              <a:buNone/>
-              <a:defRPr sz="4200"/>
-            </a:lvl2pPr>
-            <a:lvl3pPr lvl="2" algn="ctr">
-              <a:spcBef>
-                <a:spcPts val="0"/>
-              </a:spcBef>
-              <a:spcAft>
-                <a:spcPts val="0"/>
-              </a:spcAft>
-              <a:buSzPts val="4200"/>
-              <a:buNone/>
-              <a:defRPr sz="4200"/>
-            </a:lvl3pPr>
-            <a:lvl4pPr lvl="3" algn="ctr">
-              <a:spcBef>
-                <a:spcPts val="0"/>
-              </a:spcBef>
-              <a:spcAft>
-                <a:spcPts val="0"/>
-              </a:spcAft>
-              <a:buSzPts val="4200"/>
-              <a:buNone/>
-              <a:defRPr sz="4200"/>
-            </a:lvl4pPr>
-            <a:lvl5pPr lvl="4" algn="ctr">
-              <a:spcBef>
-                <a:spcPts val="0"/>
-              </a:spcBef>
-              <a:spcAft>
-                <a:spcPts val="0"/>
-              </a:spcAft>
-              <a:buSzPts val="4200"/>
-              <a:buNone/>
-              <a:defRPr sz="4200"/>
-            </a:lvl5pPr>
-            <a:lvl6pPr lvl="5" algn="ctr">
-              <a:spcBef>
-                <a:spcPts val="0"/>
-              </a:spcBef>
-              <a:spcAft>
-                <a:spcPts val="0"/>
-              </a:spcAft>
-              <a:buSzPts val="4200"/>
-              <a:buNone/>
-              <a:defRPr sz="4200"/>
-            </a:lvl6pPr>
-            <a:lvl7pPr lvl="6" algn="ctr">
-              <a:spcBef>
-                <a:spcPts val="0"/>
-              </a:spcBef>
-              <a:spcAft>
-                <a:spcPts val="0"/>
-              </a:spcAft>
-              <a:buSzPts val="4200"/>
-              <a:buNone/>
-              <a:defRPr sz="4200"/>
-            </a:lvl7pPr>
-            <a:lvl8pPr lvl="7" algn="ctr">
-              <a:spcBef>
-                <a:spcPts val="0"/>
-              </a:spcBef>
-              <a:spcAft>
-                <a:spcPts val="0"/>
-              </a:spcAft>
-              <a:buSzPts val="4200"/>
-              <a:buNone/>
-              <a:defRPr sz="4200"/>
-            </a:lvl8pPr>
-            <a:lvl9pPr lvl="8" algn="ctr">
-              <a:spcBef>
-                <a:spcPts val="0"/>
-              </a:spcBef>
-              <a:spcAft>
-                <a:spcPts val="0"/>
-              </a:spcAft>
-              <a:buSzPts val="4200"/>
-              <a:buNone/>
-              <a:defRPr sz="4200"/>
-            </a:lvl9pPr>
-          </a:lstStyle>
-          <a:p/>
-        </p:txBody>
-      </p:sp>
-      <p:sp>
-        <p:nvSpPr>
-          <p:cNvPr id="38" name="Google Shape;38;p9"/>
-          <p:cNvSpPr txBox="1"/>
-          <p:nvPr>
-            <p:ph idx="1" type="subTitle"/>
-          </p:nvPr>
-        </p:nvSpPr>
-        <p:spPr>
-          <a:xfrm>
-            <a:off x="265500" y="2803075"/>
-            <a:ext cx="4045200" cy="1235100"/>
+            <a:off x="730000" y="1318650"/>
+            <a:ext cx="3300900" cy="1687200"/>
           </a:xfrm>
           <a:prstGeom prst="rect">
             <a:avLst/>
@@ -4691,131 +6094,104 @@
             <a:normAutofit/>
           </a:bodyPr>
           <a:lstStyle>
-            <a:lvl1pPr lvl="0" algn="ctr">
-              <a:lnSpc>
-                <a:spcPct val="100000"/>
-              </a:lnSpc>
-              <a:spcBef>
-                <a:spcPts val="0"/>
-              </a:spcBef>
-              <a:spcAft>
-                <a:spcPts val="0"/>
-              </a:spcAft>
-              <a:buSzPts val="2100"/>
-              <a:buNone/>
-              <a:defRPr sz="2100"/>
+            <a:lvl1pPr lvl="0">
+              <a:spcBef>
+                <a:spcPts val="0"/>
+              </a:spcBef>
+              <a:spcAft>
+                <a:spcPts val="0"/>
+              </a:spcAft>
+              <a:buSzPts val="2600"/>
+              <a:buNone/>
+              <a:defRPr sz="2600"/>
             </a:lvl1pPr>
-            <a:lvl2pPr lvl="1" algn="ctr">
-              <a:lnSpc>
-                <a:spcPct val="100000"/>
-              </a:lnSpc>
-              <a:spcBef>
-                <a:spcPts val="0"/>
-              </a:spcBef>
-              <a:spcAft>
-                <a:spcPts val="0"/>
-              </a:spcAft>
-              <a:buSzPts val="2100"/>
-              <a:buNone/>
-              <a:defRPr sz="2100"/>
+            <a:lvl2pPr lvl="1">
+              <a:spcBef>
+                <a:spcPts val="0"/>
+              </a:spcBef>
+              <a:spcAft>
+                <a:spcPts val="0"/>
+              </a:spcAft>
+              <a:buSzPts val="2600"/>
+              <a:buNone/>
+              <a:defRPr sz="2600"/>
             </a:lvl2pPr>
-            <a:lvl3pPr lvl="2" algn="ctr">
-              <a:lnSpc>
-                <a:spcPct val="100000"/>
-              </a:lnSpc>
-              <a:spcBef>
-                <a:spcPts val="0"/>
-              </a:spcBef>
-              <a:spcAft>
-                <a:spcPts val="0"/>
-              </a:spcAft>
-              <a:buSzPts val="2100"/>
-              <a:buNone/>
-              <a:defRPr sz="2100"/>
+            <a:lvl3pPr lvl="2">
+              <a:spcBef>
+                <a:spcPts val="0"/>
+              </a:spcBef>
+              <a:spcAft>
+                <a:spcPts val="0"/>
+              </a:spcAft>
+              <a:buSzPts val="2600"/>
+              <a:buNone/>
+              <a:defRPr sz="2600"/>
             </a:lvl3pPr>
-            <a:lvl4pPr lvl="3" algn="ctr">
-              <a:lnSpc>
-                <a:spcPct val="100000"/>
-              </a:lnSpc>
-              <a:spcBef>
-                <a:spcPts val="0"/>
-              </a:spcBef>
-              <a:spcAft>
-                <a:spcPts val="0"/>
-              </a:spcAft>
-              <a:buSzPts val="2100"/>
-              <a:buNone/>
-              <a:defRPr sz="2100"/>
+            <a:lvl4pPr lvl="3">
+              <a:spcBef>
+                <a:spcPts val="0"/>
+              </a:spcBef>
+              <a:spcAft>
+                <a:spcPts val="0"/>
+              </a:spcAft>
+              <a:buSzPts val="2600"/>
+              <a:buNone/>
+              <a:defRPr sz="2600"/>
             </a:lvl4pPr>
-            <a:lvl5pPr lvl="4" algn="ctr">
-              <a:lnSpc>
-                <a:spcPct val="100000"/>
-              </a:lnSpc>
-              <a:spcBef>
-                <a:spcPts val="0"/>
-              </a:spcBef>
-              <a:spcAft>
-                <a:spcPts val="0"/>
-              </a:spcAft>
-              <a:buSzPts val="2100"/>
-              <a:buNone/>
-              <a:defRPr sz="2100"/>
+            <a:lvl5pPr lvl="4">
+              <a:spcBef>
+                <a:spcPts val="0"/>
+              </a:spcBef>
+              <a:spcAft>
+                <a:spcPts val="0"/>
+              </a:spcAft>
+              <a:buSzPts val="2600"/>
+              <a:buNone/>
+              <a:defRPr sz="2600"/>
             </a:lvl5pPr>
-            <a:lvl6pPr lvl="5" algn="ctr">
-              <a:lnSpc>
-                <a:spcPct val="100000"/>
-              </a:lnSpc>
-              <a:spcBef>
-                <a:spcPts val="0"/>
-              </a:spcBef>
-              <a:spcAft>
-                <a:spcPts val="0"/>
-              </a:spcAft>
-              <a:buSzPts val="2100"/>
-              <a:buNone/>
-              <a:defRPr sz="2100"/>
+            <a:lvl6pPr lvl="5">
+              <a:spcBef>
+                <a:spcPts val="0"/>
+              </a:spcBef>
+              <a:spcAft>
+                <a:spcPts val="0"/>
+              </a:spcAft>
+              <a:buSzPts val="2600"/>
+              <a:buNone/>
+              <a:defRPr sz="2600"/>
             </a:lvl6pPr>
-            <a:lvl7pPr lvl="6" algn="ctr">
-              <a:lnSpc>
-                <a:spcPct val="100000"/>
-              </a:lnSpc>
-              <a:spcBef>
-                <a:spcPts val="0"/>
-              </a:spcBef>
-              <a:spcAft>
-                <a:spcPts val="0"/>
-              </a:spcAft>
-              <a:buSzPts val="2100"/>
-              <a:buNone/>
-              <a:defRPr sz="2100"/>
+            <a:lvl7pPr lvl="6">
+              <a:spcBef>
+                <a:spcPts val="0"/>
+              </a:spcBef>
+              <a:spcAft>
+                <a:spcPts val="0"/>
+              </a:spcAft>
+              <a:buSzPts val="2600"/>
+              <a:buNone/>
+              <a:defRPr sz="2600"/>
             </a:lvl7pPr>
-            <a:lvl8pPr lvl="7" algn="ctr">
-              <a:lnSpc>
-                <a:spcPct val="100000"/>
-              </a:lnSpc>
-              <a:spcBef>
-                <a:spcPts val="0"/>
-              </a:spcBef>
-              <a:spcAft>
-                <a:spcPts val="0"/>
-              </a:spcAft>
-              <a:buSzPts val="2100"/>
-              <a:buNone/>
-              <a:defRPr sz="2100"/>
+            <a:lvl8pPr lvl="7">
+              <a:spcBef>
+                <a:spcPts val="0"/>
+              </a:spcBef>
+              <a:spcAft>
+                <a:spcPts val="0"/>
+              </a:spcAft>
+              <a:buSzPts val="2600"/>
+              <a:buNone/>
+              <a:defRPr sz="2600"/>
             </a:lvl8pPr>
-            <a:lvl9pPr lvl="8" algn="ctr">
-              <a:lnSpc>
-                <a:spcPct val="100000"/>
-              </a:lnSpc>
-              <a:spcBef>
-                <a:spcPts val="0"/>
-              </a:spcBef>
-              <a:spcAft>
-                <a:spcPts val="0"/>
-              </a:spcAft>
-              <a:buSzPts val="2100"/>
-              <a:buNone/>
-              <a:defRPr sz="2100"/>
+            <a:lvl9pPr lvl="8">
+              <a:spcBef>
+                <a:spcPts val="0"/>
+              </a:spcBef>
+              <a:spcAft>
+                <a:spcPts val="0"/>
+              </a:spcAft>
+              <a:buSzPts val="2600"/>
+              <a:buNone/>
+              <a:defRPr sz="2600"/>
             </a:lvl9pPr>
           </a:lstStyle>
           <a:p/>
@@ -4823,7 +6199,159 @@
       </p:sp>
       <p:sp>
         <p:nvSpPr>
-          <p:cNvPr id="39" name="Google Shape;39;p9"/>
+          <p:cNvPr id="67" name="Google Shape;67;p9"/>
+          <p:cNvSpPr txBox="1"/>
+          <p:nvPr>
+            <p:ph idx="1" type="subTitle"/>
+          </p:nvPr>
+        </p:nvSpPr>
+        <p:spPr>
+          <a:xfrm>
+            <a:off x="724950" y="3161525"/>
+            <a:ext cx="3300900" cy="759000"/>
+          </a:xfrm>
+          <a:prstGeom prst="rect">
+            <a:avLst/>
+          </a:prstGeom>
+        </p:spPr>
+        <p:txBody>
+          <a:bodyPr anchorCtr="0" anchor="t" bIns="91425" lIns="91425" spcFirstLastPara="1" rIns="91425" wrap="square" tIns="91425">
+            <a:normAutofit/>
+          </a:bodyPr>
+          <a:lstStyle>
+            <a:lvl1pPr lvl="0">
+              <a:lnSpc>
+                <a:spcPct val="100000"/>
+              </a:lnSpc>
+              <a:spcBef>
+                <a:spcPts val="0"/>
+              </a:spcBef>
+              <a:spcAft>
+                <a:spcPts val="0"/>
+              </a:spcAft>
+              <a:buSzPts val="1600"/>
+              <a:buNone/>
+              <a:defRPr sz="1600"/>
+            </a:lvl1pPr>
+            <a:lvl2pPr lvl="1">
+              <a:lnSpc>
+                <a:spcPct val="100000"/>
+              </a:lnSpc>
+              <a:spcBef>
+                <a:spcPts val="0"/>
+              </a:spcBef>
+              <a:spcAft>
+                <a:spcPts val="0"/>
+              </a:spcAft>
+              <a:buSzPts val="1600"/>
+              <a:buNone/>
+              <a:defRPr sz="1600"/>
+            </a:lvl2pPr>
+            <a:lvl3pPr lvl="2">
+              <a:lnSpc>
+                <a:spcPct val="100000"/>
+              </a:lnSpc>
+              <a:spcBef>
+                <a:spcPts val="0"/>
+              </a:spcBef>
+              <a:spcAft>
+                <a:spcPts val="0"/>
+              </a:spcAft>
+              <a:buSzPts val="1600"/>
+              <a:buNone/>
+              <a:defRPr sz="1600"/>
+            </a:lvl3pPr>
+            <a:lvl4pPr lvl="3">
+              <a:lnSpc>
+                <a:spcPct val="100000"/>
+              </a:lnSpc>
+              <a:spcBef>
+                <a:spcPts val="0"/>
+              </a:spcBef>
+              <a:spcAft>
+                <a:spcPts val="0"/>
+              </a:spcAft>
+              <a:buSzPts val="1600"/>
+              <a:buNone/>
+              <a:defRPr sz="1600"/>
+            </a:lvl4pPr>
+            <a:lvl5pPr lvl="4">
+              <a:lnSpc>
+                <a:spcPct val="100000"/>
+              </a:lnSpc>
+              <a:spcBef>
+                <a:spcPts val="0"/>
+              </a:spcBef>
+              <a:spcAft>
+                <a:spcPts val="0"/>
+              </a:spcAft>
+              <a:buSzPts val="1600"/>
+              <a:buNone/>
+              <a:defRPr sz="1600"/>
+            </a:lvl5pPr>
+            <a:lvl6pPr lvl="5">
+              <a:lnSpc>
+                <a:spcPct val="100000"/>
+              </a:lnSpc>
+              <a:spcBef>
+                <a:spcPts val="0"/>
+              </a:spcBef>
+              <a:spcAft>
+                <a:spcPts val="0"/>
+              </a:spcAft>
+              <a:buSzPts val="1600"/>
+              <a:buNone/>
+              <a:defRPr sz="1600"/>
+            </a:lvl6pPr>
+            <a:lvl7pPr lvl="6">
+              <a:lnSpc>
+                <a:spcPct val="100000"/>
+              </a:lnSpc>
+              <a:spcBef>
+                <a:spcPts val="0"/>
+              </a:spcBef>
+              <a:spcAft>
+                <a:spcPts val="0"/>
+              </a:spcAft>
+              <a:buSzPts val="1600"/>
+              <a:buNone/>
+              <a:defRPr sz="1600"/>
+            </a:lvl7pPr>
+            <a:lvl8pPr lvl="7">
+              <a:lnSpc>
+                <a:spcPct val="100000"/>
+              </a:lnSpc>
+              <a:spcBef>
+                <a:spcPts val="0"/>
+              </a:spcBef>
+              <a:spcAft>
+                <a:spcPts val="0"/>
+              </a:spcAft>
+              <a:buSzPts val="1600"/>
+              <a:buNone/>
+              <a:defRPr sz="1600"/>
+            </a:lvl8pPr>
+            <a:lvl9pPr lvl="8">
+              <a:lnSpc>
+                <a:spcPct val="100000"/>
+              </a:lnSpc>
+              <a:spcBef>
+                <a:spcPts val="0"/>
+              </a:spcBef>
+              <a:spcAft>
+                <a:spcPts val="0"/>
+              </a:spcAft>
+              <a:buSzPts val="1600"/>
+              <a:buNone/>
+              <a:defRPr sz="1600"/>
+            </a:lvl9pPr>
+          </a:lstStyle>
+          <a:p/>
+        </p:txBody>
+      </p:sp>
+      <p:sp>
+        <p:nvSpPr>
+          <p:cNvPr id="68" name="Google Shape;68;p9"/>
           <p:cNvSpPr txBox="1"/>
           <p:nvPr>
             <p:ph idx="2" type="body"/>
@@ -4831,114 +6359,114 @@
         </p:nvSpPr>
         <p:spPr>
           <a:xfrm>
-            <a:off x="4939500" y="724075"/>
-            <a:ext cx="3837000" cy="3695100"/>
+            <a:off x="5174225" y="1352625"/>
+            <a:ext cx="3374400" cy="3025500"/>
           </a:xfrm>
           <a:prstGeom prst="rect">
             <a:avLst/>
           </a:prstGeom>
         </p:spPr>
         <p:txBody>
-          <a:bodyPr anchorCtr="0" anchor="ctr" bIns="91425" lIns="91425" spcFirstLastPara="1" rIns="91425" wrap="square" tIns="91425">
+          <a:bodyPr anchorCtr="0" anchor="t" bIns="91425" lIns="91425" spcFirstLastPara="1" rIns="91425" wrap="square" tIns="91425">
             <a:normAutofit/>
           </a:bodyPr>
           <a:lstStyle>
-            <a:lvl1pPr indent="-342900" lvl="0" marL="457200">
-              <a:spcBef>
-                <a:spcPts val="0"/>
-              </a:spcBef>
-              <a:spcAft>
-                <a:spcPts val="0"/>
-              </a:spcAft>
-              <a:buSzPts val="1800"/>
+            <a:lvl1pPr indent="-311150" lvl="0" marL="457200">
+              <a:spcBef>
+                <a:spcPts val="0"/>
+              </a:spcBef>
+              <a:spcAft>
+                <a:spcPts val="0"/>
+              </a:spcAft>
+              <a:buSzPts val="1300"/>
               <a:buChar char="●"/>
               <a:defRPr/>
             </a:lvl1pPr>
-            <a:lvl2pPr indent="-317500" lvl="1" marL="914400">
-              <a:spcBef>
-                <a:spcPts val="0"/>
-              </a:spcBef>
-              <a:spcAft>
-                <a:spcPts val="0"/>
-              </a:spcAft>
-              <a:buSzPts val="1400"/>
+            <a:lvl2pPr indent="-298450" lvl="1" marL="914400">
+              <a:spcBef>
+                <a:spcPts val="0"/>
+              </a:spcBef>
+              <a:spcAft>
+                <a:spcPts val="0"/>
+              </a:spcAft>
+              <a:buSzPts val="1100"/>
               <a:buChar char="○"/>
               <a:defRPr/>
             </a:lvl2pPr>
-            <a:lvl3pPr indent="-317500" lvl="2" marL="1371600">
-              <a:spcBef>
-                <a:spcPts val="0"/>
-              </a:spcBef>
-              <a:spcAft>
-                <a:spcPts val="0"/>
-              </a:spcAft>
-              <a:buSzPts val="1400"/>
+            <a:lvl3pPr indent="-298450" lvl="2" marL="1371600">
+              <a:spcBef>
+                <a:spcPts val="0"/>
+              </a:spcBef>
+              <a:spcAft>
+                <a:spcPts val="0"/>
+              </a:spcAft>
+              <a:buSzPts val="1100"/>
               <a:buChar char="■"/>
               <a:defRPr/>
             </a:lvl3pPr>
-            <a:lvl4pPr indent="-317500" lvl="3" marL="1828800">
-              <a:spcBef>
-                <a:spcPts val="0"/>
-              </a:spcBef>
-              <a:spcAft>
-                <a:spcPts val="0"/>
-              </a:spcAft>
-              <a:buSzPts val="1400"/>
+            <a:lvl4pPr indent="-298450" lvl="3" marL="1828800">
+              <a:spcBef>
+                <a:spcPts val="0"/>
+              </a:spcBef>
+              <a:spcAft>
+                <a:spcPts val="0"/>
+              </a:spcAft>
+              <a:buSzPts val="1100"/>
               <a:buChar char="●"/>
               <a:defRPr/>
             </a:lvl4pPr>
-            <a:lvl5pPr indent="-317500" lvl="4" marL="2286000">
-              <a:spcBef>
-                <a:spcPts val="0"/>
-              </a:spcBef>
-              <a:spcAft>
-                <a:spcPts val="0"/>
-              </a:spcAft>
-              <a:buSzPts val="1400"/>
+            <a:lvl5pPr indent="-298450" lvl="4" marL="2286000">
+              <a:spcBef>
+                <a:spcPts val="0"/>
+              </a:spcBef>
+              <a:spcAft>
+                <a:spcPts val="0"/>
+              </a:spcAft>
+              <a:buSzPts val="1100"/>
               <a:buChar char="○"/>
               <a:defRPr/>
             </a:lvl5pPr>
-            <a:lvl6pPr indent="-317500" lvl="5" marL="2743200">
-              <a:spcBef>
-                <a:spcPts val="0"/>
-              </a:spcBef>
-              <a:spcAft>
-                <a:spcPts val="0"/>
-              </a:spcAft>
-              <a:buSzPts val="1400"/>
+            <a:lvl6pPr indent="-298450" lvl="5" marL="2743200">
+              <a:spcBef>
+                <a:spcPts val="0"/>
+              </a:spcBef>
+              <a:spcAft>
+                <a:spcPts val="0"/>
+              </a:spcAft>
+              <a:buSzPts val="1100"/>
               <a:buChar char="■"/>
               <a:defRPr/>
             </a:lvl6pPr>
-            <a:lvl7pPr indent="-317500" lvl="6" marL="3200400">
-              <a:spcBef>
-                <a:spcPts val="0"/>
-              </a:spcBef>
-              <a:spcAft>
-                <a:spcPts val="0"/>
-              </a:spcAft>
-              <a:buSzPts val="1400"/>
+            <a:lvl7pPr indent="-298450" lvl="6" marL="3200400">
+              <a:spcBef>
+                <a:spcPts val="0"/>
+              </a:spcBef>
+              <a:spcAft>
+                <a:spcPts val="0"/>
+              </a:spcAft>
+              <a:buSzPts val="1100"/>
               <a:buChar char="●"/>
               <a:defRPr/>
             </a:lvl7pPr>
-            <a:lvl8pPr indent="-317500" lvl="7" marL="3657600">
-              <a:spcBef>
-                <a:spcPts val="0"/>
-              </a:spcBef>
-              <a:spcAft>
-                <a:spcPts val="0"/>
-              </a:spcAft>
-              <a:buSzPts val="1400"/>
+            <a:lvl8pPr indent="-298450" lvl="7" marL="3657600">
+              <a:spcBef>
+                <a:spcPts val="0"/>
+              </a:spcBef>
+              <a:spcAft>
+                <a:spcPts val="0"/>
+              </a:spcAft>
+              <a:buSzPts val="1100"/>
               <a:buChar char="○"/>
               <a:defRPr/>
             </a:lvl8pPr>
-            <a:lvl9pPr indent="-317500" lvl="8" marL="4114800">
-              <a:spcBef>
-                <a:spcPts val="0"/>
-              </a:spcBef>
-              <a:spcAft>
-                <a:spcPts val="0"/>
-              </a:spcAft>
-              <a:buSzPts val="1400"/>
+            <a:lvl9pPr indent="-298450" lvl="8" marL="4114800">
+              <a:spcBef>
+                <a:spcPts val="0"/>
+              </a:spcBef>
+              <a:spcAft>
+                <a:spcPts val="0"/>
+              </a:spcAft>
+              <a:buSzPts val="1100"/>
               <a:buChar char="■"/>
               <a:defRPr/>
             </a:lvl9pPr>
@@ -4948,7 +6476,7 @@
       </p:sp>
       <p:sp>
         <p:nvSpPr>
-          <p:cNvPr id="40" name="Google Shape;40;p9"/>
+          <p:cNvPr id="69" name="Google Shape;69;p9"/>
           <p:cNvSpPr txBox="1"/>
           <p:nvPr>
             <p:ph idx="12" type="sldNum"/>
@@ -4956,7 +6484,7 @@
         </p:nvSpPr>
         <p:spPr>
           <a:xfrm>
-            <a:off x="8472458" y="4663217"/>
+            <a:off x="8536302" y="4749851"/>
             <a:ext cx="548700" cy="393600"/>
           </a:xfrm>
           <a:prstGeom prst="rect">
@@ -5036,7 +6564,7 @@
   <p:cSld name="CAPTION_ONLY">
     <p:spTree>
       <p:nvGrpSpPr>
-        <p:cNvPr id="41" name="Shape 41"/>
+        <p:cNvPr id="70" name="Shape 70"/>
         <p:cNvGrpSpPr/>
         <p:nvPr/>
       </p:nvGrpSpPr>
@@ -5050,7 +6578,7 @@
       </p:grpSpPr>
       <p:sp>
         <p:nvSpPr>
-          <p:cNvPr id="42" name="Google Shape;42;p10"/>
+          <p:cNvPr id="71" name="Google Shape;71;p10"/>
           <p:cNvSpPr txBox="1"/>
           <p:nvPr>
             <p:ph idx="1" type="body"/>
@@ -5058,8 +6586,8 @@
         </p:nvSpPr>
         <p:spPr>
           <a:xfrm>
-            <a:off x="311700" y="4230575"/>
-            <a:ext cx="5998800" cy="605100"/>
+            <a:off x="724950" y="4372551"/>
+            <a:ext cx="7697400" cy="460500"/>
           </a:xfrm>
           <a:prstGeom prst="rect">
             <a:avLst/>
@@ -5080,7 +6608,7 @@
               <a:spcAft>
                 <a:spcPts val="0"/>
               </a:spcAft>
-              <a:buSzPts val="1800"/>
+              <a:buSzPts val="1300"/>
               <a:buNone/>
               <a:defRPr/>
             </a:lvl1pPr>
@@ -5090,7 +6618,7 @@
       </p:sp>
       <p:sp>
         <p:nvSpPr>
-          <p:cNvPr id="43" name="Google Shape;43;p10"/>
+          <p:cNvPr id="72" name="Google Shape;72;p10"/>
           <p:cNvSpPr txBox="1"/>
           <p:nvPr>
             <p:ph idx="12" type="sldNum"/>
@@ -5098,7 +6626,7 @@
         </p:nvSpPr>
         <p:spPr>
           <a:xfrm>
-            <a:off x="8472458" y="4663217"/>
+            <a:off x="8536302" y="4749851"/>
             <a:ext cx="548700" cy="393600"/>
           </a:xfrm>
           <a:prstGeom prst="rect">
@@ -5175,7 +6703,7 @@
 
 <file path=ppt/slideMasters/slideMaster1.xml><?xml version="1.0" encoding="utf-8"?>
 <p:sldMaster xmlns:a="http://schemas.openxmlformats.org/drawingml/2006/main" xmlns:r="http://schemas.openxmlformats.org/officeDocument/2006/relationships" xmlns:mc="http://schemas.openxmlformats.org/markup-compatibility/2006" xmlns:mv="urn:schemas-microsoft-com:mac:vml" xmlns:p="http://schemas.openxmlformats.org/presentationml/2006/main" xmlns:c="http://schemas.openxmlformats.org/drawingml/2006/chart" xmlns:dgm="http://schemas.openxmlformats.org/drawingml/2006/diagram" xmlns:o="urn:schemas-microsoft-com:office:office" xmlns:v="urn:schemas-microsoft-com:vml" xmlns:pvml="urn:schemas-microsoft-com:office:powerpoint" xmlns:com="http://schemas.openxmlformats.org/drawingml/2006/compatibility" xmlns:p14="http://schemas.microsoft.com/office/powerpoint/2010/main" xmlns:p15="http://schemas.microsoft.com/office/powerpoint/2012/main" xmlns:ahyp="http://schemas.microsoft.com/office/drawing/2018/hyperlinkcolor">
-  <p:cSld name="simple-light-2">
+  <p:cSld name="streamline">
     <p:bg>
       <p:bgPr>
         <a:solidFill>
@@ -5231,14 +6759,19 @@
                 <a:spcPts val="0"/>
               </a:spcAft>
               <a:buClr>
-                <a:schemeClr val="dk1"/>
+                <a:schemeClr val="dk2"/>
               </a:buClr>
               <a:buSzPts val="2800"/>
-              <a:buNone/>
-              <a:defRPr sz="2800">
-                <a:solidFill>
-                  <a:schemeClr val="dk1"/>
-                </a:solidFill>
+              <a:buFont typeface="Raleway"/>
+              <a:buNone/>
+              <a:defRPr b="1" sz="2800">
+                <a:solidFill>
+                  <a:schemeClr val="dk2"/>
+                </a:solidFill>
+                <a:latin typeface="Raleway"/>
+                <a:ea typeface="Raleway"/>
+                <a:cs typeface="Raleway"/>
+                <a:sym typeface="Raleway"/>
               </a:defRPr>
             </a:lvl1pPr>
             <a:lvl2pPr lvl="1">
@@ -5249,14 +6782,19 @@
                 <a:spcPts val="0"/>
               </a:spcAft>
               <a:buClr>
-                <a:schemeClr val="dk1"/>
+                <a:schemeClr val="dk2"/>
               </a:buClr>
               <a:buSzPts val="2800"/>
-              <a:buNone/>
-              <a:defRPr sz="2800">
-                <a:solidFill>
-                  <a:schemeClr val="dk1"/>
-                </a:solidFill>
+              <a:buFont typeface="Raleway"/>
+              <a:buNone/>
+              <a:defRPr b="1" sz="2800">
+                <a:solidFill>
+                  <a:schemeClr val="dk2"/>
+                </a:solidFill>
+                <a:latin typeface="Raleway"/>
+                <a:ea typeface="Raleway"/>
+                <a:cs typeface="Raleway"/>
+                <a:sym typeface="Raleway"/>
               </a:defRPr>
             </a:lvl2pPr>
             <a:lvl3pPr lvl="2">
@@ -5267,14 +6805,19 @@
                 <a:spcPts val="0"/>
               </a:spcAft>
               <a:buClr>
-                <a:schemeClr val="dk1"/>
+                <a:schemeClr val="dk2"/>
               </a:buClr>
               <a:buSzPts val="2800"/>
-              <a:buNone/>
-              <a:defRPr sz="2800">
-                <a:solidFill>
-                  <a:schemeClr val="dk1"/>
-                </a:solidFill>
+              <a:buFont typeface="Raleway"/>
+              <a:buNone/>
+              <a:defRPr b="1" sz="2800">
+                <a:solidFill>
+                  <a:schemeClr val="dk2"/>
+                </a:solidFill>
+                <a:latin typeface="Raleway"/>
+                <a:ea typeface="Raleway"/>
+                <a:cs typeface="Raleway"/>
+                <a:sym typeface="Raleway"/>
               </a:defRPr>
             </a:lvl3pPr>
             <a:lvl4pPr lvl="3">
@@ -5285,14 +6828,19 @@
                 <a:spcPts val="0"/>
               </a:spcAft>
               <a:buClr>
-                <a:schemeClr val="dk1"/>
+                <a:schemeClr val="dk2"/>
               </a:buClr>
               <a:buSzPts val="2800"/>
-              <a:buNone/>
-              <a:defRPr sz="2800">
-                <a:solidFill>
-                  <a:schemeClr val="dk1"/>
-                </a:solidFill>
+              <a:buFont typeface="Raleway"/>
+              <a:buNone/>
+              <a:defRPr b="1" sz="2800">
+                <a:solidFill>
+                  <a:schemeClr val="dk2"/>
+                </a:solidFill>
+                <a:latin typeface="Raleway"/>
+                <a:ea typeface="Raleway"/>
+                <a:cs typeface="Raleway"/>
+                <a:sym typeface="Raleway"/>
               </a:defRPr>
             </a:lvl4pPr>
             <a:lvl5pPr lvl="4">
@@ -5303,14 +6851,19 @@
                 <a:spcPts val="0"/>
               </a:spcAft>
               <a:buClr>
-                <a:schemeClr val="dk1"/>
+                <a:schemeClr val="dk2"/>
               </a:buClr>
               <a:buSzPts val="2800"/>
-              <a:buNone/>
-              <a:defRPr sz="2800">
-                <a:solidFill>
-                  <a:schemeClr val="dk1"/>
-                </a:solidFill>
+              <a:buFont typeface="Raleway"/>
+              <a:buNone/>
+              <a:defRPr b="1" sz="2800">
+                <a:solidFill>
+                  <a:schemeClr val="dk2"/>
+                </a:solidFill>
+                <a:latin typeface="Raleway"/>
+                <a:ea typeface="Raleway"/>
+                <a:cs typeface="Raleway"/>
+                <a:sym typeface="Raleway"/>
               </a:defRPr>
             </a:lvl5pPr>
             <a:lvl6pPr lvl="5">
@@ -5321,14 +6874,19 @@
                 <a:spcPts val="0"/>
               </a:spcAft>
               <a:buClr>
-                <a:schemeClr val="dk1"/>
+                <a:schemeClr val="dk2"/>
               </a:buClr>
               <a:buSzPts val="2800"/>
-              <a:buNone/>
-              <a:defRPr sz="2800">
-                <a:solidFill>
-                  <a:schemeClr val="dk1"/>
-                </a:solidFill>
+              <a:buFont typeface="Raleway"/>
+              <a:buNone/>
+              <a:defRPr b="1" sz="2800">
+                <a:solidFill>
+                  <a:schemeClr val="dk2"/>
+                </a:solidFill>
+                <a:latin typeface="Raleway"/>
+                <a:ea typeface="Raleway"/>
+                <a:cs typeface="Raleway"/>
+                <a:sym typeface="Raleway"/>
               </a:defRPr>
             </a:lvl6pPr>
             <a:lvl7pPr lvl="6">
@@ -5339,14 +6897,19 @@
                 <a:spcPts val="0"/>
               </a:spcAft>
               <a:buClr>
-                <a:schemeClr val="dk1"/>
+                <a:schemeClr val="dk2"/>
               </a:buClr>
               <a:buSzPts val="2800"/>
-              <a:buNone/>
-              <a:defRPr sz="2800">
-                <a:solidFill>
-                  <a:schemeClr val="dk1"/>
-                </a:solidFill>
+              <a:buFont typeface="Raleway"/>
+              <a:buNone/>
+              <a:defRPr b="1" sz="2800">
+                <a:solidFill>
+                  <a:schemeClr val="dk2"/>
+                </a:solidFill>
+                <a:latin typeface="Raleway"/>
+                <a:ea typeface="Raleway"/>
+                <a:cs typeface="Raleway"/>
+                <a:sym typeface="Raleway"/>
               </a:defRPr>
             </a:lvl7pPr>
             <a:lvl8pPr lvl="7">
@@ -5357,14 +6920,19 @@
                 <a:spcPts val="0"/>
               </a:spcAft>
               <a:buClr>
-                <a:schemeClr val="dk1"/>
+                <a:schemeClr val="dk2"/>
               </a:buClr>
               <a:buSzPts val="2800"/>
-              <a:buNone/>
-              <a:defRPr sz="2800">
-                <a:solidFill>
-                  <a:schemeClr val="dk1"/>
-                </a:solidFill>
+              <a:buFont typeface="Raleway"/>
+              <a:buNone/>
+              <a:defRPr b="1" sz="2800">
+                <a:solidFill>
+                  <a:schemeClr val="dk2"/>
+                </a:solidFill>
+                <a:latin typeface="Raleway"/>
+                <a:ea typeface="Raleway"/>
+                <a:cs typeface="Raleway"/>
+                <a:sym typeface="Raleway"/>
               </a:defRPr>
             </a:lvl8pPr>
             <a:lvl9pPr lvl="8">
@@ -5375,14 +6943,19 @@
                 <a:spcPts val="0"/>
               </a:spcAft>
               <a:buClr>
-                <a:schemeClr val="dk1"/>
+                <a:schemeClr val="dk2"/>
               </a:buClr>
               <a:buSzPts val="2800"/>
-              <a:buNone/>
-              <a:defRPr sz="2800">
-                <a:solidFill>
-                  <a:schemeClr val="dk1"/>
-                </a:solidFill>
+              <a:buFont typeface="Raleway"/>
+              <a:buNone/>
+              <a:defRPr b="1" sz="2800">
+                <a:solidFill>
+                  <a:schemeClr val="dk2"/>
+                </a:solidFill>
+                <a:latin typeface="Raleway"/>
+                <a:ea typeface="Raleway"/>
+                <a:cs typeface="Raleway"/>
+                <a:sym typeface="Raleway"/>
               </a:defRPr>
             </a:lvl9pPr>
           </a:lstStyle>
@@ -5415,7 +6988,7 @@
             <a:normAutofit/>
           </a:bodyPr>
           <a:lstStyle>
-            <a:lvl1pPr indent="-342900" lvl="0" marL="457200">
+            <a:lvl1pPr indent="-311150" lvl="0" marL="457200">
               <a:lnSpc>
                 <a:spcPct val="115000"/>
               </a:lnSpc>
@@ -5426,17 +6999,22 @@
                 <a:spcPts val="0"/>
               </a:spcAft>
               <a:buClr>
-                <a:schemeClr val="dk2"/>
+                <a:schemeClr val="accent1"/>
               </a:buClr>
-              <a:buSzPts val="1800"/>
+              <a:buSzPts val="1300"/>
+              <a:buFont typeface="Lato"/>
               <a:buChar char="●"/>
-              <a:defRPr sz="1800">
-                <a:solidFill>
-                  <a:schemeClr val="dk2"/>
-                </a:solidFill>
+              <a:defRPr sz="1300">
+                <a:solidFill>
+                  <a:schemeClr val="accent1"/>
+                </a:solidFill>
+                <a:latin typeface="Lato"/>
+                <a:ea typeface="Lato"/>
+                <a:cs typeface="Lato"/>
+                <a:sym typeface="Lato"/>
               </a:defRPr>
             </a:lvl1pPr>
-            <a:lvl2pPr indent="-317500" lvl="1" marL="914400">
+            <a:lvl2pPr indent="-298450" lvl="1" marL="914400">
               <a:lnSpc>
                 <a:spcPct val="115000"/>
               </a:lnSpc>
@@ -5447,17 +7025,22 @@
                 <a:spcPts val="0"/>
               </a:spcAft>
               <a:buClr>
-                <a:schemeClr val="dk2"/>
+                <a:schemeClr val="accent1"/>
               </a:buClr>
-              <a:buSzPts val="1400"/>
+              <a:buSzPts val="1100"/>
+              <a:buFont typeface="Lato"/>
               <a:buChar char="○"/>
-              <a:defRPr>
-                <a:solidFill>
-                  <a:schemeClr val="dk2"/>
-                </a:solidFill>
+              <a:defRPr sz="1100">
+                <a:solidFill>
+                  <a:schemeClr val="accent1"/>
+                </a:solidFill>
+                <a:latin typeface="Lato"/>
+                <a:ea typeface="Lato"/>
+                <a:cs typeface="Lato"/>
+                <a:sym typeface="Lato"/>
               </a:defRPr>
             </a:lvl2pPr>
-            <a:lvl3pPr indent="-317500" lvl="2" marL="1371600">
+            <a:lvl3pPr indent="-298450" lvl="2" marL="1371600">
               <a:lnSpc>
                 <a:spcPct val="115000"/>
               </a:lnSpc>
@@ -5468,17 +7051,22 @@
                 <a:spcPts val="0"/>
               </a:spcAft>
               <a:buClr>
-                <a:schemeClr val="dk2"/>
+                <a:schemeClr val="accent1"/>
               </a:buClr>
-              <a:buSzPts val="1400"/>
+              <a:buSzPts val="1100"/>
+              <a:buFont typeface="Lato"/>
               <a:buChar char="■"/>
-              <a:defRPr>
-                <a:solidFill>
-                  <a:schemeClr val="dk2"/>
-                </a:solidFill>
+              <a:defRPr sz="1100">
+                <a:solidFill>
+                  <a:schemeClr val="accent1"/>
+                </a:solidFill>
+                <a:latin typeface="Lato"/>
+                <a:ea typeface="Lato"/>
+                <a:cs typeface="Lato"/>
+                <a:sym typeface="Lato"/>
               </a:defRPr>
             </a:lvl3pPr>
-            <a:lvl4pPr indent="-317500" lvl="3" marL="1828800">
+            <a:lvl4pPr indent="-298450" lvl="3" marL="1828800">
               <a:lnSpc>
                 <a:spcPct val="115000"/>
               </a:lnSpc>
@@ -5489,17 +7077,22 @@
                 <a:spcPts val="0"/>
               </a:spcAft>
               <a:buClr>
-                <a:schemeClr val="dk2"/>
+                <a:schemeClr val="accent1"/>
               </a:buClr>
-              <a:buSzPts val="1400"/>
+              <a:buSzPts val="1100"/>
+              <a:buFont typeface="Lato"/>
               <a:buChar char="●"/>
-              <a:defRPr>
-                <a:solidFill>
-                  <a:schemeClr val="dk2"/>
-                </a:solidFill>
+              <a:defRPr sz="1100">
+                <a:solidFill>
+                  <a:schemeClr val="accent1"/>
+                </a:solidFill>
+                <a:latin typeface="Lato"/>
+                <a:ea typeface="Lato"/>
+                <a:cs typeface="Lato"/>
+                <a:sym typeface="Lato"/>
               </a:defRPr>
             </a:lvl4pPr>
-            <a:lvl5pPr indent="-317500" lvl="4" marL="2286000">
+            <a:lvl5pPr indent="-298450" lvl="4" marL="2286000">
               <a:lnSpc>
                 <a:spcPct val="115000"/>
               </a:lnSpc>
@@ -5510,17 +7103,22 @@
                 <a:spcPts val="0"/>
               </a:spcAft>
               <a:buClr>
-                <a:schemeClr val="dk2"/>
+                <a:schemeClr val="accent1"/>
               </a:buClr>
-              <a:buSzPts val="1400"/>
+              <a:buSzPts val="1100"/>
+              <a:buFont typeface="Lato"/>
               <a:buChar char="○"/>
-              <a:defRPr>
-                <a:solidFill>
-                  <a:schemeClr val="dk2"/>
-                </a:solidFill>
+              <a:defRPr sz="1100">
+                <a:solidFill>
+                  <a:schemeClr val="accent1"/>
+                </a:solidFill>
+                <a:latin typeface="Lato"/>
+                <a:ea typeface="Lato"/>
+                <a:cs typeface="Lato"/>
+                <a:sym typeface="Lato"/>
               </a:defRPr>
             </a:lvl5pPr>
-            <a:lvl6pPr indent="-317500" lvl="5" marL="2743200">
+            <a:lvl6pPr indent="-298450" lvl="5" marL="2743200">
               <a:lnSpc>
                 <a:spcPct val="115000"/>
               </a:lnSpc>
@@ -5531,17 +7129,22 @@
                 <a:spcPts val="0"/>
               </a:spcAft>
               <a:buClr>
-                <a:schemeClr val="dk2"/>
+                <a:schemeClr val="accent1"/>
               </a:buClr>
-              <a:buSzPts val="1400"/>
+              <a:buSzPts val="1100"/>
+              <a:buFont typeface="Lato"/>
               <a:buChar char="■"/>
-              <a:defRPr>
-                <a:solidFill>
-                  <a:schemeClr val="dk2"/>
-                </a:solidFill>
+              <a:defRPr sz="1100">
+                <a:solidFill>
+                  <a:schemeClr val="accent1"/>
+                </a:solidFill>
+                <a:latin typeface="Lato"/>
+                <a:ea typeface="Lato"/>
+                <a:cs typeface="Lato"/>
+                <a:sym typeface="Lato"/>
               </a:defRPr>
             </a:lvl6pPr>
-            <a:lvl7pPr indent="-317500" lvl="6" marL="3200400">
+            <a:lvl7pPr indent="-298450" lvl="6" marL="3200400">
               <a:lnSpc>
                 <a:spcPct val="115000"/>
               </a:lnSpc>
@@ -5552,17 +7155,22 @@
                 <a:spcPts val="0"/>
               </a:spcAft>
               <a:buClr>
-                <a:schemeClr val="dk2"/>
+                <a:schemeClr val="accent1"/>
               </a:buClr>
-              <a:buSzPts val="1400"/>
+              <a:buSzPts val="1100"/>
+              <a:buFont typeface="Lato"/>
               <a:buChar char="●"/>
-              <a:defRPr>
-                <a:solidFill>
-                  <a:schemeClr val="dk2"/>
-                </a:solidFill>
+              <a:defRPr sz="1100">
+                <a:solidFill>
+                  <a:schemeClr val="accent1"/>
+                </a:solidFill>
+                <a:latin typeface="Lato"/>
+                <a:ea typeface="Lato"/>
+                <a:cs typeface="Lato"/>
+                <a:sym typeface="Lato"/>
               </a:defRPr>
             </a:lvl7pPr>
-            <a:lvl8pPr indent="-317500" lvl="7" marL="3657600">
+            <a:lvl8pPr indent="-298450" lvl="7" marL="3657600">
               <a:lnSpc>
                 <a:spcPct val="115000"/>
               </a:lnSpc>
@@ -5573,17 +7181,22 @@
                 <a:spcPts val="0"/>
               </a:spcAft>
               <a:buClr>
-                <a:schemeClr val="dk2"/>
+                <a:schemeClr val="accent1"/>
               </a:buClr>
-              <a:buSzPts val="1400"/>
+              <a:buSzPts val="1100"/>
+              <a:buFont typeface="Lato"/>
               <a:buChar char="○"/>
-              <a:defRPr>
-                <a:solidFill>
-                  <a:schemeClr val="dk2"/>
-                </a:solidFill>
+              <a:defRPr sz="1100">
+                <a:solidFill>
+                  <a:schemeClr val="accent1"/>
+                </a:solidFill>
+                <a:latin typeface="Lato"/>
+                <a:ea typeface="Lato"/>
+                <a:cs typeface="Lato"/>
+                <a:sym typeface="Lato"/>
               </a:defRPr>
             </a:lvl8pPr>
-            <a:lvl9pPr indent="-317500" lvl="8" marL="4114800">
+            <a:lvl9pPr indent="-298450" lvl="8" marL="4114800">
               <a:lnSpc>
                 <a:spcPct val="115000"/>
               </a:lnSpc>
@@ -5594,14 +7207,19 @@
                 <a:spcPts val="0"/>
               </a:spcAft>
               <a:buClr>
-                <a:schemeClr val="dk2"/>
+                <a:schemeClr val="accent1"/>
               </a:buClr>
-              <a:buSzPts val="1400"/>
+              <a:buSzPts val="1100"/>
+              <a:buFont typeface="Lato"/>
               <a:buChar char="■"/>
-              <a:defRPr>
-                <a:solidFill>
-                  <a:schemeClr val="dk2"/>
-                </a:solidFill>
+              <a:defRPr sz="1100">
+                <a:solidFill>
+                  <a:schemeClr val="accent1"/>
+                </a:solidFill>
+                <a:latin typeface="Lato"/>
+                <a:ea typeface="Lato"/>
+                <a:cs typeface="Lato"/>
+                <a:sym typeface="Lato"/>
               </a:defRPr>
             </a:lvl9pPr>
           </a:lstStyle>
@@ -5618,7 +7236,7 @@
         </p:nvSpPr>
         <p:spPr>
           <a:xfrm>
-            <a:off x="8472458" y="4663217"/>
+            <a:off x="8536302" y="4749851"/>
             <a:ext cx="548700" cy="393600"/>
           </a:xfrm>
           <a:prstGeom prst="rect">
@@ -5638,72 +7256,108 @@
               <a:buNone/>
               <a:defRPr sz="1000">
                 <a:solidFill>
-                  <a:schemeClr val="dk2"/>
-                </a:solidFill>
+                  <a:schemeClr val="accent1"/>
+                </a:solidFill>
+                <a:latin typeface="Lato"/>
+                <a:ea typeface="Lato"/>
+                <a:cs typeface="Lato"/>
+                <a:sym typeface="Lato"/>
               </a:defRPr>
             </a:lvl1pPr>
             <a:lvl2pPr lvl="1" algn="r">
               <a:buNone/>
               <a:defRPr sz="1000">
                 <a:solidFill>
-                  <a:schemeClr val="dk2"/>
-                </a:solidFill>
+                  <a:schemeClr val="accent1"/>
+                </a:solidFill>
+                <a:latin typeface="Lato"/>
+                <a:ea typeface="Lato"/>
+                <a:cs typeface="Lato"/>
+                <a:sym typeface="Lato"/>
               </a:defRPr>
             </a:lvl2pPr>
             <a:lvl3pPr lvl="2" algn="r">
               <a:buNone/>
               <a:defRPr sz="1000">
                 <a:solidFill>
-                  <a:schemeClr val="dk2"/>
-                </a:solidFill>
+                  <a:schemeClr val="accent1"/>
+                </a:solidFill>
+                <a:latin typeface="Lato"/>
+                <a:ea typeface="Lato"/>
+                <a:cs typeface="Lato"/>
+                <a:sym typeface="Lato"/>
               </a:defRPr>
             </a:lvl3pPr>
             <a:lvl4pPr lvl="3" algn="r">
               <a:buNone/>
               <a:defRPr sz="1000">
                 <a:solidFill>
-                  <a:schemeClr val="dk2"/>
-                </a:solidFill>
+                  <a:schemeClr val="accent1"/>
+                </a:solidFill>
+                <a:latin typeface="Lato"/>
+                <a:ea typeface="Lato"/>
+                <a:cs typeface="Lato"/>
+                <a:sym typeface="Lato"/>
               </a:defRPr>
             </a:lvl4pPr>
             <a:lvl5pPr lvl="4" algn="r">
               <a:buNone/>
               <a:defRPr sz="1000">
                 <a:solidFill>
-                  <a:schemeClr val="dk2"/>
-                </a:solidFill>
+                  <a:schemeClr val="accent1"/>
+                </a:solidFill>
+                <a:latin typeface="Lato"/>
+                <a:ea typeface="Lato"/>
+                <a:cs typeface="Lato"/>
+                <a:sym typeface="Lato"/>
               </a:defRPr>
             </a:lvl5pPr>
             <a:lvl6pPr lvl="5" algn="r">
               <a:buNone/>
               <a:defRPr sz="1000">
                 <a:solidFill>
-                  <a:schemeClr val="dk2"/>
-                </a:solidFill>
+                  <a:schemeClr val="accent1"/>
+                </a:solidFill>
+                <a:latin typeface="Lato"/>
+                <a:ea typeface="Lato"/>
+                <a:cs typeface="Lato"/>
+                <a:sym typeface="Lato"/>
               </a:defRPr>
             </a:lvl6pPr>
             <a:lvl7pPr lvl="6" algn="r">
               <a:buNone/>
               <a:defRPr sz="1000">
                 <a:solidFill>
-                  <a:schemeClr val="dk2"/>
-                </a:solidFill>
+                  <a:schemeClr val="accent1"/>
+                </a:solidFill>
+                <a:latin typeface="Lato"/>
+                <a:ea typeface="Lato"/>
+                <a:cs typeface="Lato"/>
+                <a:sym typeface="Lato"/>
               </a:defRPr>
             </a:lvl7pPr>
             <a:lvl8pPr lvl="7" algn="r">
               <a:buNone/>
               <a:defRPr sz="1000">
                 <a:solidFill>
-                  <a:schemeClr val="dk2"/>
-                </a:solidFill>
+                  <a:schemeClr val="accent1"/>
+                </a:solidFill>
+                <a:latin typeface="Lato"/>
+                <a:ea typeface="Lato"/>
+                <a:cs typeface="Lato"/>
+                <a:sym typeface="Lato"/>
               </a:defRPr>
             </a:lvl8pPr>
             <a:lvl9pPr lvl="8" algn="r">
               <a:buNone/>
               <a:defRPr sz="1000">
                 <a:solidFill>
-                  <a:schemeClr val="dk2"/>
-                </a:solidFill>
+                  <a:schemeClr val="accent1"/>
+                </a:solidFill>
+                <a:latin typeface="Lato"/>
+                <a:ea typeface="Lato"/>
+                <a:cs typeface="Lato"/>
+                <a:sym typeface="Lato"/>
               </a:defRPr>
             </a:lvl9pPr>
           </a:lstStyle>
@@ -6439,7 +8093,7 @@
   <p:cSld>
     <p:spTree>
       <p:nvGrpSpPr>
-        <p:cNvPr id="53" name="Shape 53"/>
+        <p:cNvPr id="85" name="Shape 85"/>
         <p:cNvGrpSpPr/>
         <p:nvPr/>
       </p:nvGrpSpPr>
@@ -6453,7 +8107,7 @@
       </p:grpSpPr>
       <p:sp>
         <p:nvSpPr>
-          <p:cNvPr id="54" name="Google Shape;54;p13"/>
+          <p:cNvPr id="86" name="Google Shape;86;p13"/>
           <p:cNvSpPr txBox="1"/>
           <p:nvPr>
             <p:ph type="ctrTitle"/>
@@ -6461,20 +8115,20 @@
         </p:nvSpPr>
         <p:spPr>
           <a:xfrm>
-            <a:off x="311708" y="1130675"/>
-            <a:ext cx="8520600" cy="2052600"/>
+            <a:off x="729450" y="1322450"/>
+            <a:ext cx="7688100" cy="1664700"/>
           </a:xfrm>
           <a:prstGeom prst="rect">
             <a:avLst/>
           </a:prstGeom>
         </p:spPr>
         <p:txBody>
-          <a:bodyPr anchorCtr="0" anchor="b" bIns="91425" lIns="91425" spcFirstLastPara="1" rIns="91425" wrap="square" tIns="91425">
+          <a:bodyPr anchorCtr="0" anchor="t" bIns="91425" lIns="91425" spcFirstLastPara="1" rIns="91425" wrap="square" tIns="91425">
             <a:normAutofit/>
           </a:bodyPr>
           <a:lstStyle/>
           <a:p>
-            <a:pPr indent="0" lvl="0" marL="0" rtl="0" algn="ctr">
+            <a:pPr indent="0" lvl="0" marL="0" rtl="0" algn="l">
               <a:spcBef>
                 <a:spcPts val="0"/>
               </a:spcBef>
@@ -6490,7 +8144,7 @@
             <a:endParaRPr/>
           </a:p>
           <a:p>
-            <a:pPr indent="0" lvl="0" marL="0" rtl="0" algn="ctr">
+            <a:pPr indent="0" lvl="0" marL="0" rtl="0" algn="l">
               <a:spcBef>
                 <a:spcPts val="0"/>
               </a:spcBef>
@@ -6509,7 +8163,7 @@
       </p:sp>
       <p:sp>
         <p:nvSpPr>
-          <p:cNvPr id="55" name="Google Shape;55;p13"/>
+          <p:cNvPr id="87" name="Google Shape;87;p13"/>
           <p:cNvSpPr txBox="1"/>
           <p:nvPr>
             <p:ph idx="1" type="subTitle"/>
@@ -6517,8 +8171,8 @@
         </p:nvSpPr>
         <p:spPr>
           <a:xfrm>
-            <a:off x="311700" y="3220225"/>
-            <a:ext cx="8520600" cy="792600"/>
+            <a:off x="729627" y="3172900"/>
+            <a:ext cx="7688100" cy="541200"/>
           </a:xfrm>
           <a:prstGeom prst="rect">
             <a:avLst/>
@@ -6530,7 +8184,7 @@
           </a:bodyPr>
           <a:lstStyle/>
           <a:p>
-            <a:pPr indent="0" lvl="0" marL="0" rtl="0" algn="ctr">
+            <a:pPr indent="0" lvl="0" marL="0" rtl="0" algn="l">
               <a:spcBef>
                 <a:spcPts val="0"/>
               </a:spcBef>
@@ -6540,18 +8194,10 @@
               <a:buNone/>
             </a:pPr>
             <a:r>
-              <a:rPr lang="en" sz="1600"/>
-              <a:t>Image Ad</a:t>
+              <a:rPr lang="en"/>
+              <a:t>Image Adhikari and Gobinda Pandey</a:t>
             </a:r>
-            <a:r>
-              <a:rPr lang="en" sz="1600"/>
-              <a:t>hikari</a:t>
-            </a:r>
-            <a:r>
-              <a:rPr lang="en" sz="1600"/>
-              <a:t> &amp; Gobinda Pandey</a:t>
-            </a:r>
-            <a:endParaRPr sz="1600"/>
+            <a:endParaRPr/>
           </a:p>
         </p:txBody>
       </p:sp>
@@ -6568,7 +8214,7 @@
   <p:cSld>
     <p:spTree>
       <p:nvGrpSpPr>
-        <p:cNvPr id="117" name="Shape 117"/>
+        <p:cNvPr id="149" name="Shape 149"/>
         <p:cNvGrpSpPr/>
         <p:nvPr/>
       </p:nvGrpSpPr>
@@ -6582,7 +8228,7 @@
       </p:grpSpPr>
       <p:pic>
         <p:nvPicPr>
-          <p:cNvPr id="118" name="Google Shape;118;p22"/>
+          <p:cNvPr id="150" name="Google Shape;150;p22"/>
           <p:cNvPicPr preferRelativeResize="0"/>
           <p:nvPr/>
         </p:nvPicPr>
@@ -6596,8 +8242,8 @@
         </p:blipFill>
         <p:spPr>
           <a:xfrm>
-            <a:off x="5463482" y="2496825"/>
-            <a:ext cx="3362317" cy="2521700"/>
+            <a:off x="5423450" y="2496825"/>
+            <a:ext cx="3402350" cy="2551718"/>
           </a:xfrm>
           <a:prstGeom prst="rect">
             <a:avLst/>
@@ -6610,7 +8256,7 @@
       </p:pic>
       <p:pic>
         <p:nvPicPr>
-          <p:cNvPr id="119" name="Google Shape;119;p22"/>
+          <p:cNvPr id="151" name="Google Shape;151;p22"/>
           <p:cNvPicPr preferRelativeResize="0"/>
           <p:nvPr/>
         </p:nvPicPr>
@@ -6638,7 +8284,7 @@
       </p:pic>
       <p:pic>
         <p:nvPicPr>
-          <p:cNvPr id="120" name="Google Shape;120;p22"/>
+          <p:cNvPr id="152" name="Google Shape;152;p22"/>
           <p:cNvPicPr preferRelativeResize="0"/>
           <p:nvPr/>
         </p:nvPicPr>
@@ -6652,8 +8298,8 @@
         </p:blipFill>
         <p:spPr>
           <a:xfrm>
-            <a:off x="5523350" y="37924"/>
-            <a:ext cx="3161150" cy="2370876"/>
+            <a:off x="5463475" y="-6981"/>
+            <a:ext cx="3221026" cy="2415781"/>
           </a:xfrm>
           <a:prstGeom prst="rect">
             <a:avLst/>
@@ -6666,7 +8312,7 @@
       </p:pic>
       <p:pic>
         <p:nvPicPr>
-          <p:cNvPr id="121" name="Google Shape;121;p22"/>
+          <p:cNvPr id="153" name="Google Shape;153;p22"/>
           <p:cNvPicPr preferRelativeResize="0"/>
           <p:nvPr/>
         </p:nvPicPr>
@@ -6705,7 +8351,7 @@
   <p:cSld>
     <p:spTree>
       <p:nvGrpSpPr>
-        <p:cNvPr id="125" name="Shape 125"/>
+        <p:cNvPr id="157" name="Shape 157"/>
         <p:cNvGrpSpPr/>
         <p:nvPr/>
       </p:nvGrpSpPr>
@@ -6719,7 +8365,7 @@
       </p:grpSpPr>
       <p:sp>
         <p:nvSpPr>
-          <p:cNvPr id="126" name="Google Shape;126;p23"/>
+          <p:cNvPr id="158" name="Google Shape;158;p23"/>
           <p:cNvSpPr txBox="1"/>
           <p:nvPr>
             <p:ph idx="1" type="body"/>
@@ -6750,14 +8396,14 @@
               <a:buNone/>
             </a:pPr>
             <a:r>
-              <a:rPr b="1" lang="en" sz="5000">
+              <a:rPr b="1" lang="en" sz="6000">
                 <a:solidFill>
                   <a:schemeClr val="dk1"/>
                 </a:solidFill>
               </a:rPr>
               <a:t>Thank You</a:t>
             </a:r>
-            <a:endParaRPr b="1" sz="5000">
+            <a:endParaRPr b="1" sz="6000">
               <a:solidFill>
                 <a:schemeClr val="dk1"/>
               </a:solidFill>
@@ -6778,7 +8424,7 @@
   <p:cSld>
     <p:spTree>
       <p:nvGrpSpPr>
-        <p:cNvPr id="59" name="Shape 59"/>
+        <p:cNvPr id="91" name="Shape 91"/>
         <p:cNvGrpSpPr/>
         <p:nvPr/>
       </p:nvGrpSpPr>
@@ -6792,7 +8438,7 @@
       </p:grpSpPr>
       <p:sp>
         <p:nvSpPr>
-          <p:cNvPr id="60" name="Google Shape;60;p14"/>
+          <p:cNvPr id="92" name="Google Shape;92;p14"/>
           <p:cNvSpPr txBox="1"/>
           <p:nvPr>
             <p:ph type="title"/>
@@ -6800,7 +8446,7 @@
         </p:nvSpPr>
         <p:spPr>
           <a:xfrm>
-            <a:off x="311700" y="368825"/>
+            <a:off x="387900" y="597425"/>
             <a:ext cx="8520600" cy="572700"/>
           </a:xfrm>
           <a:prstGeom prst="rect">
@@ -6832,7 +8478,7 @@
       </p:sp>
       <p:sp>
         <p:nvSpPr>
-          <p:cNvPr id="61" name="Google Shape;61;p14"/>
+          <p:cNvPr id="93" name="Google Shape;93;p14"/>
           <p:cNvSpPr txBox="1"/>
           <p:nvPr>
             <p:ph idx="1" type="body"/>
@@ -6840,7 +8486,7 @@
         </p:nvSpPr>
         <p:spPr>
           <a:xfrm>
-            <a:off x="311700" y="1076275"/>
+            <a:off x="464100" y="1457275"/>
             <a:ext cx="8520600" cy="3767100"/>
           </a:xfrm>
           <a:prstGeom prst="rect">
@@ -6877,7 +8523,7 @@
             </a:endParaRPr>
           </a:p>
           <a:p>
-            <a:pPr indent="-342900" lvl="0" marL="457200" rtl="0" algn="l">
+            <a:pPr indent="-311150" lvl="0" marL="457200" rtl="0" algn="l">
               <a:spcBef>
                 <a:spcPts val="1200"/>
               </a:spcBef>
@@ -6887,7 +8533,7 @@
               <a:buClr>
                 <a:schemeClr val="dk1"/>
               </a:buClr>
-              <a:buSzPts val="1800"/>
+              <a:buSzPts val="1300"/>
               <a:buChar char="-"/>
             </a:pPr>
             <a:r>
@@ -6929,7 +8575,7 @@
             </a:endParaRPr>
           </a:p>
           <a:p>
-            <a:pPr indent="-342900" lvl="0" marL="457200" rtl="0" algn="l">
+            <a:pPr indent="-311150" lvl="0" marL="457200" rtl="0" algn="l">
               <a:spcBef>
                 <a:spcPts val="1200"/>
               </a:spcBef>
@@ -6939,7 +8585,7 @@
               <a:buClr>
                 <a:schemeClr val="dk1"/>
               </a:buClr>
-              <a:buSzPts val="1800"/>
+              <a:buSzPts val="1300"/>
               <a:buChar char="-"/>
             </a:pPr>
             <a:r>
@@ -6981,7 +8627,7 @@
             </a:endParaRPr>
           </a:p>
           <a:p>
-            <a:pPr indent="-342900" lvl="0" marL="457200" rtl="0" algn="l">
+            <a:pPr indent="-311150" lvl="0" marL="457200" rtl="0" algn="l">
               <a:spcBef>
                 <a:spcPts val="1200"/>
               </a:spcBef>
@@ -6991,7 +8637,7 @@
               <a:buClr>
                 <a:schemeClr val="dk1"/>
               </a:buClr>
-              <a:buSzPts val="1800"/>
+              <a:buSzPts val="1300"/>
               <a:buChar char="-"/>
             </a:pPr>
             <a:r>
@@ -7033,7 +8679,7 @@
             </a:endParaRPr>
           </a:p>
           <a:p>
-            <a:pPr indent="-342900" lvl="0" marL="457200" rtl="0" algn="l">
+            <a:pPr indent="-311150" lvl="0" marL="457200" rtl="0" algn="l">
               <a:spcBef>
                 <a:spcPts val="1200"/>
               </a:spcBef>
@@ -7043,7 +8689,7 @@
               <a:buClr>
                 <a:schemeClr val="dk1"/>
               </a:buClr>
-              <a:buSzPts val="1800"/>
+              <a:buSzPts val="1300"/>
               <a:buChar char="-"/>
             </a:pPr>
             <a:r>
@@ -7075,7 +8721,7 @@
   <p:cSld>
     <p:spTree>
       <p:nvGrpSpPr>
-        <p:cNvPr id="65" name="Shape 65"/>
+        <p:cNvPr id="97" name="Shape 97"/>
         <p:cNvGrpSpPr/>
         <p:nvPr/>
       </p:nvGrpSpPr>
@@ -7089,7 +8735,7 @@
       </p:grpSpPr>
       <p:pic>
         <p:nvPicPr>
-          <p:cNvPr id="66" name="Google Shape;66;p15"/>
+          <p:cNvPr id="98" name="Google Shape;98;p15"/>
           <p:cNvPicPr preferRelativeResize="0"/>
           <p:nvPr/>
         </p:nvPicPr>
@@ -7117,7 +8763,7 @@
       </p:pic>
       <p:pic>
         <p:nvPicPr>
-          <p:cNvPr id="67" name="Google Shape;67;p15"/>
+          <p:cNvPr id="99" name="Google Shape;99;p15"/>
           <p:cNvPicPr preferRelativeResize="0"/>
           <p:nvPr/>
         </p:nvPicPr>
@@ -7145,7 +8791,7 @@
       </p:pic>
       <p:pic>
         <p:nvPicPr>
-          <p:cNvPr id="68" name="Google Shape;68;p15"/>
+          <p:cNvPr id="100" name="Google Shape;100;p15"/>
           <p:cNvPicPr preferRelativeResize="0"/>
           <p:nvPr/>
         </p:nvPicPr>
@@ -7173,7 +8819,7 @@
       </p:pic>
       <p:pic>
         <p:nvPicPr>
-          <p:cNvPr id="69" name="Google Shape;69;p15"/>
+          <p:cNvPr id="101" name="Google Shape;101;p15"/>
           <p:cNvPicPr preferRelativeResize="0"/>
           <p:nvPr/>
         </p:nvPicPr>
@@ -7212,7 +8858,7 @@
   <p:cSld>
     <p:spTree>
       <p:nvGrpSpPr>
-        <p:cNvPr id="73" name="Shape 73"/>
+        <p:cNvPr id="105" name="Shape 105"/>
         <p:cNvGrpSpPr/>
         <p:nvPr/>
       </p:nvGrpSpPr>
@@ -7226,7 +8872,7 @@
       </p:grpSpPr>
       <p:pic>
         <p:nvPicPr>
-          <p:cNvPr id="74" name="Google Shape;74;p16"/>
+          <p:cNvPr id="106" name="Google Shape;106;p16"/>
           <p:cNvPicPr preferRelativeResize="0"/>
           <p:nvPr/>
         </p:nvPicPr>
@@ -7254,7 +8900,7 @@
       </p:pic>
       <p:pic>
         <p:nvPicPr>
-          <p:cNvPr id="75" name="Google Shape;75;p16"/>
+          <p:cNvPr id="107" name="Google Shape;107;p16"/>
           <p:cNvPicPr preferRelativeResize="0"/>
           <p:nvPr/>
         </p:nvPicPr>
@@ -7282,7 +8928,7 @@
       </p:pic>
       <p:pic>
         <p:nvPicPr>
-          <p:cNvPr id="76" name="Google Shape;76;p16"/>
+          <p:cNvPr id="108" name="Google Shape;108;p16"/>
           <p:cNvPicPr preferRelativeResize="0"/>
           <p:nvPr/>
         </p:nvPicPr>
@@ -7310,7 +8956,7 @@
       </p:pic>
       <p:pic>
         <p:nvPicPr>
-          <p:cNvPr id="77" name="Google Shape;77;p16"/>
+          <p:cNvPr id="109" name="Google Shape;109;p16"/>
           <p:cNvPicPr preferRelativeResize="0"/>
           <p:nvPr/>
         </p:nvPicPr>
@@ -7349,7 +8995,7 @@
   <p:cSld>
     <p:spTree>
       <p:nvGrpSpPr>
-        <p:cNvPr id="81" name="Shape 81"/>
+        <p:cNvPr id="113" name="Shape 113"/>
         <p:cNvGrpSpPr/>
         <p:nvPr/>
       </p:nvGrpSpPr>
@@ -7363,7 +9009,7 @@
       </p:grpSpPr>
       <p:sp>
         <p:nvSpPr>
-          <p:cNvPr id="82" name="Google Shape;82;p17"/>
+          <p:cNvPr id="114" name="Google Shape;114;p17"/>
           <p:cNvSpPr txBox="1"/>
           <p:nvPr>
             <p:ph type="title"/>
@@ -7371,7 +9017,7 @@
         </p:nvSpPr>
         <p:spPr>
           <a:xfrm>
-            <a:off x="311700" y="368825"/>
+            <a:off x="311700" y="597425"/>
             <a:ext cx="8520600" cy="572700"/>
           </a:xfrm>
           <a:prstGeom prst="rect">
@@ -7403,7 +9049,7 @@
       </p:sp>
       <p:sp>
         <p:nvSpPr>
-          <p:cNvPr id="83" name="Google Shape;83;p17"/>
+          <p:cNvPr id="115" name="Google Shape;115;p17"/>
           <p:cNvSpPr txBox="1"/>
           <p:nvPr>
             <p:ph idx="1" type="body"/>
@@ -7411,7 +9057,7 @@
         </p:nvSpPr>
         <p:spPr>
           <a:xfrm>
-            <a:off x="311700" y="1076275"/>
+            <a:off x="311700" y="1457275"/>
             <a:ext cx="8520600" cy="3416400"/>
           </a:xfrm>
           <a:prstGeom prst="rect">
@@ -7420,7 +9066,7 @@
         </p:spPr>
         <p:txBody>
           <a:bodyPr anchorCtr="0" anchor="t" bIns="91425" lIns="91425" spcFirstLastPara="1" rIns="91425" wrap="square" tIns="91425">
-            <a:normAutofit lnSpcReduction="20000"/>
+            <a:normAutofit/>
           </a:bodyPr>
           <a:lstStyle/>
           <a:p>
@@ -7453,7 +9099,7 @@
             </a:endParaRPr>
           </a:p>
           <a:p>
-            <a:pPr indent="-342900" lvl="0" marL="457200" rtl="0" algn="l">
+            <a:pPr indent="-311150" lvl="0" marL="457200" rtl="0" algn="l">
               <a:spcBef>
                 <a:spcPts val="1200"/>
               </a:spcBef>
@@ -7463,7 +9109,7 @@
               <a:buClr>
                 <a:schemeClr val="dk1"/>
               </a:buClr>
-              <a:buSzPts val="1800"/>
+              <a:buSzPts val="1300"/>
               <a:buChar char="-"/>
             </a:pPr>
             <a:r>
@@ -7510,7 +9156,7 @@
             </a:endParaRPr>
           </a:p>
           <a:p>
-            <a:pPr indent="-342900" lvl="0" marL="457200" rtl="0" algn="l">
+            <a:pPr indent="-311150" lvl="0" marL="457200" rtl="0" algn="l">
               <a:spcBef>
                 <a:spcPts val="1200"/>
               </a:spcBef>
@@ -7520,7 +9166,7 @@
               <a:buClr>
                 <a:schemeClr val="dk1"/>
               </a:buClr>
-              <a:buSzPts val="1800"/>
+              <a:buSzPts val="1300"/>
               <a:buChar char="-"/>
             </a:pPr>
             <a:r>
@@ -7567,7 +9213,7 @@
             </a:endParaRPr>
           </a:p>
           <a:p>
-            <a:pPr indent="-342900" lvl="0" marL="457200" rtl="0" algn="l">
+            <a:pPr indent="-311150" lvl="0" marL="457200" rtl="0" algn="l">
               <a:spcBef>
                 <a:spcPts val="1200"/>
               </a:spcBef>
@@ -7577,7 +9223,7 @@
               <a:buClr>
                 <a:schemeClr val="dk1"/>
               </a:buClr>
-              <a:buSzPts val="1800"/>
+              <a:buSzPts val="1300"/>
               <a:buChar char="-"/>
             </a:pPr>
             <a:r>
@@ -7624,7 +9270,7 @@
             </a:endParaRPr>
           </a:p>
           <a:p>
-            <a:pPr indent="-342900" lvl="0" marL="457200" rtl="0" algn="l">
+            <a:pPr indent="-311150" lvl="0" marL="457200" rtl="0" algn="l">
               <a:spcBef>
                 <a:spcPts val="1200"/>
               </a:spcBef>
@@ -7634,7 +9280,7 @@
               <a:buClr>
                 <a:schemeClr val="dk1"/>
               </a:buClr>
-              <a:buSzPts val="1800"/>
+              <a:buSzPts val="1300"/>
               <a:buChar char="-"/>
             </a:pPr>
             <a:r>
@@ -7666,7 +9312,7 @@
   <p:cSld>
     <p:spTree>
       <p:nvGrpSpPr>
-        <p:cNvPr id="87" name="Shape 87"/>
+        <p:cNvPr id="119" name="Shape 119"/>
         <p:cNvGrpSpPr/>
         <p:nvPr/>
       </p:nvGrpSpPr>
@@ -7680,7 +9326,7 @@
       </p:grpSpPr>
       <p:pic>
         <p:nvPicPr>
-          <p:cNvPr id="88" name="Google Shape;88;p18"/>
+          <p:cNvPr id="120" name="Google Shape;120;p18"/>
           <p:cNvPicPr preferRelativeResize="0"/>
           <p:nvPr/>
         </p:nvPicPr>
@@ -7708,7 +9354,7 @@
       </p:pic>
       <p:pic>
         <p:nvPicPr>
-          <p:cNvPr id="89" name="Google Shape;89;p18"/>
+          <p:cNvPr id="121" name="Google Shape;121;p18"/>
           <p:cNvPicPr preferRelativeResize="0"/>
           <p:nvPr/>
         </p:nvPicPr>
@@ -7722,8 +9368,8 @@
         </p:blipFill>
         <p:spPr>
           <a:xfrm>
-            <a:off x="687800" y="57300"/>
-            <a:ext cx="3018600" cy="2263950"/>
+            <a:off x="687800" y="0"/>
+            <a:ext cx="3095000" cy="2321250"/>
           </a:xfrm>
           <a:prstGeom prst="rect">
             <a:avLst/>
@@ -7736,7 +9382,7 @@
       </p:pic>
       <p:pic>
         <p:nvPicPr>
-          <p:cNvPr id="90" name="Google Shape;90;p18"/>
+          <p:cNvPr id="122" name="Google Shape;122;p18"/>
           <p:cNvPicPr preferRelativeResize="0"/>
           <p:nvPr/>
         </p:nvPicPr>
@@ -7750,8 +9396,8 @@
         </p:blipFill>
         <p:spPr>
           <a:xfrm>
-            <a:off x="5539300" y="80950"/>
-            <a:ext cx="3173101" cy="2379826"/>
+            <a:off x="5404050" y="-20481"/>
+            <a:ext cx="3308350" cy="2481256"/>
           </a:xfrm>
           <a:prstGeom prst="rect">
             <a:avLst/>
@@ -7764,7 +9410,7 @@
       </p:pic>
       <p:pic>
         <p:nvPicPr>
-          <p:cNvPr id="91" name="Google Shape;91;p18"/>
+          <p:cNvPr id="123" name="Google Shape;123;p18"/>
           <p:cNvPicPr preferRelativeResize="0"/>
           <p:nvPr/>
         </p:nvPicPr>
@@ -7803,7 +9449,7 @@
   <p:cSld>
     <p:spTree>
       <p:nvGrpSpPr>
-        <p:cNvPr id="95" name="Shape 95"/>
+        <p:cNvPr id="127" name="Shape 127"/>
         <p:cNvGrpSpPr/>
         <p:nvPr/>
       </p:nvGrpSpPr>
@@ -7817,7 +9463,7 @@
       </p:grpSpPr>
       <p:pic>
         <p:nvPicPr>
-          <p:cNvPr id="96" name="Google Shape;96;p19"/>
+          <p:cNvPr id="128" name="Google Shape;128;p19"/>
           <p:cNvPicPr preferRelativeResize="0"/>
           <p:nvPr/>
         </p:nvPicPr>
@@ -7831,8 +9477,8 @@
         </p:blipFill>
         <p:spPr>
           <a:xfrm>
-            <a:off x="6005493" y="2795225"/>
-            <a:ext cx="2784814" cy="2088600"/>
+            <a:off x="5588075" y="2644400"/>
+            <a:ext cx="3202226" cy="2401675"/>
           </a:xfrm>
           <a:prstGeom prst="rect">
             <a:avLst/>
@@ -7845,7 +9491,7 @@
       </p:pic>
       <p:pic>
         <p:nvPicPr>
-          <p:cNvPr id="97" name="Google Shape;97;p19"/>
+          <p:cNvPr id="129" name="Google Shape;129;p19"/>
           <p:cNvPicPr preferRelativeResize="0"/>
           <p:nvPr/>
         </p:nvPicPr>
@@ -7859,8 +9505,8 @@
         </p:blipFill>
         <p:spPr>
           <a:xfrm>
-            <a:off x="742025" y="369350"/>
-            <a:ext cx="2590800" cy="1943100"/>
+            <a:off x="742025" y="13550"/>
+            <a:ext cx="3106125" cy="2329600"/>
           </a:xfrm>
           <a:prstGeom prst="rect">
             <a:avLst/>
@@ -7873,7 +9519,7 @@
       </p:pic>
       <p:pic>
         <p:nvPicPr>
-          <p:cNvPr id="98" name="Google Shape;98;p19"/>
+          <p:cNvPr id="130" name="Google Shape;130;p19"/>
           <p:cNvPicPr preferRelativeResize="0"/>
           <p:nvPr/>
         </p:nvPicPr>
@@ -7887,8 +9533,8 @@
         </p:blipFill>
         <p:spPr>
           <a:xfrm>
-            <a:off x="6102500" y="369350"/>
-            <a:ext cx="2590800" cy="1943100"/>
+            <a:off x="5628675" y="8956"/>
+            <a:ext cx="3064626" cy="2298469"/>
           </a:xfrm>
           <a:prstGeom prst="rect">
             <a:avLst/>
@@ -7901,7 +9547,7 @@
       </p:pic>
       <p:pic>
         <p:nvPicPr>
-          <p:cNvPr id="99" name="Google Shape;99;p19"/>
+          <p:cNvPr id="131" name="Google Shape;131;p19"/>
           <p:cNvPicPr preferRelativeResize="0"/>
           <p:nvPr/>
         </p:nvPicPr>
@@ -7916,7 +9562,7 @@
         <p:spPr>
           <a:xfrm>
             <a:off x="561125" y="2571750"/>
-            <a:ext cx="3140400" cy="2355300"/>
+            <a:ext cx="3428992" cy="2571750"/>
           </a:xfrm>
           <a:prstGeom prst="rect">
             <a:avLst/>
@@ -7940,7 +9586,7 @@
   <p:cSld>
     <p:spTree>
       <p:nvGrpSpPr>
-        <p:cNvPr id="103" name="Shape 103"/>
+        <p:cNvPr id="135" name="Shape 135"/>
         <p:cNvGrpSpPr/>
         <p:nvPr/>
       </p:nvGrpSpPr>
@@ -7954,7 +9600,7 @@
       </p:grpSpPr>
       <p:sp>
         <p:nvSpPr>
-          <p:cNvPr id="104" name="Google Shape;104;p20"/>
+          <p:cNvPr id="136" name="Google Shape;136;p20"/>
           <p:cNvSpPr txBox="1"/>
           <p:nvPr>
             <p:ph type="title"/>
@@ -7962,7 +9608,7 @@
         </p:nvSpPr>
         <p:spPr>
           <a:xfrm>
-            <a:off x="311700" y="368825"/>
+            <a:off x="311700" y="597425"/>
             <a:ext cx="8520600" cy="572700"/>
           </a:xfrm>
           <a:prstGeom prst="rect">
@@ -8009,7 +9655,7 @@
       </p:sp>
       <p:sp>
         <p:nvSpPr>
-          <p:cNvPr id="105" name="Google Shape;105;p20"/>
+          <p:cNvPr id="137" name="Google Shape;137;p20"/>
           <p:cNvSpPr txBox="1"/>
           <p:nvPr>
             <p:ph idx="1" type="body"/>
@@ -8017,7 +9663,7 @@
         </p:nvSpPr>
         <p:spPr>
           <a:xfrm>
-            <a:off x="311700" y="1076275"/>
+            <a:off x="387900" y="1533475"/>
             <a:ext cx="8520600" cy="3416400"/>
           </a:xfrm>
           <a:prstGeom prst="rect">
@@ -8026,7 +9672,7 @@
         </p:spPr>
         <p:txBody>
           <a:bodyPr anchorCtr="0" anchor="t" bIns="91425" lIns="91425" spcFirstLastPara="1" rIns="91425" wrap="square" tIns="91425">
-            <a:normAutofit lnSpcReduction="20000"/>
+            <a:normAutofit/>
           </a:bodyPr>
           <a:lstStyle/>
           <a:p>
@@ -8059,7 +9705,7 @@
             </a:endParaRPr>
           </a:p>
           <a:p>
-            <a:pPr indent="-342900" lvl="0" marL="457200" rtl="0" algn="l">
+            <a:pPr indent="-311150" lvl="0" marL="457200" rtl="0" algn="l">
               <a:spcBef>
                 <a:spcPts val="1200"/>
               </a:spcBef>
@@ -8069,7 +9715,7 @@
               <a:buClr>
                 <a:schemeClr val="dk1"/>
               </a:buClr>
-              <a:buSzPts val="1800"/>
+              <a:buSzPts val="1300"/>
               <a:buChar char="-"/>
             </a:pPr>
             <a:r>
@@ -8116,7 +9762,7 @@
             </a:endParaRPr>
           </a:p>
           <a:p>
-            <a:pPr indent="-342900" lvl="0" marL="457200" rtl="0" algn="l">
+            <a:pPr indent="-311150" lvl="0" marL="457200" rtl="0" algn="l">
               <a:spcBef>
                 <a:spcPts val="1200"/>
               </a:spcBef>
@@ -8126,7 +9772,7 @@
               <a:buClr>
                 <a:schemeClr val="dk1"/>
               </a:buClr>
-              <a:buSzPts val="1800"/>
+              <a:buSzPts val="1300"/>
               <a:buChar char="-"/>
             </a:pPr>
             <a:r>
@@ -8173,7 +9819,7 @@
             </a:endParaRPr>
           </a:p>
           <a:p>
-            <a:pPr indent="-342900" lvl="0" marL="457200" rtl="0" algn="l">
+            <a:pPr indent="-311150" lvl="0" marL="457200" rtl="0" algn="l">
               <a:spcBef>
                 <a:spcPts val="1200"/>
               </a:spcBef>
@@ -8183,7 +9829,7 @@
               <a:buClr>
                 <a:schemeClr val="dk1"/>
               </a:buClr>
-              <a:buSzPts val="1800"/>
+              <a:buSzPts val="1300"/>
               <a:buChar char="-"/>
             </a:pPr>
             <a:r>
@@ -8230,7 +9876,7 @@
             </a:endParaRPr>
           </a:p>
           <a:p>
-            <a:pPr indent="-342900" lvl="0" marL="457200" rtl="0" algn="l">
+            <a:pPr indent="-311150" lvl="0" marL="457200" rtl="0" algn="l">
               <a:spcBef>
                 <a:spcPts val="1200"/>
               </a:spcBef>
@@ -8240,7 +9886,7 @@
               <a:buClr>
                 <a:schemeClr val="dk1"/>
               </a:buClr>
-              <a:buSzPts val="1800"/>
+              <a:buSzPts val="1300"/>
               <a:buChar char="-"/>
             </a:pPr>
             <a:r>
@@ -8272,7 +9918,7 @@
   <p:cSld>
     <p:spTree>
       <p:nvGrpSpPr>
-        <p:cNvPr id="109" name="Shape 109"/>
+        <p:cNvPr id="141" name="Shape 141"/>
         <p:cNvGrpSpPr/>
         <p:nvPr/>
       </p:nvGrpSpPr>
@@ -8286,7 +9932,7 @@
       </p:grpSpPr>
       <p:pic>
         <p:nvPicPr>
-          <p:cNvPr id="110" name="Google Shape;110;p21"/>
+          <p:cNvPr id="142" name="Google Shape;142;p21"/>
           <p:cNvPicPr preferRelativeResize="0"/>
           <p:nvPr/>
         </p:nvPicPr>
@@ -8314,7 +9960,7 @@
       </p:pic>
       <p:pic>
         <p:nvPicPr>
-          <p:cNvPr id="111" name="Google Shape;111;p21"/>
+          <p:cNvPr id="143" name="Google Shape;143;p21"/>
           <p:cNvPicPr preferRelativeResize="0"/>
           <p:nvPr/>
         </p:nvPicPr>
@@ -8328,8 +9974,8 @@
         </p:blipFill>
         <p:spPr>
           <a:xfrm>
-            <a:off x="581200" y="99638"/>
-            <a:ext cx="3137901" cy="2353426"/>
+            <a:off x="581200" y="0"/>
+            <a:ext cx="3270766" cy="2453075"/>
           </a:xfrm>
           <a:prstGeom prst="rect">
             <a:avLst/>
@@ -8342,7 +9988,7 @@
       </p:pic>
       <p:pic>
         <p:nvPicPr>
-          <p:cNvPr id="112" name="Google Shape;112;p21"/>
+          <p:cNvPr id="144" name="Google Shape;144;p21"/>
           <p:cNvPicPr preferRelativeResize="0"/>
           <p:nvPr/>
         </p:nvPicPr>
@@ -8356,8 +10002,8 @@
         </p:blipFill>
         <p:spPr>
           <a:xfrm>
-            <a:off x="5506075" y="99651"/>
-            <a:ext cx="3137901" cy="2353426"/>
+            <a:off x="5373200" y="-6"/>
+            <a:ext cx="3270774" cy="2453081"/>
           </a:xfrm>
           <a:prstGeom prst="rect">
             <a:avLst/>
@@ -8370,7 +10016,7 @@
       </p:pic>
       <p:pic>
         <p:nvPicPr>
-          <p:cNvPr id="113" name="Google Shape;113;p21"/>
+          <p:cNvPr id="145" name="Google Shape;145;p21"/>
           <p:cNvPicPr preferRelativeResize="0"/>
           <p:nvPr/>
         </p:nvPicPr>
@@ -8384,8 +10030,8 @@
         </p:blipFill>
         <p:spPr>
           <a:xfrm>
-            <a:off x="411576" y="2488162"/>
-            <a:ext cx="3477149" cy="2607875"/>
+            <a:off x="411575" y="2453075"/>
+            <a:ext cx="3523917" cy="2642950"/>
           </a:xfrm>
           <a:prstGeom prst="rect">
             <a:avLst/>
@@ -8405,6 +10051,285 @@
 </file>
 
 <file path=ppt/theme/theme1.xml><?xml version="1.0" encoding="utf-8"?>
+<a:theme xmlns:a="http://schemas.openxmlformats.org/drawingml/2006/main" xmlns:r="http://schemas.openxmlformats.org/officeDocument/2006/relationships" name="Streamline">
+  <a:themeElements>
+    <a:clrScheme name="Streamline">
+      <a:dk1>
+        <a:srgbClr val="1A9988"/>
+      </a:dk1>
+      <a:lt1>
+        <a:srgbClr val="FFFFFF"/>
+      </a:lt1>
+      <a:dk2>
+        <a:srgbClr val="1A1A1A"/>
+      </a:dk2>
+      <a:lt2>
+        <a:srgbClr val="E9EDEE"/>
+      </a:lt2>
+      <a:accent1>
+        <a:srgbClr val="595959"/>
+      </a:accent1>
+      <a:accent2>
+        <a:srgbClr val="6AA4C8"/>
+      </a:accent2>
+      <a:accent3>
+        <a:srgbClr val="EB5600"/>
+      </a:accent3>
+      <a:accent4>
+        <a:srgbClr val="A2FFE8"/>
+      </a:accent4>
+      <a:accent5>
+        <a:srgbClr val="1C3678"/>
+      </a:accent5>
+      <a:accent6>
+        <a:srgbClr val="FFB8A2"/>
+      </a:accent6>
+      <a:hlink>
+        <a:srgbClr val="1C3678"/>
+      </a:hlink>
+      <a:folHlink>
+        <a:srgbClr val="1C3678"/>
+      </a:folHlink>
+    </a:clrScheme>
+    <a:fontScheme name="Office">
+      <a:majorFont>
+        <a:latin typeface="Arial"/>
+        <a:ea typeface=""/>
+        <a:cs typeface=""/>
+        <a:font script="Jpan" typeface="ＭＳ Ｐゴシック"/>
+        <a:font script="Hang" typeface="맑은 고딕"/>
+        <a:font script="Hans" typeface="宋体"/>
+        <a:font script="Hant" typeface="新細明體"/>
+        <a:font script="Arab" typeface="Times New Roman"/>
+        <a:font script="Hebr" typeface="Times New Roman"/>
+        <a:font script="Thai" typeface="Angsana New"/>
+        <a:font script="Ethi" typeface="Nyala"/>
+        <a:font script="Beng" typeface="Vrinda"/>
+        <a:font script="Gujr" typeface="Shruti"/>
+        <a:font script="Khmr" typeface="MoolBoran"/>
+        <a:font script="Knda" typeface="Tunga"/>
+        <a:font script="Guru" typeface="Raavi"/>
+        <a:font script="Cans" typeface="Euphemia"/>
+        <a:font script="Cher" typeface="Plantagenet Cherokee"/>
+        <a:font script="Yiii" typeface="Microsoft Yi Baiti"/>
+        <a:font script="Tibt" typeface="Microsoft Himalaya"/>
+        <a:font script="Thaa" typeface="MV Boli"/>
+        <a:font script="Deva" typeface="Mangal"/>
+        <a:font script="Telu" typeface="Gautami"/>
+        <a:font script="Taml" typeface="Latha"/>
+        <a:font script="Syrc" typeface="Estrangelo Edessa"/>
+        <a:font script="Orya" typeface="Kalinga"/>
+        <a:font script="Mlym" typeface="Kartika"/>
+        <a:font script="Laoo" typeface="DokChampa"/>
+        <a:font script="Sinh" typeface="Iskoola Pota"/>
+        <a:font script="Mong" typeface="Mongolian Baiti"/>
+        <a:font script="Viet" typeface="Times New Roman"/>
+        <a:font script="Uigh" typeface="Microsoft Uighur"/>
+        <a:font script="Geor" typeface="Sylfaen"/>
+      </a:majorFont>
+      <a:minorFont>
+        <a:latin typeface="Arial"/>
+        <a:ea typeface=""/>
+        <a:cs typeface=""/>
+        <a:font script="Jpan" typeface="ＭＳ Ｐゴシック"/>
+        <a:font script="Hang" typeface="맑은 고딕"/>
+        <a:font script="Hans" typeface="宋体"/>
+        <a:font script="Hant" typeface="新細明體"/>
+        <a:font script="Arab" typeface="Arial"/>
+        <a:font script="Hebr" typeface="Arial"/>
+        <a:font script="Thai" typeface="Cordia New"/>
+        <a:font script="Ethi" typeface="Nyala"/>
+        <a:font script="Beng" typeface="Vrinda"/>
+        <a:font script="Gujr" typeface="Shruti"/>
+        <a:font script="Khmr" typeface="DaunPenh"/>
+        <a:font script="Knda" typeface="Tunga"/>
+        <a:font script="Guru" typeface="Raavi"/>
+        <a:font script="Cans" typeface="Euphemia"/>
+        <a:font script="Cher" typeface="Plantagenet Cherokee"/>
+        <a:font script="Yiii" typeface="Microsoft Yi Baiti"/>
+        <a:font script="Tibt" typeface="Microsoft Himalaya"/>
+        <a:font script="Thaa" typeface="MV Boli"/>
+        <a:font script="Deva" typeface="Mangal"/>
+        <a:font script="Telu" typeface="Gautami"/>
+        <a:font script="Taml" typeface="Latha"/>
+        <a:font script="Syrc" typeface="Estrangelo Edessa"/>
+        <a:font script="Orya" typeface="Kalinga"/>
+        <a:font script="Mlym" typeface="Kartika"/>
+        <a:font script="Laoo" typeface="DokChampa"/>
+        <a:font script="Sinh" typeface="Iskoola Pota"/>
+        <a:font script="Mong" typeface="Mongolian Baiti"/>
+        <a:font script="Viet" typeface="Arial"/>
+        <a:font script="Uigh" typeface="Microsoft Uighur"/>
+        <a:font script="Geor" typeface="Sylfaen"/>
+      </a:minorFont>
+    </a:fontScheme>
+    <a:fmtScheme name="Office">
+      <a:fillStyleLst>
+        <a:solidFill>
+          <a:schemeClr val="phClr"/>
+        </a:solidFill>
+        <a:gradFill rotWithShape="1">
+          <a:gsLst>
+            <a:gs pos="0">
+              <a:schemeClr val="phClr">
+                <a:tint val="50000"/>
+                <a:satMod val="300000"/>
+              </a:schemeClr>
+            </a:gs>
+            <a:gs pos="35000">
+              <a:schemeClr val="phClr">
+                <a:tint val="37000"/>
+                <a:satMod val="300000"/>
+              </a:schemeClr>
+            </a:gs>
+            <a:gs pos="100000">
+              <a:schemeClr val="phClr">
+                <a:tint val="15000"/>
+                <a:satMod val="350000"/>
+              </a:schemeClr>
+            </a:gs>
+          </a:gsLst>
+          <a:lin ang="16200000" scaled="1"/>
+        </a:gradFill>
+        <a:gradFill rotWithShape="1">
+          <a:gsLst>
+            <a:gs pos="0">
+              <a:schemeClr val="phClr">
+                <a:tint val="100000"/>
+                <a:shade val="100000"/>
+                <a:satMod val="130000"/>
+              </a:schemeClr>
+            </a:gs>
+            <a:gs pos="100000">
+              <a:schemeClr val="phClr">
+                <a:tint val="50000"/>
+                <a:shade val="100000"/>
+                <a:satMod val="350000"/>
+              </a:schemeClr>
+            </a:gs>
+          </a:gsLst>
+          <a:lin ang="16200000" scaled="0"/>
+        </a:gradFill>
+      </a:fillStyleLst>
+      <a:lnStyleLst>
+        <a:ln w="9525" cap="flat" cmpd="sng" algn="ctr">
+          <a:solidFill>
+            <a:schemeClr val="phClr">
+              <a:shade val="95000"/>
+              <a:satMod val="105000"/>
+            </a:schemeClr>
+          </a:solidFill>
+          <a:prstDash val="solid"/>
+        </a:ln>
+        <a:ln w="25400" cap="flat" cmpd="sng" algn="ctr">
+          <a:solidFill>
+            <a:schemeClr val="phClr"/>
+          </a:solidFill>
+          <a:prstDash val="solid"/>
+        </a:ln>
+        <a:ln w="38100" cap="flat" cmpd="sng" algn="ctr">
+          <a:solidFill>
+            <a:schemeClr val="phClr"/>
+          </a:solidFill>
+          <a:prstDash val="solid"/>
+        </a:ln>
+      </a:lnStyleLst>
+      <a:effectStyleLst>
+        <a:effectStyle>
+          <a:effectLst>
+            <a:outerShdw blurRad="40000" dist="20000" dir="5400000" rotWithShape="0">
+              <a:srgbClr val="000000">
+                <a:alpha val="38000"/>
+              </a:srgbClr>
+            </a:outerShdw>
+          </a:effectLst>
+        </a:effectStyle>
+        <a:effectStyle>
+          <a:effectLst>
+            <a:outerShdw blurRad="40000" dist="23000" dir="5400000" rotWithShape="0">
+              <a:srgbClr val="000000">
+                <a:alpha val="35000"/>
+              </a:srgbClr>
+            </a:outerShdw>
+          </a:effectLst>
+        </a:effectStyle>
+        <a:effectStyle>
+          <a:effectLst>
+            <a:outerShdw blurRad="40000" dist="23000" dir="5400000" rotWithShape="0">
+              <a:srgbClr val="000000">
+                <a:alpha val="35000"/>
+              </a:srgbClr>
+            </a:outerShdw>
+          </a:effectLst>
+          <a:scene3d>
+            <a:camera prst="orthographicFront">
+              <a:rot lat="0" lon="0" rev="0"/>
+            </a:camera>
+            <a:lightRig rig="threePt" dir="t">
+              <a:rot lat="0" lon="0" rev="1200000"/>
+            </a:lightRig>
+          </a:scene3d>
+          <a:sp3d>
+            <a:bevelT w="63500" h="25400"/>
+          </a:sp3d>
+        </a:effectStyle>
+      </a:effectStyleLst>
+      <a:bgFillStyleLst>
+        <a:solidFill>
+          <a:schemeClr val="phClr"/>
+        </a:solidFill>
+        <a:gradFill rotWithShape="1">
+          <a:gsLst>
+            <a:gs pos="0">
+              <a:schemeClr val="phClr">
+                <a:tint val="40000"/>
+                <a:satMod val="350000"/>
+              </a:schemeClr>
+            </a:gs>
+            <a:gs pos="40000">
+              <a:schemeClr val="phClr">
+                <a:tint val="45000"/>
+                <a:shade val="99000"/>
+                <a:satMod val="350000"/>
+              </a:schemeClr>
+            </a:gs>
+            <a:gs pos="100000">
+              <a:schemeClr val="phClr">
+                <a:shade val="20000"/>
+                <a:satMod val="255000"/>
+              </a:schemeClr>
+            </a:gs>
+          </a:gsLst>
+          <a:path path="circle">
+            <a:fillToRect l="50000" t="-80000" r="50000" b="180000"/>
+          </a:path>
+        </a:gradFill>
+        <a:gradFill rotWithShape="1">
+          <a:gsLst>
+            <a:gs pos="0">
+              <a:schemeClr val="phClr">
+                <a:tint val="80000"/>
+                <a:satMod val="300000"/>
+              </a:schemeClr>
+            </a:gs>
+            <a:gs pos="100000">
+              <a:schemeClr val="phClr">
+                <a:shade val="30000"/>
+                <a:satMod val="200000"/>
+              </a:schemeClr>
+            </a:gs>
+          </a:gsLst>
+          <a:path path="circle">
+            <a:fillToRect l="50000" t="50000" r="50000" b="50000"/>
+          </a:path>
+        </a:gradFill>
+      </a:bgFillStyleLst>
+    </a:fmtScheme>
+  </a:themeElements>
+</a:theme>
+</file>
+
+<file path=ppt/theme/theme2.xml><?xml version="1.0" encoding="utf-8"?>
 <a:theme xmlns:a="http://schemas.openxmlformats.org/drawingml/2006/main" xmlns:r="http://schemas.openxmlformats.org/officeDocument/2006/relationships">
   <a:themeElements>
     <a:clrScheme name="Default">
@@ -8681,283 +10606,4 @@
     </a:fmtScheme>
   </a:themeElements>
 </a:theme>
-</file>
-
-<file path=ppt/theme/theme2.xml><?xml version="1.0" encoding="utf-8"?>
-<a:theme xmlns:a="http://schemas.openxmlformats.org/drawingml/2006/main" xmlns:r="http://schemas.openxmlformats.org/officeDocument/2006/relationships" name="Simple Light">
-  <a:themeElements>
-    <a:clrScheme name="Simple Light">
-      <a:dk1>
-        <a:srgbClr val="000000"/>
-      </a:dk1>
-      <a:lt1>
-        <a:srgbClr val="FFFFFF"/>
-      </a:lt1>
-      <a:dk2>
-        <a:srgbClr val="595959"/>
-      </a:dk2>
-      <a:lt2>
-        <a:srgbClr val="EEEEEE"/>
-      </a:lt2>
-      <a:accent1>
-        <a:srgbClr val="4285F4"/>
-      </a:accent1>
-      <a:accent2>
-        <a:srgbClr val="212121"/>
-      </a:accent2>
-      <a:accent3>
-        <a:srgbClr val="78909C"/>
-      </a:accent3>
-      <a:accent4>
-        <a:srgbClr val="FFAB40"/>
-      </a:accent4>
-      <a:accent5>
-        <a:srgbClr val="0097A7"/>
-      </a:accent5>
-      <a:accent6>
-        <a:srgbClr val="EEFF41"/>
-      </a:accent6>
-      <a:hlink>
-        <a:srgbClr val="0097A7"/>
-      </a:hlink>
-      <a:folHlink>
-        <a:srgbClr val="0097A7"/>
-      </a:folHlink>
-    </a:clrScheme>
-    <a:fontScheme name="Office">
-      <a:majorFont>
-        <a:latin typeface="Arial"/>
-        <a:ea typeface=""/>
-        <a:cs typeface=""/>
-        <a:font script="Jpan" typeface="ＭＳ Ｐゴシック"/>
-        <a:font script="Hang" typeface="맑은 고딕"/>
-        <a:font script="Hans" typeface="宋体"/>
-        <a:font script="Hant" typeface="新細明體"/>
-        <a:font script="Arab" typeface="Times New Roman"/>
-        <a:font script="Hebr" typeface="Times New Roman"/>
-        <a:font script="Thai" typeface="Angsana New"/>
-        <a:font script="Ethi" typeface="Nyala"/>
-        <a:font script="Beng" typeface="Vrinda"/>
-        <a:font script="Gujr" typeface="Shruti"/>
-        <a:font script="Khmr" typeface="MoolBoran"/>
-        <a:font script="Knda" typeface="Tunga"/>
-        <a:font script="Guru" typeface="Raavi"/>
-        <a:font script="Cans" typeface="Euphemia"/>
-        <a:font script="Cher" typeface="Plantagenet Cherokee"/>
-        <a:font script="Yiii" typeface="Microsoft Yi Baiti"/>
-        <a:font script="Tibt" typeface="Microsoft Himalaya"/>
-        <a:font script="Thaa" typeface="MV Boli"/>
-        <a:font script="Deva" typeface="Mangal"/>
-        <a:font script="Telu" typeface="Gautami"/>
-        <a:font script="Taml" typeface="Latha"/>
-        <a:font script="Syrc" typeface="Estrangelo Edessa"/>
-        <a:font script="Orya" typeface="Kalinga"/>
-        <a:font script="Mlym" typeface="Kartika"/>
-        <a:font script="Laoo" typeface="DokChampa"/>
-        <a:font script="Sinh" typeface="Iskoola Pota"/>
-        <a:font script="Mong" typeface="Mongolian Baiti"/>
-        <a:font script="Viet" typeface="Times New Roman"/>
-        <a:font script="Uigh" typeface="Microsoft Uighur"/>
-        <a:font script="Geor" typeface="Sylfaen"/>
-      </a:majorFont>
-      <a:minorFont>
-        <a:latin typeface="Arial"/>
-        <a:ea typeface=""/>
-        <a:cs typeface=""/>
-        <a:font script="Jpan" typeface="ＭＳ Ｐゴシック"/>
-        <a:font script="Hang" typeface="맑은 고딕"/>
-        <a:font script="Hans" typeface="宋体"/>
-        <a:font script="Hant" typeface="新細明體"/>
-        <a:font script="Arab" typeface="Arial"/>
-        <a:font script="Hebr" typeface="Arial"/>
-        <a:font script="Thai" typeface="Cordia New"/>
-        <a:font script="Ethi" typeface="Nyala"/>
-        <a:font script="Beng" typeface="Vrinda"/>
-        <a:font script="Gujr" typeface="Shruti"/>
-        <a:font script="Khmr" typeface="DaunPenh"/>
-        <a:font script="Knda" typeface="Tunga"/>
-        <a:font script="Guru" typeface="Raavi"/>
-        <a:font script="Cans" typeface="Euphemia"/>
-        <a:font script="Cher" typeface="Plantagenet Cherokee"/>
-        <a:font script="Yiii" typeface="Microsoft Yi Baiti"/>
-        <a:font script="Tibt" typeface="Microsoft Himalaya"/>
-        <a:font script="Thaa" typeface="MV Boli"/>
-        <a:font script="Deva" typeface="Mangal"/>
-        <a:font script="Telu" typeface="Gautami"/>
-        <a:font script="Taml" typeface="Latha"/>
-        <a:font script="Syrc" typeface="Estrangelo Edessa"/>
-        <a:font script="Orya" typeface="Kalinga"/>
-        <a:font script="Mlym" typeface="Kartika"/>
-        <a:font script="Laoo" typeface="DokChampa"/>
-        <a:font script="Sinh" typeface="Iskoola Pota"/>
-        <a:font script="Mong" typeface="Mongolian Baiti"/>
-        <a:font script="Viet" typeface="Arial"/>
-        <a:font script="Uigh" typeface="Microsoft Uighur"/>
-        <a:font script="Geor" typeface="Sylfaen"/>
-      </a:minorFont>
-    </a:fontScheme>
-    <a:fmtScheme name="Office">
-      <a:fillStyleLst>
-        <a:solidFill>
-          <a:schemeClr val="phClr"/>
-        </a:solidFill>
-        <a:gradFill rotWithShape="1">
-          <a:gsLst>
-            <a:gs pos="0">
-              <a:schemeClr val="phClr">
-                <a:tint val="50000"/>
-                <a:satMod val="300000"/>
-              </a:schemeClr>
-            </a:gs>
-            <a:gs pos="35000">
-              <a:schemeClr val="phClr">
-                <a:tint val="37000"/>
-                <a:satMod val="300000"/>
-              </a:schemeClr>
-            </a:gs>
-            <a:gs pos="100000">
-              <a:schemeClr val="phClr">
-                <a:tint val="15000"/>
-                <a:satMod val="350000"/>
-              </a:schemeClr>
-            </a:gs>
-          </a:gsLst>
-          <a:lin ang="16200000" scaled="1"/>
-        </a:gradFill>
-        <a:gradFill rotWithShape="1">
-          <a:gsLst>
-            <a:gs pos="0">
-              <a:schemeClr val="phClr">
-                <a:tint val="100000"/>
-                <a:shade val="100000"/>
-                <a:satMod val="130000"/>
-              </a:schemeClr>
-            </a:gs>
-            <a:gs pos="100000">
-              <a:schemeClr val="phClr">
-                <a:tint val="50000"/>
-                <a:shade val="100000"/>
-                <a:satMod val="350000"/>
-              </a:schemeClr>
-            </a:gs>
-          </a:gsLst>
-          <a:lin ang="16200000" scaled="0"/>
-        </a:gradFill>
-      </a:fillStyleLst>
-      <a:lnStyleLst>
-        <a:ln w="9525" cap="flat" cmpd="sng" algn="ctr">
-          <a:solidFill>
-            <a:schemeClr val="phClr">
-              <a:shade val="95000"/>
-              <a:satMod val="105000"/>
-            </a:schemeClr>
-          </a:solidFill>
-          <a:prstDash val="solid"/>
-        </a:ln>
-        <a:ln w="25400" cap="flat" cmpd="sng" algn="ctr">
-          <a:solidFill>
-            <a:schemeClr val="phClr"/>
-          </a:solidFill>
-          <a:prstDash val="solid"/>
-        </a:ln>
-        <a:ln w="38100" cap="flat" cmpd="sng" algn="ctr">
-          <a:solidFill>
-            <a:schemeClr val="phClr"/>
-          </a:solidFill>
-          <a:prstDash val="solid"/>
-        </a:ln>
-      </a:lnStyleLst>
-      <a:effectStyleLst>
-        <a:effectStyle>
-          <a:effectLst>
-            <a:outerShdw blurRad="40000" dist="20000" dir="5400000" rotWithShape="0">
-              <a:srgbClr val="000000">
-                <a:alpha val="38000"/>
-              </a:srgbClr>
-            </a:outerShdw>
-          </a:effectLst>
-        </a:effectStyle>
-        <a:effectStyle>
-          <a:effectLst>
-            <a:outerShdw blurRad="40000" dist="23000" dir="5400000" rotWithShape="0">
-              <a:srgbClr val="000000">
-                <a:alpha val="35000"/>
-              </a:srgbClr>
-            </a:outerShdw>
-          </a:effectLst>
-        </a:effectStyle>
-        <a:effectStyle>
-          <a:effectLst>
-            <a:outerShdw blurRad="40000" dist="23000" dir="5400000" rotWithShape="0">
-              <a:srgbClr val="000000">
-                <a:alpha val="35000"/>
-              </a:srgbClr>
-            </a:outerShdw>
-          </a:effectLst>
-          <a:scene3d>
-            <a:camera prst="orthographicFront">
-              <a:rot lat="0" lon="0" rev="0"/>
-            </a:camera>
-            <a:lightRig rig="threePt" dir="t">
-              <a:rot lat="0" lon="0" rev="1200000"/>
-            </a:lightRig>
-          </a:scene3d>
-          <a:sp3d>
-            <a:bevelT w="63500" h="25400"/>
-          </a:sp3d>
-        </a:effectStyle>
-      </a:effectStyleLst>
-      <a:bgFillStyleLst>
-        <a:solidFill>
-          <a:schemeClr val="phClr"/>
-        </a:solidFill>
-        <a:gradFill rotWithShape="1">
-          <a:gsLst>
-            <a:gs pos="0">
-              <a:schemeClr val="phClr">
-                <a:tint val="40000"/>
-                <a:satMod val="350000"/>
-              </a:schemeClr>
-            </a:gs>
-            <a:gs pos="40000">
-              <a:schemeClr val="phClr">
-                <a:tint val="45000"/>
-                <a:shade val="99000"/>
-                <a:satMod val="350000"/>
-              </a:schemeClr>
-            </a:gs>
-            <a:gs pos="100000">
-              <a:schemeClr val="phClr">
-                <a:shade val="20000"/>
-                <a:satMod val="255000"/>
-              </a:schemeClr>
-            </a:gs>
-          </a:gsLst>
-          <a:path path="circle">
-            <a:fillToRect l="50000" t="-80000" r="50000" b="180000"/>
-          </a:path>
-        </a:gradFill>
-        <a:gradFill rotWithShape="1">
-          <a:gsLst>
-            <a:gs pos="0">
-              <a:schemeClr val="phClr">
-                <a:tint val="80000"/>
-                <a:satMod val="300000"/>
-              </a:schemeClr>
-            </a:gs>
-            <a:gs pos="100000">
-              <a:schemeClr val="phClr">
-                <a:shade val="30000"/>
-                <a:satMod val="200000"/>
-              </a:schemeClr>
-            </a:gs>
-          </a:gsLst>
-          <a:path path="circle">
-            <a:fillToRect l="50000" t="50000" r="50000" b="50000"/>
-          </a:path>
-        </a:gradFill>
-      </a:bgFillStyleLst>
-    </a:fmtScheme>
-  </a:themeElements>
-</a:theme>
 </file>
--- a/reports/Unconstrained  Optimization Presentation.pptx
+++ b/reports/Unconstrained  Optimization Presentation.pptx
@@ -19,23 +19,28 @@
     <p:sldId id="264" r:id="rId14"/>
     <p:sldId id="265" r:id="rId15"/>
     <p:sldId id="266" r:id="rId16"/>
+    <p:sldId id="267" r:id="rId17"/>
+    <p:sldId id="268" r:id="rId18"/>
+    <p:sldId id="269" r:id="rId19"/>
+    <p:sldId id="270" r:id="rId20"/>
+    <p:sldId id="271" r:id="rId21"/>
   </p:sldIdLst>
   <p:sldSz cy="5143500" cx="9144000"/>
   <p:notesSz cx="6858000" cy="9144000"/>
   <p:embeddedFontLst>
     <p:embeddedFont>
       <p:font typeface="Raleway"/>
-      <p:regular r:id="rId17"/>
-      <p:bold r:id="rId18"/>
-      <p:italic r:id="rId19"/>
-      <p:boldItalic r:id="rId20"/>
+      <p:regular r:id="rId22"/>
+      <p:bold r:id="rId23"/>
+      <p:italic r:id="rId24"/>
+      <p:boldItalic r:id="rId25"/>
     </p:embeddedFont>
     <p:embeddedFont>
       <p:font typeface="Lato"/>
-      <p:regular r:id="rId21"/>
-      <p:bold r:id="rId22"/>
-      <p:italic r:id="rId23"/>
-      <p:boldItalic r:id="rId24"/>
+      <p:regular r:id="rId26"/>
+      <p:bold r:id="rId27"/>
+      <p:italic r:id="rId28"/>
+      <p:boldItalic r:id="rId29"/>
     </p:embeddedFont>
   </p:embeddedFontLst>
   <p:defaultTextStyle>
@@ -830,7 +835,7 @@
       </p:grpSpPr>
       <p:sp>
         <p:nvSpPr>
-          <p:cNvPr id="147" name="Google Shape;147;g30f9e60537a_0_55:notes"/>
+          <p:cNvPr id="147" name="Google Shape;147;g30f9e60537a_0_20:notes"/>
           <p:cNvSpPr/>
           <p:nvPr>
             <p:ph idx="2" type="sldImg"/>
@@ -865,7 +870,7 @@
       </p:sp>
       <p:sp>
         <p:nvSpPr>
-          <p:cNvPr id="148" name="Google Shape;148;g30f9e60537a_0_55:notes"/>
+          <p:cNvPr id="148" name="Google Shape;148;g30f9e60537a_0_20:notes"/>
           <p:cNvSpPr txBox="1"/>
           <p:nvPr>
             <p:ph idx="1" type="body"/>
@@ -915,7 +920,7 @@
   <p:cSld>
     <p:spTree>
       <p:nvGrpSpPr>
-        <p:cNvPr id="154" name="Shape 154"/>
+        <p:cNvPr id="153" name="Shape 153"/>
         <p:cNvGrpSpPr/>
         <p:nvPr/>
       </p:nvGrpSpPr>
@@ -929,7 +934,7 @@
       </p:grpSpPr>
       <p:sp>
         <p:nvSpPr>
-          <p:cNvPr id="155" name="Google Shape;155;g30f9e60537a_0_82:notes"/>
+          <p:cNvPr id="154" name="Google Shape;154;g30f9e60537a_0_33:notes"/>
           <p:cNvSpPr/>
           <p:nvPr>
             <p:ph idx="2" type="sldImg"/>
@@ -964,7 +969,502 @@
       </p:sp>
       <p:sp>
         <p:nvSpPr>
-          <p:cNvPr id="156" name="Google Shape;156;g30f9e60537a_0_82:notes"/>
+          <p:cNvPr id="155" name="Google Shape;155;g30f9e60537a_0_33:notes"/>
+          <p:cNvSpPr txBox="1"/>
+          <p:nvPr>
+            <p:ph idx="1" type="body"/>
+          </p:nvPr>
+        </p:nvSpPr>
+        <p:spPr>
+          <a:xfrm>
+            <a:off x="685800" y="4343400"/>
+            <a:ext cx="5486400" cy="4114800"/>
+          </a:xfrm>
+          <a:prstGeom prst="rect">
+            <a:avLst/>
+          </a:prstGeom>
+        </p:spPr>
+        <p:txBody>
+          <a:bodyPr anchorCtr="0" anchor="t" bIns="91425" lIns="91425" spcFirstLastPara="1" rIns="91425" wrap="square" tIns="91425">
+            <a:noAutofit/>
+          </a:bodyPr>
+          <a:lstStyle/>
+          <a:p>
+            <a:pPr indent="0" lvl="0" marL="0" rtl="0" algn="l">
+              <a:spcBef>
+                <a:spcPts val="0"/>
+              </a:spcBef>
+              <a:spcAft>
+                <a:spcPts val="0"/>
+              </a:spcAft>
+              <a:buNone/>
+            </a:pPr>
+            <a:r>
+              <a:t/>
+            </a:r>
+            <a:endParaRPr/>
+          </a:p>
+        </p:txBody>
+      </p:sp>
+    </p:spTree>
+  </p:cSld>
+  <p:clrMapOvr>
+    <a:masterClrMapping/>
+  </p:clrMapOvr>
+</p:notes>
+</file>
+
+<file path=ppt/notesSlides/notesSlide12.xml><?xml version="1.0" encoding="utf-8"?>
+<p:notes xmlns:a="http://schemas.openxmlformats.org/drawingml/2006/main" xmlns:r="http://schemas.openxmlformats.org/officeDocument/2006/relationships" xmlns:mc="http://schemas.openxmlformats.org/markup-compatibility/2006" xmlns:mv="urn:schemas-microsoft-com:mac:vml" xmlns:p="http://schemas.openxmlformats.org/presentationml/2006/main" xmlns:c="http://schemas.openxmlformats.org/drawingml/2006/chart" xmlns:dgm="http://schemas.openxmlformats.org/drawingml/2006/diagram" xmlns:o="urn:schemas-microsoft-com:office:office" xmlns:v="urn:schemas-microsoft-com:vml" xmlns:pvml="urn:schemas-microsoft-com:office:powerpoint" xmlns:com="http://schemas.openxmlformats.org/drawingml/2006/compatibility" xmlns:p14="http://schemas.microsoft.com/office/powerpoint/2010/main" xmlns:p15="http://schemas.microsoft.com/office/powerpoint/2012/main" xmlns:ahyp="http://schemas.microsoft.com/office/drawing/2018/hyperlinkcolor" showMasterPhAnim="0" showMasterSp="0">
+  <p:cSld>
+    <p:spTree>
+      <p:nvGrpSpPr>
+        <p:cNvPr id="161" name="Shape 161"/>
+        <p:cNvGrpSpPr/>
+        <p:nvPr/>
+      </p:nvGrpSpPr>
+      <p:grpSpPr>
+        <a:xfrm>
+          <a:off x="0" y="0"/>
+          <a:ext cx="0" cy="0"/>
+          <a:chOff x="0" y="0"/>
+          <a:chExt cx="0" cy="0"/>
+        </a:xfrm>
+      </p:grpSpPr>
+      <p:sp>
+        <p:nvSpPr>
+          <p:cNvPr id="162" name="Google Shape;162;g30f9e60537a_0_55:notes"/>
+          <p:cNvSpPr/>
+          <p:nvPr>
+            <p:ph idx="2" type="sldImg"/>
+          </p:nvPr>
+        </p:nvSpPr>
+        <p:spPr>
+          <a:xfrm>
+            <a:off x="381300" y="685800"/>
+            <a:ext cx="6096000" cy="3429000"/>
+          </a:xfrm>
+          <a:custGeom>
+            <a:rect b="b" l="l" r="r" t="t"/>
+            <a:pathLst>
+              <a:path extrusionOk="0" h="120000" w="120000">
+                <a:moveTo>
+                  <a:pt x="0" y="0"/>
+                </a:moveTo>
+                <a:lnTo>
+                  <a:pt x="120000" y="0"/>
+                </a:lnTo>
+                <a:lnTo>
+                  <a:pt x="120000" y="120000"/>
+                </a:lnTo>
+                <a:lnTo>
+                  <a:pt x="0" y="120000"/>
+                </a:lnTo>
+                <a:close/>
+              </a:path>
+            </a:pathLst>
+          </a:custGeom>
+        </p:spPr>
+      </p:sp>
+      <p:sp>
+        <p:nvSpPr>
+          <p:cNvPr id="163" name="Google Shape;163;g30f9e60537a_0_55:notes"/>
+          <p:cNvSpPr txBox="1"/>
+          <p:nvPr>
+            <p:ph idx="1" type="body"/>
+          </p:nvPr>
+        </p:nvSpPr>
+        <p:spPr>
+          <a:xfrm>
+            <a:off x="685800" y="4343400"/>
+            <a:ext cx="5486400" cy="4114800"/>
+          </a:xfrm>
+          <a:prstGeom prst="rect">
+            <a:avLst/>
+          </a:prstGeom>
+        </p:spPr>
+        <p:txBody>
+          <a:bodyPr anchorCtr="0" anchor="t" bIns="91425" lIns="91425" spcFirstLastPara="1" rIns="91425" wrap="square" tIns="91425">
+            <a:noAutofit/>
+          </a:bodyPr>
+          <a:lstStyle/>
+          <a:p>
+            <a:pPr indent="0" lvl="0" marL="0" rtl="0" algn="l">
+              <a:spcBef>
+                <a:spcPts val="0"/>
+              </a:spcBef>
+              <a:spcAft>
+                <a:spcPts val="0"/>
+              </a:spcAft>
+              <a:buNone/>
+            </a:pPr>
+            <a:r>
+              <a:t/>
+            </a:r>
+            <a:endParaRPr/>
+          </a:p>
+        </p:txBody>
+      </p:sp>
+    </p:spTree>
+  </p:cSld>
+  <p:clrMapOvr>
+    <a:masterClrMapping/>
+  </p:clrMapOvr>
+</p:notes>
+</file>
+
+<file path=ppt/notesSlides/notesSlide13.xml><?xml version="1.0" encoding="utf-8"?>
+<p:notes xmlns:a="http://schemas.openxmlformats.org/drawingml/2006/main" xmlns:r="http://schemas.openxmlformats.org/officeDocument/2006/relationships" xmlns:mc="http://schemas.openxmlformats.org/markup-compatibility/2006" xmlns:mv="urn:schemas-microsoft-com:mac:vml" xmlns:p="http://schemas.openxmlformats.org/presentationml/2006/main" xmlns:c="http://schemas.openxmlformats.org/drawingml/2006/chart" xmlns:dgm="http://schemas.openxmlformats.org/drawingml/2006/diagram" xmlns:o="urn:schemas-microsoft-com:office:office" xmlns:v="urn:schemas-microsoft-com:vml" xmlns:pvml="urn:schemas-microsoft-com:office:powerpoint" xmlns:com="http://schemas.openxmlformats.org/drawingml/2006/compatibility" xmlns:p14="http://schemas.microsoft.com/office/powerpoint/2010/main" xmlns:p15="http://schemas.microsoft.com/office/powerpoint/2012/main" xmlns:ahyp="http://schemas.microsoft.com/office/drawing/2018/hyperlinkcolor" showMasterPhAnim="0" showMasterSp="0">
+  <p:cSld>
+    <p:spTree>
+      <p:nvGrpSpPr>
+        <p:cNvPr id="169" name="Shape 169"/>
+        <p:cNvGrpSpPr/>
+        <p:nvPr/>
+      </p:nvGrpSpPr>
+      <p:grpSpPr>
+        <a:xfrm>
+          <a:off x="0" y="0"/>
+          <a:ext cx="0" cy="0"/>
+          <a:chOff x="0" y="0"/>
+          <a:chExt cx="0" cy="0"/>
+        </a:xfrm>
+      </p:grpSpPr>
+      <p:sp>
+        <p:nvSpPr>
+          <p:cNvPr id="170" name="Google Shape;170;g30fa97924ec_1_20:notes"/>
+          <p:cNvSpPr/>
+          <p:nvPr>
+            <p:ph idx="2" type="sldImg"/>
+          </p:nvPr>
+        </p:nvSpPr>
+        <p:spPr>
+          <a:xfrm>
+            <a:off x="381300" y="685800"/>
+            <a:ext cx="6096000" cy="3429000"/>
+          </a:xfrm>
+          <a:custGeom>
+            <a:rect b="b" l="l" r="r" t="t"/>
+            <a:pathLst>
+              <a:path extrusionOk="0" h="120000" w="120000">
+                <a:moveTo>
+                  <a:pt x="0" y="0"/>
+                </a:moveTo>
+                <a:lnTo>
+                  <a:pt x="120000" y="0"/>
+                </a:lnTo>
+                <a:lnTo>
+                  <a:pt x="120000" y="120000"/>
+                </a:lnTo>
+                <a:lnTo>
+                  <a:pt x="0" y="120000"/>
+                </a:lnTo>
+                <a:close/>
+              </a:path>
+            </a:pathLst>
+          </a:custGeom>
+        </p:spPr>
+      </p:sp>
+      <p:sp>
+        <p:nvSpPr>
+          <p:cNvPr id="171" name="Google Shape;171;g30fa97924ec_1_20:notes"/>
+          <p:cNvSpPr txBox="1"/>
+          <p:nvPr>
+            <p:ph idx="1" type="body"/>
+          </p:nvPr>
+        </p:nvSpPr>
+        <p:spPr>
+          <a:xfrm>
+            <a:off x="685800" y="4343400"/>
+            <a:ext cx="5486400" cy="4114800"/>
+          </a:xfrm>
+          <a:prstGeom prst="rect">
+            <a:avLst/>
+          </a:prstGeom>
+        </p:spPr>
+        <p:txBody>
+          <a:bodyPr anchorCtr="0" anchor="t" bIns="91425" lIns="91425" spcFirstLastPara="1" rIns="91425" wrap="square" tIns="91425">
+            <a:noAutofit/>
+          </a:bodyPr>
+          <a:lstStyle/>
+          <a:p>
+            <a:pPr indent="0" lvl="0" marL="0" rtl="0" algn="l">
+              <a:spcBef>
+                <a:spcPts val="0"/>
+              </a:spcBef>
+              <a:spcAft>
+                <a:spcPts val="0"/>
+              </a:spcAft>
+              <a:buNone/>
+            </a:pPr>
+            <a:r>
+              <a:t/>
+            </a:r>
+            <a:endParaRPr/>
+          </a:p>
+        </p:txBody>
+      </p:sp>
+    </p:spTree>
+  </p:cSld>
+  <p:clrMapOvr>
+    <a:masterClrMapping/>
+  </p:clrMapOvr>
+</p:notes>
+</file>
+
+<file path=ppt/notesSlides/notesSlide14.xml><?xml version="1.0" encoding="utf-8"?>
+<p:notes xmlns:a="http://schemas.openxmlformats.org/drawingml/2006/main" xmlns:r="http://schemas.openxmlformats.org/officeDocument/2006/relationships" xmlns:mc="http://schemas.openxmlformats.org/markup-compatibility/2006" xmlns:mv="urn:schemas-microsoft-com:mac:vml" xmlns:p="http://schemas.openxmlformats.org/presentationml/2006/main" xmlns:c="http://schemas.openxmlformats.org/drawingml/2006/chart" xmlns:dgm="http://schemas.openxmlformats.org/drawingml/2006/diagram" xmlns:o="urn:schemas-microsoft-com:office:office" xmlns:v="urn:schemas-microsoft-com:vml" xmlns:pvml="urn:schemas-microsoft-com:office:powerpoint" xmlns:com="http://schemas.openxmlformats.org/drawingml/2006/compatibility" xmlns:p14="http://schemas.microsoft.com/office/powerpoint/2010/main" xmlns:p15="http://schemas.microsoft.com/office/powerpoint/2012/main" xmlns:ahyp="http://schemas.microsoft.com/office/drawing/2018/hyperlinkcolor" showMasterPhAnim="0" showMasterSp="0">
+  <p:cSld>
+    <p:spTree>
+      <p:nvGrpSpPr>
+        <p:cNvPr id="175" name="Shape 175"/>
+        <p:cNvGrpSpPr/>
+        <p:nvPr/>
+      </p:nvGrpSpPr>
+      <p:grpSpPr>
+        <a:xfrm>
+          <a:off x="0" y="0"/>
+          <a:ext cx="0" cy="0"/>
+          <a:chOff x="0" y="0"/>
+          <a:chExt cx="0" cy="0"/>
+        </a:xfrm>
+      </p:grpSpPr>
+      <p:sp>
+        <p:nvSpPr>
+          <p:cNvPr id="176" name="Google Shape;176;g30ff3f55562_0_0:notes"/>
+          <p:cNvSpPr/>
+          <p:nvPr>
+            <p:ph idx="2" type="sldImg"/>
+          </p:nvPr>
+        </p:nvSpPr>
+        <p:spPr>
+          <a:xfrm>
+            <a:off x="381300" y="685800"/>
+            <a:ext cx="6096000" cy="3429000"/>
+          </a:xfrm>
+          <a:custGeom>
+            <a:rect b="b" l="l" r="r" t="t"/>
+            <a:pathLst>
+              <a:path extrusionOk="0" h="120000" w="120000">
+                <a:moveTo>
+                  <a:pt x="0" y="0"/>
+                </a:moveTo>
+                <a:lnTo>
+                  <a:pt x="120000" y="0"/>
+                </a:lnTo>
+                <a:lnTo>
+                  <a:pt x="120000" y="120000"/>
+                </a:lnTo>
+                <a:lnTo>
+                  <a:pt x="0" y="120000"/>
+                </a:lnTo>
+                <a:close/>
+              </a:path>
+            </a:pathLst>
+          </a:custGeom>
+        </p:spPr>
+      </p:sp>
+      <p:sp>
+        <p:nvSpPr>
+          <p:cNvPr id="177" name="Google Shape;177;g30ff3f55562_0_0:notes"/>
+          <p:cNvSpPr txBox="1"/>
+          <p:nvPr>
+            <p:ph idx="1" type="body"/>
+          </p:nvPr>
+        </p:nvSpPr>
+        <p:spPr>
+          <a:xfrm>
+            <a:off x="685800" y="4343400"/>
+            <a:ext cx="5486400" cy="4114800"/>
+          </a:xfrm>
+          <a:prstGeom prst="rect">
+            <a:avLst/>
+          </a:prstGeom>
+        </p:spPr>
+        <p:txBody>
+          <a:bodyPr anchorCtr="0" anchor="t" bIns="91425" lIns="91425" spcFirstLastPara="1" rIns="91425" wrap="square" tIns="91425">
+            <a:noAutofit/>
+          </a:bodyPr>
+          <a:lstStyle/>
+          <a:p>
+            <a:pPr indent="0" lvl="0" marL="0" rtl="0" algn="l">
+              <a:spcBef>
+                <a:spcPts val="0"/>
+              </a:spcBef>
+              <a:spcAft>
+                <a:spcPts val="0"/>
+              </a:spcAft>
+              <a:buNone/>
+            </a:pPr>
+            <a:r>
+              <a:t/>
+            </a:r>
+            <a:endParaRPr/>
+          </a:p>
+        </p:txBody>
+      </p:sp>
+    </p:spTree>
+  </p:cSld>
+  <p:clrMapOvr>
+    <a:masterClrMapping/>
+  </p:clrMapOvr>
+</p:notes>
+</file>
+
+<file path=ppt/notesSlides/notesSlide15.xml><?xml version="1.0" encoding="utf-8"?>
+<p:notes xmlns:a="http://schemas.openxmlformats.org/drawingml/2006/main" xmlns:r="http://schemas.openxmlformats.org/officeDocument/2006/relationships" xmlns:mc="http://schemas.openxmlformats.org/markup-compatibility/2006" xmlns:mv="urn:schemas-microsoft-com:mac:vml" xmlns:p="http://schemas.openxmlformats.org/presentationml/2006/main" xmlns:c="http://schemas.openxmlformats.org/drawingml/2006/chart" xmlns:dgm="http://schemas.openxmlformats.org/drawingml/2006/diagram" xmlns:o="urn:schemas-microsoft-com:office:office" xmlns:v="urn:schemas-microsoft-com:vml" xmlns:pvml="urn:schemas-microsoft-com:office:powerpoint" xmlns:com="http://schemas.openxmlformats.org/drawingml/2006/compatibility" xmlns:p14="http://schemas.microsoft.com/office/powerpoint/2010/main" xmlns:p15="http://schemas.microsoft.com/office/powerpoint/2012/main" xmlns:ahyp="http://schemas.microsoft.com/office/drawing/2018/hyperlinkcolor" showMasterPhAnim="0" showMasterSp="0">
+  <p:cSld>
+    <p:spTree>
+      <p:nvGrpSpPr>
+        <p:cNvPr id="181" name="Shape 181"/>
+        <p:cNvGrpSpPr/>
+        <p:nvPr/>
+      </p:nvGrpSpPr>
+      <p:grpSpPr>
+        <a:xfrm>
+          <a:off x="0" y="0"/>
+          <a:ext cx="0" cy="0"/>
+          <a:chOff x="0" y="0"/>
+          <a:chExt cx="0" cy="0"/>
+        </a:xfrm>
+      </p:grpSpPr>
+      <p:sp>
+        <p:nvSpPr>
+          <p:cNvPr id="182" name="Google Shape;182;g30fa97924ec_1_33:notes"/>
+          <p:cNvSpPr/>
+          <p:nvPr>
+            <p:ph idx="2" type="sldImg"/>
+          </p:nvPr>
+        </p:nvSpPr>
+        <p:spPr>
+          <a:xfrm>
+            <a:off x="381300" y="685800"/>
+            <a:ext cx="6096000" cy="3429000"/>
+          </a:xfrm>
+          <a:custGeom>
+            <a:rect b="b" l="l" r="r" t="t"/>
+            <a:pathLst>
+              <a:path extrusionOk="0" h="120000" w="120000">
+                <a:moveTo>
+                  <a:pt x="0" y="0"/>
+                </a:moveTo>
+                <a:lnTo>
+                  <a:pt x="120000" y="0"/>
+                </a:lnTo>
+                <a:lnTo>
+                  <a:pt x="120000" y="120000"/>
+                </a:lnTo>
+                <a:lnTo>
+                  <a:pt x="0" y="120000"/>
+                </a:lnTo>
+                <a:close/>
+              </a:path>
+            </a:pathLst>
+          </a:custGeom>
+        </p:spPr>
+      </p:sp>
+      <p:sp>
+        <p:nvSpPr>
+          <p:cNvPr id="183" name="Google Shape;183;g30fa97924ec_1_33:notes"/>
+          <p:cNvSpPr txBox="1"/>
+          <p:nvPr>
+            <p:ph idx="1" type="body"/>
+          </p:nvPr>
+        </p:nvSpPr>
+        <p:spPr>
+          <a:xfrm>
+            <a:off x="685800" y="4343400"/>
+            <a:ext cx="5486400" cy="4114800"/>
+          </a:xfrm>
+          <a:prstGeom prst="rect">
+            <a:avLst/>
+          </a:prstGeom>
+        </p:spPr>
+        <p:txBody>
+          <a:bodyPr anchorCtr="0" anchor="t" bIns="91425" lIns="91425" spcFirstLastPara="1" rIns="91425" wrap="square" tIns="91425">
+            <a:noAutofit/>
+          </a:bodyPr>
+          <a:lstStyle/>
+          <a:p>
+            <a:pPr indent="0" lvl="0" marL="0" rtl="0" algn="l">
+              <a:spcBef>
+                <a:spcPts val="0"/>
+              </a:spcBef>
+              <a:spcAft>
+                <a:spcPts val="0"/>
+              </a:spcAft>
+              <a:buNone/>
+            </a:pPr>
+            <a:r>
+              <a:t/>
+            </a:r>
+            <a:endParaRPr/>
+          </a:p>
+        </p:txBody>
+      </p:sp>
+    </p:spTree>
+  </p:cSld>
+  <p:clrMapOvr>
+    <a:masterClrMapping/>
+  </p:clrMapOvr>
+</p:notes>
+</file>
+
+<file path=ppt/notesSlides/notesSlide16.xml><?xml version="1.0" encoding="utf-8"?>
+<p:notes xmlns:a="http://schemas.openxmlformats.org/drawingml/2006/main" xmlns:r="http://schemas.openxmlformats.org/officeDocument/2006/relationships" xmlns:mc="http://schemas.openxmlformats.org/markup-compatibility/2006" xmlns:mv="urn:schemas-microsoft-com:mac:vml" xmlns:p="http://schemas.openxmlformats.org/presentationml/2006/main" xmlns:c="http://schemas.openxmlformats.org/drawingml/2006/chart" xmlns:dgm="http://schemas.openxmlformats.org/drawingml/2006/diagram" xmlns:o="urn:schemas-microsoft-com:office:office" xmlns:v="urn:schemas-microsoft-com:vml" xmlns:pvml="urn:schemas-microsoft-com:office:powerpoint" xmlns:com="http://schemas.openxmlformats.org/drawingml/2006/compatibility" xmlns:p14="http://schemas.microsoft.com/office/powerpoint/2010/main" xmlns:p15="http://schemas.microsoft.com/office/powerpoint/2012/main" xmlns:ahyp="http://schemas.microsoft.com/office/drawing/2018/hyperlinkcolor" showMasterPhAnim="0" showMasterSp="0">
+  <p:cSld>
+    <p:spTree>
+      <p:nvGrpSpPr>
+        <p:cNvPr id="187" name="Shape 187"/>
+        <p:cNvGrpSpPr/>
+        <p:nvPr/>
+      </p:nvGrpSpPr>
+      <p:grpSpPr>
+        <a:xfrm>
+          <a:off x="0" y="0"/>
+          <a:ext cx="0" cy="0"/>
+          <a:chOff x="0" y="0"/>
+          <a:chExt cx="0" cy="0"/>
+        </a:xfrm>
+      </p:grpSpPr>
+      <p:sp>
+        <p:nvSpPr>
+          <p:cNvPr id="188" name="Google Shape;188;g30f9e60537a_0_82:notes"/>
+          <p:cNvSpPr/>
+          <p:nvPr>
+            <p:ph idx="2" type="sldImg"/>
+          </p:nvPr>
+        </p:nvSpPr>
+        <p:spPr>
+          <a:xfrm>
+            <a:off x="381300" y="685800"/>
+            <a:ext cx="6096000" cy="3429000"/>
+          </a:xfrm>
+          <a:custGeom>
+            <a:rect b="b" l="l" r="r" t="t"/>
+            <a:pathLst>
+              <a:path extrusionOk="0" h="120000" w="120000">
+                <a:moveTo>
+                  <a:pt x="0" y="0"/>
+                </a:moveTo>
+                <a:lnTo>
+                  <a:pt x="120000" y="0"/>
+                </a:lnTo>
+                <a:lnTo>
+                  <a:pt x="120000" y="120000"/>
+                </a:lnTo>
+                <a:lnTo>
+                  <a:pt x="0" y="120000"/>
+                </a:lnTo>
+                <a:close/>
+              </a:path>
+            </a:pathLst>
+          </a:custGeom>
+        </p:spPr>
+      </p:sp>
+      <p:sp>
+        <p:nvSpPr>
+          <p:cNvPr id="189" name="Google Shape;189;g30f9e60537a_0_82:notes"/>
           <p:cNvSpPr txBox="1"/>
           <p:nvPr>
             <p:ph idx="1" type="body"/>
@@ -1113,7 +1613,7 @@
   <p:cSld>
     <p:spTree>
       <p:nvGrpSpPr>
-        <p:cNvPr id="94" name="Shape 94"/>
+        <p:cNvPr id="95" name="Shape 95"/>
         <p:cNvGrpSpPr/>
         <p:nvPr/>
       </p:nvGrpSpPr>
@@ -1127,7 +1627,7 @@
       </p:grpSpPr>
       <p:sp>
         <p:nvSpPr>
-          <p:cNvPr id="95" name="Google Shape;95;g30f9e60537a_0_5:notes"/>
+          <p:cNvPr id="96" name="Google Shape;96;g30f9e60537a_0_5:notes"/>
           <p:cNvSpPr/>
           <p:nvPr>
             <p:ph idx="2" type="sldImg"/>
@@ -1162,7 +1662,7 @@
       </p:sp>
       <p:sp>
         <p:nvSpPr>
-          <p:cNvPr id="96" name="Google Shape;96;g30f9e60537a_0_5:notes"/>
+          <p:cNvPr id="97" name="Google Shape;97;g30f9e60537a_0_5:notes"/>
           <p:cNvSpPr txBox="1"/>
           <p:nvPr>
             <p:ph idx="1" type="body"/>
@@ -1212,7 +1712,7 @@
   <p:cSld>
     <p:spTree>
       <p:nvGrpSpPr>
-        <p:cNvPr id="102" name="Shape 102"/>
+        <p:cNvPr id="103" name="Shape 103"/>
         <p:cNvGrpSpPr/>
         <p:nvPr/>
       </p:nvGrpSpPr>
@@ -1226,7 +1726,7 @@
       </p:grpSpPr>
       <p:sp>
         <p:nvSpPr>
-          <p:cNvPr id="103" name="Google Shape;103;g30f9e60537a_0_49:notes"/>
+          <p:cNvPr id="104" name="Google Shape;104;g30f9e60537a_0_49:notes"/>
           <p:cNvSpPr/>
           <p:nvPr>
             <p:ph idx="2" type="sldImg"/>
@@ -1261,7 +1761,7 @@
       </p:sp>
       <p:sp>
         <p:nvSpPr>
-          <p:cNvPr id="104" name="Google Shape;104;g30f9e60537a_0_49:notes"/>
+          <p:cNvPr id="105" name="Google Shape;105;g30f9e60537a_0_49:notes"/>
           <p:cNvSpPr txBox="1"/>
           <p:nvPr>
             <p:ph idx="1" type="body"/>
@@ -1311,7 +1811,7 @@
   <p:cSld>
     <p:spTree>
       <p:nvGrpSpPr>
-        <p:cNvPr id="110" name="Shape 110"/>
+        <p:cNvPr id="111" name="Shape 111"/>
         <p:cNvGrpSpPr/>
         <p:nvPr/>
       </p:nvGrpSpPr>
@@ -1325,7 +1825,7 @@
       </p:grpSpPr>
       <p:sp>
         <p:nvSpPr>
-          <p:cNvPr id="111" name="Google Shape;111;g30f9e60537a_0_10:notes"/>
+          <p:cNvPr id="112" name="Google Shape;112;g30fa97924ec_1_5:notes"/>
           <p:cNvSpPr/>
           <p:nvPr>
             <p:ph idx="2" type="sldImg"/>
@@ -1360,7 +1860,7 @@
       </p:sp>
       <p:sp>
         <p:nvSpPr>
-          <p:cNvPr id="112" name="Google Shape;112;g30f9e60537a_0_10:notes"/>
+          <p:cNvPr id="113" name="Google Shape;113;g30fa97924ec_1_5:notes"/>
           <p:cNvSpPr txBox="1"/>
           <p:nvPr>
             <p:ph idx="1" type="body"/>
@@ -1410,7 +1910,7 @@
   <p:cSld>
     <p:spTree>
       <p:nvGrpSpPr>
-        <p:cNvPr id="116" name="Shape 116"/>
+        <p:cNvPr id="117" name="Shape 117"/>
         <p:cNvGrpSpPr/>
         <p:nvPr/>
       </p:nvGrpSpPr>
@@ -1424,7 +1924,7 @@
       </p:grpSpPr>
       <p:sp>
         <p:nvSpPr>
-          <p:cNvPr id="117" name="Google Shape;117;g30f9e60537a_0_30:notes"/>
+          <p:cNvPr id="118" name="Google Shape;118;g30f9e60537a_0_10:notes"/>
           <p:cNvSpPr/>
           <p:nvPr>
             <p:ph idx="2" type="sldImg"/>
@@ -1459,7 +1959,7 @@
       </p:sp>
       <p:sp>
         <p:nvSpPr>
-          <p:cNvPr id="118" name="Google Shape;118;g30f9e60537a_0_30:notes"/>
+          <p:cNvPr id="119" name="Google Shape;119;g30f9e60537a_0_10:notes"/>
           <p:cNvSpPr txBox="1"/>
           <p:nvPr>
             <p:ph idx="1" type="body"/>
@@ -1523,7 +2023,7 @@
       </p:grpSpPr>
       <p:sp>
         <p:nvSpPr>
-          <p:cNvPr id="125" name="Google Shape;125;g30f9e60537a_0_52:notes"/>
+          <p:cNvPr id="125" name="Google Shape;125;g30f9e60537a_0_30:notes"/>
           <p:cNvSpPr/>
           <p:nvPr>
             <p:ph idx="2" type="sldImg"/>
@@ -1558,7 +2058,7 @@
       </p:sp>
       <p:sp>
         <p:nvSpPr>
-          <p:cNvPr id="126" name="Google Shape;126;g30f9e60537a_0_52:notes"/>
+          <p:cNvPr id="126" name="Google Shape;126;g30f9e60537a_0_30:notes"/>
           <p:cNvSpPr txBox="1"/>
           <p:nvPr>
             <p:ph idx="1" type="body"/>
@@ -1622,7 +2122,7 @@
       </p:grpSpPr>
       <p:sp>
         <p:nvSpPr>
-          <p:cNvPr id="133" name="Google Shape;133;g30f9e60537a_0_20:notes"/>
+          <p:cNvPr id="133" name="Google Shape;133;g30f9e60537a_0_52:notes"/>
           <p:cNvSpPr/>
           <p:nvPr>
             <p:ph idx="2" type="sldImg"/>
@@ -1657,7 +2157,7 @@
       </p:sp>
       <p:sp>
         <p:nvSpPr>
-          <p:cNvPr id="134" name="Google Shape;134;g30f9e60537a_0_20:notes"/>
+          <p:cNvPr id="134" name="Google Shape;134;g30f9e60537a_0_52:notes"/>
           <p:cNvSpPr txBox="1"/>
           <p:nvPr>
             <p:ph idx="1" type="body"/>
@@ -1707,7 +2207,7 @@
   <p:cSld>
     <p:spTree>
       <p:nvGrpSpPr>
-        <p:cNvPr id="138" name="Shape 138"/>
+        <p:cNvPr id="140" name="Shape 140"/>
         <p:cNvGrpSpPr/>
         <p:nvPr/>
       </p:nvGrpSpPr>
@@ -1721,7 +2221,7 @@
       </p:grpSpPr>
       <p:sp>
         <p:nvSpPr>
-          <p:cNvPr id="139" name="Google Shape;139;g30f9e60537a_0_33:notes"/>
+          <p:cNvPr id="141" name="Google Shape;141;g30fa97924ec_1_11:notes"/>
           <p:cNvSpPr/>
           <p:nvPr>
             <p:ph idx="2" type="sldImg"/>
@@ -1756,7 +2256,7 @@
       </p:sp>
       <p:sp>
         <p:nvSpPr>
-          <p:cNvPr id="140" name="Google Shape;140;g30f9e60537a_0_33:notes"/>
+          <p:cNvPr id="142" name="Google Shape;142;g30fa97924ec_1_11:notes"/>
           <p:cNvSpPr txBox="1"/>
           <p:nvPr>
             <p:ph idx="1" type="body"/>
@@ -8226,9 +8726,686 @@
           <a:chExt cx="0" cy="0"/>
         </a:xfrm>
       </p:grpSpPr>
+      <p:sp>
+        <p:nvSpPr>
+          <p:cNvPr id="150" name="Google Shape;150;p22"/>
+          <p:cNvSpPr txBox="1"/>
+          <p:nvPr>
+            <p:ph type="title"/>
+          </p:nvPr>
+        </p:nvSpPr>
+        <p:spPr>
+          <a:xfrm>
+            <a:off x="311700" y="597425"/>
+            <a:ext cx="8520600" cy="572700"/>
+          </a:xfrm>
+          <a:prstGeom prst="rect">
+            <a:avLst/>
+          </a:prstGeom>
+        </p:spPr>
+        <p:txBody>
+          <a:bodyPr anchorCtr="0" anchor="t" bIns="91425" lIns="91425" spcFirstLastPara="1" rIns="91425" wrap="square" tIns="91425">
+            <a:normAutofit fontScale="90000"/>
+          </a:bodyPr>
+          <a:lstStyle/>
+          <a:p>
+            <a:pPr indent="0" lvl="0" marL="0" rtl="0" algn="l">
+              <a:spcBef>
+                <a:spcPts val="0"/>
+              </a:spcBef>
+              <a:spcAft>
+                <a:spcPts val="0"/>
+              </a:spcAft>
+              <a:buNone/>
+            </a:pPr>
+            <a:r>
+              <a:rPr lang="en"/>
+              <a:t>Function 3: Bi-quadratic (Rosenbrock) Function</a:t>
+            </a:r>
+            <a:endParaRPr/>
+          </a:p>
+          <a:p>
+            <a:pPr indent="0" lvl="0" marL="0" rtl="0" algn="l">
+              <a:spcBef>
+                <a:spcPts val="0"/>
+              </a:spcBef>
+              <a:spcAft>
+                <a:spcPts val="0"/>
+              </a:spcAft>
+              <a:buNone/>
+            </a:pPr>
+            <a:r>
+              <a:t/>
+            </a:r>
+            <a:endParaRPr/>
+          </a:p>
+        </p:txBody>
+      </p:sp>
+      <p:sp>
+        <p:nvSpPr>
+          <p:cNvPr id="151" name="Google Shape;151;p22"/>
+          <p:cNvSpPr txBox="1"/>
+          <p:nvPr>
+            <p:ph idx="1" type="body"/>
+          </p:nvPr>
+        </p:nvSpPr>
+        <p:spPr>
+          <a:xfrm>
+            <a:off x="387900" y="1533475"/>
+            <a:ext cx="8520600" cy="3416400"/>
+          </a:xfrm>
+          <a:prstGeom prst="rect">
+            <a:avLst/>
+          </a:prstGeom>
+        </p:spPr>
+        <p:txBody>
+          <a:bodyPr anchorCtr="0" anchor="t" bIns="91425" lIns="91425" spcFirstLastPara="1" rIns="91425" wrap="square" tIns="91425">
+            <a:normAutofit/>
+          </a:bodyPr>
+          <a:lstStyle/>
+          <a:p>
+            <a:pPr indent="0" lvl="0" marL="0" rtl="0" algn="l">
+              <a:spcBef>
+                <a:spcPts val="0"/>
+              </a:spcBef>
+              <a:spcAft>
+                <a:spcPts val="0"/>
+              </a:spcAft>
+              <a:buClr>
+                <a:schemeClr val="dk1"/>
+              </a:buClr>
+              <a:buSzPts val="1100"/>
+              <a:buFont typeface="Arial"/>
+              <a:buNone/>
+            </a:pPr>
+            <a:r>
+              <a:rPr b="1" lang="en">
+                <a:solidFill>
+                  <a:schemeClr val="dk2"/>
+                </a:solidFill>
+              </a:rPr>
+              <a:t>Gradient Descent</a:t>
+            </a:r>
+            <a:endParaRPr b="1">
+              <a:solidFill>
+                <a:schemeClr val="dk2"/>
+              </a:solidFill>
+            </a:endParaRPr>
+          </a:p>
+          <a:p>
+            <a:pPr indent="-311150" lvl="0" marL="457200" rtl="0" algn="l">
+              <a:spcBef>
+                <a:spcPts val="1200"/>
+              </a:spcBef>
+              <a:spcAft>
+                <a:spcPts val="0"/>
+              </a:spcAft>
+              <a:buClr>
+                <a:schemeClr val="dk2"/>
+              </a:buClr>
+              <a:buSzPts val="1300"/>
+              <a:buChar char="-"/>
+            </a:pPr>
+            <a:r>
+              <a:rPr lang="en">
+                <a:solidFill>
+                  <a:schemeClr val="dk2"/>
+                </a:solidFill>
+              </a:rPr>
+              <a:t>Steps: 3, Minimum f(x): 0.1997655255915457</a:t>
+            </a:r>
+            <a:endParaRPr>
+              <a:solidFill>
+                <a:schemeClr val="dk2"/>
+              </a:solidFill>
+            </a:endParaRPr>
+          </a:p>
+          <a:p>
+            <a:pPr indent="0" lvl="0" marL="0" rtl="0" algn="l">
+              <a:spcBef>
+                <a:spcPts val="1200"/>
+              </a:spcBef>
+              <a:spcAft>
+                <a:spcPts val="0"/>
+              </a:spcAft>
+              <a:buClr>
+                <a:schemeClr val="dk1"/>
+              </a:buClr>
+              <a:buSzPts val="1100"/>
+              <a:buFont typeface="Arial"/>
+              <a:buNone/>
+            </a:pPr>
+            <a:r>
+              <a:rPr b="1" lang="en">
+                <a:solidFill>
+                  <a:schemeClr val="dk2"/>
+                </a:solidFill>
+              </a:rPr>
+              <a:t>Newton’s Method</a:t>
+            </a:r>
+            <a:endParaRPr b="1">
+              <a:solidFill>
+                <a:schemeClr val="dk2"/>
+              </a:solidFill>
+            </a:endParaRPr>
+          </a:p>
+          <a:p>
+            <a:pPr indent="-311150" lvl="0" marL="457200" rtl="0" algn="l">
+              <a:spcBef>
+                <a:spcPts val="1200"/>
+              </a:spcBef>
+              <a:spcAft>
+                <a:spcPts val="0"/>
+              </a:spcAft>
+              <a:buClr>
+                <a:schemeClr val="dk2"/>
+              </a:buClr>
+              <a:buSzPts val="1300"/>
+              <a:buChar char="-"/>
+            </a:pPr>
+            <a:r>
+              <a:rPr lang="en">
+                <a:solidFill>
+                  <a:schemeClr val="dk2"/>
+                </a:solidFill>
+              </a:rPr>
+              <a:t>Steps: 11, Minimum f(x): 2.430697658828909e-05</a:t>
+            </a:r>
+            <a:endParaRPr>
+              <a:solidFill>
+                <a:schemeClr val="dk2"/>
+              </a:solidFill>
+            </a:endParaRPr>
+          </a:p>
+          <a:p>
+            <a:pPr indent="0" lvl="0" marL="0" rtl="0" algn="l">
+              <a:spcBef>
+                <a:spcPts val="1200"/>
+              </a:spcBef>
+              <a:spcAft>
+                <a:spcPts val="0"/>
+              </a:spcAft>
+              <a:buClr>
+                <a:schemeClr val="dk1"/>
+              </a:buClr>
+              <a:buSzPts val="1100"/>
+              <a:buFont typeface="Arial"/>
+              <a:buNone/>
+            </a:pPr>
+            <a:r>
+              <a:rPr b="1" lang="en">
+                <a:solidFill>
+                  <a:schemeClr val="dk2"/>
+                </a:solidFill>
+              </a:rPr>
+              <a:t>Quasi-Newton (BFGS)</a:t>
+            </a:r>
+            <a:endParaRPr b="1">
+              <a:solidFill>
+                <a:schemeClr val="dk2"/>
+              </a:solidFill>
+            </a:endParaRPr>
+          </a:p>
+          <a:p>
+            <a:pPr indent="-311150" lvl="0" marL="457200" rtl="0" algn="l">
+              <a:spcBef>
+                <a:spcPts val="1200"/>
+              </a:spcBef>
+              <a:spcAft>
+                <a:spcPts val="0"/>
+              </a:spcAft>
+              <a:buClr>
+                <a:schemeClr val="dk2"/>
+              </a:buClr>
+              <a:buSzPts val="1300"/>
+              <a:buChar char="-"/>
+            </a:pPr>
+            <a:r>
+              <a:rPr lang="en">
+                <a:solidFill>
+                  <a:schemeClr val="dk2"/>
+                </a:solidFill>
+              </a:rPr>
+              <a:t>Steps: 5, Minimum f(x): 0.053686336330168706</a:t>
+            </a:r>
+            <a:endParaRPr>
+              <a:solidFill>
+                <a:schemeClr val="dk2"/>
+              </a:solidFill>
+            </a:endParaRPr>
+          </a:p>
+          <a:p>
+            <a:pPr indent="0" lvl="0" marL="0" rtl="0" algn="l">
+              <a:spcBef>
+                <a:spcPts val="1200"/>
+              </a:spcBef>
+              <a:spcAft>
+                <a:spcPts val="0"/>
+              </a:spcAft>
+              <a:buClr>
+                <a:schemeClr val="dk1"/>
+              </a:buClr>
+              <a:buSzPts val="1100"/>
+              <a:buFont typeface="Arial"/>
+              <a:buNone/>
+            </a:pPr>
+            <a:r>
+              <a:rPr b="1" lang="en">
+                <a:solidFill>
+                  <a:schemeClr val="dk2"/>
+                </a:solidFill>
+              </a:rPr>
+              <a:t>Adam Optimizer</a:t>
+            </a:r>
+            <a:endParaRPr b="1">
+              <a:solidFill>
+                <a:schemeClr val="dk2"/>
+              </a:solidFill>
+            </a:endParaRPr>
+          </a:p>
+          <a:p>
+            <a:pPr indent="-311150" lvl="0" marL="457200" rtl="0" algn="l">
+              <a:spcBef>
+                <a:spcPts val="1200"/>
+              </a:spcBef>
+              <a:spcAft>
+                <a:spcPts val="0"/>
+              </a:spcAft>
+              <a:buClr>
+                <a:schemeClr val="dk2"/>
+              </a:buClr>
+              <a:buSzPts val="1300"/>
+              <a:buChar char="-"/>
+            </a:pPr>
+            <a:r>
+              <a:rPr lang="en">
+                <a:solidFill>
+                  <a:schemeClr val="dk2"/>
+                </a:solidFill>
+              </a:rPr>
+              <a:t>Steps: 1474, Minimum f(x): 0.7850856229011988</a:t>
+            </a:r>
+            <a:endParaRPr>
+              <a:solidFill>
+                <a:schemeClr val="dk2"/>
+              </a:solidFill>
+            </a:endParaRPr>
+          </a:p>
+        </p:txBody>
+      </p:sp>
+      <p:sp>
+        <p:nvSpPr>
+          <p:cNvPr id="152" name="Google Shape;152;p22"/>
+          <p:cNvSpPr txBox="1"/>
+          <p:nvPr>
+            <p:ph idx="1" type="body"/>
+          </p:nvPr>
+        </p:nvSpPr>
+        <p:spPr>
+          <a:xfrm>
+            <a:off x="5867675" y="1457275"/>
+            <a:ext cx="2766300" cy="2820300"/>
+          </a:xfrm>
+          <a:prstGeom prst="rect">
+            <a:avLst/>
+          </a:prstGeom>
+        </p:spPr>
+        <p:txBody>
+          <a:bodyPr anchorCtr="0" anchor="t" bIns="91425" lIns="91425" spcFirstLastPara="1" rIns="91425" wrap="square" tIns="91425">
+            <a:normAutofit/>
+          </a:bodyPr>
+          <a:lstStyle/>
+          <a:p>
+            <a:pPr indent="0" lvl="0" marL="0" rtl="0" algn="l">
+              <a:spcBef>
+                <a:spcPts val="0"/>
+              </a:spcBef>
+              <a:spcAft>
+                <a:spcPts val="0"/>
+              </a:spcAft>
+              <a:buNone/>
+            </a:pPr>
+            <a:r>
+              <a:rPr lang="en">
+                <a:solidFill>
+                  <a:schemeClr val="dk2"/>
+                </a:solidFill>
+              </a:rPr>
+              <a:t>x_0 = np.array([2.0, 2.0])</a:t>
+            </a:r>
+            <a:endParaRPr>
+              <a:solidFill>
+                <a:schemeClr val="dk2"/>
+              </a:solidFill>
+            </a:endParaRPr>
+          </a:p>
+          <a:p>
+            <a:pPr indent="0" lvl="0" marL="0" rtl="0" algn="l">
+              <a:spcBef>
+                <a:spcPts val="1200"/>
+              </a:spcBef>
+              <a:spcAft>
+                <a:spcPts val="0"/>
+              </a:spcAft>
+              <a:buNone/>
+            </a:pPr>
+            <a:r>
+              <a:rPr lang="en">
+                <a:solidFill>
+                  <a:schemeClr val="dk2"/>
+                </a:solidFill>
+              </a:rPr>
+              <a:t>alpha = 1.0</a:t>
+            </a:r>
+            <a:endParaRPr>
+              <a:solidFill>
+                <a:schemeClr val="dk2"/>
+              </a:solidFill>
+            </a:endParaRPr>
+          </a:p>
+          <a:p>
+            <a:pPr indent="0" lvl="0" marL="0" rtl="0" algn="l">
+              <a:spcBef>
+                <a:spcPts val="1200"/>
+              </a:spcBef>
+              <a:spcAft>
+                <a:spcPts val="0"/>
+              </a:spcAft>
+              <a:buNone/>
+            </a:pPr>
+            <a:r>
+              <a:rPr lang="en">
+                <a:solidFill>
+                  <a:schemeClr val="dk2"/>
+                </a:solidFill>
+              </a:rPr>
+              <a:t>c = 0.1</a:t>
+            </a:r>
+            <a:endParaRPr>
+              <a:solidFill>
+                <a:schemeClr val="dk2"/>
+              </a:solidFill>
+            </a:endParaRPr>
+          </a:p>
+          <a:p>
+            <a:pPr indent="0" lvl="0" marL="0" rtl="0" algn="l">
+              <a:spcBef>
+                <a:spcPts val="1200"/>
+              </a:spcBef>
+              <a:spcAft>
+                <a:spcPts val="0"/>
+              </a:spcAft>
+              <a:buNone/>
+            </a:pPr>
+            <a:r>
+              <a:rPr lang="en">
+                <a:solidFill>
+                  <a:schemeClr val="dk2"/>
+                </a:solidFill>
+              </a:rPr>
+              <a:t>rho = 0.5</a:t>
+            </a:r>
+            <a:endParaRPr>
+              <a:solidFill>
+                <a:schemeClr val="dk2"/>
+              </a:solidFill>
+            </a:endParaRPr>
+          </a:p>
+          <a:p>
+            <a:pPr indent="0" lvl="0" marL="0" rtl="0" algn="l">
+              <a:spcBef>
+                <a:spcPts val="1200"/>
+              </a:spcBef>
+              <a:spcAft>
+                <a:spcPts val="0"/>
+              </a:spcAft>
+              <a:buNone/>
+            </a:pPr>
+            <a:r>
+              <a:rPr lang="en">
+                <a:solidFill>
+                  <a:schemeClr val="dk2"/>
+                </a:solidFill>
+              </a:rPr>
+              <a:t>max_iter = 1000 (8000 for Adam)</a:t>
+            </a:r>
+            <a:endParaRPr>
+              <a:solidFill>
+                <a:schemeClr val="dk2"/>
+              </a:solidFill>
+            </a:endParaRPr>
+          </a:p>
+          <a:p>
+            <a:pPr indent="0" lvl="0" marL="0" rtl="0" algn="l">
+              <a:spcBef>
+                <a:spcPts val="1200"/>
+              </a:spcBef>
+              <a:spcAft>
+                <a:spcPts val="0"/>
+              </a:spcAft>
+              <a:buNone/>
+            </a:pPr>
+            <a:r>
+              <a:rPr lang="en">
+                <a:solidFill>
+                  <a:schemeClr val="dk2"/>
+                </a:solidFill>
+              </a:rPr>
+              <a:t>d</a:t>
+            </a:r>
+            <a:r>
+              <a:rPr lang="en">
+                <a:solidFill>
+                  <a:schemeClr val="dk2"/>
+                </a:solidFill>
+              </a:rPr>
+              <a:t>elta1  = 0.001 (0.0001 for Adam)</a:t>
+            </a:r>
+            <a:endParaRPr>
+              <a:solidFill>
+                <a:schemeClr val="dk2"/>
+              </a:solidFill>
+            </a:endParaRPr>
+          </a:p>
+          <a:p>
+            <a:pPr indent="0" lvl="0" marL="0" rtl="0" algn="l">
+              <a:spcBef>
+                <a:spcPts val="1200"/>
+              </a:spcBef>
+              <a:spcAft>
+                <a:spcPts val="1200"/>
+              </a:spcAft>
+              <a:buNone/>
+            </a:pPr>
+            <a:r>
+              <a:rPr lang="en">
+                <a:solidFill>
+                  <a:schemeClr val="dk2"/>
+                </a:solidFill>
+              </a:rPr>
+              <a:t>d</a:t>
+            </a:r>
+            <a:r>
+              <a:rPr lang="en">
+                <a:solidFill>
+                  <a:schemeClr val="dk2"/>
+                </a:solidFill>
+              </a:rPr>
+              <a:t>elta2 = 0.001 (0.0001 for Adam)</a:t>
+            </a:r>
+            <a:endParaRPr>
+              <a:solidFill>
+                <a:schemeClr val="dk2"/>
+              </a:solidFill>
+            </a:endParaRPr>
+          </a:p>
+        </p:txBody>
+      </p:sp>
+    </p:spTree>
+  </p:cSld>
+  <p:clrMapOvr>
+    <a:masterClrMapping/>
+  </p:clrMapOvr>
+</p:sld>
+</file>
+
+<file path=ppt/slides/slide11.xml><?xml version="1.0" encoding="utf-8"?>
+<p:sld xmlns:a="http://schemas.openxmlformats.org/drawingml/2006/main" xmlns:r="http://schemas.openxmlformats.org/officeDocument/2006/relationships" xmlns:mc="http://schemas.openxmlformats.org/markup-compatibility/2006" xmlns:mv="urn:schemas-microsoft-com:mac:vml" xmlns:p="http://schemas.openxmlformats.org/presentationml/2006/main" xmlns:c="http://schemas.openxmlformats.org/drawingml/2006/chart" xmlns:dgm="http://schemas.openxmlformats.org/drawingml/2006/diagram" xmlns:o="urn:schemas-microsoft-com:office:office" xmlns:v="urn:schemas-microsoft-com:vml" xmlns:pvml="urn:schemas-microsoft-com:office:powerpoint" xmlns:com="http://schemas.openxmlformats.org/drawingml/2006/compatibility" xmlns:p14="http://schemas.microsoft.com/office/powerpoint/2010/main" xmlns:p15="http://schemas.microsoft.com/office/powerpoint/2012/main" xmlns:ahyp="http://schemas.microsoft.com/office/drawing/2018/hyperlinkcolor">
+  <p:cSld>
+    <p:spTree>
+      <p:nvGrpSpPr>
+        <p:cNvPr id="156" name="Shape 156"/>
+        <p:cNvGrpSpPr/>
+        <p:nvPr/>
+      </p:nvGrpSpPr>
+      <p:grpSpPr>
+        <a:xfrm>
+          <a:off x="0" y="0"/>
+          <a:ext cx="0" cy="0"/>
+          <a:chOff x="0" y="0"/>
+          <a:chExt cx="0" cy="0"/>
+        </a:xfrm>
+      </p:grpSpPr>
       <p:pic>
         <p:nvPicPr>
-          <p:cNvPr id="150" name="Google Shape;150;p22"/>
+          <p:cNvPr id="157" name="Google Shape;157;p23"/>
+          <p:cNvPicPr preferRelativeResize="0"/>
+          <p:nvPr/>
+        </p:nvPicPr>
+        <p:blipFill>
+          <a:blip r:embed="rId3">
+            <a:alphaModFix/>
+          </a:blip>
+          <a:stretch>
+            <a:fillRect/>
+          </a:stretch>
+        </p:blipFill>
+        <p:spPr>
+          <a:xfrm>
+            <a:off x="5336442" y="2571752"/>
+            <a:ext cx="3477166" cy="2607875"/>
+          </a:xfrm>
+          <a:prstGeom prst="rect">
+            <a:avLst/>
+          </a:prstGeom>
+          <a:noFill/>
+          <a:ln>
+            <a:noFill/>
+          </a:ln>
+        </p:spPr>
+      </p:pic>
+      <p:pic>
+        <p:nvPicPr>
+          <p:cNvPr id="158" name="Google Shape;158;p23"/>
+          <p:cNvPicPr preferRelativeResize="0"/>
+          <p:nvPr/>
+        </p:nvPicPr>
+        <p:blipFill>
+          <a:blip r:embed="rId4">
+            <a:alphaModFix/>
+          </a:blip>
+          <a:stretch>
+            <a:fillRect/>
+          </a:stretch>
+        </p:blipFill>
+        <p:spPr>
+          <a:xfrm>
+            <a:off x="581200" y="0"/>
+            <a:ext cx="3270766" cy="2453075"/>
+          </a:xfrm>
+          <a:prstGeom prst="rect">
+            <a:avLst/>
+          </a:prstGeom>
+          <a:noFill/>
+          <a:ln>
+            <a:noFill/>
+          </a:ln>
+        </p:spPr>
+      </p:pic>
+      <p:pic>
+        <p:nvPicPr>
+          <p:cNvPr id="159" name="Google Shape;159;p23"/>
+          <p:cNvPicPr preferRelativeResize="0"/>
+          <p:nvPr/>
+        </p:nvPicPr>
+        <p:blipFill>
+          <a:blip r:embed="rId5">
+            <a:alphaModFix/>
+          </a:blip>
+          <a:stretch>
+            <a:fillRect/>
+          </a:stretch>
+        </p:blipFill>
+        <p:spPr>
+          <a:xfrm>
+            <a:off x="411575" y="2453075"/>
+            <a:ext cx="3523917" cy="2642950"/>
+          </a:xfrm>
+          <a:prstGeom prst="rect">
+            <a:avLst/>
+          </a:prstGeom>
+          <a:noFill/>
+          <a:ln>
+            <a:noFill/>
+          </a:ln>
+        </p:spPr>
+      </p:pic>
+      <p:pic>
+        <p:nvPicPr>
+          <p:cNvPr id="160" name="Google Shape;160;p23"/>
+          <p:cNvPicPr preferRelativeResize="0"/>
+          <p:nvPr/>
+        </p:nvPicPr>
+        <p:blipFill>
+          <a:blip r:embed="rId6">
+            <a:alphaModFix/>
+          </a:blip>
+          <a:stretch>
+            <a:fillRect/>
+          </a:stretch>
+        </p:blipFill>
+        <p:spPr>
+          <a:xfrm>
+            <a:off x="5439638" y="0"/>
+            <a:ext cx="3270774" cy="2453075"/>
+          </a:xfrm>
+          <a:prstGeom prst="rect">
+            <a:avLst/>
+          </a:prstGeom>
+          <a:noFill/>
+          <a:ln>
+            <a:noFill/>
+          </a:ln>
+        </p:spPr>
+      </p:pic>
+    </p:spTree>
+  </p:cSld>
+  <p:clrMapOvr>
+    <a:masterClrMapping/>
+  </p:clrMapOvr>
+</p:sld>
+</file>
+
+<file path=ppt/slides/slide12.xml><?xml version="1.0" encoding="utf-8"?>
+<p:sld xmlns:a="http://schemas.openxmlformats.org/drawingml/2006/main" xmlns:r="http://schemas.openxmlformats.org/officeDocument/2006/relationships" xmlns:mc="http://schemas.openxmlformats.org/markup-compatibility/2006" xmlns:mv="urn:schemas-microsoft-com:mac:vml" xmlns:p="http://schemas.openxmlformats.org/presentationml/2006/main" xmlns:c="http://schemas.openxmlformats.org/drawingml/2006/chart" xmlns:dgm="http://schemas.openxmlformats.org/drawingml/2006/diagram" xmlns:o="urn:schemas-microsoft-com:office:office" xmlns:v="urn:schemas-microsoft-com:vml" xmlns:pvml="urn:schemas-microsoft-com:office:powerpoint" xmlns:com="http://schemas.openxmlformats.org/drawingml/2006/compatibility" xmlns:p14="http://schemas.microsoft.com/office/powerpoint/2010/main" xmlns:p15="http://schemas.microsoft.com/office/powerpoint/2012/main" xmlns:ahyp="http://schemas.microsoft.com/office/drawing/2018/hyperlinkcolor">
+  <p:cSld>
+    <p:spTree>
+      <p:nvGrpSpPr>
+        <p:cNvPr id="164" name="Shape 164"/>
+        <p:cNvGrpSpPr/>
+        <p:nvPr/>
+      </p:nvGrpSpPr>
+      <p:grpSpPr>
+        <a:xfrm>
+          <a:off x="0" y="0"/>
+          <a:ext cx="0" cy="0"/>
+          <a:chOff x="0" y="0"/>
+          <a:chExt cx="0" cy="0"/>
+        </a:xfrm>
+      </p:grpSpPr>
+      <p:pic>
+        <p:nvPicPr>
+          <p:cNvPr id="165" name="Google Shape;165;p24"/>
           <p:cNvPicPr preferRelativeResize="0"/>
           <p:nvPr/>
         </p:nvPicPr>
@@ -8256,7 +9433,7 @@
       </p:pic>
       <p:pic>
         <p:nvPicPr>
-          <p:cNvPr id="151" name="Google Shape;151;p22"/>
+          <p:cNvPr id="166" name="Google Shape;166;p24"/>
           <p:cNvPicPr preferRelativeResize="0"/>
           <p:nvPr/>
         </p:nvPicPr>
@@ -8284,7 +9461,7 @@
       </p:pic>
       <p:pic>
         <p:nvPicPr>
-          <p:cNvPr id="152" name="Google Shape;152;p22"/>
+          <p:cNvPr id="167" name="Google Shape;167;p24"/>
           <p:cNvPicPr preferRelativeResize="0"/>
           <p:nvPr/>
         </p:nvPicPr>
@@ -8312,7 +9489,7 @@
       </p:pic>
       <p:pic>
         <p:nvPicPr>
-          <p:cNvPr id="153" name="Google Shape;153;p22"/>
+          <p:cNvPr id="168" name="Google Shape;168;p24"/>
           <p:cNvPicPr preferRelativeResize="0"/>
           <p:nvPr/>
         </p:nvPicPr>
@@ -8346,12 +9523,12 @@
 </p:sld>
 </file>
 
-<file path=ppt/slides/slide11.xml><?xml version="1.0" encoding="utf-8"?>
+<file path=ppt/slides/slide13.xml><?xml version="1.0" encoding="utf-8"?>
 <p:sld xmlns:a="http://schemas.openxmlformats.org/drawingml/2006/main" xmlns:r="http://schemas.openxmlformats.org/officeDocument/2006/relationships" xmlns:mc="http://schemas.openxmlformats.org/markup-compatibility/2006" xmlns:mv="urn:schemas-microsoft-com:mac:vml" xmlns:p="http://schemas.openxmlformats.org/presentationml/2006/main" xmlns:c="http://schemas.openxmlformats.org/drawingml/2006/chart" xmlns:dgm="http://schemas.openxmlformats.org/drawingml/2006/diagram" xmlns:o="urn:schemas-microsoft-com:office:office" xmlns:v="urn:schemas-microsoft-com:vml" xmlns:pvml="urn:schemas-microsoft-com:office:powerpoint" xmlns:com="http://schemas.openxmlformats.org/drawingml/2006/compatibility" xmlns:p14="http://schemas.microsoft.com/office/powerpoint/2010/main" xmlns:p15="http://schemas.microsoft.com/office/powerpoint/2012/main" xmlns:ahyp="http://schemas.microsoft.com/office/drawing/2018/hyperlinkcolor">
   <p:cSld>
     <p:spTree>
       <p:nvGrpSpPr>
-        <p:cNvPr id="157" name="Shape 157"/>
+        <p:cNvPr id="172" name="Shape 172"/>
         <p:cNvGrpSpPr/>
         <p:nvPr/>
       </p:nvGrpSpPr>
@@ -8365,7 +9542,1257 @@
       </p:grpSpPr>
       <p:sp>
         <p:nvSpPr>
-          <p:cNvPr id="158" name="Google Shape;158;p23"/>
+          <p:cNvPr id="173" name="Google Shape;173;p25"/>
+          <p:cNvSpPr txBox="1"/>
+          <p:nvPr>
+            <p:ph type="title"/>
+          </p:nvPr>
+        </p:nvSpPr>
+        <p:spPr>
+          <a:xfrm>
+            <a:off x="387900" y="597425"/>
+            <a:ext cx="8520600" cy="572700"/>
+          </a:xfrm>
+          <a:prstGeom prst="rect">
+            <a:avLst/>
+          </a:prstGeom>
+        </p:spPr>
+        <p:txBody>
+          <a:bodyPr anchorCtr="0" anchor="t" bIns="91425" lIns="91425" spcFirstLastPara="1" rIns="91425" wrap="square" tIns="91425">
+            <a:normAutofit fontScale="90000"/>
+          </a:bodyPr>
+          <a:lstStyle/>
+          <a:p>
+            <a:pPr indent="0" lvl="0" marL="0" rtl="0" algn="l">
+              <a:spcBef>
+                <a:spcPts val="0"/>
+              </a:spcBef>
+              <a:spcAft>
+                <a:spcPts val="0"/>
+              </a:spcAft>
+              <a:buNone/>
+            </a:pPr>
+            <a:r>
+              <a:rPr lang="en"/>
+              <a:t>Function 3: Bi-quadratic (Rosenbrock) Function</a:t>
+            </a:r>
+            <a:endParaRPr/>
+          </a:p>
+          <a:p>
+            <a:pPr indent="0" lvl="0" marL="0" rtl="0" algn="l">
+              <a:spcBef>
+                <a:spcPts val="0"/>
+              </a:spcBef>
+              <a:spcAft>
+                <a:spcPts val="0"/>
+              </a:spcAft>
+              <a:buNone/>
+            </a:pPr>
+            <a:r>
+              <a:t/>
+            </a:r>
+            <a:endParaRPr/>
+          </a:p>
+        </p:txBody>
+      </p:sp>
+      <p:sp>
+        <p:nvSpPr>
+          <p:cNvPr id="174" name="Google Shape;174;p25"/>
+          <p:cNvSpPr txBox="1"/>
+          <p:nvPr>
+            <p:ph idx="1" type="body"/>
+          </p:nvPr>
+        </p:nvSpPr>
+        <p:spPr>
+          <a:xfrm>
+            <a:off x="464100" y="1457275"/>
+            <a:ext cx="7862400" cy="3122700"/>
+          </a:xfrm>
+          <a:prstGeom prst="rect">
+            <a:avLst/>
+          </a:prstGeom>
+        </p:spPr>
+        <p:txBody>
+          <a:bodyPr anchorCtr="0" anchor="t" bIns="91425" lIns="91425" spcFirstLastPara="1" rIns="91425" wrap="square" tIns="91425">
+            <a:normAutofit/>
+          </a:bodyPr>
+          <a:lstStyle/>
+          <a:p>
+            <a:pPr indent="-311150" lvl="0" marL="457200" rtl="0" algn="l">
+              <a:lnSpc>
+                <a:spcPct val="150000"/>
+              </a:lnSpc>
+              <a:spcBef>
+                <a:spcPts val="0"/>
+              </a:spcBef>
+              <a:spcAft>
+                <a:spcPts val="0"/>
+              </a:spcAft>
+              <a:buClr>
+                <a:schemeClr val="dk2"/>
+              </a:buClr>
+              <a:buSzPts val="1300"/>
+              <a:buChar char="-"/>
+            </a:pPr>
+            <a:r>
+              <a:rPr lang="en">
+                <a:solidFill>
+                  <a:schemeClr val="dk2"/>
+                </a:solidFill>
+              </a:rPr>
+              <a:t>Polynomial function of order 4</a:t>
+            </a:r>
+            <a:endParaRPr>
+              <a:solidFill>
+                <a:schemeClr val="dk2"/>
+              </a:solidFill>
+            </a:endParaRPr>
+          </a:p>
+          <a:p>
+            <a:pPr indent="-311150" lvl="0" marL="457200" rtl="0" algn="l">
+              <a:lnSpc>
+                <a:spcPct val="150000"/>
+              </a:lnSpc>
+              <a:spcBef>
+                <a:spcPts val="0"/>
+              </a:spcBef>
+              <a:spcAft>
+                <a:spcPts val="0"/>
+              </a:spcAft>
+              <a:buClr>
+                <a:schemeClr val="dk2"/>
+              </a:buClr>
+              <a:buSzPts val="1300"/>
+              <a:buChar char="-"/>
+            </a:pPr>
+            <a:r>
+              <a:rPr lang="en">
+                <a:solidFill>
+                  <a:schemeClr val="dk2"/>
+                </a:solidFill>
+              </a:rPr>
+              <a:t>Gradient descent method satisfies the stopping criteria very soon and fails to reach the global minimum.</a:t>
+            </a:r>
+            <a:endParaRPr>
+              <a:solidFill>
+                <a:schemeClr val="dk2"/>
+              </a:solidFill>
+            </a:endParaRPr>
+          </a:p>
+          <a:p>
+            <a:pPr indent="-311150" lvl="0" marL="457200" rtl="0" algn="l">
+              <a:lnSpc>
+                <a:spcPct val="150000"/>
+              </a:lnSpc>
+              <a:spcBef>
+                <a:spcPts val="0"/>
+              </a:spcBef>
+              <a:spcAft>
+                <a:spcPts val="0"/>
+              </a:spcAft>
+              <a:buClr>
+                <a:schemeClr val="dk2"/>
+              </a:buClr>
+              <a:buSzPts val="1300"/>
+              <a:buChar char="-"/>
+            </a:pPr>
+            <a:r>
+              <a:rPr lang="en">
+                <a:solidFill>
+                  <a:schemeClr val="dk2"/>
+                </a:solidFill>
+              </a:rPr>
+              <a:t>Newton’s method reached very close to the optimum function value i.e. 0 and quasi newton was also close to this. </a:t>
+            </a:r>
+            <a:endParaRPr>
+              <a:solidFill>
+                <a:schemeClr val="dk2"/>
+              </a:solidFill>
+            </a:endParaRPr>
+          </a:p>
+        </p:txBody>
+      </p:sp>
+    </p:spTree>
+  </p:cSld>
+  <p:clrMapOvr>
+    <a:masterClrMapping/>
+  </p:clrMapOvr>
+</p:sld>
+</file>
+
+<file path=ppt/slides/slide14.xml><?xml version="1.0" encoding="utf-8"?>
+<p:sld xmlns:a="http://schemas.openxmlformats.org/drawingml/2006/main" xmlns:r="http://schemas.openxmlformats.org/officeDocument/2006/relationships" xmlns:mc="http://schemas.openxmlformats.org/markup-compatibility/2006" xmlns:mv="urn:schemas-microsoft-com:mac:vml" xmlns:p="http://schemas.openxmlformats.org/presentationml/2006/main" xmlns:c="http://schemas.openxmlformats.org/drawingml/2006/chart" xmlns:dgm="http://schemas.openxmlformats.org/drawingml/2006/diagram" xmlns:o="urn:schemas-microsoft-com:office:office" xmlns:v="urn:schemas-microsoft-com:vml" xmlns:pvml="urn:schemas-microsoft-com:office:powerpoint" xmlns:com="http://schemas.openxmlformats.org/drawingml/2006/compatibility" xmlns:p14="http://schemas.microsoft.com/office/powerpoint/2010/main" xmlns:p15="http://schemas.microsoft.com/office/powerpoint/2012/main" xmlns:ahyp="http://schemas.microsoft.com/office/drawing/2018/hyperlinkcolor">
+  <p:cSld>
+    <p:spTree>
+      <p:nvGrpSpPr>
+        <p:cNvPr id="178" name="Shape 178"/>
+        <p:cNvGrpSpPr/>
+        <p:nvPr/>
+      </p:nvGrpSpPr>
+      <p:grpSpPr>
+        <a:xfrm>
+          <a:off x="0" y="0"/>
+          <a:ext cx="0" cy="0"/>
+          <a:chOff x="0" y="0"/>
+          <a:chExt cx="0" cy="0"/>
+        </a:xfrm>
+      </p:grpSpPr>
+      <p:sp>
+        <p:nvSpPr>
+          <p:cNvPr id="179" name="Google Shape;179;p26"/>
+          <p:cNvSpPr txBox="1"/>
+          <p:nvPr>
+            <p:ph type="title"/>
+          </p:nvPr>
+        </p:nvSpPr>
+        <p:spPr>
+          <a:xfrm>
+            <a:off x="729450" y="1318650"/>
+            <a:ext cx="7688700" cy="535200"/>
+          </a:xfrm>
+          <a:prstGeom prst="rect">
+            <a:avLst/>
+          </a:prstGeom>
+        </p:spPr>
+        <p:txBody>
+          <a:bodyPr anchorCtr="0" anchor="t" bIns="91425" lIns="91425" spcFirstLastPara="1" rIns="91425" wrap="square" tIns="91425">
+            <a:normAutofit fontScale="90000"/>
+          </a:bodyPr>
+          <a:lstStyle/>
+          <a:p>
+            <a:pPr indent="0" lvl="0" marL="0" rtl="0" algn="l">
+              <a:spcBef>
+                <a:spcPts val="0"/>
+              </a:spcBef>
+              <a:spcAft>
+                <a:spcPts val="0"/>
+              </a:spcAft>
+              <a:buNone/>
+            </a:pPr>
+            <a:r>
+              <a:rPr lang="en"/>
+              <a:t>Optional Method: Adam Optimizer</a:t>
+            </a:r>
+            <a:endParaRPr/>
+          </a:p>
+        </p:txBody>
+      </p:sp>
+      <p:sp>
+        <p:nvSpPr>
+          <p:cNvPr id="180" name="Google Shape;180;p26"/>
+          <p:cNvSpPr txBox="1"/>
+          <p:nvPr>
+            <p:ph idx="1" type="body"/>
+          </p:nvPr>
+        </p:nvSpPr>
+        <p:spPr>
+          <a:xfrm>
+            <a:off x="729450" y="2078875"/>
+            <a:ext cx="7688700" cy="2261100"/>
+          </a:xfrm>
+          <a:prstGeom prst="rect">
+            <a:avLst/>
+          </a:prstGeom>
+        </p:spPr>
+        <p:txBody>
+          <a:bodyPr anchorCtr="0" anchor="t" bIns="91425" lIns="91425" spcFirstLastPara="1" rIns="91425" wrap="square" tIns="91425">
+            <a:normAutofit fontScale="92500"/>
+          </a:bodyPr>
+          <a:lstStyle/>
+          <a:p>
+            <a:pPr indent="0" lvl="0" marL="0" rtl="0" algn="l">
+              <a:spcBef>
+                <a:spcPts val="0"/>
+              </a:spcBef>
+              <a:spcAft>
+                <a:spcPts val="0"/>
+              </a:spcAft>
+              <a:buNone/>
+            </a:pPr>
+            <a:r>
+              <a:rPr lang="en">
+                <a:solidFill>
+                  <a:srgbClr val="1E1E1E"/>
+                </a:solidFill>
+              </a:rPr>
+              <a:t>Overall Observations:</a:t>
+            </a:r>
+            <a:endParaRPr>
+              <a:solidFill>
+                <a:srgbClr val="1E1E1E"/>
+              </a:solidFill>
+            </a:endParaRPr>
+          </a:p>
+          <a:p>
+            <a:pPr indent="-304958" lvl="0" marL="457200" rtl="0" algn="l">
+              <a:spcBef>
+                <a:spcPts val="1200"/>
+              </a:spcBef>
+              <a:spcAft>
+                <a:spcPts val="0"/>
+              </a:spcAft>
+              <a:buClr>
+                <a:srgbClr val="1E1E1E"/>
+              </a:buClr>
+              <a:buSzPct val="100000"/>
+              <a:buChar char="-"/>
+            </a:pPr>
+            <a:r>
+              <a:rPr lang="en">
+                <a:solidFill>
+                  <a:srgbClr val="1E1E1E"/>
+                </a:solidFill>
+              </a:rPr>
+              <a:t>Iterative </a:t>
+            </a:r>
+            <a:r>
+              <a:rPr lang="en">
+                <a:solidFill>
+                  <a:srgbClr val="1E1E1E"/>
+                </a:solidFill>
+              </a:rPr>
+              <a:t>Efficiency: </a:t>
+            </a:r>
+            <a:r>
+              <a:rPr lang="en">
+                <a:solidFill>
+                  <a:srgbClr val="1E1E1E"/>
+                </a:solidFill>
+              </a:rPr>
+              <a:t> Require more iterations contradicting initial assumption of faster convergence</a:t>
+            </a:r>
+            <a:endParaRPr>
+              <a:solidFill>
+                <a:srgbClr val="1E1E1E"/>
+              </a:solidFill>
+            </a:endParaRPr>
+          </a:p>
+          <a:p>
+            <a:pPr indent="-304958" lvl="0" marL="457200" rtl="0" algn="l">
+              <a:spcBef>
+                <a:spcPts val="0"/>
+              </a:spcBef>
+              <a:spcAft>
+                <a:spcPts val="0"/>
+              </a:spcAft>
+              <a:buClr>
+                <a:srgbClr val="1E1E1E"/>
+              </a:buClr>
+              <a:buSzPct val="100000"/>
+              <a:buChar char="-"/>
+            </a:pPr>
+            <a:r>
+              <a:rPr lang="en">
+                <a:solidFill>
+                  <a:srgbClr val="1E1E1E"/>
+                </a:solidFill>
+              </a:rPr>
+              <a:t>Minimum values: Not similar to other methods, raising questions </a:t>
+            </a:r>
+            <a:r>
+              <a:rPr lang="en">
+                <a:solidFill>
+                  <a:srgbClr val="1E1E1E"/>
+                </a:solidFill>
+              </a:rPr>
+              <a:t>about</a:t>
+            </a:r>
+            <a:r>
+              <a:rPr lang="en">
+                <a:solidFill>
+                  <a:srgbClr val="1E1E1E"/>
+                </a:solidFill>
+              </a:rPr>
+              <a:t> its efficiency in this specific context</a:t>
+            </a:r>
+            <a:endParaRPr>
+              <a:solidFill>
+                <a:srgbClr val="1E1E1E"/>
+              </a:solidFill>
+            </a:endParaRPr>
+          </a:p>
+          <a:p>
+            <a:pPr indent="-304958" lvl="0" marL="457200" rtl="0" algn="l">
+              <a:spcBef>
+                <a:spcPts val="0"/>
+              </a:spcBef>
+              <a:spcAft>
+                <a:spcPts val="0"/>
+              </a:spcAft>
+              <a:buClr>
+                <a:srgbClr val="1E1E1E"/>
+              </a:buClr>
+              <a:buSzPct val="100000"/>
+              <a:buChar char="-"/>
+            </a:pPr>
+            <a:r>
+              <a:rPr lang="en">
+                <a:solidFill>
+                  <a:srgbClr val="1E1E1E"/>
+                </a:solidFill>
+              </a:rPr>
+              <a:t>Implication of Results: Though being robust and capable of handling complex optimisation tasks, </a:t>
+            </a:r>
+            <a:r>
+              <a:rPr lang="en">
+                <a:solidFill>
+                  <a:srgbClr val="1E1E1E"/>
+                </a:solidFill>
+              </a:rPr>
+              <a:t>may not</a:t>
+            </a:r>
+            <a:r>
+              <a:rPr lang="en">
+                <a:solidFill>
+                  <a:srgbClr val="1E1E1E"/>
+                </a:solidFill>
+              </a:rPr>
+              <a:t> always meet expectations particularly in </a:t>
+            </a:r>
+            <a:r>
+              <a:rPr lang="en">
+                <a:solidFill>
+                  <a:srgbClr val="1E1E1E"/>
+                </a:solidFill>
+              </a:rPr>
+              <a:t>certain</a:t>
+            </a:r>
+            <a:r>
+              <a:rPr lang="en">
+                <a:solidFill>
+                  <a:srgbClr val="1E1E1E"/>
+                </a:solidFill>
+              </a:rPr>
+              <a:t> function landscapes</a:t>
+            </a:r>
+            <a:endParaRPr>
+              <a:solidFill>
+                <a:srgbClr val="1E1E1E"/>
+              </a:solidFill>
+            </a:endParaRPr>
+          </a:p>
+          <a:p>
+            <a:pPr indent="0" lvl="0" marL="0" rtl="0" algn="l">
+              <a:spcBef>
+                <a:spcPts val="1200"/>
+              </a:spcBef>
+              <a:spcAft>
+                <a:spcPts val="0"/>
+              </a:spcAft>
+              <a:buNone/>
+            </a:pPr>
+            <a:r>
+              <a:t/>
+            </a:r>
+            <a:endParaRPr>
+              <a:solidFill>
+                <a:srgbClr val="1E1E1E"/>
+              </a:solidFill>
+            </a:endParaRPr>
+          </a:p>
+          <a:p>
+            <a:pPr indent="0" lvl="0" marL="0" rtl="0" algn="l">
+              <a:spcBef>
+                <a:spcPts val="1200"/>
+              </a:spcBef>
+              <a:spcAft>
+                <a:spcPts val="1200"/>
+              </a:spcAft>
+              <a:buNone/>
+            </a:pPr>
+            <a:r>
+              <a:t/>
+            </a:r>
+            <a:endParaRPr>
+              <a:solidFill>
+                <a:srgbClr val="1E1E1E"/>
+              </a:solidFill>
+            </a:endParaRPr>
+          </a:p>
+        </p:txBody>
+      </p:sp>
+    </p:spTree>
+  </p:cSld>
+  <p:clrMapOvr>
+    <a:masterClrMapping/>
+  </p:clrMapOvr>
+</p:sld>
+</file>
+
+<file path=ppt/slides/slide15.xml><?xml version="1.0" encoding="utf-8"?>
+<p:sld xmlns:a="http://schemas.openxmlformats.org/drawingml/2006/main" xmlns:r="http://schemas.openxmlformats.org/officeDocument/2006/relationships" xmlns:mc="http://schemas.openxmlformats.org/markup-compatibility/2006" xmlns:mv="urn:schemas-microsoft-com:mac:vml" xmlns:p="http://schemas.openxmlformats.org/presentationml/2006/main" xmlns:c="http://schemas.openxmlformats.org/drawingml/2006/chart" xmlns:dgm="http://schemas.openxmlformats.org/drawingml/2006/diagram" xmlns:o="urn:schemas-microsoft-com:office:office" xmlns:v="urn:schemas-microsoft-com:vml" xmlns:pvml="urn:schemas-microsoft-com:office:powerpoint" xmlns:com="http://schemas.openxmlformats.org/drawingml/2006/compatibility" xmlns:p14="http://schemas.microsoft.com/office/powerpoint/2010/main" xmlns:p15="http://schemas.microsoft.com/office/powerpoint/2012/main" xmlns:ahyp="http://schemas.microsoft.com/office/drawing/2018/hyperlinkcolor">
+  <p:cSld>
+    <p:spTree>
+      <p:nvGrpSpPr>
+        <p:cNvPr id="184" name="Shape 184"/>
+        <p:cNvGrpSpPr/>
+        <p:nvPr/>
+      </p:nvGrpSpPr>
+      <p:grpSpPr>
+        <a:xfrm>
+          <a:off x="0" y="0"/>
+          <a:ext cx="0" cy="0"/>
+          <a:chOff x="0" y="0"/>
+          <a:chExt cx="0" cy="0"/>
+        </a:xfrm>
+      </p:grpSpPr>
+      <p:sp>
+        <p:nvSpPr>
+          <p:cNvPr id="185" name="Google Shape;185;p27"/>
+          <p:cNvSpPr txBox="1"/>
+          <p:nvPr>
+            <p:ph type="title"/>
+          </p:nvPr>
+        </p:nvSpPr>
+        <p:spPr>
+          <a:xfrm>
+            <a:off x="729450" y="564625"/>
+            <a:ext cx="7688700" cy="535200"/>
+          </a:xfrm>
+          <a:prstGeom prst="rect">
+            <a:avLst/>
+          </a:prstGeom>
+        </p:spPr>
+        <p:txBody>
+          <a:bodyPr anchorCtr="0" anchor="t" bIns="91425" lIns="91425" spcFirstLastPara="1" rIns="91425" wrap="square" tIns="91425">
+            <a:normAutofit fontScale="90000"/>
+          </a:bodyPr>
+          <a:lstStyle/>
+          <a:p>
+            <a:pPr indent="0" lvl="0" marL="0" rtl="0" algn="l">
+              <a:spcBef>
+                <a:spcPts val="0"/>
+              </a:spcBef>
+              <a:spcAft>
+                <a:spcPts val="0"/>
+              </a:spcAft>
+              <a:buNone/>
+            </a:pPr>
+            <a:r>
+              <a:rPr lang="en"/>
+              <a:t>Adam</a:t>
+            </a:r>
+            <a:endParaRPr/>
+          </a:p>
+        </p:txBody>
+      </p:sp>
+      <p:sp>
+        <p:nvSpPr>
+          <p:cNvPr id="186" name="Google Shape;186;p27"/>
+          <p:cNvSpPr txBox="1"/>
+          <p:nvPr>
+            <p:ph idx="1" type="body"/>
+          </p:nvPr>
+        </p:nvSpPr>
+        <p:spPr>
+          <a:xfrm>
+            <a:off x="729450" y="1438225"/>
+            <a:ext cx="7688700" cy="3474000"/>
+          </a:xfrm>
+          <a:prstGeom prst="rect">
+            <a:avLst/>
+          </a:prstGeom>
+        </p:spPr>
+        <p:txBody>
+          <a:bodyPr anchorCtr="0" anchor="t" bIns="91425" lIns="91425" spcFirstLastPara="1" rIns="91425" wrap="square" tIns="91425">
+            <a:normAutofit/>
+          </a:bodyPr>
+          <a:lstStyle/>
+          <a:p>
+            <a:pPr indent="0" lvl="0" marL="0" rtl="0" algn="l">
+              <a:spcBef>
+                <a:spcPts val="0"/>
+              </a:spcBef>
+              <a:spcAft>
+                <a:spcPts val="0"/>
+              </a:spcAft>
+              <a:buNone/>
+            </a:pPr>
+            <a:r>
+              <a:rPr b="1" lang="en" sz="1100">
+                <a:solidFill>
+                  <a:srgbClr val="000000"/>
+                </a:solidFill>
+                <a:latin typeface="Arial"/>
+                <a:ea typeface="Arial"/>
+                <a:cs typeface="Arial"/>
+                <a:sym typeface="Arial"/>
+              </a:rPr>
+              <a:t>Initialization:</a:t>
+            </a:r>
+            <a:r>
+              <a:rPr lang="en" sz="1100">
+                <a:solidFill>
+                  <a:srgbClr val="000000"/>
+                </a:solidFill>
+                <a:latin typeface="Arial"/>
+                <a:ea typeface="Arial"/>
+                <a:cs typeface="Arial"/>
+                <a:sym typeface="Arial"/>
+              </a:rPr>
+              <a:t>  m = 0 (first moment estimate), v = 0(second moment estimate)</a:t>
+            </a:r>
+            <a:endParaRPr sz="1100">
+              <a:solidFill>
+                <a:srgbClr val="000000"/>
+              </a:solidFill>
+              <a:latin typeface="Arial"/>
+              <a:ea typeface="Arial"/>
+              <a:cs typeface="Arial"/>
+              <a:sym typeface="Arial"/>
+            </a:endParaRPr>
+          </a:p>
+          <a:p>
+            <a:pPr indent="0" lvl="0" marL="0" rtl="0" algn="l">
+              <a:spcBef>
+                <a:spcPts val="1200"/>
+              </a:spcBef>
+              <a:spcAft>
+                <a:spcPts val="0"/>
+              </a:spcAft>
+              <a:buNone/>
+            </a:pPr>
+            <a:r>
+              <a:rPr b="1" lang="en" sz="1100">
+                <a:solidFill>
+                  <a:srgbClr val="000000"/>
+                </a:solidFill>
+                <a:latin typeface="Arial"/>
+                <a:ea typeface="Arial"/>
+                <a:cs typeface="Arial"/>
+                <a:sym typeface="Arial"/>
+              </a:rPr>
+              <a:t>Gradient Calculation:</a:t>
+            </a:r>
+            <a:r>
+              <a:rPr lang="en" sz="1100">
+                <a:solidFill>
+                  <a:srgbClr val="000000"/>
+                </a:solidFill>
+                <a:latin typeface="Arial"/>
+                <a:ea typeface="Arial"/>
+                <a:cs typeface="Arial"/>
+                <a:sym typeface="Arial"/>
+              </a:rPr>
+              <a:t> Calculate the gradient as before: ∇f(x)</a:t>
+            </a:r>
+            <a:endParaRPr sz="1100">
+              <a:solidFill>
+                <a:srgbClr val="000000"/>
+              </a:solidFill>
+              <a:latin typeface="Arial"/>
+              <a:ea typeface="Arial"/>
+              <a:cs typeface="Arial"/>
+              <a:sym typeface="Arial"/>
+            </a:endParaRPr>
+          </a:p>
+          <a:p>
+            <a:pPr indent="0" lvl="0" marL="0" rtl="0" algn="l">
+              <a:spcBef>
+                <a:spcPts val="1200"/>
+              </a:spcBef>
+              <a:spcAft>
+                <a:spcPts val="0"/>
+              </a:spcAft>
+              <a:buNone/>
+            </a:pPr>
+            <a:r>
+              <a:rPr b="1" lang="en" sz="1100">
+                <a:solidFill>
+                  <a:srgbClr val="000000"/>
+                </a:solidFill>
+                <a:latin typeface="Arial"/>
+                <a:ea typeface="Arial"/>
+                <a:cs typeface="Arial"/>
+                <a:sym typeface="Arial"/>
+              </a:rPr>
+              <a:t>Update Moments:</a:t>
+            </a:r>
+            <a:endParaRPr b="1" sz="1100">
+              <a:solidFill>
+                <a:srgbClr val="000000"/>
+              </a:solidFill>
+              <a:latin typeface="Arial"/>
+              <a:ea typeface="Arial"/>
+              <a:cs typeface="Arial"/>
+              <a:sym typeface="Arial"/>
+            </a:endParaRPr>
+          </a:p>
+          <a:p>
+            <a:pPr indent="-298450" lvl="0" marL="457200" rtl="0" algn="l">
+              <a:spcBef>
+                <a:spcPts val="1200"/>
+              </a:spcBef>
+              <a:spcAft>
+                <a:spcPts val="0"/>
+              </a:spcAft>
+              <a:buClr>
+                <a:srgbClr val="000000"/>
+              </a:buClr>
+              <a:buSzPts val="1100"/>
+              <a:buFont typeface="Arial"/>
+              <a:buChar char="●"/>
+            </a:pPr>
+            <a:r>
+              <a:rPr b="1" lang="en" sz="1100">
+                <a:solidFill>
+                  <a:srgbClr val="000000"/>
+                </a:solidFill>
+                <a:latin typeface="Arial"/>
+                <a:ea typeface="Arial"/>
+                <a:cs typeface="Arial"/>
+                <a:sym typeface="Arial"/>
+              </a:rPr>
+              <a:t>First Moment:</a:t>
+            </a:r>
+            <a:r>
+              <a:rPr lang="en" sz="1100">
+                <a:solidFill>
+                  <a:srgbClr val="000000"/>
+                </a:solidFill>
+                <a:latin typeface="Arial"/>
+                <a:ea typeface="Arial"/>
+                <a:cs typeface="Arial"/>
+                <a:sym typeface="Arial"/>
+              </a:rPr>
+              <a:t> m = β</a:t>
+            </a:r>
+            <a:r>
+              <a:rPr baseline="-25000" lang="en" sz="1100">
+                <a:solidFill>
+                  <a:srgbClr val="000000"/>
+                </a:solidFill>
+                <a:latin typeface="Arial"/>
+                <a:ea typeface="Arial"/>
+                <a:cs typeface="Arial"/>
+                <a:sym typeface="Arial"/>
+              </a:rPr>
+              <a:t>1</a:t>
+            </a:r>
+            <a:r>
+              <a:rPr lang="en" sz="1100">
+                <a:solidFill>
+                  <a:srgbClr val="000000"/>
+                </a:solidFill>
+                <a:latin typeface="Arial"/>
+                <a:ea typeface="Arial"/>
+                <a:cs typeface="Arial"/>
+                <a:sym typeface="Arial"/>
+              </a:rPr>
+              <a:t>m+(1−β</a:t>
+            </a:r>
+            <a:r>
+              <a:rPr baseline="-25000" lang="en" sz="1100">
+                <a:solidFill>
+                  <a:srgbClr val="000000"/>
+                </a:solidFill>
+                <a:latin typeface="Arial"/>
+                <a:ea typeface="Arial"/>
+                <a:cs typeface="Arial"/>
+                <a:sym typeface="Arial"/>
+              </a:rPr>
+              <a:t>1</a:t>
+            </a:r>
+            <a:r>
+              <a:rPr lang="en" sz="1100">
+                <a:solidFill>
+                  <a:srgbClr val="000000"/>
+                </a:solidFill>
+                <a:latin typeface="Arial"/>
+                <a:ea typeface="Arial"/>
+                <a:cs typeface="Arial"/>
+                <a:sym typeface="Arial"/>
+              </a:rPr>
+              <a:t>)∇f(x), where β</a:t>
+            </a:r>
+            <a:r>
+              <a:rPr baseline="-25000" lang="en" sz="1100">
+                <a:solidFill>
+                  <a:srgbClr val="000000"/>
+                </a:solidFill>
+                <a:latin typeface="Arial"/>
+                <a:ea typeface="Arial"/>
+                <a:cs typeface="Arial"/>
+                <a:sym typeface="Arial"/>
+              </a:rPr>
+              <a:t>1</a:t>
+            </a:r>
+            <a:r>
+              <a:rPr lang="en" sz="1100">
+                <a:solidFill>
+                  <a:srgbClr val="000000"/>
+                </a:solidFill>
+                <a:latin typeface="Arial"/>
+                <a:ea typeface="Arial"/>
+                <a:cs typeface="Arial"/>
+                <a:sym typeface="Arial"/>
+              </a:rPr>
+              <a:t> is typically around 0.9.</a:t>
+            </a:r>
+            <a:endParaRPr sz="1100">
+              <a:solidFill>
+                <a:srgbClr val="000000"/>
+              </a:solidFill>
+              <a:latin typeface="Arial"/>
+              <a:ea typeface="Arial"/>
+              <a:cs typeface="Arial"/>
+              <a:sym typeface="Arial"/>
+            </a:endParaRPr>
+          </a:p>
+          <a:p>
+            <a:pPr indent="-298450" lvl="0" marL="457200" rtl="0" algn="l">
+              <a:spcBef>
+                <a:spcPts val="0"/>
+              </a:spcBef>
+              <a:spcAft>
+                <a:spcPts val="0"/>
+              </a:spcAft>
+              <a:buClr>
+                <a:srgbClr val="000000"/>
+              </a:buClr>
+              <a:buSzPts val="1100"/>
+              <a:buFont typeface="Arial"/>
+              <a:buChar char="●"/>
+            </a:pPr>
+            <a:r>
+              <a:rPr b="1" lang="en" sz="1100">
+                <a:solidFill>
+                  <a:srgbClr val="000000"/>
+                </a:solidFill>
+                <a:latin typeface="Arial"/>
+                <a:ea typeface="Arial"/>
+                <a:cs typeface="Arial"/>
+                <a:sym typeface="Arial"/>
+              </a:rPr>
+              <a:t>Second Moment:</a:t>
+            </a:r>
+            <a:r>
+              <a:rPr lang="en" sz="1100">
+                <a:solidFill>
+                  <a:srgbClr val="000000"/>
+                </a:solidFill>
+                <a:latin typeface="Arial"/>
+                <a:ea typeface="Arial"/>
+                <a:cs typeface="Arial"/>
+                <a:sym typeface="Arial"/>
+              </a:rPr>
+              <a:t> v = β</a:t>
+            </a:r>
+            <a:r>
+              <a:rPr baseline="-25000" lang="en" sz="1100">
+                <a:solidFill>
+                  <a:srgbClr val="000000"/>
+                </a:solidFill>
+                <a:latin typeface="Arial"/>
+                <a:ea typeface="Arial"/>
+                <a:cs typeface="Arial"/>
+                <a:sym typeface="Arial"/>
+              </a:rPr>
+              <a:t>2</a:t>
+            </a:r>
+            <a:r>
+              <a:rPr lang="en" sz="1100">
+                <a:solidFill>
+                  <a:srgbClr val="000000"/>
+                </a:solidFill>
+                <a:latin typeface="Arial"/>
+                <a:ea typeface="Arial"/>
+                <a:cs typeface="Arial"/>
+                <a:sym typeface="Arial"/>
+              </a:rPr>
+              <a:t>v+(1−β</a:t>
+            </a:r>
+            <a:r>
+              <a:rPr baseline="-25000" lang="en" sz="1100">
+                <a:solidFill>
+                  <a:srgbClr val="000000"/>
+                </a:solidFill>
+                <a:latin typeface="Arial"/>
+                <a:ea typeface="Arial"/>
+                <a:cs typeface="Arial"/>
+                <a:sym typeface="Arial"/>
+              </a:rPr>
+              <a:t>2</a:t>
+            </a:r>
+            <a:r>
+              <a:rPr lang="en" sz="1100">
+                <a:solidFill>
+                  <a:srgbClr val="000000"/>
+                </a:solidFill>
+                <a:latin typeface="Arial"/>
+                <a:ea typeface="Arial"/>
+                <a:cs typeface="Arial"/>
+                <a:sym typeface="Arial"/>
+              </a:rPr>
+              <a:t>)(∇f(x))</a:t>
+            </a:r>
+            <a:r>
+              <a:rPr baseline="30000" lang="en" sz="1100">
+                <a:solidFill>
+                  <a:srgbClr val="000000"/>
+                </a:solidFill>
+                <a:latin typeface="Arial"/>
+                <a:ea typeface="Arial"/>
+                <a:cs typeface="Arial"/>
+                <a:sym typeface="Arial"/>
+              </a:rPr>
+              <a:t>2</a:t>
+            </a:r>
+            <a:r>
+              <a:rPr lang="en" sz="1100">
+                <a:solidFill>
+                  <a:srgbClr val="000000"/>
+                </a:solidFill>
+                <a:latin typeface="Arial"/>
+                <a:ea typeface="Arial"/>
+                <a:cs typeface="Arial"/>
+                <a:sym typeface="Arial"/>
+              </a:rPr>
+              <a:t>, with β</a:t>
+            </a:r>
+            <a:r>
+              <a:rPr baseline="-25000" lang="en" sz="1100">
+                <a:solidFill>
+                  <a:srgbClr val="000000"/>
+                </a:solidFill>
+                <a:latin typeface="Arial"/>
+                <a:ea typeface="Arial"/>
+                <a:cs typeface="Arial"/>
+                <a:sym typeface="Arial"/>
+              </a:rPr>
+              <a:t>2</a:t>
+            </a:r>
+            <a:r>
+              <a:rPr lang="en" sz="1100">
+                <a:solidFill>
+                  <a:srgbClr val="000000"/>
+                </a:solidFill>
+                <a:latin typeface="Arial"/>
+                <a:ea typeface="Arial"/>
+                <a:cs typeface="Arial"/>
+                <a:sym typeface="Arial"/>
+              </a:rPr>
+              <a:t> usually around 0.999.</a:t>
+            </a:r>
+            <a:endParaRPr sz="1100">
+              <a:solidFill>
+                <a:srgbClr val="000000"/>
+              </a:solidFill>
+              <a:latin typeface="Arial"/>
+              <a:ea typeface="Arial"/>
+              <a:cs typeface="Arial"/>
+              <a:sym typeface="Arial"/>
+            </a:endParaRPr>
+          </a:p>
+          <a:p>
+            <a:pPr indent="0" lvl="0" marL="0" rtl="0" algn="l">
+              <a:spcBef>
+                <a:spcPts val="1200"/>
+              </a:spcBef>
+              <a:spcAft>
+                <a:spcPts val="0"/>
+              </a:spcAft>
+              <a:buNone/>
+            </a:pPr>
+            <a:r>
+              <a:rPr b="1" lang="en" sz="1100">
+                <a:solidFill>
+                  <a:srgbClr val="000000"/>
+                </a:solidFill>
+                <a:latin typeface="Arial"/>
+                <a:ea typeface="Arial"/>
+                <a:cs typeface="Arial"/>
+                <a:sym typeface="Arial"/>
+              </a:rPr>
+              <a:t>Bias Correction:</a:t>
+            </a:r>
+            <a:r>
+              <a:rPr lang="en" sz="1100">
+                <a:solidFill>
+                  <a:srgbClr val="000000"/>
+                </a:solidFill>
+                <a:latin typeface="Arial"/>
+                <a:ea typeface="Arial"/>
+                <a:cs typeface="Arial"/>
+                <a:sym typeface="Arial"/>
+              </a:rPr>
+              <a:t> Since m and v are initialized to zero, we apply bias correction:</a:t>
+            </a:r>
+            <a:br>
+              <a:rPr lang="en" sz="1100">
+                <a:solidFill>
+                  <a:srgbClr val="000000"/>
+                </a:solidFill>
+                <a:latin typeface="Arial"/>
+                <a:ea typeface="Arial"/>
+                <a:cs typeface="Arial"/>
+                <a:sym typeface="Arial"/>
+              </a:rPr>
+            </a:br>
+            <a:r>
+              <a:rPr lang="en" sz="1100">
+                <a:solidFill>
+                  <a:srgbClr val="000000"/>
+                </a:solidFill>
+                <a:latin typeface="Arial"/>
+                <a:ea typeface="Arial"/>
+                <a:cs typeface="Arial"/>
+                <a:sym typeface="Arial"/>
+              </a:rPr>
+              <a:t>m</a:t>
+            </a:r>
+            <a:r>
+              <a:rPr lang="en" sz="1100">
+                <a:solidFill>
+                  <a:srgbClr val="000000"/>
+                </a:solidFill>
+                <a:latin typeface="Arial"/>
+                <a:ea typeface="Arial"/>
+                <a:cs typeface="Arial"/>
+                <a:sym typeface="Arial"/>
+              </a:rPr>
+              <a:t>_hat = m / (1−β</a:t>
+            </a:r>
+            <a:r>
+              <a:rPr baseline="-25000" lang="en" sz="1100">
+                <a:solidFill>
+                  <a:srgbClr val="000000"/>
+                </a:solidFill>
+                <a:latin typeface="Arial"/>
+                <a:ea typeface="Arial"/>
+                <a:cs typeface="Arial"/>
+                <a:sym typeface="Arial"/>
+              </a:rPr>
+              <a:t>1</a:t>
+            </a:r>
+            <a:r>
+              <a:rPr baseline="30000" lang="en" sz="1100">
+                <a:solidFill>
+                  <a:srgbClr val="000000"/>
+                </a:solidFill>
+                <a:latin typeface="Arial"/>
+                <a:ea typeface="Arial"/>
+                <a:cs typeface="Arial"/>
+                <a:sym typeface="Arial"/>
+              </a:rPr>
+              <a:t>t</a:t>
+            </a:r>
+            <a:r>
+              <a:rPr lang="en" sz="1100">
+                <a:solidFill>
+                  <a:srgbClr val="000000"/>
+                </a:solidFill>
+                <a:latin typeface="Arial"/>
+                <a:ea typeface="Arial"/>
+                <a:cs typeface="Arial"/>
+                <a:sym typeface="Arial"/>
+              </a:rPr>
+              <a:t>) , v_hat = v / (1−β</a:t>
+            </a:r>
+            <a:r>
+              <a:rPr baseline="-25000" lang="en" sz="1100">
+                <a:solidFill>
+                  <a:srgbClr val="000000"/>
+                </a:solidFill>
+                <a:latin typeface="Arial"/>
+                <a:ea typeface="Arial"/>
+                <a:cs typeface="Arial"/>
+                <a:sym typeface="Arial"/>
+              </a:rPr>
+              <a:t>2</a:t>
+            </a:r>
+            <a:r>
+              <a:rPr baseline="30000" lang="en" sz="1100">
+                <a:solidFill>
+                  <a:srgbClr val="000000"/>
+                </a:solidFill>
+                <a:latin typeface="Arial"/>
+                <a:ea typeface="Arial"/>
+                <a:cs typeface="Arial"/>
+                <a:sym typeface="Arial"/>
+              </a:rPr>
+              <a:t>t</a:t>
+            </a:r>
+            <a:r>
+              <a:rPr lang="en" sz="1100">
+                <a:solidFill>
+                  <a:srgbClr val="000000"/>
+                </a:solidFill>
+                <a:latin typeface="Arial"/>
+                <a:ea typeface="Arial"/>
+                <a:cs typeface="Arial"/>
+                <a:sym typeface="Arial"/>
+              </a:rPr>
+              <a:t>)</a:t>
+            </a:r>
+            <a:endParaRPr sz="1100">
+              <a:solidFill>
+                <a:srgbClr val="000000"/>
+              </a:solidFill>
+              <a:latin typeface="Arial"/>
+              <a:ea typeface="Arial"/>
+              <a:cs typeface="Arial"/>
+              <a:sym typeface="Arial"/>
+            </a:endParaRPr>
+          </a:p>
+          <a:p>
+            <a:pPr indent="0" lvl="0" marL="0" rtl="0" algn="l">
+              <a:spcBef>
+                <a:spcPts val="0"/>
+              </a:spcBef>
+              <a:spcAft>
+                <a:spcPts val="0"/>
+              </a:spcAft>
+              <a:buNone/>
+            </a:pPr>
+            <a:r>
+              <a:t/>
+            </a:r>
+            <a:endParaRPr sz="1100">
+              <a:solidFill>
+                <a:srgbClr val="000000"/>
+              </a:solidFill>
+              <a:latin typeface="Arial"/>
+              <a:ea typeface="Arial"/>
+              <a:cs typeface="Arial"/>
+              <a:sym typeface="Arial"/>
+            </a:endParaRPr>
+          </a:p>
+          <a:p>
+            <a:pPr indent="0" lvl="0" marL="0" rtl="0" algn="l">
+              <a:spcBef>
+                <a:spcPts val="0"/>
+              </a:spcBef>
+              <a:spcAft>
+                <a:spcPts val="0"/>
+              </a:spcAft>
+              <a:buNone/>
+            </a:pPr>
+            <a:r>
+              <a:rPr b="1" lang="en" sz="1100">
+                <a:solidFill>
+                  <a:srgbClr val="000000"/>
+                </a:solidFill>
+                <a:latin typeface="Arial"/>
+                <a:ea typeface="Arial"/>
+                <a:cs typeface="Arial"/>
+                <a:sym typeface="Arial"/>
+              </a:rPr>
+              <a:t>Update Step:</a:t>
+            </a:r>
+            <a:r>
+              <a:rPr lang="en" sz="1100">
+                <a:solidFill>
+                  <a:srgbClr val="000000"/>
+                </a:solidFill>
+                <a:latin typeface="Arial"/>
+                <a:ea typeface="Arial"/>
+                <a:cs typeface="Arial"/>
+                <a:sym typeface="Arial"/>
+              </a:rPr>
+              <a:t> The parameter update is given by:</a:t>
+            </a:r>
+            <a:br>
+              <a:rPr lang="en" sz="1100">
+                <a:solidFill>
+                  <a:srgbClr val="000000"/>
+                </a:solidFill>
+                <a:latin typeface="Arial"/>
+                <a:ea typeface="Arial"/>
+                <a:cs typeface="Arial"/>
+                <a:sym typeface="Arial"/>
+              </a:rPr>
+            </a:br>
+            <a:r>
+              <a:rPr lang="en" sz="1100">
+                <a:solidFill>
+                  <a:srgbClr val="000000"/>
+                </a:solidFill>
+                <a:latin typeface="Arial"/>
+                <a:ea typeface="Arial"/>
+                <a:cs typeface="Arial"/>
+                <a:sym typeface="Arial"/>
+              </a:rPr>
+              <a:t>x_new = x - (α / (√v_hat + ε)) * m_hat</a:t>
+            </a:r>
+            <a:br>
+              <a:rPr lang="en" sz="1100">
+                <a:solidFill>
+                  <a:srgbClr val="000000"/>
+                </a:solidFill>
+                <a:latin typeface="Arial"/>
+                <a:ea typeface="Arial"/>
+                <a:cs typeface="Arial"/>
+                <a:sym typeface="Arial"/>
+              </a:rPr>
+            </a:br>
+            <a:r>
+              <a:rPr lang="en" sz="1100">
+                <a:solidFill>
+                  <a:srgbClr val="000000"/>
+                </a:solidFill>
+                <a:latin typeface="Arial"/>
+                <a:ea typeface="Arial"/>
+                <a:cs typeface="Arial"/>
+                <a:sym typeface="Arial"/>
+              </a:rPr>
+              <a:t>where α is the base learning rate and ϵ is a small constant to prevent division by zero.</a:t>
+            </a:r>
+            <a:endParaRPr sz="1100">
+              <a:solidFill>
+                <a:srgbClr val="000000"/>
+              </a:solidFill>
+              <a:latin typeface="Arial"/>
+              <a:ea typeface="Arial"/>
+              <a:cs typeface="Arial"/>
+              <a:sym typeface="Arial"/>
+            </a:endParaRPr>
+          </a:p>
+          <a:p>
+            <a:pPr indent="0" lvl="0" marL="0" rtl="0" algn="l">
+              <a:spcBef>
+                <a:spcPts val="1200"/>
+              </a:spcBef>
+              <a:spcAft>
+                <a:spcPts val="1200"/>
+              </a:spcAft>
+              <a:buNone/>
+            </a:pPr>
+            <a:r>
+              <a:t/>
+            </a:r>
+            <a:endParaRPr/>
+          </a:p>
+        </p:txBody>
+      </p:sp>
+    </p:spTree>
+  </p:cSld>
+  <p:clrMapOvr>
+    <a:masterClrMapping/>
+  </p:clrMapOvr>
+</p:sld>
+</file>
+
+<file path=ppt/slides/slide16.xml><?xml version="1.0" encoding="utf-8"?>
+<p:sld xmlns:a="http://schemas.openxmlformats.org/drawingml/2006/main" xmlns:r="http://schemas.openxmlformats.org/officeDocument/2006/relationships" xmlns:mc="http://schemas.openxmlformats.org/markup-compatibility/2006" xmlns:mv="urn:schemas-microsoft-com:mac:vml" xmlns:p="http://schemas.openxmlformats.org/presentationml/2006/main" xmlns:c="http://schemas.openxmlformats.org/drawingml/2006/chart" xmlns:dgm="http://schemas.openxmlformats.org/drawingml/2006/diagram" xmlns:o="urn:schemas-microsoft-com:office:office" xmlns:v="urn:schemas-microsoft-com:vml" xmlns:pvml="urn:schemas-microsoft-com:office:powerpoint" xmlns:com="http://schemas.openxmlformats.org/drawingml/2006/compatibility" xmlns:p14="http://schemas.microsoft.com/office/powerpoint/2010/main" xmlns:p15="http://schemas.microsoft.com/office/powerpoint/2012/main" xmlns:ahyp="http://schemas.microsoft.com/office/drawing/2018/hyperlinkcolor">
+  <p:cSld>
+    <p:spTree>
+      <p:nvGrpSpPr>
+        <p:cNvPr id="190" name="Shape 190"/>
+        <p:cNvGrpSpPr/>
+        <p:nvPr/>
+      </p:nvGrpSpPr>
+      <p:grpSpPr>
+        <a:xfrm>
+          <a:off x="0" y="0"/>
+          <a:ext cx="0" cy="0"/>
+          <a:chOff x="0" y="0"/>
+          <a:chExt cx="0" cy="0"/>
+        </a:xfrm>
+      </p:grpSpPr>
+      <p:sp>
+        <p:nvSpPr>
+          <p:cNvPr id="191" name="Google Shape;191;p28"/>
           <p:cNvSpPr txBox="1"/>
           <p:nvPr>
             <p:ph idx="1" type="body"/>
@@ -8487,7 +10914,7 @@
         <p:spPr>
           <a:xfrm>
             <a:off x="464100" y="1457275"/>
-            <a:ext cx="8520600" cy="3767100"/>
+            <a:ext cx="4554000" cy="3381000"/>
           </a:xfrm>
           <a:prstGeom prst="rect">
             <a:avLst/>
@@ -8509,16 +10936,16 @@
               <a:buNone/>
             </a:pPr>
             <a:r>
-              <a:rPr lang="en">
-                <a:solidFill>
-                  <a:schemeClr val="dk1"/>
+              <a:rPr b="1" lang="en">
+                <a:solidFill>
+                  <a:schemeClr val="dk2"/>
                 </a:solidFill>
               </a:rPr>
               <a:t>Gradient Descent</a:t>
             </a:r>
-            <a:endParaRPr>
+            <a:endParaRPr b="1">
               <a:solidFill>
-                <a:schemeClr val="dk1"/>
+                <a:schemeClr val="dk2"/>
               </a:solidFill>
             </a:endParaRPr>
           </a:p>
@@ -8531,7 +10958,7 @@
                 <a:spcPts val="0"/>
               </a:spcAft>
               <a:buClr>
-                <a:schemeClr val="dk1"/>
+                <a:schemeClr val="dk2"/>
               </a:buClr>
               <a:buSzPts val="1300"/>
               <a:buChar char="-"/>
@@ -8539,14 +10966,14 @@
             <a:r>
               <a:rPr lang="en">
                 <a:solidFill>
-                  <a:schemeClr val="dk1"/>
+                  <a:schemeClr val="dk2"/>
                 </a:solidFill>
               </a:rPr>
               <a:t>Steps: 85, Minimum f(x): 0.025517836989300404</a:t>
             </a:r>
             <a:endParaRPr>
               <a:solidFill>
-                <a:schemeClr val="dk1"/>
+                <a:schemeClr val="dk2"/>
               </a:solidFill>
             </a:endParaRPr>
           </a:p>
@@ -8561,16 +10988,16 @@
               <a:buNone/>
             </a:pPr>
             <a:r>
-              <a:rPr lang="en">
-                <a:solidFill>
-                  <a:schemeClr val="dk1"/>
+              <a:rPr b="1" lang="en">
+                <a:solidFill>
+                  <a:schemeClr val="dk2"/>
                 </a:solidFill>
               </a:rPr>
               <a:t>Newton’s Method</a:t>
             </a:r>
-            <a:endParaRPr>
+            <a:endParaRPr b="1">
               <a:solidFill>
-                <a:schemeClr val="dk1"/>
+                <a:schemeClr val="dk2"/>
               </a:solidFill>
             </a:endParaRPr>
           </a:p>
@@ -8583,7 +11010,7 @@
                 <a:spcPts val="0"/>
               </a:spcAft>
               <a:buClr>
-                <a:schemeClr val="dk1"/>
+                <a:schemeClr val="dk2"/>
               </a:buClr>
               <a:buSzPts val="1300"/>
               <a:buChar char="-"/>
@@ -8591,14 +11018,14 @@
             <a:r>
               <a:rPr lang="en">
                 <a:solidFill>
-                  <a:schemeClr val="dk1"/>
+                  <a:schemeClr val="dk2"/>
                 </a:solidFill>
               </a:rPr>
               <a:t>Steps: 1, Minimum f(x): 0.0</a:t>
             </a:r>
             <a:endParaRPr>
               <a:solidFill>
-                <a:schemeClr val="dk1"/>
+                <a:schemeClr val="dk2"/>
               </a:solidFill>
             </a:endParaRPr>
           </a:p>
@@ -8613,16 +11040,16 @@
               <a:buNone/>
             </a:pPr>
             <a:r>
-              <a:rPr lang="en">
-                <a:solidFill>
-                  <a:schemeClr val="dk1"/>
+              <a:rPr b="1" lang="en">
+                <a:solidFill>
+                  <a:schemeClr val="dk2"/>
                 </a:solidFill>
               </a:rPr>
               <a:t>Quasi-Newton (BFGS)</a:t>
             </a:r>
-            <a:endParaRPr>
+            <a:endParaRPr b="1">
               <a:solidFill>
-                <a:schemeClr val="dk1"/>
+                <a:schemeClr val="dk2"/>
               </a:solidFill>
             </a:endParaRPr>
           </a:p>
@@ -8635,7 +11062,7 @@
                 <a:spcPts val="0"/>
               </a:spcAft>
               <a:buClr>
-                <a:schemeClr val="dk1"/>
+                <a:schemeClr val="dk2"/>
               </a:buClr>
               <a:buSzPts val="1300"/>
               <a:buChar char="-"/>
@@ -8643,14 +11070,14 @@
             <a:r>
               <a:rPr lang="en">
                 <a:solidFill>
-                  <a:schemeClr val="dk1"/>
+                  <a:schemeClr val="dk2"/>
                 </a:solidFill>
               </a:rPr>
               <a:t>Steps: 73, Minimum f(x): 0.012437960354649402</a:t>
             </a:r>
             <a:endParaRPr>
               <a:solidFill>
-                <a:schemeClr val="dk1"/>
+                <a:schemeClr val="dk2"/>
               </a:solidFill>
             </a:endParaRPr>
           </a:p>
@@ -8665,16 +11092,16 @@
               <a:buNone/>
             </a:pPr>
             <a:r>
-              <a:rPr lang="en">
-                <a:solidFill>
-                  <a:schemeClr val="dk1"/>
+              <a:rPr b="1" lang="en">
+                <a:solidFill>
+                  <a:schemeClr val="dk2"/>
                 </a:solidFill>
               </a:rPr>
               <a:t>Adam Optimizer</a:t>
             </a:r>
-            <a:endParaRPr>
+            <a:endParaRPr b="1">
               <a:solidFill>
-                <a:schemeClr val="dk1"/>
+                <a:schemeClr val="dk2"/>
               </a:solidFill>
             </a:endParaRPr>
           </a:p>
@@ -8687,7 +11114,7 @@
                 <a:spcPts val="0"/>
               </a:spcAft>
               <a:buClr>
-                <a:schemeClr val="dk1"/>
+                <a:schemeClr val="dk2"/>
               </a:buClr>
               <a:buSzPts val="1300"/>
               <a:buChar char="-"/>
@@ -8695,14 +11122,214 @@
             <a:r>
               <a:rPr lang="en">
                 <a:solidFill>
-                  <a:schemeClr val="dk1"/>
+                  <a:schemeClr val="dk2"/>
                 </a:solidFill>
               </a:rPr>
               <a:t>Steps: 3247, Minimum f(x): 0.026126965235065427</a:t>
             </a:r>
             <a:endParaRPr>
               <a:solidFill>
-                <a:schemeClr val="dk1"/>
+                <a:schemeClr val="dk2"/>
+              </a:solidFill>
+            </a:endParaRPr>
+          </a:p>
+        </p:txBody>
+      </p:sp>
+      <p:sp>
+        <p:nvSpPr>
+          <p:cNvPr id="94" name="Google Shape;94;p14"/>
+          <p:cNvSpPr txBox="1"/>
+          <p:nvPr>
+            <p:ph idx="1" type="body"/>
+          </p:nvPr>
+        </p:nvSpPr>
+        <p:spPr>
+          <a:xfrm>
+            <a:off x="5867675" y="1457275"/>
+            <a:ext cx="2766300" cy="2820300"/>
+          </a:xfrm>
+          <a:prstGeom prst="rect">
+            <a:avLst/>
+          </a:prstGeom>
+        </p:spPr>
+        <p:txBody>
+          <a:bodyPr anchorCtr="0" anchor="t" bIns="91425" lIns="91425" spcFirstLastPara="1" rIns="91425" wrap="square" tIns="91425">
+            <a:normAutofit/>
+          </a:bodyPr>
+          <a:lstStyle/>
+          <a:p>
+            <a:pPr indent="0" lvl="0" marL="0" rtl="0" algn="l">
+              <a:spcBef>
+                <a:spcPts val="0"/>
+              </a:spcBef>
+              <a:spcAft>
+                <a:spcPts val="0"/>
+              </a:spcAft>
+              <a:buNone/>
+            </a:pPr>
+            <a:r>
+              <a:rPr lang="en">
+                <a:solidFill>
+                  <a:schemeClr val="dk2"/>
+                </a:solidFill>
+              </a:rPr>
+              <a:t>x</a:t>
+            </a:r>
+            <a:r>
+              <a:rPr lang="en">
+                <a:solidFill>
+                  <a:schemeClr val="dk2"/>
+                </a:solidFill>
+              </a:rPr>
+              <a:t>_0 = np.ones(100)</a:t>
+            </a:r>
+            <a:endParaRPr>
+              <a:solidFill>
+                <a:schemeClr val="dk2"/>
+              </a:solidFill>
+            </a:endParaRPr>
+          </a:p>
+          <a:p>
+            <a:pPr indent="0" lvl="0" marL="0" rtl="0" algn="l">
+              <a:spcBef>
+                <a:spcPts val="1200"/>
+              </a:spcBef>
+              <a:spcAft>
+                <a:spcPts val="0"/>
+              </a:spcAft>
+              <a:buNone/>
+            </a:pPr>
+            <a:r>
+              <a:rPr lang="en">
+                <a:solidFill>
+                  <a:schemeClr val="dk2"/>
+                </a:solidFill>
+              </a:rPr>
+              <a:t>alpha = 1.0</a:t>
+            </a:r>
+            <a:endParaRPr>
+              <a:solidFill>
+                <a:schemeClr val="dk2"/>
+              </a:solidFill>
+            </a:endParaRPr>
+          </a:p>
+          <a:p>
+            <a:pPr indent="0" lvl="0" marL="0" rtl="0" algn="l">
+              <a:spcBef>
+                <a:spcPts val="1200"/>
+              </a:spcBef>
+              <a:spcAft>
+                <a:spcPts val="0"/>
+              </a:spcAft>
+              <a:buNone/>
+            </a:pPr>
+            <a:r>
+              <a:rPr lang="en">
+                <a:solidFill>
+                  <a:schemeClr val="dk2"/>
+                </a:solidFill>
+              </a:rPr>
+              <a:t>c = 0.1</a:t>
+            </a:r>
+            <a:endParaRPr>
+              <a:solidFill>
+                <a:schemeClr val="dk2"/>
+              </a:solidFill>
+            </a:endParaRPr>
+          </a:p>
+          <a:p>
+            <a:pPr indent="0" lvl="0" marL="0" rtl="0" algn="l">
+              <a:spcBef>
+                <a:spcPts val="1200"/>
+              </a:spcBef>
+              <a:spcAft>
+                <a:spcPts val="0"/>
+              </a:spcAft>
+              <a:buNone/>
+            </a:pPr>
+            <a:r>
+              <a:rPr lang="en">
+                <a:solidFill>
+                  <a:schemeClr val="dk2"/>
+                </a:solidFill>
+              </a:rPr>
+              <a:t>rho = 0.5</a:t>
+            </a:r>
+            <a:endParaRPr>
+              <a:solidFill>
+                <a:schemeClr val="dk2"/>
+              </a:solidFill>
+            </a:endParaRPr>
+          </a:p>
+          <a:p>
+            <a:pPr indent="0" lvl="0" marL="0" rtl="0" algn="l">
+              <a:spcBef>
+                <a:spcPts val="1200"/>
+              </a:spcBef>
+              <a:spcAft>
+                <a:spcPts val="0"/>
+              </a:spcAft>
+              <a:buNone/>
+            </a:pPr>
+            <a:r>
+              <a:rPr lang="en">
+                <a:solidFill>
+                  <a:schemeClr val="dk2"/>
+                </a:solidFill>
+              </a:rPr>
+              <a:t>max_iter = 1000 (8000 for Adam)</a:t>
+            </a:r>
+            <a:endParaRPr>
+              <a:solidFill>
+                <a:schemeClr val="dk2"/>
+              </a:solidFill>
+            </a:endParaRPr>
+          </a:p>
+          <a:p>
+            <a:pPr indent="0" lvl="0" marL="0" rtl="0" algn="l">
+              <a:spcBef>
+                <a:spcPts val="1200"/>
+              </a:spcBef>
+              <a:spcAft>
+                <a:spcPts val="0"/>
+              </a:spcAft>
+              <a:buNone/>
+            </a:pPr>
+            <a:r>
+              <a:rPr lang="en">
+                <a:solidFill>
+                  <a:schemeClr val="dk2"/>
+                </a:solidFill>
+              </a:rPr>
+              <a:t>delta1  = 0.001 (0.0001 for Adam)</a:t>
+            </a:r>
+            <a:endParaRPr>
+              <a:solidFill>
+                <a:schemeClr val="dk2"/>
+              </a:solidFill>
+            </a:endParaRPr>
+          </a:p>
+          <a:p>
+            <a:pPr indent="0" lvl="0" marL="0" rtl="0" algn="l">
+              <a:spcBef>
+                <a:spcPts val="1200"/>
+              </a:spcBef>
+              <a:spcAft>
+                <a:spcPts val="1200"/>
+              </a:spcAft>
+              <a:buNone/>
+            </a:pPr>
+            <a:r>
+              <a:rPr lang="en">
+                <a:solidFill>
+                  <a:schemeClr val="dk2"/>
+                </a:solidFill>
+              </a:rPr>
+              <a:t>delta2 = 0.001 (0.0001 for Adam)</a:t>
+            </a:r>
+            <a:endParaRPr>
+              <a:solidFill>
+                <a:schemeClr val="dk2"/>
               </a:solidFill>
             </a:endParaRPr>
           </a:p>
@@ -8721,7 +11348,7 @@
   <p:cSld>
     <p:spTree>
       <p:nvGrpSpPr>
-        <p:cNvPr id="97" name="Shape 97"/>
+        <p:cNvPr id="98" name="Shape 98"/>
         <p:cNvGrpSpPr/>
         <p:nvPr/>
       </p:nvGrpSpPr>
@@ -8735,7 +11362,7 @@
       </p:grpSpPr>
       <p:pic>
         <p:nvPicPr>
-          <p:cNvPr id="98" name="Google Shape;98;p15"/>
+          <p:cNvPr id="99" name="Google Shape;99;p15"/>
           <p:cNvPicPr preferRelativeResize="0"/>
           <p:nvPr/>
         </p:nvPicPr>
@@ -8763,7 +11390,7 @@
       </p:pic>
       <p:pic>
         <p:nvPicPr>
-          <p:cNvPr id="99" name="Google Shape;99;p15"/>
+          <p:cNvPr id="100" name="Google Shape;100;p15"/>
           <p:cNvPicPr preferRelativeResize="0"/>
           <p:nvPr/>
         </p:nvPicPr>
@@ -8791,7 +11418,7 @@
       </p:pic>
       <p:pic>
         <p:nvPicPr>
-          <p:cNvPr id="100" name="Google Shape;100;p15"/>
+          <p:cNvPr id="101" name="Google Shape;101;p15"/>
           <p:cNvPicPr preferRelativeResize="0"/>
           <p:nvPr/>
         </p:nvPicPr>
@@ -8819,7 +11446,7 @@
       </p:pic>
       <p:pic>
         <p:nvPicPr>
-          <p:cNvPr id="101" name="Google Shape;101;p15"/>
+          <p:cNvPr id="102" name="Google Shape;102;p15"/>
           <p:cNvPicPr preferRelativeResize="0"/>
           <p:nvPr/>
         </p:nvPicPr>
@@ -8858,7 +11485,7 @@
   <p:cSld>
     <p:spTree>
       <p:nvGrpSpPr>
-        <p:cNvPr id="105" name="Shape 105"/>
+        <p:cNvPr id="106" name="Shape 106"/>
         <p:cNvGrpSpPr/>
         <p:nvPr/>
       </p:nvGrpSpPr>
@@ -8872,7 +11499,7 @@
       </p:grpSpPr>
       <p:pic>
         <p:nvPicPr>
-          <p:cNvPr id="106" name="Google Shape;106;p16"/>
+          <p:cNvPr id="107" name="Google Shape;107;p16"/>
           <p:cNvPicPr preferRelativeResize="0"/>
           <p:nvPr/>
         </p:nvPicPr>
@@ -8900,7 +11527,7 @@
       </p:pic>
       <p:pic>
         <p:nvPicPr>
-          <p:cNvPr id="107" name="Google Shape;107;p16"/>
+          <p:cNvPr id="108" name="Google Shape;108;p16"/>
           <p:cNvPicPr preferRelativeResize="0"/>
           <p:nvPr/>
         </p:nvPicPr>
@@ -8928,7 +11555,7 @@
       </p:pic>
       <p:pic>
         <p:nvPicPr>
-          <p:cNvPr id="108" name="Google Shape;108;p16"/>
+          <p:cNvPr id="109" name="Google Shape;109;p16"/>
           <p:cNvPicPr preferRelativeResize="0"/>
           <p:nvPr/>
         </p:nvPicPr>
@@ -8956,7 +11583,7 @@
       </p:pic>
       <p:pic>
         <p:nvPicPr>
-          <p:cNvPr id="109" name="Google Shape;109;p16"/>
+          <p:cNvPr id="110" name="Google Shape;110;p16"/>
           <p:cNvPicPr preferRelativeResize="0"/>
           <p:nvPr/>
         </p:nvPicPr>
@@ -8995,7 +11622,7 @@
   <p:cSld>
     <p:spTree>
       <p:nvGrpSpPr>
-        <p:cNvPr id="113" name="Shape 113"/>
+        <p:cNvPr id="114" name="Shape 114"/>
         <p:cNvGrpSpPr/>
         <p:nvPr/>
       </p:nvGrpSpPr>
@@ -9009,7 +11636,236 @@
       </p:grpSpPr>
       <p:sp>
         <p:nvSpPr>
-          <p:cNvPr id="114" name="Google Shape;114;p17"/>
+          <p:cNvPr id="115" name="Google Shape;115;p17"/>
+          <p:cNvSpPr txBox="1"/>
+          <p:nvPr>
+            <p:ph type="title"/>
+          </p:nvPr>
+        </p:nvSpPr>
+        <p:spPr>
+          <a:xfrm>
+            <a:off x="387900" y="597425"/>
+            <a:ext cx="8520600" cy="572700"/>
+          </a:xfrm>
+          <a:prstGeom prst="rect">
+            <a:avLst/>
+          </a:prstGeom>
+        </p:spPr>
+        <p:txBody>
+          <a:bodyPr anchorCtr="0" anchor="t" bIns="91425" lIns="91425" spcFirstLastPara="1" rIns="91425" wrap="square" tIns="91425">
+            <a:normAutofit fontScale="90000"/>
+          </a:bodyPr>
+          <a:lstStyle/>
+          <a:p>
+            <a:pPr indent="0" lvl="0" marL="0" rtl="0" algn="l">
+              <a:spcBef>
+                <a:spcPts val="0"/>
+              </a:spcBef>
+              <a:spcAft>
+                <a:spcPts val="0"/>
+              </a:spcAft>
+              <a:buNone/>
+            </a:pPr>
+            <a:r>
+              <a:rPr lang="en"/>
+              <a:t>Function 1: Quadratic Function</a:t>
+            </a:r>
+            <a:endParaRPr/>
+          </a:p>
+        </p:txBody>
+      </p:sp>
+      <p:sp>
+        <p:nvSpPr>
+          <p:cNvPr id="116" name="Google Shape;116;p17"/>
+          <p:cNvSpPr txBox="1"/>
+          <p:nvPr>
+            <p:ph idx="1" type="body"/>
+          </p:nvPr>
+        </p:nvSpPr>
+        <p:spPr>
+          <a:xfrm>
+            <a:off x="464100" y="1457275"/>
+            <a:ext cx="7862400" cy="2025000"/>
+          </a:xfrm>
+          <a:prstGeom prst="rect">
+            <a:avLst/>
+          </a:prstGeom>
+        </p:spPr>
+        <p:txBody>
+          <a:bodyPr anchorCtr="0" anchor="t" bIns="91425" lIns="91425" spcFirstLastPara="1" rIns="91425" wrap="square" tIns="91425">
+            <a:normAutofit/>
+          </a:bodyPr>
+          <a:lstStyle/>
+          <a:p>
+            <a:pPr indent="-311150" lvl="0" marL="457200" rtl="0" algn="l">
+              <a:lnSpc>
+                <a:spcPct val="150000"/>
+              </a:lnSpc>
+              <a:spcBef>
+                <a:spcPts val="0"/>
+              </a:spcBef>
+              <a:spcAft>
+                <a:spcPts val="0"/>
+              </a:spcAft>
+              <a:buClr>
+                <a:schemeClr val="dk2"/>
+              </a:buClr>
+              <a:buSzPts val="1300"/>
+              <a:buChar char="-"/>
+            </a:pPr>
+            <a:r>
+              <a:rPr lang="en">
+                <a:solidFill>
+                  <a:schemeClr val="dk2"/>
+                </a:solidFill>
+              </a:rPr>
+              <a:t>Quadratic function with global minimum given f(x)</a:t>
+            </a:r>
+            <a:r>
+              <a:rPr baseline="-25000" lang="en">
+                <a:solidFill>
+                  <a:schemeClr val="dk2"/>
+                </a:solidFill>
+              </a:rPr>
+              <a:t>min</a:t>
+            </a:r>
+            <a:r>
+              <a:rPr lang="en">
+                <a:solidFill>
+                  <a:schemeClr val="dk2"/>
+                </a:solidFill>
+              </a:rPr>
+              <a:t> = 0.</a:t>
+            </a:r>
+            <a:endParaRPr>
+              <a:solidFill>
+                <a:schemeClr val="dk2"/>
+              </a:solidFill>
+            </a:endParaRPr>
+          </a:p>
+          <a:p>
+            <a:pPr indent="-311150" lvl="0" marL="457200" rtl="0" algn="l">
+              <a:lnSpc>
+                <a:spcPct val="150000"/>
+              </a:lnSpc>
+              <a:spcBef>
+                <a:spcPts val="0"/>
+              </a:spcBef>
+              <a:spcAft>
+                <a:spcPts val="0"/>
+              </a:spcAft>
+              <a:buClr>
+                <a:schemeClr val="dk2"/>
+              </a:buClr>
+              <a:buSzPts val="1300"/>
+              <a:buChar char="-"/>
+            </a:pPr>
+            <a:r>
+              <a:rPr lang="en">
+                <a:solidFill>
+                  <a:schemeClr val="dk2"/>
+                </a:solidFill>
+              </a:rPr>
+              <a:t>Newton’s method reached global minimum in single iteration since the function is quadratic.</a:t>
+            </a:r>
+            <a:endParaRPr>
+              <a:solidFill>
+                <a:schemeClr val="dk2"/>
+              </a:solidFill>
+            </a:endParaRPr>
+          </a:p>
+          <a:p>
+            <a:pPr indent="-311150" lvl="0" marL="457200" rtl="0" algn="l">
+              <a:lnSpc>
+                <a:spcPct val="150000"/>
+              </a:lnSpc>
+              <a:spcBef>
+                <a:spcPts val="0"/>
+              </a:spcBef>
+              <a:spcAft>
+                <a:spcPts val="0"/>
+              </a:spcAft>
+              <a:buClr>
+                <a:schemeClr val="dk2"/>
+              </a:buClr>
+              <a:buSzPts val="1300"/>
+              <a:buChar char="-"/>
+            </a:pPr>
+            <a:r>
+              <a:rPr lang="en">
+                <a:solidFill>
+                  <a:schemeClr val="dk2"/>
+                </a:solidFill>
+              </a:rPr>
+              <a:t>Other methods were able to obtain functional values close to global minimum but not global minimum.</a:t>
+            </a:r>
+            <a:endParaRPr>
+              <a:solidFill>
+                <a:schemeClr val="dk2"/>
+              </a:solidFill>
+            </a:endParaRPr>
+          </a:p>
+          <a:p>
+            <a:pPr indent="-311150" lvl="0" marL="457200" rtl="0" algn="l">
+              <a:lnSpc>
+                <a:spcPct val="150000"/>
+              </a:lnSpc>
+              <a:spcBef>
+                <a:spcPts val="0"/>
+              </a:spcBef>
+              <a:spcAft>
+                <a:spcPts val="0"/>
+              </a:spcAft>
+              <a:buClr>
+                <a:schemeClr val="dk2"/>
+              </a:buClr>
+              <a:buSzPts val="1300"/>
+              <a:buChar char="-"/>
+            </a:pPr>
+            <a:r>
+              <a:rPr lang="en">
+                <a:solidFill>
+                  <a:schemeClr val="dk2"/>
+                </a:solidFill>
+              </a:rPr>
+              <a:t>We used alpha = 1.0. Lowering the learning rate made reaching the global minimum slower.</a:t>
+            </a:r>
+            <a:endParaRPr>
+              <a:solidFill>
+                <a:schemeClr val="dk2"/>
+              </a:solidFill>
+            </a:endParaRPr>
+          </a:p>
+        </p:txBody>
+      </p:sp>
+    </p:spTree>
+  </p:cSld>
+  <p:clrMapOvr>
+    <a:masterClrMapping/>
+  </p:clrMapOvr>
+</p:sld>
+</file>
+
+<file path=ppt/slides/slide6.xml><?xml version="1.0" encoding="utf-8"?>
+<p:sld xmlns:a="http://schemas.openxmlformats.org/drawingml/2006/main" xmlns:r="http://schemas.openxmlformats.org/officeDocument/2006/relationships" xmlns:mc="http://schemas.openxmlformats.org/markup-compatibility/2006" xmlns:mv="urn:schemas-microsoft-com:mac:vml" xmlns:p="http://schemas.openxmlformats.org/presentationml/2006/main" xmlns:c="http://schemas.openxmlformats.org/drawingml/2006/chart" xmlns:dgm="http://schemas.openxmlformats.org/drawingml/2006/diagram" xmlns:o="urn:schemas-microsoft-com:office:office" xmlns:v="urn:schemas-microsoft-com:vml" xmlns:pvml="urn:schemas-microsoft-com:office:powerpoint" xmlns:com="http://schemas.openxmlformats.org/drawingml/2006/compatibility" xmlns:p14="http://schemas.microsoft.com/office/powerpoint/2010/main" xmlns:p15="http://schemas.microsoft.com/office/powerpoint/2012/main" xmlns:ahyp="http://schemas.microsoft.com/office/drawing/2018/hyperlinkcolor">
+  <p:cSld>
+    <p:spTree>
+      <p:nvGrpSpPr>
+        <p:cNvPr id="120" name="Shape 120"/>
+        <p:cNvGrpSpPr/>
+        <p:nvPr/>
+      </p:nvGrpSpPr>
+      <p:grpSpPr>
+        <a:xfrm>
+          <a:off x="0" y="0"/>
+          <a:ext cx="0" cy="0"/>
+          <a:chOff x="0" y="0"/>
+          <a:chExt cx="0" cy="0"/>
+        </a:xfrm>
+      </p:grpSpPr>
+      <p:sp>
+        <p:nvSpPr>
+          <p:cNvPr id="121" name="Google Shape;121;p18"/>
           <p:cNvSpPr txBox="1"/>
           <p:nvPr>
             <p:ph type="title"/>
@@ -9049,7 +11905,7 @@
       </p:sp>
       <p:sp>
         <p:nvSpPr>
-          <p:cNvPr id="115" name="Google Shape;115;p17"/>
+          <p:cNvPr id="122" name="Google Shape;122;p18"/>
           <p:cNvSpPr txBox="1"/>
           <p:nvPr>
             <p:ph idx="1" type="body"/>
@@ -9085,16 +11941,16 @@
               <a:buNone/>
             </a:pPr>
             <a:r>
-              <a:rPr lang="en">
-                <a:solidFill>
-                  <a:schemeClr val="dk1"/>
+              <a:rPr b="1" lang="en">
+                <a:solidFill>
+                  <a:schemeClr val="dk2"/>
                 </a:solidFill>
               </a:rPr>
               <a:t>Gradient Descent</a:t>
             </a:r>
-            <a:endParaRPr>
+            <a:endParaRPr b="1">
               <a:solidFill>
-                <a:schemeClr val="dk1"/>
+                <a:schemeClr val="dk2"/>
               </a:solidFill>
             </a:endParaRPr>
           </a:p>
@@ -9107,7 +11963,7 @@
                 <a:spcPts val="0"/>
               </a:spcAft>
               <a:buClr>
-                <a:schemeClr val="dk1"/>
+                <a:schemeClr val="dk2"/>
               </a:buClr>
               <a:buSzPts val="1300"/>
               <a:buChar char="-"/>
@@ -9115,14 +11971,14 @@
             <a:r>
               <a:rPr lang="en">
                 <a:solidFill>
-                  <a:schemeClr val="dk1"/>
+                  <a:schemeClr val="dk2"/>
                 </a:solidFill>
               </a:rPr>
               <a:t>Steps: 869, Minimum f(x): -2432.5626706206995</a:t>
             </a:r>
             <a:endParaRPr>
               <a:solidFill>
-                <a:schemeClr val="dk1"/>
+                <a:schemeClr val="dk2"/>
               </a:solidFill>
             </a:endParaRPr>
           </a:p>
@@ -9142,16 +11998,16 @@
               <a:buNone/>
             </a:pPr>
             <a:r>
-              <a:rPr lang="en">
-                <a:solidFill>
-                  <a:schemeClr val="dk1"/>
+              <a:rPr b="1" lang="en">
+                <a:solidFill>
+                  <a:schemeClr val="dk2"/>
                 </a:solidFill>
               </a:rPr>
               <a:t>Newton’s Method</a:t>
             </a:r>
-            <a:endParaRPr>
+            <a:endParaRPr b="1">
               <a:solidFill>
-                <a:schemeClr val="dk1"/>
+                <a:schemeClr val="dk2"/>
               </a:solidFill>
             </a:endParaRPr>
           </a:p>
@@ -9164,7 +12020,7 @@
                 <a:spcPts val="0"/>
               </a:spcAft>
               <a:buClr>
-                <a:schemeClr val="dk1"/>
+                <a:schemeClr val="dk2"/>
               </a:buClr>
               <a:buSzPts val="1300"/>
               <a:buChar char="-"/>
@@ -9172,14 +12028,14 @@
             <a:r>
               <a:rPr lang="en">
                 <a:solidFill>
-                  <a:schemeClr val="dk1"/>
+                  <a:schemeClr val="dk2"/>
                 </a:solidFill>
               </a:rPr>
               <a:t>Steps: 8, Minimum f(x): -2432.866326777652</a:t>
             </a:r>
             <a:endParaRPr>
               <a:solidFill>
-                <a:schemeClr val="dk1"/>
+                <a:schemeClr val="dk2"/>
               </a:solidFill>
             </a:endParaRPr>
           </a:p>
@@ -9199,16 +12055,16 @@
               <a:buNone/>
             </a:pPr>
             <a:r>
-              <a:rPr lang="en">
-                <a:solidFill>
-                  <a:schemeClr val="dk1"/>
+              <a:rPr b="1" lang="en">
+                <a:solidFill>
+                  <a:schemeClr val="dk2"/>
                 </a:solidFill>
               </a:rPr>
               <a:t>Quasi-Newton (BFGS)</a:t>
             </a:r>
-            <a:endParaRPr>
+            <a:endParaRPr b="1">
               <a:solidFill>
-                <a:schemeClr val="dk1"/>
+                <a:schemeClr val="dk2"/>
               </a:solidFill>
             </a:endParaRPr>
           </a:p>
@@ -9221,7 +12077,7 @@
                 <a:spcPts val="0"/>
               </a:spcAft>
               <a:buClr>
-                <a:schemeClr val="dk1"/>
+                <a:schemeClr val="dk2"/>
               </a:buClr>
               <a:buSzPts val="1300"/>
               <a:buChar char="-"/>
@@ -9229,14 +12085,14 @@
             <a:r>
               <a:rPr lang="en">
                 <a:solidFill>
-                  <a:schemeClr val="dk1"/>
+                  <a:schemeClr val="dk2"/>
                 </a:solidFill>
               </a:rPr>
               <a:t>Steps: 112, Minimum f(x): -2432.861446480478</a:t>
             </a:r>
             <a:endParaRPr>
               <a:solidFill>
-                <a:schemeClr val="dk1"/>
+                <a:schemeClr val="dk2"/>
               </a:solidFill>
             </a:endParaRPr>
           </a:p>
@@ -9256,16 +12112,16 @@
               <a:buNone/>
             </a:pPr>
             <a:r>
-              <a:rPr lang="en">
-                <a:solidFill>
-                  <a:schemeClr val="dk1"/>
+              <a:rPr b="1" lang="en">
+                <a:solidFill>
+                  <a:schemeClr val="dk2"/>
                 </a:solidFill>
               </a:rPr>
               <a:t>Adam Optimizer</a:t>
             </a:r>
-            <a:endParaRPr>
+            <a:endParaRPr b="1">
               <a:solidFill>
-                <a:schemeClr val="dk1"/>
+                <a:schemeClr val="dk2"/>
               </a:solidFill>
             </a:endParaRPr>
           </a:p>
@@ -9278,7 +12134,7 @@
                 <a:spcPts val="0"/>
               </a:spcAft>
               <a:buClr>
-                <a:schemeClr val="dk1"/>
+                <a:schemeClr val="dk2"/>
               </a:buClr>
               <a:buSzPts val="1300"/>
               <a:buChar char="-"/>
@@ -9286,156 +12142,211 @@
             <a:r>
               <a:rPr lang="en">
                 <a:solidFill>
-                  <a:schemeClr val="dk1"/>
+                  <a:schemeClr val="dk2"/>
                 </a:solidFill>
               </a:rPr>
               <a:t>Steps: 8000, Minimum f(x): -2431.104760050882</a:t>
             </a:r>
             <a:endParaRPr>
               <a:solidFill>
-                <a:schemeClr val="dk1"/>
+                <a:schemeClr val="dk2"/>
               </a:solidFill>
             </a:endParaRPr>
           </a:p>
         </p:txBody>
       </p:sp>
-    </p:spTree>
-  </p:cSld>
-  <p:clrMapOvr>
-    <a:masterClrMapping/>
-  </p:clrMapOvr>
-</p:sld>
-</file>
-
-<file path=ppt/slides/slide6.xml><?xml version="1.0" encoding="utf-8"?>
-<p:sld xmlns:a="http://schemas.openxmlformats.org/drawingml/2006/main" xmlns:r="http://schemas.openxmlformats.org/officeDocument/2006/relationships" xmlns:mc="http://schemas.openxmlformats.org/markup-compatibility/2006" xmlns:mv="urn:schemas-microsoft-com:mac:vml" xmlns:p="http://schemas.openxmlformats.org/presentationml/2006/main" xmlns:c="http://schemas.openxmlformats.org/drawingml/2006/chart" xmlns:dgm="http://schemas.openxmlformats.org/drawingml/2006/diagram" xmlns:o="urn:schemas-microsoft-com:office:office" xmlns:v="urn:schemas-microsoft-com:vml" xmlns:pvml="urn:schemas-microsoft-com:office:powerpoint" xmlns:com="http://schemas.openxmlformats.org/drawingml/2006/compatibility" xmlns:p14="http://schemas.microsoft.com/office/powerpoint/2010/main" xmlns:p15="http://schemas.microsoft.com/office/powerpoint/2012/main" xmlns:ahyp="http://schemas.microsoft.com/office/drawing/2018/hyperlinkcolor">
-  <p:cSld>
-    <p:spTree>
-      <p:nvGrpSpPr>
-        <p:cNvPr id="119" name="Shape 119"/>
-        <p:cNvGrpSpPr/>
-        <p:nvPr/>
-      </p:nvGrpSpPr>
-      <p:grpSpPr>
-        <a:xfrm>
-          <a:off x="0" y="0"/>
-          <a:ext cx="0" cy="0"/>
-          <a:chOff x="0" y="0"/>
-          <a:chExt cx="0" cy="0"/>
-        </a:xfrm>
-      </p:grpSpPr>
-      <p:pic>
-        <p:nvPicPr>
-          <p:cNvPr id="120" name="Google Shape;120;p18"/>
-          <p:cNvPicPr preferRelativeResize="0"/>
-          <p:nvPr/>
-        </p:nvPicPr>
-        <p:blipFill>
-          <a:blip r:embed="rId3">
-            <a:alphaModFix/>
-          </a:blip>
-          <a:stretch>
-            <a:fillRect/>
-          </a:stretch>
-        </p:blipFill>
+      <p:sp>
+        <p:nvSpPr>
+          <p:cNvPr id="123" name="Google Shape;123;p18"/>
+          <p:cNvSpPr txBox="1"/>
+          <p:nvPr>
+            <p:ph idx="1" type="body"/>
+          </p:nvPr>
+        </p:nvSpPr>
         <p:spPr>
           <a:xfrm>
-            <a:off x="5404050" y="2579700"/>
-            <a:ext cx="3362725" cy="2522026"/>
+            <a:off x="5867675" y="1457275"/>
+            <a:ext cx="2766300" cy="2820300"/>
           </a:xfrm>
           <a:prstGeom prst="rect">
             <a:avLst/>
           </a:prstGeom>
-          <a:noFill/>
-          <a:ln>
-            <a:noFill/>
-          </a:ln>
         </p:spPr>
-      </p:pic>
-      <p:pic>
-        <p:nvPicPr>
-          <p:cNvPr id="121" name="Google Shape;121;p18"/>
-          <p:cNvPicPr preferRelativeResize="0"/>
-          <p:nvPr/>
-        </p:nvPicPr>
-        <p:blipFill>
-          <a:blip r:embed="rId4">
-            <a:alphaModFix/>
-          </a:blip>
-          <a:stretch>
-            <a:fillRect/>
-          </a:stretch>
-        </p:blipFill>
-        <p:spPr>
-          <a:xfrm>
-            <a:off x="687800" y="0"/>
-            <a:ext cx="3095000" cy="2321250"/>
-          </a:xfrm>
-          <a:prstGeom prst="rect">
-            <a:avLst/>
-          </a:prstGeom>
-          <a:noFill/>
-          <a:ln>
-            <a:noFill/>
-          </a:ln>
-        </p:spPr>
-      </p:pic>
-      <p:pic>
-        <p:nvPicPr>
-          <p:cNvPr id="122" name="Google Shape;122;p18"/>
-          <p:cNvPicPr preferRelativeResize="0"/>
-          <p:nvPr/>
-        </p:nvPicPr>
-        <p:blipFill>
-          <a:blip r:embed="rId5">
-            <a:alphaModFix/>
-          </a:blip>
-          <a:stretch>
-            <a:fillRect/>
-          </a:stretch>
-        </p:blipFill>
-        <p:spPr>
-          <a:xfrm>
-            <a:off x="5404050" y="-20481"/>
-            <a:ext cx="3308350" cy="2481256"/>
-          </a:xfrm>
-          <a:prstGeom prst="rect">
-            <a:avLst/>
-          </a:prstGeom>
-          <a:noFill/>
-          <a:ln>
-            <a:noFill/>
-          </a:ln>
-        </p:spPr>
-      </p:pic>
-      <p:pic>
-        <p:nvPicPr>
-          <p:cNvPr id="123" name="Google Shape;123;p18"/>
-          <p:cNvPicPr preferRelativeResize="0"/>
-          <p:nvPr/>
-        </p:nvPicPr>
-        <p:blipFill>
-          <a:blip r:embed="rId6">
-            <a:alphaModFix/>
-          </a:blip>
-          <a:stretch>
-            <a:fillRect/>
-          </a:stretch>
-        </p:blipFill>
-        <p:spPr>
-          <a:xfrm>
-            <a:off x="651625" y="2571750"/>
-            <a:ext cx="3226774" cy="2420075"/>
-          </a:xfrm>
-          <a:prstGeom prst="rect">
-            <a:avLst/>
-          </a:prstGeom>
-          <a:noFill/>
-          <a:ln>
-            <a:noFill/>
-          </a:ln>
-        </p:spPr>
-      </p:pic>
+        <p:txBody>
+          <a:bodyPr anchorCtr="0" anchor="t" bIns="91425" lIns="91425" spcFirstLastPara="1" rIns="91425" wrap="square" tIns="91425">
+            <a:normAutofit/>
+          </a:bodyPr>
+          <a:lstStyle/>
+          <a:p>
+            <a:pPr indent="0" lvl="0" marL="0" rtl="0" algn="l">
+              <a:spcBef>
+                <a:spcPts val="0"/>
+              </a:spcBef>
+              <a:spcAft>
+                <a:spcPts val="0"/>
+              </a:spcAft>
+              <a:buNone/>
+            </a:pPr>
+            <a:r>
+              <a:rPr lang="en">
+                <a:solidFill>
+                  <a:schemeClr val="dk2"/>
+                </a:solidFill>
+              </a:rPr>
+              <a:t>x_0 = np.ones(100) * 0.01</a:t>
+            </a:r>
+            <a:endParaRPr>
+              <a:solidFill>
+                <a:schemeClr val="dk2"/>
+              </a:solidFill>
+            </a:endParaRPr>
+          </a:p>
+          <a:p>
+            <a:pPr indent="0" lvl="0" marL="0" rtl="0" algn="l">
+              <a:spcBef>
+                <a:spcPts val="1200"/>
+              </a:spcBef>
+              <a:spcAft>
+                <a:spcPts val="0"/>
+              </a:spcAft>
+              <a:buNone/>
+            </a:pPr>
+            <a:r>
+              <a:rPr lang="en">
+                <a:solidFill>
+                  <a:schemeClr val="dk2"/>
+                </a:solidFill>
+              </a:rPr>
+              <a:t>alpha = 1.0</a:t>
+            </a:r>
+            <a:endParaRPr>
+              <a:solidFill>
+                <a:schemeClr val="dk2"/>
+              </a:solidFill>
+            </a:endParaRPr>
+          </a:p>
+          <a:p>
+            <a:pPr indent="0" lvl="0" marL="0" rtl="0" algn="l">
+              <a:spcBef>
+                <a:spcPts val="1200"/>
+              </a:spcBef>
+              <a:spcAft>
+                <a:spcPts val="0"/>
+              </a:spcAft>
+              <a:buNone/>
+            </a:pPr>
+            <a:r>
+              <a:rPr lang="en">
+                <a:solidFill>
+                  <a:schemeClr val="dk2"/>
+                </a:solidFill>
+              </a:rPr>
+              <a:t>c = 0.1</a:t>
+            </a:r>
+            <a:endParaRPr>
+              <a:solidFill>
+                <a:schemeClr val="dk2"/>
+              </a:solidFill>
+            </a:endParaRPr>
+          </a:p>
+          <a:p>
+            <a:pPr indent="0" lvl="0" marL="0" rtl="0" algn="l">
+              <a:spcBef>
+                <a:spcPts val="1200"/>
+              </a:spcBef>
+              <a:spcAft>
+                <a:spcPts val="0"/>
+              </a:spcAft>
+              <a:buNone/>
+            </a:pPr>
+            <a:r>
+              <a:rPr lang="en">
+                <a:solidFill>
+                  <a:schemeClr val="dk2"/>
+                </a:solidFill>
+              </a:rPr>
+              <a:t>rho = 0.5</a:t>
+            </a:r>
+            <a:endParaRPr>
+              <a:solidFill>
+                <a:schemeClr val="dk2"/>
+              </a:solidFill>
+            </a:endParaRPr>
+          </a:p>
+          <a:p>
+            <a:pPr indent="0" lvl="0" marL="0" rtl="0" algn="l">
+              <a:spcBef>
+                <a:spcPts val="1200"/>
+              </a:spcBef>
+              <a:spcAft>
+                <a:spcPts val="0"/>
+              </a:spcAft>
+              <a:buNone/>
+            </a:pPr>
+            <a:r>
+              <a:rPr lang="en">
+                <a:solidFill>
+                  <a:schemeClr val="dk2"/>
+                </a:solidFill>
+              </a:rPr>
+              <a:t>max_iter = 1000 (8000 for Adam)</a:t>
+            </a:r>
+            <a:endParaRPr>
+              <a:solidFill>
+                <a:schemeClr val="dk2"/>
+              </a:solidFill>
+            </a:endParaRPr>
+          </a:p>
+          <a:p>
+            <a:pPr indent="0" lvl="0" marL="0" rtl="0" algn="l">
+              <a:spcBef>
+                <a:spcPts val="1200"/>
+              </a:spcBef>
+              <a:spcAft>
+                <a:spcPts val="0"/>
+              </a:spcAft>
+              <a:buNone/>
+            </a:pPr>
+            <a:r>
+              <a:rPr lang="en">
+                <a:solidFill>
+                  <a:schemeClr val="dk2"/>
+                </a:solidFill>
+              </a:rPr>
+              <a:t>delta1  = 0.001 (0.0001 for Adam)</a:t>
+            </a:r>
+            <a:endParaRPr>
+              <a:solidFill>
+                <a:schemeClr val="dk2"/>
+              </a:solidFill>
+            </a:endParaRPr>
+          </a:p>
+          <a:p>
+            <a:pPr indent="0" lvl="0" marL="0" rtl="0" algn="l">
+              <a:spcBef>
+                <a:spcPts val="1200"/>
+              </a:spcBef>
+              <a:spcAft>
+                <a:spcPts val="1200"/>
+              </a:spcAft>
+              <a:buNone/>
+            </a:pPr>
+            <a:r>
+              <a:rPr lang="en">
+                <a:solidFill>
+                  <a:schemeClr val="dk2"/>
+                </a:solidFill>
+              </a:rPr>
+              <a:t>delta2 = 0.001 (0.0001 for Adam)</a:t>
+            </a:r>
+            <a:endParaRPr>
+              <a:solidFill>
+                <a:schemeClr val="dk2"/>
+              </a:solidFill>
+            </a:endParaRPr>
+          </a:p>
+        </p:txBody>
+      </p:sp>
     </p:spTree>
   </p:cSld>
   <p:clrMapOvr>
@@ -9477,8 +12388,8 @@
         </p:blipFill>
         <p:spPr>
           <a:xfrm>
-            <a:off x="5588075" y="2644400"/>
-            <a:ext cx="3202226" cy="2401675"/>
+            <a:off x="5404050" y="2579700"/>
+            <a:ext cx="3362725" cy="2522026"/>
           </a:xfrm>
           <a:prstGeom prst="rect">
             <a:avLst/>
@@ -9505,8 +12416,8 @@
         </p:blipFill>
         <p:spPr>
           <a:xfrm>
-            <a:off x="742025" y="13550"/>
-            <a:ext cx="3106125" cy="2329600"/>
+            <a:off x="687800" y="0"/>
+            <a:ext cx="3095000" cy="2321250"/>
           </a:xfrm>
           <a:prstGeom prst="rect">
             <a:avLst/>
@@ -9533,8 +12444,8 @@
         </p:blipFill>
         <p:spPr>
           <a:xfrm>
-            <a:off x="5628675" y="8956"/>
-            <a:ext cx="3064626" cy="2298469"/>
+            <a:off x="5404050" y="-20481"/>
+            <a:ext cx="3308350" cy="2481256"/>
           </a:xfrm>
           <a:prstGeom prst="rect">
             <a:avLst/>
@@ -9561,8 +12472,8 @@
         </p:blipFill>
         <p:spPr>
           <a:xfrm>
-            <a:off x="561125" y="2571750"/>
-            <a:ext cx="3428992" cy="2571750"/>
+            <a:off x="651625" y="2571750"/>
+            <a:ext cx="3226774" cy="2420075"/>
           </a:xfrm>
           <a:prstGeom prst="rect">
             <a:avLst/>
@@ -9598,341 +12509,9 @@
           <a:chExt cx="0" cy="0"/>
         </a:xfrm>
       </p:grpSpPr>
-      <p:sp>
-        <p:nvSpPr>
-          <p:cNvPr id="136" name="Google Shape;136;p20"/>
-          <p:cNvSpPr txBox="1"/>
-          <p:nvPr>
-            <p:ph type="title"/>
-          </p:nvPr>
-        </p:nvSpPr>
-        <p:spPr>
-          <a:xfrm>
-            <a:off x="311700" y="597425"/>
-            <a:ext cx="8520600" cy="572700"/>
-          </a:xfrm>
-          <a:prstGeom prst="rect">
-            <a:avLst/>
-          </a:prstGeom>
-        </p:spPr>
-        <p:txBody>
-          <a:bodyPr anchorCtr="0" anchor="t" bIns="91425" lIns="91425" spcFirstLastPara="1" rIns="91425" wrap="square" tIns="91425">
-            <a:normAutofit fontScale="90000"/>
-          </a:bodyPr>
-          <a:lstStyle/>
-          <a:p>
-            <a:pPr indent="0" lvl="0" marL="0" rtl="0" algn="l">
-              <a:spcBef>
-                <a:spcPts val="0"/>
-              </a:spcBef>
-              <a:spcAft>
-                <a:spcPts val="0"/>
-              </a:spcAft>
-              <a:buNone/>
-            </a:pPr>
-            <a:r>
-              <a:rPr lang="en"/>
-              <a:t>Function 3: Bi-quadratic (Rosenbrock) Function</a:t>
-            </a:r>
-            <a:endParaRPr/>
-          </a:p>
-          <a:p>
-            <a:pPr indent="0" lvl="0" marL="0" rtl="0" algn="l">
-              <a:spcBef>
-                <a:spcPts val="0"/>
-              </a:spcBef>
-              <a:spcAft>
-                <a:spcPts val="0"/>
-              </a:spcAft>
-              <a:buNone/>
-            </a:pPr>
-            <a:r>
-              <a:t/>
-            </a:r>
-            <a:endParaRPr/>
-          </a:p>
-        </p:txBody>
-      </p:sp>
-      <p:sp>
-        <p:nvSpPr>
-          <p:cNvPr id="137" name="Google Shape;137;p20"/>
-          <p:cNvSpPr txBox="1"/>
-          <p:nvPr>
-            <p:ph idx="1" type="body"/>
-          </p:nvPr>
-        </p:nvSpPr>
-        <p:spPr>
-          <a:xfrm>
-            <a:off x="387900" y="1533475"/>
-            <a:ext cx="8520600" cy="3416400"/>
-          </a:xfrm>
-          <a:prstGeom prst="rect">
-            <a:avLst/>
-          </a:prstGeom>
-        </p:spPr>
-        <p:txBody>
-          <a:bodyPr anchorCtr="0" anchor="t" bIns="91425" lIns="91425" spcFirstLastPara="1" rIns="91425" wrap="square" tIns="91425">
-            <a:normAutofit/>
-          </a:bodyPr>
-          <a:lstStyle/>
-          <a:p>
-            <a:pPr indent="0" lvl="0" marL="0" rtl="0" algn="l">
-              <a:spcBef>
-                <a:spcPts val="0"/>
-              </a:spcBef>
-              <a:spcAft>
-                <a:spcPts val="0"/>
-              </a:spcAft>
-              <a:buClr>
-                <a:schemeClr val="dk1"/>
-              </a:buClr>
-              <a:buSzPts val="1100"/>
-              <a:buFont typeface="Arial"/>
-              <a:buNone/>
-            </a:pPr>
-            <a:r>
-              <a:rPr lang="en">
-                <a:solidFill>
-                  <a:schemeClr val="dk1"/>
-                </a:solidFill>
-              </a:rPr>
-              <a:t>Gradient Descent</a:t>
-            </a:r>
-            <a:endParaRPr>
-              <a:solidFill>
-                <a:schemeClr val="dk1"/>
-              </a:solidFill>
-            </a:endParaRPr>
-          </a:p>
-          <a:p>
-            <a:pPr indent="-311150" lvl="0" marL="457200" rtl="0" algn="l">
-              <a:spcBef>
-                <a:spcPts val="1200"/>
-              </a:spcBef>
-              <a:spcAft>
-                <a:spcPts val="0"/>
-              </a:spcAft>
-              <a:buClr>
-                <a:schemeClr val="dk1"/>
-              </a:buClr>
-              <a:buSzPts val="1300"/>
-              <a:buChar char="-"/>
-            </a:pPr>
-            <a:r>
-              <a:rPr lang="en">
-                <a:solidFill>
-                  <a:schemeClr val="dk1"/>
-                </a:solidFill>
-              </a:rPr>
-              <a:t>Steps: 3, Minimum f(x): 0.1997655255915457</a:t>
-            </a:r>
-            <a:endParaRPr>
-              <a:solidFill>
-                <a:schemeClr val="dk1"/>
-              </a:solidFill>
-            </a:endParaRPr>
-          </a:p>
-          <a:p>
-            <a:pPr indent="0" lvl="0" marL="0" rtl="0" algn="l">
-              <a:spcBef>
-                <a:spcPts val="1200"/>
-              </a:spcBef>
-              <a:spcAft>
-                <a:spcPts val="0"/>
-              </a:spcAft>
-              <a:buClr>
-                <a:schemeClr val="dk1"/>
-              </a:buClr>
-              <a:buSzPts val="1100"/>
-              <a:buFont typeface="Arial"/>
-              <a:buNone/>
-            </a:pPr>
-            <a:r>
-              <a:rPr lang="en">
-                <a:solidFill>
-                  <a:schemeClr val="dk1"/>
-                </a:solidFill>
-              </a:rPr>
-              <a:t>Newton’s Method</a:t>
-            </a:r>
-            <a:endParaRPr>
-              <a:solidFill>
-                <a:schemeClr val="dk1"/>
-              </a:solidFill>
-            </a:endParaRPr>
-          </a:p>
-          <a:p>
-            <a:pPr indent="-311150" lvl="0" marL="457200" rtl="0" algn="l">
-              <a:spcBef>
-                <a:spcPts val="1200"/>
-              </a:spcBef>
-              <a:spcAft>
-                <a:spcPts val="0"/>
-              </a:spcAft>
-              <a:buClr>
-                <a:schemeClr val="dk1"/>
-              </a:buClr>
-              <a:buSzPts val="1300"/>
-              <a:buChar char="-"/>
-            </a:pPr>
-            <a:r>
-              <a:rPr lang="en">
-                <a:solidFill>
-                  <a:schemeClr val="dk1"/>
-                </a:solidFill>
-              </a:rPr>
-              <a:t>Steps: 10, Minimum f(x): 0.0005784005843096896</a:t>
-            </a:r>
-            <a:endParaRPr>
-              <a:solidFill>
-                <a:schemeClr val="dk1"/>
-              </a:solidFill>
-            </a:endParaRPr>
-          </a:p>
-          <a:p>
-            <a:pPr indent="0" lvl="0" marL="0" rtl="0" algn="l">
-              <a:spcBef>
-                <a:spcPts val="1200"/>
-              </a:spcBef>
-              <a:spcAft>
-                <a:spcPts val="0"/>
-              </a:spcAft>
-              <a:buClr>
-                <a:schemeClr val="dk1"/>
-              </a:buClr>
-              <a:buSzPts val="1100"/>
-              <a:buFont typeface="Arial"/>
-              <a:buNone/>
-            </a:pPr>
-            <a:r>
-              <a:rPr lang="en">
-                <a:solidFill>
-                  <a:schemeClr val="dk1"/>
-                </a:solidFill>
-              </a:rPr>
-              <a:t>Quasi-Newton (BFGS)</a:t>
-            </a:r>
-            <a:endParaRPr>
-              <a:solidFill>
-                <a:schemeClr val="dk1"/>
-              </a:solidFill>
-            </a:endParaRPr>
-          </a:p>
-          <a:p>
-            <a:pPr indent="-311150" lvl="0" marL="457200" rtl="0" algn="l">
-              <a:spcBef>
-                <a:spcPts val="1200"/>
-              </a:spcBef>
-              <a:spcAft>
-                <a:spcPts val="0"/>
-              </a:spcAft>
-              <a:buClr>
-                <a:schemeClr val="dk1"/>
-              </a:buClr>
-              <a:buSzPts val="1300"/>
-              <a:buChar char="-"/>
-            </a:pPr>
-            <a:r>
-              <a:rPr lang="en">
-                <a:solidFill>
-                  <a:schemeClr val="dk1"/>
-                </a:solidFill>
-              </a:rPr>
-              <a:t>Steps: 5, Minimum f(x): 0.053686336330168706</a:t>
-            </a:r>
-            <a:endParaRPr>
-              <a:solidFill>
-                <a:schemeClr val="dk1"/>
-              </a:solidFill>
-            </a:endParaRPr>
-          </a:p>
-          <a:p>
-            <a:pPr indent="0" lvl="0" marL="0" rtl="0" algn="l">
-              <a:spcBef>
-                <a:spcPts val="1200"/>
-              </a:spcBef>
-              <a:spcAft>
-                <a:spcPts val="0"/>
-              </a:spcAft>
-              <a:buClr>
-                <a:schemeClr val="dk1"/>
-              </a:buClr>
-              <a:buSzPts val="1100"/>
-              <a:buFont typeface="Arial"/>
-              <a:buNone/>
-            </a:pPr>
-            <a:r>
-              <a:rPr lang="en">
-                <a:solidFill>
-                  <a:schemeClr val="dk1"/>
-                </a:solidFill>
-              </a:rPr>
-              <a:t>Adam Optimizer</a:t>
-            </a:r>
-            <a:endParaRPr>
-              <a:solidFill>
-                <a:schemeClr val="dk1"/>
-              </a:solidFill>
-            </a:endParaRPr>
-          </a:p>
-          <a:p>
-            <a:pPr indent="-311150" lvl="0" marL="457200" rtl="0" algn="l">
-              <a:spcBef>
-                <a:spcPts val="1200"/>
-              </a:spcBef>
-              <a:spcAft>
-                <a:spcPts val="0"/>
-              </a:spcAft>
-              <a:buClr>
-                <a:schemeClr val="dk1"/>
-              </a:buClr>
-              <a:buSzPts val="1300"/>
-              <a:buChar char="-"/>
-            </a:pPr>
-            <a:r>
-              <a:rPr lang="en">
-                <a:solidFill>
-                  <a:schemeClr val="dk1"/>
-                </a:solidFill>
-              </a:rPr>
-              <a:t>Steps: 1474, Minimum f(x): 0.7850856229011988</a:t>
-            </a:r>
-            <a:endParaRPr>
-              <a:solidFill>
-                <a:schemeClr val="dk1"/>
-              </a:solidFill>
-            </a:endParaRPr>
-          </a:p>
-        </p:txBody>
-      </p:sp>
-    </p:spTree>
-  </p:cSld>
-  <p:clrMapOvr>
-    <a:masterClrMapping/>
-  </p:clrMapOvr>
-</p:sld>
-</file>
-
-<file path=ppt/slides/slide9.xml><?xml version="1.0" encoding="utf-8"?>
-<p:sld xmlns:a="http://schemas.openxmlformats.org/drawingml/2006/main" xmlns:r="http://schemas.openxmlformats.org/officeDocument/2006/relationships" xmlns:mc="http://schemas.openxmlformats.org/markup-compatibility/2006" xmlns:mv="urn:schemas-microsoft-com:mac:vml" xmlns:p="http://schemas.openxmlformats.org/presentationml/2006/main" xmlns:c="http://schemas.openxmlformats.org/drawingml/2006/chart" xmlns:dgm="http://schemas.openxmlformats.org/drawingml/2006/diagram" xmlns:o="urn:schemas-microsoft-com:office:office" xmlns:v="urn:schemas-microsoft-com:vml" xmlns:pvml="urn:schemas-microsoft-com:office:powerpoint" xmlns:com="http://schemas.openxmlformats.org/drawingml/2006/compatibility" xmlns:p14="http://schemas.microsoft.com/office/powerpoint/2010/main" xmlns:p15="http://schemas.microsoft.com/office/powerpoint/2012/main" xmlns:ahyp="http://schemas.microsoft.com/office/drawing/2018/hyperlinkcolor">
-  <p:cSld>
-    <p:spTree>
-      <p:nvGrpSpPr>
-        <p:cNvPr id="141" name="Shape 141"/>
-        <p:cNvGrpSpPr/>
-        <p:nvPr/>
-      </p:nvGrpSpPr>
-      <p:grpSpPr>
-        <a:xfrm>
-          <a:off x="0" y="0"/>
-          <a:ext cx="0" cy="0"/>
-          <a:chOff x="0" y="0"/>
-          <a:chExt cx="0" cy="0"/>
-        </a:xfrm>
-      </p:grpSpPr>
       <p:pic>
         <p:nvPicPr>
-          <p:cNvPr id="142" name="Google Shape;142;p21"/>
+          <p:cNvPr id="136" name="Google Shape;136;p20"/>
           <p:cNvPicPr preferRelativeResize="0"/>
           <p:nvPr/>
         </p:nvPicPr>
@@ -9946,8 +12525,8 @@
         </p:blipFill>
         <p:spPr>
           <a:xfrm>
-            <a:off x="5336442" y="2571752"/>
-            <a:ext cx="3477166" cy="2607875"/>
+            <a:off x="5588075" y="2644400"/>
+            <a:ext cx="3202226" cy="2401675"/>
           </a:xfrm>
           <a:prstGeom prst="rect">
             <a:avLst/>
@@ -9960,7 +12539,7 @@
       </p:pic>
       <p:pic>
         <p:nvPicPr>
-          <p:cNvPr id="143" name="Google Shape;143;p21"/>
+          <p:cNvPr id="137" name="Google Shape;137;p20"/>
           <p:cNvPicPr preferRelativeResize="0"/>
           <p:nvPr/>
         </p:nvPicPr>
@@ -9974,8 +12553,8 @@
         </p:blipFill>
         <p:spPr>
           <a:xfrm>
-            <a:off x="581200" y="0"/>
-            <a:ext cx="3270766" cy="2453075"/>
+            <a:off x="742025" y="13550"/>
+            <a:ext cx="3106125" cy="2329600"/>
           </a:xfrm>
           <a:prstGeom prst="rect">
             <a:avLst/>
@@ -9988,7 +12567,7 @@
       </p:pic>
       <p:pic>
         <p:nvPicPr>
-          <p:cNvPr id="144" name="Google Shape;144;p21"/>
+          <p:cNvPr id="138" name="Google Shape;138;p20"/>
           <p:cNvPicPr preferRelativeResize="0"/>
           <p:nvPr/>
         </p:nvPicPr>
@@ -10002,8 +12581,8 @@
         </p:blipFill>
         <p:spPr>
           <a:xfrm>
-            <a:off x="5373200" y="-6"/>
-            <a:ext cx="3270774" cy="2453081"/>
+            <a:off x="5628675" y="8956"/>
+            <a:ext cx="3064626" cy="2298469"/>
           </a:xfrm>
           <a:prstGeom prst="rect">
             <a:avLst/>
@@ -10016,7 +12595,7 @@
       </p:pic>
       <p:pic>
         <p:nvPicPr>
-          <p:cNvPr id="145" name="Google Shape;145;p21"/>
+          <p:cNvPr id="139" name="Google Shape;139;p20"/>
           <p:cNvPicPr preferRelativeResize="0"/>
           <p:nvPr/>
         </p:nvPicPr>
@@ -10030,8 +12609,8 @@
         </p:blipFill>
         <p:spPr>
           <a:xfrm>
-            <a:off x="411575" y="2453075"/>
-            <a:ext cx="3523917" cy="2642950"/>
+            <a:off x="561125" y="2571750"/>
+            <a:ext cx="3428992" cy="2571750"/>
           </a:xfrm>
           <a:prstGeom prst="rect">
             <a:avLst/>
@@ -10050,7 +12629,715 @@
 </p:sld>
 </file>
 
+<file path=ppt/slides/slide9.xml><?xml version="1.0" encoding="utf-8"?>
+<p:sld xmlns:a="http://schemas.openxmlformats.org/drawingml/2006/main" xmlns:r="http://schemas.openxmlformats.org/officeDocument/2006/relationships" xmlns:mc="http://schemas.openxmlformats.org/markup-compatibility/2006" xmlns:mv="urn:schemas-microsoft-com:mac:vml" xmlns:p="http://schemas.openxmlformats.org/presentationml/2006/main" xmlns:c="http://schemas.openxmlformats.org/drawingml/2006/chart" xmlns:dgm="http://schemas.openxmlformats.org/drawingml/2006/diagram" xmlns:o="urn:schemas-microsoft-com:office:office" xmlns:v="urn:schemas-microsoft-com:vml" xmlns:pvml="urn:schemas-microsoft-com:office:powerpoint" xmlns:com="http://schemas.openxmlformats.org/drawingml/2006/compatibility" xmlns:p14="http://schemas.microsoft.com/office/powerpoint/2010/main" xmlns:p15="http://schemas.microsoft.com/office/powerpoint/2012/main" xmlns:ahyp="http://schemas.microsoft.com/office/drawing/2018/hyperlinkcolor">
+  <p:cSld>
+    <p:spTree>
+      <p:nvGrpSpPr>
+        <p:cNvPr id="143" name="Shape 143"/>
+        <p:cNvGrpSpPr/>
+        <p:nvPr/>
+      </p:nvGrpSpPr>
+      <p:grpSpPr>
+        <a:xfrm>
+          <a:off x="0" y="0"/>
+          <a:ext cx="0" cy="0"/>
+          <a:chOff x="0" y="0"/>
+          <a:chExt cx="0" cy="0"/>
+        </a:xfrm>
+      </p:grpSpPr>
+      <p:sp>
+        <p:nvSpPr>
+          <p:cNvPr id="144" name="Google Shape;144;p21"/>
+          <p:cNvSpPr txBox="1"/>
+          <p:nvPr>
+            <p:ph type="title"/>
+          </p:nvPr>
+        </p:nvSpPr>
+        <p:spPr>
+          <a:xfrm>
+            <a:off x="387900" y="597425"/>
+            <a:ext cx="8520600" cy="572700"/>
+          </a:xfrm>
+          <a:prstGeom prst="rect">
+            <a:avLst/>
+          </a:prstGeom>
+        </p:spPr>
+        <p:txBody>
+          <a:bodyPr anchorCtr="0" anchor="t" bIns="91425" lIns="91425" spcFirstLastPara="1" rIns="91425" wrap="square" tIns="91425">
+            <a:normAutofit fontScale="90000"/>
+          </a:bodyPr>
+          <a:lstStyle/>
+          <a:p>
+            <a:pPr indent="0" lvl="0" marL="0" rtl="0" algn="l">
+              <a:spcBef>
+                <a:spcPts val="0"/>
+              </a:spcBef>
+              <a:spcAft>
+                <a:spcPts val="0"/>
+              </a:spcAft>
+              <a:buNone/>
+            </a:pPr>
+            <a:r>
+              <a:rPr lang="en"/>
+              <a:t>Function 2: Log Barrier Function</a:t>
+            </a:r>
+            <a:endParaRPr/>
+          </a:p>
+          <a:p>
+            <a:pPr indent="0" lvl="0" marL="0" rtl="0" algn="l">
+              <a:spcBef>
+                <a:spcPts val="0"/>
+              </a:spcBef>
+              <a:spcAft>
+                <a:spcPts val="0"/>
+              </a:spcAft>
+              <a:buNone/>
+            </a:pPr>
+            <a:r>
+              <a:t/>
+            </a:r>
+            <a:endParaRPr/>
+          </a:p>
+        </p:txBody>
+      </p:sp>
+      <p:sp>
+        <p:nvSpPr>
+          <p:cNvPr id="145" name="Google Shape;145;p21"/>
+          <p:cNvSpPr txBox="1"/>
+          <p:nvPr>
+            <p:ph idx="1" type="body"/>
+          </p:nvPr>
+        </p:nvSpPr>
+        <p:spPr>
+          <a:xfrm>
+            <a:off x="464100" y="1457275"/>
+            <a:ext cx="7687500" cy="3122700"/>
+          </a:xfrm>
+          <a:prstGeom prst="rect">
+            <a:avLst/>
+          </a:prstGeom>
+        </p:spPr>
+        <p:txBody>
+          <a:bodyPr anchorCtr="0" anchor="t" bIns="91425" lIns="91425" spcFirstLastPara="1" rIns="91425" wrap="square" tIns="91425">
+            <a:normAutofit/>
+          </a:bodyPr>
+          <a:lstStyle/>
+          <a:p>
+            <a:pPr indent="-311150" lvl="0" marL="457200" rtl="0" algn="l">
+              <a:lnSpc>
+                <a:spcPct val="150000"/>
+              </a:lnSpc>
+              <a:spcBef>
+                <a:spcPts val="0"/>
+              </a:spcBef>
+              <a:spcAft>
+                <a:spcPts val="0"/>
+              </a:spcAft>
+              <a:buClr>
+                <a:schemeClr val="dk2"/>
+              </a:buClr>
+              <a:buSzPts val="1300"/>
+              <a:buChar char="-"/>
+            </a:pPr>
+            <a:r>
+              <a:rPr lang="en">
+                <a:solidFill>
+                  <a:schemeClr val="dk2"/>
+                </a:solidFill>
+              </a:rPr>
+              <a:t>High dimensional function</a:t>
+            </a:r>
+            <a:endParaRPr>
+              <a:solidFill>
+                <a:schemeClr val="dk2"/>
+              </a:solidFill>
+            </a:endParaRPr>
+          </a:p>
+          <a:p>
+            <a:pPr indent="-311150" lvl="0" marL="457200" rtl="0" algn="l">
+              <a:lnSpc>
+                <a:spcPct val="150000"/>
+              </a:lnSpc>
+              <a:spcBef>
+                <a:spcPts val="0"/>
+              </a:spcBef>
+              <a:spcAft>
+                <a:spcPts val="0"/>
+              </a:spcAft>
+              <a:buClr>
+                <a:schemeClr val="dk2"/>
+              </a:buClr>
+              <a:buSzPts val="1300"/>
+              <a:buChar char="-"/>
+            </a:pPr>
+            <a:r>
+              <a:rPr lang="en">
+                <a:solidFill>
+                  <a:schemeClr val="dk2"/>
+                </a:solidFill>
+              </a:rPr>
+              <a:t>We had a domain restriction</a:t>
+            </a:r>
+            <a:endParaRPr>
+              <a:solidFill>
+                <a:schemeClr val="dk2"/>
+              </a:solidFill>
+            </a:endParaRPr>
+          </a:p>
+          <a:p>
+            <a:pPr indent="0" lvl="0" marL="1828800" rtl="0" algn="l">
+              <a:lnSpc>
+                <a:spcPct val="150000"/>
+              </a:lnSpc>
+              <a:spcBef>
+                <a:spcPts val="1200"/>
+              </a:spcBef>
+              <a:spcAft>
+                <a:spcPts val="0"/>
+              </a:spcAft>
+              <a:buNone/>
+            </a:pPr>
+            <a:r>
+              <a:rPr lang="en">
+                <a:solidFill>
+                  <a:schemeClr val="dk2"/>
+                </a:solidFill>
+              </a:rPr>
+              <a:t>b</a:t>
+            </a:r>
+            <a:r>
+              <a:rPr baseline="-25000" lang="en">
+                <a:solidFill>
+                  <a:schemeClr val="dk2"/>
+                </a:solidFill>
+              </a:rPr>
+              <a:t>i  </a:t>
+            </a:r>
+            <a:r>
+              <a:rPr lang="en">
+                <a:solidFill>
+                  <a:schemeClr val="dk2"/>
+                </a:solidFill>
+              </a:rPr>
+              <a:t>- a</a:t>
+            </a:r>
+            <a:r>
+              <a:rPr baseline="-25000" lang="en">
+                <a:solidFill>
+                  <a:schemeClr val="dk2"/>
+                </a:solidFill>
+              </a:rPr>
+              <a:t>i</a:t>
+            </a:r>
+            <a:r>
+              <a:rPr baseline="30000" lang="en">
+                <a:solidFill>
+                  <a:schemeClr val="dk2"/>
+                </a:solidFill>
+              </a:rPr>
+              <a:t>T</a:t>
+            </a:r>
+            <a:r>
+              <a:rPr lang="en">
+                <a:solidFill>
+                  <a:schemeClr val="dk2"/>
+                </a:solidFill>
+              </a:rPr>
+              <a:t>x &gt; 0</a:t>
+            </a:r>
+            <a:endParaRPr>
+              <a:solidFill>
+                <a:schemeClr val="dk2"/>
+              </a:solidFill>
+            </a:endParaRPr>
+          </a:p>
+          <a:p>
+            <a:pPr indent="-311150" lvl="0" marL="457200" rtl="0" algn="l">
+              <a:lnSpc>
+                <a:spcPct val="150000"/>
+              </a:lnSpc>
+              <a:spcBef>
+                <a:spcPts val="1200"/>
+              </a:spcBef>
+              <a:spcAft>
+                <a:spcPts val="0"/>
+              </a:spcAft>
+              <a:buClr>
+                <a:schemeClr val="dk2"/>
+              </a:buClr>
+              <a:buSzPts val="1300"/>
+              <a:buChar char="-"/>
+            </a:pPr>
+            <a:r>
+              <a:rPr lang="en">
+                <a:solidFill>
+                  <a:schemeClr val="dk2"/>
+                </a:solidFill>
+              </a:rPr>
+              <a:t>To satisfy the domain, we defined the function in a way that it returns a very large value whenever </a:t>
+            </a:r>
+            <a:r>
+              <a:rPr i="1" lang="en">
+                <a:solidFill>
+                  <a:schemeClr val="dk2"/>
+                </a:solidFill>
+              </a:rPr>
+              <a:t>x + alpha * p </a:t>
+            </a:r>
+            <a:r>
+              <a:rPr lang="en">
+                <a:solidFill>
+                  <a:schemeClr val="dk2"/>
+                </a:solidFill>
+              </a:rPr>
+              <a:t>results in any value where </a:t>
+            </a:r>
+            <a:r>
+              <a:rPr i="1" lang="en">
+                <a:solidFill>
+                  <a:schemeClr val="dk2"/>
+                </a:solidFill>
+              </a:rPr>
+              <a:t>b</a:t>
+            </a:r>
+            <a:r>
+              <a:rPr baseline="-25000" i="1" lang="en">
+                <a:solidFill>
+                  <a:schemeClr val="dk2"/>
+                </a:solidFill>
+              </a:rPr>
+              <a:t>i  </a:t>
+            </a:r>
+            <a:r>
+              <a:rPr i="1" lang="en">
+                <a:solidFill>
+                  <a:schemeClr val="dk2"/>
+                </a:solidFill>
+              </a:rPr>
+              <a:t>- a</a:t>
+            </a:r>
+            <a:r>
+              <a:rPr baseline="-25000" i="1" lang="en">
+                <a:solidFill>
+                  <a:schemeClr val="dk2"/>
+                </a:solidFill>
+              </a:rPr>
+              <a:t>i</a:t>
+            </a:r>
+            <a:r>
+              <a:rPr baseline="30000" i="1" lang="en">
+                <a:solidFill>
+                  <a:schemeClr val="dk2"/>
+                </a:solidFill>
+              </a:rPr>
+              <a:t>T</a:t>
+            </a:r>
+            <a:r>
+              <a:rPr i="1" lang="en">
+                <a:solidFill>
+                  <a:schemeClr val="dk2"/>
+                </a:solidFill>
+              </a:rPr>
+              <a:t>x </a:t>
+            </a:r>
+            <a:r>
+              <a:rPr lang="en">
+                <a:solidFill>
+                  <a:schemeClr val="dk2"/>
+                </a:solidFill>
+              </a:rPr>
+              <a:t>is non-positive.</a:t>
+            </a:r>
+            <a:endParaRPr>
+              <a:solidFill>
+                <a:schemeClr val="dk2"/>
+              </a:solidFill>
+            </a:endParaRPr>
+          </a:p>
+          <a:p>
+            <a:pPr indent="-311150" lvl="0" marL="457200" rtl="0" algn="l">
+              <a:lnSpc>
+                <a:spcPct val="150000"/>
+              </a:lnSpc>
+              <a:spcBef>
+                <a:spcPts val="0"/>
+              </a:spcBef>
+              <a:spcAft>
+                <a:spcPts val="0"/>
+              </a:spcAft>
+              <a:buClr>
+                <a:schemeClr val="dk2"/>
+              </a:buClr>
+              <a:buSzPts val="1300"/>
+              <a:buChar char="-"/>
+            </a:pPr>
+            <a:r>
+              <a:rPr lang="en">
+                <a:solidFill>
+                  <a:schemeClr val="dk2"/>
+                </a:solidFill>
+              </a:rPr>
+              <a:t>Gradient descent had a slow convergence rate for the large dimensional function.</a:t>
+            </a:r>
+            <a:endParaRPr>
+              <a:solidFill>
+                <a:schemeClr val="dk2"/>
+              </a:solidFill>
+            </a:endParaRPr>
+          </a:p>
+          <a:p>
+            <a:pPr indent="-311150" lvl="0" marL="457200" rtl="0" algn="l">
+              <a:lnSpc>
+                <a:spcPct val="150000"/>
+              </a:lnSpc>
+              <a:spcBef>
+                <a:spcPts val="0"/>
+              </a:spcBef>
+              <a:spcAft>
+                <a:spcPts val="0"/>
+              </a:spcAft>
+              <a:buClr>
+                <a:schemeClr val="dk2"/>
+              </a:buClr>
+              <a:buSzPts val="1300"/>
+              <a:buChar char="-"/>
+            </a:pPr>
+            <a:r>
+              <a:rPr lang="en">
+                <a:solidFill>
+                  <a:schemeClr val="dk2"/>
+                </a:solidFill>
+              </a:rPr>
+              <a:t>Newton’s method was the fastest followed by  quasi-newton.  </a:t>
+            </a:r>
+            <a:endParaRPr>
+              <a:solidFill>
+                <a:schemeClr val="dk2"/>
+              </a:solidFill>
+            </a:endParaRPr>
+          </a:p>
+          <a:p>
+            <a:pPr indent="-311150" lvl="0" marL="457200" rtl="0" algn="l">
+              <a:lnSpc>
+                <a:spcPct val="150000"/>
+              </a:lnSpc>
+              <a:spcBef>
+                <a:spcPts val="0"/>
+              </a:spcBef>
+              <a:spcAft>
+                <a:spcPts val="0"/>
+              </a:spcAft>
+              <a:buClr>
+                <a:schemeClr val="dk2"/>
+              </a:buClr>
+              <a:buSzPts val="1300"/>
+              <a:buChar char="-"/>
+            </a:pPr>
+            <a:r>
+              <a:rPr lang="en">
+                <a:solidFill>
+                  <a:schemeClr val="dk2"/>
+                </a:solidFill>
+              </a:rPr>
+              <a:t>Minimum functional values for all methods was similar.</a:t>
+            </a:r>
+            <a:endParaRPr>
+              <a:solidFill>
+                <a:schemeClr val="dk2"/>
+              </a:solidFill>
+            </a:endParaRPr>
+          </a:p>
+        </p:txBody>
+      </p:sp>
+    </p:spTree>
+  </p:cSld>
+  <p:clrMapOvr>
+    <a:masterClrMapping/>
+  </p:clrMapOvr>
+</p:sld>
+</file>
+
 <file path=ppt/theme/theme1.xml><?xml version="1.0" encoding="utf-8"?>
+<a:theme xmlns:a="http://schemas.openxmlformats.org/drawingml/2006/main" xmlns:r="http://schemas.openxmlformats.org/officeDocument/2006/relationships">
+  <a:themeElements>
+    <a:clrScheme name="Default">
+      <a:dk1>
+        <a:srgbClr val="000000"/>
+      </a:dk1>
+      <a:lt1>
+        <a:srgbClr val="FFFFFF"/>
+      </a:lt1>
+      <a:dk2>
+        <a:srgbClr val="158158"/>
+      </a:dk2>
+      <a:lt2>
+        <a:srgbClr val="F3F3F3"/>
+      </a:lt2>
+      <a:accent1>
+        <a:srgbClr val="058DC7"/>
+      </a:accent1>
+      <a:accent2>
+        <a:srgbClr val="50B432"/>
+      </a:accent2>
+      <a:accent3>
+        <a:srgbClr val="ED561B"/>
+      </a:accent3>
+      <a:accent4>
+        <a:srgbClr val="EDEF00"/>
+      </a:accent4>
+      <a:accent5>
+        <a:srgbClr val="24CBE5"/>
+      </a:accent5>
+      <a:accent6>
+        <a:srgbClr val="64E572"/>
+      </a:accent6>
+      <a:hlink>
+        <a:srgbClr val="2200CC"/>
+      </a:hlink>
+      <a:folHlink>
+        <a:srgbClr val="551A8B"/>
+      </a:folHlink>
+    </a:clrScheme>
+    <a:fontScheme name="Office">
+      <a:majorFont>
+        <a:latin typeface="Arial"/>
+        <a:ea typeface=""/>
+        <a:cs typeface=""/>
+        <a:font script="Jpan" typeface="ＭＳ Ｐゴシック"/>
+        <a:font script="Hang" typeface="맑은 고딕"/>
+        <a:font script="Hans" typeface="宋体"/>
+        <a:font script="Hant" typeface="新細明體"/>
+        <a:font script="Arab" typeface="Times New Roman"/>
+        <a:font script="Hebr" typeface="Times New Roman"/>
+        <a:font script="Thai" typeface="Angsana New"/>
+        <a:font script="Ethi" typeface="Nyala"/>
+        <a:font script="Beng" typeface="Vrinda"/>
+        <a:font script="Gujr" typeface="Shruti"/>
+        <a:font script="Khmr" typeface="MoolBoran"/>
+        <a:font script="Knda" typeface="Tunga"/>
+        <a:font script="Guru" typeface="Raavi"/>
+        <a:font script="Cans" typeface="Euphemia"/>
+        <a:font script="Cher" typeface="Plantagenet Cherokee"/>
+        <a:font script="Yiii" typeface="Microsoft Yi Baiti"/>
+        <a:font script="Tibt" typeface="Microsoft Himalaya"/>
+        <a:font script="Thaa" typeface="MV Boli"/>
+        <a:font script="Deva" typeface="Mangal"/>
+        <a:font script="Telu" typeface="Gautami"/>
+        <a:font script="Taml" typeface="Latha"/>
+        <a:font script="Syrc" typeface="Estrangelo Edessa"/>
+        <a:font script="Orya" typeface="Kalinga"/>
+        <a:font script="Mlym" typeface="Kartika"/>
+        <a:font script="Laoo" typeface="DokChampa"/>
+        <a:font script="Sinh" typeface="Iskoola Pota"/>
+        <a:font script="Mong" typeface="Mongolian Baiti"/>
+        <a:font script="Viet" typeface="Times New Roman"/>
+        <a:font script="Uigh" typeface="Microsoft Uighur"/>
+        <a:font script="Geor" typeface="Sylfaen"/>
+      </a:majorFont>
+      <a:minorFont>
+        <a:latin typeface="Arial"/>
+        <a:ea typeface=""/>
+        <a:cs typeface=""/>
+        <a:font script="Jpan" typeface="ＭＳ Ｐゴシック"/>
+        <a:font script="Hang" typeface="맑은 고딕"/>
+        <a:font script="Hans" typeface="宋体"/>
+        <a:font script="Hant" typeface="新細明體"/>
+        <a:font script="Arab" typeface="Arial"/>
+        <a:font script="Hebr" typeface="Arial"/>
+        <a:font script="Thai" typeface="Cordia New"/>
+        <a:font script="Ethi" typeface="Nyala"/>
+        <a:font script="Beng" typeface="Vrinda"/>
+        <a:font script="Gujr" typeface="Shruti"/>
+        <a:font script="Khmr" typeface="DaunPenh"/>
+        <a:font script="Knda" typeface="Tunga"/>
+        <a:font script="Guru" typeface="Raavi"/>
+        <a:font script="Cans" typeface="Euphemia"/>
+        <a:font script="Cher" typeface="Plantagenet Cherokee"/>
+        <a:font script="Yiii" typeface="Microsoft Yi Baiti"/>
+        <a:font script="Tibt" typeface="Microsoft Himalaya"/>
+        <a:font script="Thaa" typeface="MV Boli"/>
+        <a:font script="Deva" typeface="Mangal"/>
+        <a:font script="Telu" typeface="Gautami"/>
+        <a:font script="Taml" typeface="Latha"/>
+        <a:font script="Syrc" typeface="Estrangelo Edessa"/>
+        <a:font script="Orya" typeface="Kalinga"/>
+        <a:font script="Mlym" typeface="Kartika"/>
+        <a:font script="Laoo" typeface="DokChampa"/>
+        <a:font script="Sinh" typeface="Iskoola Pota"/>
+        <a:font script="Mong" typeface="Mongolian Baiti"/>
+        <a:font script="Viet" typeface="Arial"/>
+        <a:font script="Uigh" typeface="Microsoft Uighur"/>
+        <a:font script="Geor" typeface="Sylfaen"/>
+      </a:minorFont>
+    </a:fontScheme>
+    <a:fmtScheme name="Office">
+      <a:fillStyleLst>
+        <a:solidFill>
+          <a:schemeClr val="phClr"/>
+        </a:solidFill>
+        <a:gradFill rotWithShape="1">
+          <a:gsLst>
+            <a:gs pos="0">
+              <a:schemeClr val="phClr">
+                <a:tint val="50000"/>
+                <a:satMod val="300000"/>
+              </a:schemeClr>
+            </a:gs>
+            <a:gs pos="35000">
+              <a:schemeClr val="phClr">
+                <a:tint val="37000"/>
+                <a:satMod val="300000"/>
+              </a:schemeClr>
+            </a:gs>
+            <a:gs pos="100000">
+              <a:schemeClr val="phClr">
+                <a:tint val="15000"/>
+                <a:satMod val="350000"/>
+              </a:schemeClr>
+            </a:gs>
+          </a:gsLst>
+          <a:lin ang="16200000" scaled="1"/>
+        </a:gradFill>
+        <a:gradFill rotWithShape="1">
+          <a:gsLst>
+            <a:gs pos="0">
+              <a:schemeClr val="phClr">
+                <a:tint val="100000"/>
+                <a:shade val="100000"/>
+                <a:satMod val="130000"/>
+              </a:schemeClr>
+            </a:gs>
+            <a:gs pos="100000">
+              <a:schemeClr val="phClr">
+                <a:tint val="50000"/>
+                <a:shade val="100000"/>
+                <a:satMod val="350000"/>
+              </a:schemeClr>
+            </a:gs>
+          </a:gsLst>
+          <a:lin ang="16200000" scaled="0"/>
+        </a:gradFill>
+      </a:fillStyleLst>
+      <a:lnStyleLst>
+        <a:ln w="9525" cap="flat" cmpd="sng" algn="ctr">
+          <a:solidFill>
+            <a:schemeClr val="phClr">
+              <a:shade val="95000"/>
+              <a:satMod val="105000"/>
+            </a:schemeClr>
+          </a:solidFill>
+          <a:prstDash val="solid"/>
+        </a:ln>
+        <a:ln w="25400" cap="flat" cmpd="sng" algn="ctr">
+          <a:solidFill>
+            <a:schemeClr val="phClr"/>
+          </a:solidFill>
+          <a:prstDash val="solid"/>
+        </a:ln>
+        <a:ln w="38100" cap="flat" cmpd="sng" algn="ctr">
+          <a:solidFill>
+            <a:schemeClr val="phClr"/>
+          </a:solidFill>
+          <a:prstDash val="solid"/>
+        </a:ln>
+      </a:lnStyleLst>
+      <a:effectStyleLst>
+        <a:effectStyle>
+          <a:effectLst>
+            <a:outerShdw blurRad="40000" dist="20000" dir="5400000" rotWithShape="0">
+              <a:srgbClr val="000000">
+                <a:alpha val="38000"/>
+              </a:srgbClr>
+            </a:outerShdw>
+          </a:effectLst>
+        </a:effectStyle>
+        <a:effectStyle>
+          <a:effectLst>
+            <a:outerShdw blurRad="40000" dist="23000" dir="5400000" rotWithShape="0">
+              <a:srgbClr val="000000">
+                <a:alpha val="35000"/>
+              </a:srgbClr>
+            </a:outerShdw>
+          </a:effectLst>
+        </a:effectStyle>
+        <a:effectStyle>
+          <a:effectLst>
+            <a:outerShdw blurRad="40000" dist="23000" dir="5400000" rotWithShape="0">
+              <a:srgbClr val="000000">
+                <a:alpha val="35000"/>
+              </a:srgbClr>
+            </a:outerShdw>
+          </a:effectLst>
+          <a:scene3d>
+            <a:camera prst="orthographicFront">
+              <a:rot lat="0" lon="0" rev="0"/>
+            </a:camera>
+            <a:lightRig rig="threePt" dir="t">
+              <a:rot lat="0" lon="0" rev="1200000"/>
+            </a:lightRig>
+          </a:scene3d>
+          <a:sp3d>
+            <a:bevelT w="63500" h="25400"/>
+          </a:sp3d>
+        </a:effectStyle>
+      </a:effectStyleLst>
+      <a:bgFillStyleLst>
+        <a:solidFill>
+          <a:schemeClr val="phClr"/>
+        </a:solidFill>
+        <a:gradFill rotWithShape="1">
+          <a:gsLst>
+            <a:gs pos="0">
+              <a:schemeClr val="phClr">
+                <a:tint val="40000"/>
+                <a:satMod val="350000"/>
+              </a:schemeClr>
+            </a:gs>
+            <a:gs pos="40000">
+              <a:schemeClr val="phClr">
+                <a:tint val="45000"/>
+                <a:shade val="99000"/>
+                <a:satMod val="350000"/>
+              </a:schemeClr>
+            </a:gs>
+            <a:gs pos="100000">
+              <a:schemeClr val="phClr">
+                <a:shade val="20000"/>
+                <a:satMod val="255000"/>
+              </a:schemeClr>
+            </a:gs>
+          </a:gsLst>
+          <a:path path="circle">
+            <a:fillToRect l="50000" t="-80000" r="50000" b="180000"/>
+          </a:path>
+        </a:gradFill>
+        <a:gradFill rotWithShape="1">
+          <a:gsLst>
+            <a:gs pos="0">
+              <a:schemeClr val="phClr">
+                <a:tint val="80000"/>
+                <a:satMod val="300000"/>
+              </a:schemeClr>
+            </a:gs>
+            <a:gs pos="100000">
+              <a:schemeClr val="phClr">
+                <a:shade val="30000"/>
+                <a:satMod val="200000"/>
+              </a:schemeClr>
+            </a:gs>
+          </a:gsLst>
+          <a:path path="circle">
+            <a:fillToRect l="50000" t="50000" r="50000" b="50000"/>
+          </a:path>
+        </a:gradFill>
+      </a:bgFillStyleLst>
+    </a:fmtScheme>
+  </a:themeElements>
+</a:theme>
+</file>
+
+<file path=ppt/theme/theme2.xml><?xml version="1.0" encoding="utf-8"?>
 <a:theme xmlns:a="http://schemas.openxmlformats.org/drawingml/2006/main" xmlns:r="http://schemas.openxmlformats.org/officeDocument/2006/relationships" name="Streamline">
   <a:themeElements>
     <a:clrScheme name="Streamline">
@@ -10327,283 +13614,4 @@
     </a:fmtScheme>
   </a:themeElements>
 </a:theme>
-</file>
-
-<file path=ppt/theme/theme2.xml><?xml version="1.0" encoding="utf-8"?>
-<a:theme xmlns:a="http://schemas.openxmlformats.org/drawingml/2006/main" xmlns:r="http://schemas.openxmlformats.org/officeDocument/2006/relationships">
-  <a:themeElements>
-    <a:clrScheme name="Default">
-      <a:dk1>
-        <a:srgbClr val="000000"/>
-      </a:dk1>
-      <a:lt1>
-        <a:srgbClr val="FFFFFF"/>
-      </a:lt1>
-      <a:dk2>
-        <a:srgbClr val="158158"/>
-      </a:dk2>
-      <a:lt2>
-        <a:srgbClr val="F3F3F3"/>
-      </a:lt2>
-      <a:accent1>
-        <a:srgbClr val="058DC7"/>
-      </a:accent1>
-      <a:accent2>
-        <a:srgbClr val="50B432"/>
-      </a:accent2>
-      <a:accent3>
-        <a:srgbClr val="ED561B"/>
-      </a:accent3>
-      <a:accent4>
-        <a:srgbClr val="EDEF00"/>
-      </a:accent4>
-      <a:accent5>
-        <a:srgbClr val="24CBE5"/>
-      </a:accent5>
-      <a:accent6>
-        <a:srgbClr val="64E572"/>
-      </a:accent6>
-      <a:hlink>
-        <a:srgbClr val="2200CC"/>
-      </a:hlink>
-      <a:folHlink>
-        <a:srgbClr val="551A8B"/>
-      </a:folHlink>
-    </a:clrScheme>
-    <a:fontScheme name="Office">
-      <a:majorFont>
-        <a:latin typeface="Arial"/>
-        <a:ea typeface=""/>
-        <a:cs typeface=""/>
-        <a:font script="Jpan" typeface="ＭＳ Ｐゴシック"/>
-        <a:font script="Hang" typeface="맑은 고딕"/>
-        <a:font script="Hans" typeface="宋体"/>
-        <a:font script="Hant" typeface="新細明體"/>
-        <a:font script="Arab" typeface="Times New Roman"/>
-        <a:font script="Hebr" typeface="Times New Roman"/>
-        <a:font script="Thai" typeface="Angsana New"/>
-        <a:font script="Ethi" typeface="Nyala"/>
-        <a:font script="Beng" typeface="Vrinda"/>
-        <a:font script="Gujr" typeface="Shruti"/>
-        <a:font script="Khmr" typeface="MoolBoran"/>
-        <a:font script="Knda" typeface="Tunga"/>
-        <a:font script="Guru" typeface="Raavi"/>
-        <a:font script="Cans" typeface="Euphemia"/>
-        <a:font script="Cher" typeface="Plantagenet Cherokee"/>
-        <a:font script="Yiii" typeface="Microsoft Yi Baiti"/>
-        <a:font script="Tibt" typeface="Microsoft Himalaya"/>
-        <a:font script="Thaa" typeface="MV Boli"/>
-        <a:font script="Deva" typeface="Mangal"/>
-        <a:font script="Telu" typeface="Gautami"/>
-        <a:font script="Taml" typeface="Latha"/>
-        <a:font script="Syrc" typeface="Estrangelo Edessa"/>
-        <a:font script="Orya" typeface="Kalinga"/>
-        <a:font script="Mlym" typeface="Kartika"/>
-        <a:font script="Laoo" typeface="DokChampa"/>
-        <a:font script="Sinh" typeface="Iskoola Pota"/>
-        <a:font script="Mong" typeface="Mongolian Baiti"/>
-        <a:font script="Viet" typeface="Times New Roman"/>
-        <a:font script="Uigh" typeface="Microsoft Uighur"/>
-        <a:font script="Geor" typeface="Sylfaen"/>
-      </a:majorFont>
-      <a:minorFont>
-        <a:latin typeface="Arial"/>
-        <a:ea typeface=""/>
-        <a:cs typeface=""/>
-        <a:font script="Jpan" typeface="ＭＳ Ｐゴシック"/>
-        <a:font script="Hang" typeface="맑은 고딕"/>
-        <a:font script="Hans" typeface="宋体"/>
-        <a:font script="Hant" typeface="新細明體"/>
-        <a:font script="Arab" typeface="Arial"/>
-        <a:font script="Hebr" typeface="Arial"/>
-        <a:font script="Thai" typeface="Cordia New"/>
-        <a:font script="Ethi" typeface="Nyala"/>
-        <a:font script="Beng" typeface="Vrinda"/>
-        <a:font script="Gujr" typeface="Shruti"/>
-        <a:font script="Khmr" typeface="DaunPenh"/>
-        <a:font script="Knda" typeface="Tunga"/>
-        <a:font script="Guru" typeface="Raavi"/>
-        <a:font script="Cans" typeface="Euphemia"/>
-        <a:font script="Cher" typeface="Plantagenet Cherokee"/>
-        <a:font script="Yiii" typeface="Microsoft Yi Baiti"/>
-        <a:font script="Tibt" typeface="Microsoft Himalaya"/>
-        <a:font script="Thaa" typeface="MV Boli"/>
-        <a:font script="Deva" typeface="Mangal"/>
-        <a:font script="Telu" typeface="Gautami"/>
-        <a:font script="Taml" typeface="Latha"/>
-        <a:font script="Syrc" typeface="Estrangelo Edessa"/>
-        <a:font script="Orya" typeface="Kalinga"/>
-        <a:font script="Mlym" typeface="Kartika"/>
-        <a:font script="Laoo" typeface="DokChampa"/>
-        <a:font script="Sinh" typeface="Iskoola Pota"/>
-        <a:font script="Mong" typeface="Mongolian Baiti"/>
-        <a:font script="Viet" typeface="Arial"/>
-        <a:font script="Uigh" typeface="Microsoft Uighur"/>
-        <a:font script="Geor" typeface="Sylfaen"/>
-      </a:minorFont>
-    </a:fontScheme>
-    <a:fmtScheme name="Office">
-      <a:fillStyleLst>
-        <a:solidFill>
-          <a:schemeClr val="phClr"/>
-        </a:solidFill>
-        <a:gradFill rotWithShape="1">
-          <a:gsLst>
-            <a:gs pos="0">
-              <a:schemeClr val="phClr">
-                <a:tint val="50000"/>
-                <a:satMod val="300000"/>
-              </a:schemeClr>
-            </a:gs>
-            <a:gs pos="35000">
-              <a:schemeClr val="phClr">
-                <a:tint val="37000"/>
-                <a:satMod val="300000"/>
-              </a:schemeClr>
-            </a:gs>
-            <a:gs pos="100000">
-              <a:schemeClr val="phClr">
-                <a:tint val="15000"/>
-                <a:satMod val="350000"/>
-              </a:schemeClr>
-            </a:gs>
-          </a:gsLst>
-          <a:lin ang="16200000" scaled="1"/>
-        </a:gradFill>
-        <a:gradFill rotWithShape="1">
-          <a:gsLst>
-            <a:gs pos="0">
-              <a:schemeClr val="phClr">
-                <a:tint val="100000"/>
-                <a:shade val="100000"/>
-                <a:satMod val="130000"/>
-              </a:schemeClr>
-            </a:gs>
-            <a:gs pos="100000">
-              <a:schemeClr val="phClr">
-                <a:tint val="50000"/>
-                <a:shade val="100000"/>
-                <a:satMod val="350000"/>
-              </a:schemeClr>
-            </a:gs>
-          </a:gsLst>
-          <a:lin ang="16200000" scaled="0"/>
-        </a:gradFill>
-      </a:fillStyleLst>
-      <a:lnStyleLst>
-        <a:ln w="9525" cap="flat" cmpd="sng" algn="ctr">
-          <a:solidFill>
-            <a:schemeClr val="phClr">
-              <a:shade val="95000"/>
-              <a:satMod val="105000"/>
-            </a:schemeClr>
-          </a:solidFill>
-          <a:prstDash val="solid"/>
-        </a:ln>
-        <a:ln w="25400" cap="flat" cmpd="sng" algn="ctr">
-          <a:solidFill>
-            <a:schemeClr val="phClr"/>
-          </a:solidFill>
-          <a:prstDash val="solid"/>
-        </a:ln>
-        <a:ln w="38100" cap="flat" cmpd="sng" algn="ctr">
-          <a:solidFill>
-            <a:schemeClr val="phClr"/>
-          </a:solidFill>
-          <a:prstDash val="solid"/>
-        </a:ln>
-      </a:lnStyleLst>
-      <a:effectStyleLst>
-        <a:effectStyle>
-          <a:effectLst>
-            <a:outerShdw blurRad="40000" dist="20000" dir="5400000" rotWithShape="0">
-              <a:srgbClr val="000000">
-                <a:alpha val="38000"/>
-              </a:srgbClr>
-            </a:outerShdw>
-          </a:effectLst>
-        </a:effectStyle>
-        <a:effectStyle>
-          <a:effectLst>
-            <a:outerShdw blurRad="40000" dist="23000" dir="5400000" rotWithShape="0">
-              <a:srgbClr val="000000">
-                <a:alpha val="35000"/>
-              </a:srgbClr>
-            </a:outerShdw>
-          </a:effectLst>
-        </a:effectStyle>
-        <a:effectStyle>
-          <a:effectLst>
-            <a:outerShdw blurRad="40000" dist="23000" dir="5400000" rotWithShape="0">
-              <a:srgbClr val="000000">
-                <a:alpha val="35000"/>
-              </a:srgbClr>
-            </a:outerShdw>
-          </a:effectLst>
-          <a:scene3d>
-            <a:camera prst="orthographicFront">
-              <a:rot lat="0" lon="0" rev="0"/>
-            </a:camera>
-            <a:lightRig rig="threePt" dir="t">
-              <a:rot lat="0" lon="0" rev="1200000"/>
-            </a:lightRig>
-          </a:scene3d>
-          <a:sp3d>
-            <a:bevelT w="63500" h="25400"/>
-          </a:sp3d>
-        </a:effectStyle>
-      </a:effectStyleLst>
-      <a:bgFillStyleLst>
-        <a:solidFill>
-          <a:schemeClr val="phClr"/>
-        </a:solidFill>
-        <a:gradFill rotWithShape="1">
-          <a:gsLst>
-            <a:gs pos="0">
-              <a:schemeClr val="phClr">
-                <a:tint val="40000"/>
-                <a:satMod val="350000"/>
-              </a:schemeClr>
-            </a:gs>
-            <a:gs pos="40000">
-              <a:schemeClr val="phClr">
-                <a:tint val="45000"/>
-                <a:shade val="99000"/>
-                <a:satMod val="350000"/>
-              </a:schemeClr>
-            </a:gs>
-            <a:gs pos="100000">
-              <a:schemeClr val="phClr">
-                <a:shade val="20000"/>
-                <a:satMod val="255000"/>
-              </a:schemeClr>
-            </a:gs>
-          </a:gsLst>
-          <a:path path="circle">
-            <a:fillToRect l="50000" t="-80000" r="50000" b="180000"/>
-          </a:path>
-        </a:gradFill>
-        <a:gradFill rotWithShape="1">
-          <a:gsLst>
-            <a:gs pos="0">
-              <a:schemeClr val="phClr">
-                <a:tint val="80000"/>
-                <a:satMod val="300000"/>
-              </a:schemeClr>
-            </a:gs>
-            <a:gs pos="100000">
-              <a:schemeClr val="phClr">
-                <a:shade val="30000"/>
-                <a:satMod val="200000"/>
-              </a:schemeClr>
-            </a:gs>
-          </a:gsLst>
-          <a:path path="circle">
-            <a:fillToRect l="50000" t="50000" r="50000" b="50000"/>
-          </a:path>
-        </a:gradFill>
-      </a:bgFillStyleLst>
-    </a:fmtScheme>
-  </a:themeElements>
-</a:theme>
 </file>